--- a/Presentation/Git Gud 2.pptx
+++ b/Presentation/Git Gud 2.pptx
@@ -106,6 +106,11 @@
       </a:defRPr>
     </a:lvl9pPr>
   </p:defaultTextStyle>
+  <p:extLst>
+    <p:ext uri="{EFAFB233-063F-42B5-8137-9DF3F51BA10A}">
+      <p15:sldGuideLst xmlns:p15="http://schemas.microsoft.com/office/powerpoint/2012/main"/>
+    </p:ext>
+  </p:extLst>
 </p:presentation>
 </file>
 
@@ -3987,35 +3992,180 @@
           <a:lstStyle/>
           <a:p>
             <a:r>
+              <a:rPr lang="en-US"/>
+              <a:t>Que diablos es Git?</a:t>
+            </a:r>
+            <a:endParaRPr lang="es-419" dirty="0"/>
+          </a:p>
+        </p:txBody>
+      </p:sp>
+      <p:sp>
+        <p:nvSpPr>
+          <p:cNvPr id="3" name="Content Placeholder 2">
+            <a:extLst>
+              <a:ext uri="{FF2B5EF4-FFF2-40B4-BE49-F238E27FC236}">
+                <a16:creationId xmlns:a16="http://schemas.microsoft.com/office/drawing/2014/main" id="{41A110BD-6FF3-4FD1-8DCB-47173E51DCAC}"/>
+              </a:ext>
+            </a:extLst>
+          </p:cNvPr>
+          <p:cNvSpPr>
+            <a:spLocks noGrp="1"/>
+          </p:cNvSpPr>
+          <p:nvPr>
+            <p:ph idx="1"/>
+          </p:nvPr>
+        </p:nvSpPr>
+        <p:spPr>
+          <a:xfrm>
+            <a:off x="838200" y="1554519"/>
+            <a:ext cx="9031013" cy="2010651"/>
+          </a:xfrm>
+        </p:spPr>
+        <p:txBody>
+          <a:bodyPr>
+            <a:normAutofit/>
+          </a:bodyPr>
+          <a:lstStyle/>
+          <a:p>
+            <a:r>
+              <a:rPr lang="en-US" sz="1800" dirty="0"/>
+              <a:t>Sistema de control de </a:t>
+            </a:r>
+            <a:r>
+              <a:rPr lang="en-US" sz="1800" dirty="0" err="1"/>
+              <a:t>versiones</a:t>
+            </a:r>
+            <a:endParaRPr lang="en-US" sz="1800" dirty="0"/>
+          </a:p>
+          <a:p>
+            <a:r>
+              <a:rPr lang="en-US" sz="1800" dirty="0" err="1"/>
+              <a:t>Creado</a:t>
+            </a:r>
+            <a:r>
+              <a:rPr lang="en-US" sz="1800" dirty="0"/>
+              <a:t> por San Linus Torvalds (</a:t>
+            </a:r>
+            <a:r>
+              <a:rPr lang="en-US" sz="1800" dirty="0" err="1"/>
+              <a:t>Creador</a:t>
+            </a:r>
+            <a:r>
+              <a:rPr lang="en-US" sz="1800" dirty="0"/>
+              <a:t> de </a:t>
+            </a:r>
+            <a:r>
+              <a:rPr lang="en-US" sz="1800" dirty="0" err="1"/>
+              <a:t>linux</a:t>
+            </a:r>
+            <a:r>
+              <a:rPr lang="en-US" sz="1800" dirty="0"/>
+              <a:t> y el pan con queso)</a:t>
+            </a:r>
+          </a:p>
+          <a:p>
+            <a:r>
+              <a:rPr lang="es-419" sz="1800" dirty="0"/>
+              <a:t>Creado con odio puro para reemplazar </a:t>
+            </a:r>
+            <a:r>
+              <a:rPr lang="es-419" sz="1800" dirty="0" err="1"/>
+              <a:t>BitKeeper</a:t>
+            </a:r>
+            <a:endParaRPr lang="es-419" sz="1800" dirty="0"/>
+          </a:p>
+          <a:p>
+            <a:r>
+              <a:rPr lang="es-419" sz="1800" dirty="0"/>
+              <a:t>Git significa ‘persona desagradable’ en British English </a:t>
+            </a:r>
+            <a:r>
+              <a:rPr lang="es-419" sz="1800" dirty="0" err="1"/>
+              <a:t>Slang</a:t>
+            </a:r>
+            <a:endParaRPr lang="es-419" sz="1800" dirty="0"/>
+          </a:p>
+          <a:p>
+            <a:endParaRPr lang="es-419" sz="1800" dirty="0"/>
+          </a:p>
+        </p:txBody>
+      </p:sp>
+      <p:pic>
+        <p:nvPicPr>
+          <p:cNvPr id="4" name="Picture 3">
+            <a:extLst>
+              <a:ext uri="{FF2B5EF4-FFF2-40B4-BE49-F238E27FC236}">
+                <a16:creationId xmlns:a16="http://schemas.microsoft.com/office/drawing/2014/main" id="{07C1555E-864A-4136-8737-4BC35C6BB46C}"/>
+              </a:ext>
+            </a:extLst>
+          </p:cNvPr>
+          <p:cNvPicPr>
+            <a:picLocks noChangeAspect="1"/>
+          </p:cNvPicPr>
+          <p:nvPr/>
+        </p:nvPicPr>
+        <p:blipFill>
+          <a:blip r:embed="rId2"/>
+          <a:stretch>
+            <a:fillRect/>
+          </a:stretch>
+        </p:blipFill>
+        <p:spPr>
+          <a:xfrm>
+            <a:off x="7129608" y="3429000"/>
+            <a:ext cx="4953691" cy="3248478"/>
+          </a:xfrm>
+          <a:prstGeom prst="rect">
+            <a:avLst/>
+          </a:prstGeom>
+        </p:spPr>
+      </p:pic>
+      <p:sp>
+        <p:nvSpPr>
+          <p:cNvPr id="5" name="TextBox 4">
+            <a:extLst>
+              <a:ext uri="{FF2B5EF4-FFF2-40B4-BE49-F238E27FC236}">
+                <a16:creationId xmlns:a16="http://schemas.microsoft.com/office/drawing/2014/main" id="{1216288E-CC82-4D4A-B888-E310C3AC3AC7}"/>
+              </a:ext>
+            </a:extLst>
+          </p:cNvPr>
+          <p:cNvSpPr txBox="1"/>
+          <p:nvPr/>
+        </p:nvSpPr>
+        <p:spPr>
+          <a:xfrm>
+            <a:off x="838200" y="5754148"/>
+            <a:ext cx="5486400" cy="1200329"/>
+          </a:xfrm>
+          <a:prstGeom prst="rect">
+            <a:avLst/>
+          </a:prstGeom>
+          <a:noFill/>
+        </p:spPr>
+        <p:txBody>
+          <a:bodyPr wrap="square" rtlCol="0">
+            <a:spAutoFit/>
+          </a:bodyPr>
+          <a:lstStyle/>
+          <a:p>
+            <a:r>
               <a:rPr lang="en-US" dirty="0"/>
-              <a:t>Que diablos es Git?</a:t>
-            </a:r>
+              <a:t>"I'm an egotistical bastard, and I name all my projects after myself. First ‘Linux', now 'git’.”</a:t>
+            </a:r>
+            <a:r>
+              <a:rPr lang="es-419" dirty="0"/>
+              <a:t> </a:t>
+            </a:r>
+          </a:p>
+          <a:p>
+            <a:r>
+              <a:rPr lang="es-419" dirty="0"/>
+              <a:t>- Linus Torvalds</a:t>
+            </a:r>
+            <a:endParaRPr lang="en-US" dirty="0"/>
+          </a:p>
+          <a:p>
             <a:endParaRPr lang="es-419" dirty="0"/>
-          </a:p>
-        </p:txBody>
-      </p:sp>
-      <p:sp>
-        <p:nvSpPr>
-          <p:cNvPr id="3" name="Content Placeholder 2">
-            <a:extLst>
-              <a:ext uri="{FF2B5EF4-FFF2-40B4-BE49-F238E27FC236}">
-                <a16:creationId xmlns:a16="http://schemas.microsoft.com/office/drawing/2014/main" id="{41A110BD-6FF3-4FD1-8DCB-47173E51DCAC}"/>
-              </a:ext>
-            </a:extLst>
-          </p:cNvPr>
-          <p:cNvSpPr>
-            <a:spLocks noGrp="1"/>
-          </p:cNvSpPr>
-          <p:nvPr>
-            <p:ph idx="1"/>
-          </p:nvPr>
-        </p:nvSpPr>
-        <p:spPr/>
-        <p:txBody>
-          <a:bodyPr/>
-          <a:lstStyle/>
-          <a:p>
-            <a:endParaRPr lang="es-419"/>
           </a:p>
         </p:txBody>
       </p:sp>

--- a/Presentation/Git Gud 2.pptx
+++ b/Presentation/Git Gud 2.pptx
@@ -3992,8 +3992,16 @@
           <a:lstStyle/>
           <a:p>
             <a:r>
-              <a:rPr lang="en-US"/>
-              <a:t>Que diablos es Git?</a:t>
+              <a:rPr lang="en-US" dirty="0"/>
+              <a:t>¿Qu</a:t>
+            </a:r>
+            <a:r>
+              <a:rPr lang="es-419" dirty="0"/>
+              <a:t>é</a:t>
+            </a:r>
+            <a:r>
+              <a:rPr lang="en-US" dirty="0"/>
+              <a:t> diablos es Git?</a:t>
             </a:r>
             <a:endParaRPr lang="es-419" dirty="0"/>
           </a:p>

--- a/Presentation/Git Gud 2.pptx
+++ b/Presentation/Git Gud 2.pptx
@@ -8,6 +8,12 @@
     <p:sldId id="256" r:id="rId2"/>
     <p:sldId id="257" r:id="rId3"/>
     <p:sldId id="258" r:id="rId4"/>
+    <p:sldId id="263" r:id="rId5"/>
+    <p:sldId id="259" r:id="rId6"/>
+    <p:sldId id="260" r:id="rId7"/>
+    <p:sldId id="261" r:id="rId8"/>
+    <p:sldId id="262" r:id="rId9"/>
+    <p:sldId id="264" r:id="rId10"/>
   </p:sldIdLst>
   <p:sldSz cx="12192000" cy="6858000"/>
   <p:notesSz cx="6858000" cy="9144000"/>
@@ -4228,7 +4234,23 @@
           <a:bodyPr/>
           <a:lstStyle/>
           <a:p>
-            <a:endParaRPr lang="es-419"/>
+            <a:r>
+              <a:rPr lang="es-419" dirty="0"/>
+              <a:t>Conceptos clave</a:t>
+            </a:r>
+            <a:r>
+              <a:rPr lang="en-US" dirty="0"/>
+              <a:t>: </a:t>
+            </a:r>
+            <a:r>
+              <a:rPr lang="en-US" dirty="0" err="1"/>
+              <a:t>Versi</a:t>
+            </a:r>
+            <a:r>
+              <a:rPr lang="es-419" dirty="0" err="1"/>
+              <a:t>ón</a:t>
+            </a:r>
+            <a:endParaRPr lang="es-419" dirty="0"/>
           </a:p>
         </p:txBody>
       </p:sp>
@@ -4253,7 +4275,13 @@
           <a:bodyPr/>
           <a:lstStyle/>
           <a:p>
-            <a:endParaRPr lang="es-419"/>
+            <a:pPr marL="0" indent="0">
+              <a:buNone/>
+            </a:pPr>
+            <a:r>
+              <a:rPr lang="es-419" dirty="0"/>
+              <a:t> </a:t>
+            </a:r>
           </a:p>
         </p:txBody>
       </p:sp>
@@ -4261,6 +4289,578 @@
     <p:extLst>
       <p:ext uri="{BB962C8B-B14F-4D97-AF65-F5344CB8AC3E}">
         <p14:creationId xmlns:p14="http://schemas.microsoft.com/office/powerpoint/2010/main" val="726517786"/>
+      </p:ext>
+    </p:extLst>
+  </p:cSld>
+  <p:clrMapOvr>
+    <a:masterClrMapping/>
+  </p:clrMapOvr>
+</p:sld>
+</file>
+
+<file path=ppt/slides/slide4.xml><?xml version="1.0" encoding="utf-8"?>
+<p:sld xmlns:a="http://schemas.openxmlformats.org/drawingml/2006/main" xmlns:r="http://schemas.openxmlformats.org/officeDocument/2006/relationships" xmlns:p="http://schemas.openxmlformats.org/presentationml/2006/main">
+  <p:cSld>
+    <p:spTree>
+      <p:nvGrpSpPr>
+        <p:cNvPr id="1" name=""/>
+        <p:cNvGrpSpPr/>
+        <p:nvPr/>
+      </p:nvGrpSpPr>
+      <p:grpSpPr>
+        <a:xfrm>
+          <a:off x="0" y="0"/>
+          <a:ext cx="0" cy="0"/>
+          <a:chOff x="0" y="0"/>
+          <a:chExt cx="0" cy="0"/>
+        </a:xfrm>
+      </p:grpSpPr>
+      <p:sp>
+        <p:nvSpPr>
+          <p:cNvPr id="2" name="Title 1">
+            <a:extLst>
+              <a:ext uri="{FF2B5EF4-FFF2-40B4-BE49-F238E27FC236}">
+                <a16:creationId xmlns:a16="http://schemas.microsoft.com/office/drawing/2014/main" id="{E94C24EB-7ECC-4ECF-9E67-D3422B6EC4F8}"/>
+              </a:ext>
+            </a:extLst>
+          </p:cNvPr>
+          <p:cNvSpPr>
+            <a:spLocks noGrp="1"/>
+          </p:cNvSpPr>
+          <p:nvPr>
+            <p:ph type="title"/>
+          </p:nvPr>
+        </p:nvSpPr>
+        <p:spPr/>
+        <p:txBody>
+          <a:bodyPr/>
+          <a:lstStyle/>
+          <a:p>
+            <a:r>
+              <a:rPr lang="es-419" dirty="0"/>
+              <a:t>Conceptos clave</a:t>
+            </a:r>
+            <a:r>
+              <a:rPr lang="en-US" dirty="0"/>
+              <a:t>: </a:t>
+            </a:r>
+            <a:r>
+              <a:rPr lang="en-US" dirty="0" err="1"/>
+              <a:t>Repositorio</a:t>
+            </a:r>
+            <a:endParaRPr lang="es-419" dirty="0"/>
+          </a:p>
+        </p:txBody>
+      </p:sp>
+      <p:sp>
+        <p:nvSpPr>
+          <p:cNvPr id="3" name="Content Placeholder 2">
+            <a:extLst>
+              <a:ext uri="{FF2B5EF4-FFF2-40B4-BE49-F238E27FC236}">
+                <a16:creationId xmlns:a16="http://schemas.microsoft.com/office/drawing/2014/main" id="{4C8A22F4-750C-4E9A-B539-BC08DBA1AC78}"/>
+              </a:ext>
+            </a:extLst>
+          </p:cNvPr>
+          <p:cNvSpPr>
+            <a:spLocks noGrp="1"/>
+          </p:cNvSpPr>
+          <p:nvPr>
+            <p:ph idx="1"/>
+          </p:nvPr>
+        </p:nvSpPr>
+        <p:spPr/>
+        <p:txBody>
+          <a:bodyPr/>
+          <a:lstStyle/>
+          <a:p>
+            <a:pPr marL="0" indent="0">
+              <a:buNone/>
+            </a:pPr>
+            <a:r>
+              <a:rPr lang="es-419" dirty="0"/>
+              <a:t> </a:t>
+            </a:r>
+          </a:p>
+        </p:txBody>
+      </p:sp>
+    </p:spTree>
+    <p:extLst>
+      <p:ext uri="{BB962C8B-B14F-4D97-AF65-F5344CB8AC3E}">
+        <p14:creationId xmlns:p14="http://schemas.microsoft.com/office/powerpoint/2010/main" val="2716738770"/>
+      </p:ext>
+    </p:extLst>
+  </p:cSld>
+  <p:clrMapOvr>
+    <a:masterClrMapping/>
+  </p:clrMapOvr>
+</p:sld>
+</file>
+
+<file path=ppt/slides/slide5.xml><?xml version="1.0" encoding="utf-8"?>
+<p:sld xmlns:a="http://schemas.openxmlformats.org/drawingml/2006/main" xmlns:r="http://schemas.openxmlformats.org/officeDocument/2006/relationships" xmlns:p="http://schemas.openxmlformats.org/presentationml/2006/main">
+  <p:cSld>
+    <p:spTree>
+      <p:nvGrpSpPr>
+        <p:cNvPr id="1" name=""/>
+        <p:cNvGrpSpPr/>
+        <p:nvPr/>
+      </p:nvGrpSpPr>
+      <p:grpSpPr>
+        <a:xfrm>
+          <a:off x="0" y="0"/>
+          <a:ext cx="0" cy="0"/>
+          <a:chOff x="0" y="0"/>
+          <a:chExt cx="0" cy="0"/>
+        </a:xfrm>
+      </p:grpSpPr>
+      <p:sp>
+        <p:nvSpPr>
+          <p:cNvPr id="2" name="Title 1">
+            <a:extLst>
+              <a:ext uri="{FF2B5EF4-FFF2-40B4-BE49-F238E27FC236}">
+                <a16:creationId xmlns:a16="http://schemas.microsoft.com/office/drawing/2014/main" id="{E94C24EB-7ECC-4ECF-9E67-D3422B6EC4F8}"/>
+              </a:ext>
+            </a:extLst>
+          </p:cNvPr>
+          <p:cNvSpPr>
+            <a:spLocks noGrp="1"/>
+          </p:cNvSpPr>
+          <p:nvPr>
+            <p:ph type="title"/>
+          </p:nvPr>
+        </p:nvSpPr>
+        <p:spPr/>
+        <p:txBody>
+          <a:bodyPr/>
+          <a:lstStyle/>
+          <a:p>
+            <a:r>
+              <a:rPr lang="es-419" dirty="0"/>
+              <a:t>Conceptos clave</a:t>
+            </a:r>
+            <a:r>
+              <a:rPr lang="en-US" dirty="0"/>
+              <a:t>: Control de </a:t>
+            </a:r>
+            <a:r>
+              <a:rPr lang="en-US" dirty="0" err="1"/>
+              <a:t>Versiones</a:t>
+            </a:r>
+            <a:endParaRPr lang="es-419" dirty="0"/>
+          </a:p>
+        </p:txBody>
+      </p:sp>
+      <p:sp>
+        <p:nvSpPr>
+          <p:cNvPr id="3" name="Content Placeholder 2">
+            <a:extLst>
+              <a:ext uri="{FF2B5EF4-FFF2-40B4-BE49-F238E27FC236}">
+                <a16:creationId xmlns:a16="http://schemas.microsoft.com/office/drawing/2014/main" id="{4C8A22F4-750C-4E9A-B539-BC08DBA1AC78}"/>
+              </a:ext>
+            </a:extLst>
+          </p:cNvPr>
+          <p:cNvSpPr>
+            <a:spLocks noGrp="1"/>
+          </p:cNvSpPr>
+          <p:nvPr>
+            <p:ph idx="1"/>
+          </p:nvPr>
+        </p:nvSpPr>
+        <p:spPr/>
+        <p:txBody>
+          <a:bodyPr/>
+          <a:lstStyle/>
+          <a:p>
+            <a:pPr marL="0" indent="0">
+              <a:buNone/>
+            </a:pPr>
+            <a:r>
+              <a:rPr lang="es-419" dirty="0"/>
+              <a:t> </a:t>
+            </a:r>
+          </a:p>
+        </p:txBody>
+      </p:sp>
+    </p:spTree>
+    <p:extLst>
+      <p:ext uri="{BB962C8B-B14F-4D97-AF65-F5344CB8AC3E}">
+        <p14:creationId xmlns:p14="http://schemas.microsoft.com/office/powerpoint/2010/main" val="3403797311"/>
+      </p:ext>
+    </p:extLst>
+  </p:cSld>
+  <p:clrMapOvr>
+    <a:masterClrMapping/>
+  </p:clrMapOvr>
+</p:sld>
+</file>
+
+<file path=ppt/slides/slide6.xml><?xml version="1.0" encoding="utf-8"?>
+<p:sld xmlns:a="http://schemas.openxmlformats.org/drawingml/2006/main" xmlns:r="http://schemas.openxmlformats.org/officeDocument/2006/relationships" xmlns:p="http://schemas.openxmlformats.org/presentationml/2006/main">
+  <p:cSld>
+    <p:spTree>
+      <p:nvGrpSpPr>
+        <p:cNvPr id="1" name=""/>
+        <p:cNvGrpSpPr/>
+        <p:nvPr/>
+      </p:nvGrpSpPr>
+      <p:grpSpPr>
+        <a:xfrm>
+          <a:off x="0" y="0"/>
+          <a:ext cx="0" cy="0"/>
+          <a:chOff x="0" y="0"/>
+          <a:chExt cx="0" cy="0"/>
+        </a:xfrm>
+      </p:grpSpPr>
+      <p:sp>
+        <p:nvSpPr>
+          <p:cNvPr id="2" name="Title 1">
+            <a:extLst>
+              <a:ext uri="{FF2B5EF4-FFF2-40B4-BE49-F238E27FC236}">
+                <a16:creationId xmlns:a16="http://schemas.microsoft.com/office/drawing/2014/main" id="{E94C24EB-7ECC-4ECF-9E67-D3422B6EC4F8}"/>
+              </a:ext>
+            </a:extLst>
+          </p:cNvPr>
+          <p:cNvSpPr>
+            <a:spLocks noGrp="1"/>
+          </p:cNvSpPr>
+          <p:nvPr>
+            <p:ph type="title"/>
+          </p:nvPr>
+        </p:nvSpPr>
+        <p:spPr/>
+        <p:txBody>
+          <a:bodyPr/>
+          <a:lstStyle/>
+          <a:p>
+            <a:r>
+              <a:rPr lang="es-419" dirty="0"/>
+              <a:t>Conceptos clave</a:t>
+            </a:r>
+            <a:r>
+              <a:rPr lang="en-US" dirty="0"/>
+              <a:t>: Commit</a:t>
+            </a:r>
+            <a:endParaRPr lang="es-419" dirty="0"/>
+          </a:p>
+        </p:txBody>
+      </p:sp>
+      <p:sp>
+        <p:nvSpPr>
+          <p:cNvPr id="3" name="Content Placeholder 2">
+            <a:extLst>
+              <a:ext uri="{FF2B5EF4-FFF2-40B4-BE49-F238E27FC236}">
+                <a16:creationId xmlns:a16="http://schemas.microsoft.com/office/drawing/2014/main" id="{4C8A22F4-750C-4E9A-B539-BC08DBA1AC78}"/>
+              </a:ext>
+            </a:extLst>
+          </p:cNvPr>
+          <p:cNvSpPr>
+            <a:spLocks noGrp="1"/>
+          </p:cNvSpPr>
+          <p:nvPr>
+            <p:ph idx="1"/>
+          </p:nvPr>
+        </p:nvSpPr>
+        <p:spPr/>
+        <p:txBody>
+          <a:bodyPr/>
+          <a:lstStyle/>
+          <a:p>
+            <a:pPr marL="0" indent="0">
+              <a:buNone/>
+            </a:pPr>
+            <a:r>
+              <a:rPr lang="es-419" dirty="0"/>
+              <a:t> </a:t>
+            </a:r>
+          </a:p>
+        </p:txBody>
+      </p:sp>
+    </p:spTree>
+    <p:extLst>
+      <p:ext uri="{BB962C8B-B14F-4D97-AF65-F5344CB8AC3E}">
+        <p14:creationId xmlns:p14="http://schemas.microsoft.com/office/powerpoint/2010/main" val="1752529886"/>
+      </p:ext>
+    </p:extLst>
+  </p:cSld>
+  <p:clrMapOvr>
+    <a:masterClrMapping/>
+  </p:clrMapOvr>
+</p:sld>
+</file>
+
+<file path=ppt/slides/slide7.xml><?xml version="1.0" encoding="utf-8"?>
+<p:sld xmlns:a="http://schemas.openxmlformats.org/drawingml/2006/main" xmlns:r="http://schemas.openxmlformats.org/officeDocument/2006/relationships" xmlns:p="http://schemas.openxmlformats.org/presentationml/2006/main">
+  <p:cSld>
+    <p:spTree>
+      <p:nvGrpSpPr>
+        <p:cNvPr id="1" name=""/>
+        <p:cNvGrpSpPr/>
+        <p:nvPr/>
+      </p:nvGrpSpPr>
+      <p:grpSpPr>
+        <a:xfrm>
+          <a:off x="0" y="0"/>
+          <a:ext cx="0" cy="0"/>
+          <a:chOff x="0" y="0"/>
+          <a:chExt cx="0" cy="0"/>
+        </a:xfrm>
+      </p:grpSpPr>
+      <p:sp>
+        <p:nvSpPr>
+          <p:cNvPr id="2" name="Title 1">
+            <a:extLst>
+              <a:ext uri="{FF2B5EF4-FFF2-40B4-BE49-F238E27FC236}">
+                <a16:creationId xmlns:a16="http://schemas.microsoft.com/office/drawing/2014/main" id="{E94C24EB-7ECC-4ECF-9E67-D3422B6EC4F8}"/>
+              </a:ext>
+            </a:extLst>
+          </p:cNvPr>
+          <p:cNvSpPr>
+            <a:spLocks noGrp="1"/>
+          </p:cNvSpPr>
+          <p:nvPr>
+            <p:ph type="title"/>
+          </p:nvPr>
+        </p:nvSpPr>
+        <p:spPr/>
+        <p:txBody>
+          <a:bodyPr/>
+          <a:lstStyle/>
+          <a:p>
+            <a:r>
+              <a:rPr lang="es-419" dirty="0"/>
+              <a:t>Conceptos clave</a:t>
+            </a:r>
+            <a:r>
+              <a:rPr lang="en-US" dirty="0"/>
+              <a:t>: Push/Pull</a:t>
+            </a:r>
+            <a:endParaRPr lang="es-419" dirty="0"/>
+          </a:p>
+        </p:txBody>
+      </p:sp>
+      <p:sp>
+        <p:nvSpPr>
+          <p:cNvPr id="3" name="Content Placeholder 2">
+            <a:extLst>
+              <a:ext uri="{FF2B5EF4-FFF2-40B4-BE49-F238E27FC236}">
+                <a16:creationId xmlns:a16="http://schemas.microsoft.com/office/drawing/2014/main" id="{4C8A22F4-750C-4E9A-B539-BC08DBA1AC78}"/>
+              </a:ext>
+            </a:extLst>
+          </p:cNvPr>
+          <p:cNvSpPr>
+            <a:spLocks noGrp="1"/>
+          </p:cNvSpPr>
+          <p:nvPr>
+            <p:ph idx="1"/>
+          </p:nvPr>
+        </p:nvSpPr>
+        <p:spPr/>
+        <p:txBody>
+          <a:bodyPr/>
+          <a:lstStyle/>
+          <a:p>
+            <a:pPr marL="0" indent="0">
+              <a:buNone/>
+            </a:pPr>
+            <a:r>
+              <a:rPr lang="es-419" dirty="0"/>
+              <a:t> </a:t>
+            </a:r>
+          </a:p>
+        </p:txBody>
+      </p:sp>
+    </p:spTree>
+    <p:extLst>
+      <p:ext uri="{BB962C8B-B14F-4D97-AF65-F5344CB8AC3E}">
+        <p14:creationId xmlns:p14="http://schemas.microsoft.com/office/powerpoint/2010/main" val="2560665782"/>
+      </p:ext>
+    </p:extLst>
+  </p:cSld>
+  <p:clrMapOvr>
+    <a:masterClrMapping/>
+  </p:clrMapOvr>
+</p:sld>
+</file>
+
+<file path=ppt/slides/slide8.xml><?xml version="1.0" encoding="utf-8"?>
+<p:sld xmlns:a="http://schemas.openxmlformats.org/drawingml/2006/main" xmlns:r="http://schemas.openxmlformats.org/officeDocument/2006/relationships" xmlns:p="http://schemas.openxmlformats.org/presentationml/2006/main">
+  <p:cSld>
+    <p:spTree>
+      <p:nvGrpSpPr>
+        <p:cNvPr id="1" name=""/>
+        <p:cNvGrpSpPr/>
+        <p:nvPr/>
+      </p:nvGrpSpPr>
+      <p:grpSpPr>
+        <a:xfrm>
+          <a:off x="0" y="0"/>
+          <a:ext cx="0" cy="0"/>
+          <a:chOff x="0" y="0"/>
+          <a:chExt cx="0" cy="0"/>
+        </a:xfrm>
+      </p:grpSpPr>
+      <p:sp>
+        <p:nvSpPr>
+          <p:cNvPr id="2" name="Title 1">
+            <a:extLst>
+              <a:ext uri="{FF2B5EF4-FFF2-40B4-BE49-F238E27FC236}">
+                <a16:creationId xmlns:a16="http://schemas.microsoft.com/office/drawing/2014/main" id="{E94C24EB-7ECC-4ECF-9E67-D3422B6EC4F8}"/>
+              </a:ext>
+            </a:extLst>
+          </p:cNvPr>
+          <p:cNvSpPr>
+            <a:spLocks noGrp="1"/>
+          </p:cNvSpPr>
+          <p:nvPr>
+            <p:ph type="title"/>
+          </p:nvPr>
+        </p:nvSpPr>
+        <p:spPr/>
+        <p:txBody>
+          <a:bodyPr/>
+          <a:lstStyle/>
+          <a:p>
+            <a:r>
+              <a:rPr lang="es-419" dirty="0"/>
+              <a:t>Conceptos clave</a:t>
+            </a:r>
+            <a:r>
+              <a:rPr lang="en-US" dirty="0"/>
+              <a:t>: Branch</a:t>
+            </a:r>
+            <a:endParaRPr lang="es-419" dirty="0"/>
+          </a:p>
+        </p:txBody>
+      </p:sp>
+      <p:sp>
+        <p:nvSpPr>
+          <p:cNvPr id="3" name="Content Placeholder 2">
+            <a:extLst>
+              <a:ext uri="{FF2B5EF4-FFF2-40B4-BE49-F238E27FC236}">
+                <a16:creationId xmlns:a16="http://schemas.microsoft.com/office/drawing/2014/main" id="{4C8A22F4-750C-4E9A-B539-BC08DBA1AC78}"/>
+              </a:ext>
+            </a:extLst>
+          </p:cNvPr>
+          <p:cNvSpPr>
+            <a:spLocks noGrp="1"/>
+          </p:cNvSpPr>
+          <p:nvPr>
+            <p:ph idx="1"/>
+          </p:nvPr>
+        </p:nvSpPr>
+        <p:spPr/>
+        <p:txBody>
+          <a:bodyPr/>
+          <a:lstStyle/>
+          <a:p>
+            <a:pPr marL="0" indent="0">
+              <a:buNone/>
+            </a:pPr>
+            <a:r>
+              <a:rPr lang="es-419" dirty="0"/>
+              <a:t> </a:t>
+            </a:r>
+          </a:p>
+        </p:txBody>
+      </p:sp>
+    </p:spTree>
+    <p:extLst>
+      <p:ext uri="{BB962C8B-B14F-4D97-AF65-F5344CB8AC3E}">
+        <p14:creationId xmlns:p14="http://schemas.microsoft.com/office/powerpoint/2010/main" val="3816666332"/>
+      </p:ext>
+    </p:extLst>
+  </p:cSld>
+  <p:clrMapOvr>
+    <a:masterClrMapping/>
+  </p:clrMapOvr>
+</p:sld>
+</file>
+
+<file path=ppt/slides/slide9.xml><?xml version="1.0" encoding="utf-8"?>
+<p:sld xmlns:a="http://schemas.openxmlformats.org/drawingml/2006/main" xmlns:r="http://schemas.openxmlformats.org/officeDocument/2006/relationships" xmlns:p="http://schemas.openxmlformats.org/presentationml/2006/main">
+  <p:cSld>
+    <p:spTree>
+      <p:nvGrpSpPr>
+        <p:cNvPr id="1" name=""/>
+        <p:cNvGrpSpPr/>
+        <p:nvPr/>
+      </p:nvGrpSpPr>
+      <p:grpSpPr>
+        <a:xfrm>
+          <a:off x="0" y="0"/>
+          <a:ext cx="0" cy="0"/>
+          <a:chOff x="0" y="0"/>
+          <a:chExt cx="0" cy="0"/>
+        </a:xfrm>
+      </p:grpSpPr>
+      <p:sp>
+        <p:nvSpPr>
+          <p:cNvPr id="2" name="Title 1">
+            <a:extLst>
+              <a:ext uri="{FF2B5EF4-FFF2-40B4-BE49-F238E27FC236}">
+                <a16:creationId xmlns:a16="http://schemas.microsoft.com/office/drawing/2014/main" id="{E94C24EB-7ECC-4ECF-9E67-D3422B6EC4F8}"/>
+              </a:ext>
+            </a:extLst>
+          </p:cNvPr>
+          <p:cNvSpPr>
+            <a:spLocks noGrp="1"/>
+          </p:cNvSpPr>
+          <p:nvPr>
+            <p:ph type="title"/>
+          </p:nvPr>
+        </p:nvSpPr>
+        <p:spPr/>
+        <p:txBody>
+          <a:bodyPr/>
+          <a:lstStyle/>
+          <a:p>
+            <a:r>
+              <a:rPr lang="es-419" dirty="0"/>
+              <a:t>Conceptos clave</a:t>
+            </a:r>
+            <a:r>
+              <a:rPr lang="en-US" dirty="0"/>
+              <a:t>: Merge/Conflict</a:t>
+            </a:r>
+            <a:endParaRPr lang="es-419" dirty="0"/>
+          </a:p>
+        </p:txBody>
+      </p:sp>
+      <p:sp>
+        <p:nvSpPr>
+          <p:cNvPr id="3" name="Content Placeholder 2">
+            <a:extLst>
+              <a:ext uri="{FF2B5EF4-FFF2-40B4-BE49-F238E27FC236}">
+                <a16:creationId xmlns:a16="http://schemas.microsoft.com/office/drawing/2014/main" id="{4C8A22F4-750C-4E9A-B539-BC08DBA1AC78}"/>
+              </a:ext>
+            </a:extLst>
+          </p:cNvPr>
+          <p:cNvSpPr>
+            <a:spLocks noGrp="1"/>
+          </p:cNvSpPr>
+          <p:nvPr>
+            <p:ph idx="1"/>
+          </p:nvPr>
+        </p:nvSpPr>
+        <p:spPr/>
+        <p:txBody>
+          <a:bodyPr/>
+          <a:lstStyle/>
+          <a:p>
+            <a:pPr marL="0" indent="0">
+              <a:buNone/>
+            </a:pPr>
+            <a:r>
+              <a:rPr lang="es-419" dirty="0"/>
+              <a:t> </a:t>
+            </a:r>
+          </a:p>
+        </p:txBody>
+      </p:sp>
+    </p:spTree>
+    <p:extLst>
+      <p:ext uri="{BB962C8B-B14F-4D97-AF65-F5344CB8AC3E}">
+        <p14:creationId xmlns:p14="http://schemas.microsoft.com/office/powerpoint/2010/main" val="1882495817"/>
       </p:ext>
     </p:extLst>
   </p:cSld>

--- a/Presentation/Git Gud 2.pptx
+++ b/Presentation/Git Gud 2.pptx
@@ -14,6 +14,15 @@
     <p:sldId id="261" r:id="rId8"/>
     <p:sldId id="262" r:id="rId9"/>
     <p:sldId id="264" r:id="rId10"/>
+    <p:sldId id="265" r:id="rId11"/>
+    <p:sldId id="266" r:id="rId12"/>
+    <p:sldId id="267" r:id="rId13"/>
+    <p:sldId id="268" r:id="rId14"/>
+    <p:sldId id="269" r:id="rId15"/>
+    <p:sldId id="270" r:id="rId16"/>
+    <p:sldId id="271" r:id="rId17"/>
+    <p:sldId id="274" r:id="rId18"/>
+    <p:sldId id="273" r:id="rId19"/>
   </p:sldIdLst>
   <p:sldSz cx="12192000" cy="6858000"/>
   <p:notesSz cx="6858000" cy="9144000"/>
@@ -3959,6 +3968,1048 @@
 </p:sld>
 </file>
 
+<file path=ppt/slides/slide10.xml><?xml version="1.0" encoding="utf-8"?>
+<p:sld xmlns:a="http://schemas.openxmlformats.org/drawingml/2006/main" xmlns:r="http://schemas.openxmlformats.org/officeDocument/2006/relationships" xmlns:p="http://schemas.openxmlformats.org/presentationml/2006/main">
+  <p:cSld>
+    <p:spTree>
+      <p:nvGrpSpPr>
+        <p:cNvPr id="1" name=""/>
+        <p:cNvGrpSpPr/>
+        <p:nvPr/>
+      </p:nvGrpSpPr>
+      <p:grpSpPr>
+        <a:xfrm>
+          <a:off x="0" y="0"/>
+          <a:ext cx="0" cy="0"/>
+          <a:chOff x="0" y="0"/>
+          <a:chExt cx="0" cy="0"/>
+        </a:xfrm>
+      </p:grpSpPr>
+      <p:sp>
+        <p:nvSpPr>
+          <p:cNvPr id="2" name="Title 1">
+            <a:extLst>
+              <a:ext uri="{FF2B5EF4-FFF2-40B4-BE49-F238E27FC236}">
+                <a16:creationId xmlns:a16="http://schemas.microsoft.com/office/drawing/2014/main" id="{E94C24EB-7ECC-4ECF-9E67-D3422B6EC4F8}"/>
+              </a:ext>
+            </a:extLst>
+          </p:cNvPr>
+          <p:cNvSpPr>
+            <a:spLocks noGrp="1"/>
+          </p:cNvSpPr>
+          <p:nvPr>
+            <p:ph type="title"/>
+          </p:nvPr>
+        </p:nvSpPr>
+        <p:spPr/>
+        <p:txBody>
+          <a:bodyPr/>
+          <a:lstStyle/>
+          <a:p>
+            <a:r>
+              <a:rPr lang="es-419" dirty="0"/>
+              <a:t>Conceptos clave</a:t>
+            </a:r>
+            <a:r>
+              <a:rPr lang="en-US" dirty="0"/>
+              <a:t>: Merge/Conflict</a:t>
+            </a:r>
+            <a:endParaRPr lang="es-419" dirty="0"/>
+          </a:p>
+        </p:txBody>
+      </p:sp>
+      <p:sp>
+        <p:nvSpPr>
+          <p:cNvPr id="3" name="Content Placeholder 2">
+            <a:extLst>
+              <a:ext uri="{FF2B5EF4-FFF2-40B4-BE49-F238E27FC236}">
+                <a16:creationId xmlns:a16="http://schemas.microsoft.com/office/drawing/2014/main" id="{4C8A22F4-750C-4E9A-B539-BC08DBA1AC78}"/>
+              </a:ext>
+            </a:extLst>
+          </p:cNvPr>
+          <p:cNvSpPr>
+            <a:spLocks noGrp="1"/>
+          </p:cNvSpPr>
+          <p:nvPr>
+            <p:ph idx="1"/>
+          </p:nvPr>
+        </p:nvSpPr>
+        <p:spPr/>
+        <p:txBody>
+          <a:bodyPr/>
+          <a:lstStyle/>
+          <a:p>
+            <a:pPr marL="0" indent="0">
+              <a:buNone/>
+            </a:pPr>
+            <a:r>
+              <a:rPr lang="es-419" dirty="0"/>
+              <a:t> </a:t>
+            </a:r>
+          </a:p>
+        </p:txBody>
+      </p:sp>
+    </p:spTree>
+    <p:extLst>
+      <p:ext uri="{BB962C8B-B14F-4D97-AF65-F5344CB8AC3E}">
+        <p14:creationId xmlns:p14="http://schemas.microsoft.com/office/powerpoint/2010/main" val="2859493164"/>
+      </p:ext>
+    </p:extLst>
+  </p:cSld>
+  <p:clrMapOvr>
+    <a:masterClrMapping/>
+  </p:clrMapOvr>
+</p:sld>
+</file>
+
+<file path=ppt/slides/slide11.xml><?xml version="1.0" encoding="utf-8"?>
+<p:sld xmlns:a="http://schemas.openxmlformats.org/drawingml/2006/main" xmlns:r="http://schemas.openxmlformats.org/officeDocument/2006/relationships" xmlns:p="http://schemas.openxmlformats.org/presentationml/2006/main">
+  <p:cSld>
+    <p:spTree>
+      <p:nvGrpSpPr>
+        <p:cNvPr id="1" name=""/>
+        <p:cNvGrpSpPr/>
+        <p:nvPr/>
+      </p:nvGrpSpPr>
+      <p:grpSpPr>
+        <a:xfrm>
+          <a:off x="0" y="0"/>
+          <a:ext cx="0" cy="0"/>
+          <a:chOff x="0" y="0"/>
+          <a:chExt cx="0" cy="0"/>
+        </a:xfrm>
+      </p:grpSpPr>
+      <p:sp>
+        <p:nvSpPr>
+          <p:cNvPr id="2" name="Title 1">
+            <a:extLst>
+              <a:ext uri="{FF2B5EF4-FFF2-40B4-BE49-F238E27FC236}">
+                <a16:creationId xmlns:a16="http://schemas.microsoft.com/office/drawing/2014/main" id="{E94C24EB-7ECC-4ECF-9E67-D3422B6EC4F8}"/>
+              </a:ext>
+            </a:extLst>
+          </p:cNvPr>
+          <p:cNvSpPr>
+            <a:spLocks noGrp="1"/>
+          </p:cNvSpPr>
+          <p:nvPr>
+            <p:ph type="title"/>
+          </p:nvPr>
+        </p:nvSpPr>
+        <p:spPr/>
+        <p:txBody>
+          <a:bodyPr/>
+          <a:lstStyle/>
+          <a:p>
+            <a:r>
+              <a:rPr lang="en-US" dirty="0" err="1"/>
+              <a:t>Estructura</a:t>
+            </a:r>
+            <a:r>
+              <a:rPr lang="en-US" dirty="0"/>
+              <a:t> de un </a:t>
+            </a:r>
+            <a:r>
+              <a:rPr lang="en-US" dirty="0" err="1"/>
+              <a:t>Repositorio</a:t>
+            </a:r>
+            <a:endParaRPr lang="es-419" dirty="0"/>
+          </a:p>
+        </p:txBody>
+      </p:sp>
+      <p:sp>
+        <p:nvSpPr>
+          <p:cNvPr id="3" name="Content Placeholder 2">
+            <a:extLst>
+              <a:ext uri="{FF2B5EF4-FFF2-40B4-BE49-F238E27FC236}">
+                <a16:creationId xmlns:a16="http://schemas.microsoft.com/office/drawing/2014/main" id="{4C8A22F4-750C-4E9A-B539-BC08DBA1AC78}"/>
+              </a:ext>
+            </a:extLst>
+          </p:cNvPr>
+          <p:cNvSpPr>
+            <a:spLocks noGrp="1"/>
+          </p:cNvSpPr>
+          <p:nvPr>
+            <p:ph idx="1"/>
+          </p:nvPr>
+        </p:nvSpPr>
+        <p:spPr/>
+        <p:txBody>
+          <a:bodyPr/>
+          <a:lstStyle/>
+          <a:p>
+            <a:pPr marL="0" indent="0">
+              <a:buNone/>
+            </a:pPr>
+            <a:r>
+              <a:rPr lang="es-419" dirty="0"/>
+              <a:t> </a:t>
+            </a:r>
+          </a:p>
+        </p:txBody>
+      </p:sp>
+      <p:sp>
+        <p:nvSpPr>
+          <p:cNvPr id="4" name="TextBox 3">
+            <a:extLst>
+              <a:ext uri="{FF2B5EF4-FFF2-40B4-BE49-F238E27FC236}">
+                <a16:creationId xmlns:a16="http://schemas.microsoft.com/office/drawing/2014/main" id="{2DCECD34-2AA5-41A0-80E6-B33058206DCA}"/>
+              </a:ext>
+            </a:extLst>
+          </p:cNvPr>
+          <p:cNvSpPr txBox="1"/>
+          <p:nvPr/>
+        </p:nvSpPr>
+        <p:spPr>
+          <a:xfrm>
+            <a:off x="952901" y="2531444"/>
+            <a:ext cx="2470163" cy="1754326"/>
+          </a:xfrm>
+          <a:prstGeom prst="rect">
+            <a:avLst/>
+          </a:prstGeom>
+          <a:noFill/>
+        </p:spPr>
+        <p:txBody>
+          <a:bodyPr wrap="none" rtlCol="0">
+            <a:spAutoFit/>
+          </a:bodyPr>
+          <a:lstStyle/>
+          <a:p>
+            <a:pPr marL="285750" indent="-285750">
+              <a:buFontTx/>
+              <a:buChar char="-"/>
+            </a:pPr>
+            <a:r>
+              <a:rPr lang="en-US" dirty="0"/>
+              <a:t>Branches por </a:t>
+            </a:r>
+            <a:r>
+              <a:rPr lang="en-US" dirty="0" err="1"/>
+              <a:t>defecto</a:t>
+            </a:r>
+            <a:endParaRPr lang="en-US" dirty="0"/>
+          </a:p>
+          <a:p>
+            <a:pPr marL="285750" indent="-285750">
+              <a:buFontTx/>
+              <a:buChar char="-"/>
+            </a:pPr>
+            <a:r>
+              <a:rPr lang="en-US" dirty="0" err="1"/>
+              <a:t>Gitignore</a:t>
+            </a:r>
+            <a:endParaRPr lang="en-US" dirty="0"/>
+          </a:p>
+          <a:p>
+            <a:pPr marL="285750" indent="-285750">
+              <a:buFontTx/>
+              <a:buChar char="-"/>
+            </a:pPr>
+            <a:r>
+              <a:rPr lang="en-US" dirty="0"/>
+              <a:t>License</a:t>
+            </a:r>
+          </a:p>
+          <a:p>
+            <a:pPr marL="285750" indent="-285750">
+              <a:buFontTx/>
+              <a:buChar char="-"/>
+            </a:pPr>
+            <a:r>
+              <a:rPr lang="en-US" dirty="0"/>
+              <a:t>Readme</a:t>
+            </a:r>
+          </a:p>
+          <a:p>
+            <a:endParaRPr lang="en-US" dirty="0"/>
+          </a:p>
+          <a:p>
+            <a:endParaRPr lang="es-419" dirty="0"/>
+          </a:p>
+        </p:txBody>
+      </p:sp>
+    </p:spTree>
+    <p:extLst>
+      <p:ext uri="{BB962C8B-B14F-4D97-AF65-F5344CB8AC3E}">
+        <p14:creationId xmlns:p14="http://schemas.microsoft.com/office/powerpoint/2010/main" val="4210234373"/>
+      </p:ext>
+    </p:extLst>
+  </p:cSld>
+  <p:clrMapOvr>
+    <a:masterClrMapping/>
+  </p:clrMapOvr>
+</p:sld>
+</file>
+
+<file path=ppt/slides/slide12.xml><?xml version="1.0" encoding="utf-8"?>
+<p:sld xmlns:a="http://schemas.openxmlformats.org/drawingml/2006/main" xmlns:r="http://schemas.openxmlformats.org/officeDocument/2006/relationships" xmlns:p="http://schemas.openxmlformats.org/presentationml/2006/main">
+  <p:cSld>
+    <p:spTree>
+      <p:nvGrpSpPr>
+        <p:cNvPr id="1" name=""/>
+        <p:cNvGrpSpPr/>
+        <p:nvPr/>
+      </p:nvGrpSpPr>
+      <p:grpSpPr>
+        <a:xfrm>
+          <a:off x="0" y="0"/>
+          <a:ext cx="0" cy="0"/>
+          <a:chOff x="0" y="0"/>
+          <a:chExt cx="0" cy="0"/>
+        </a:xfrm>
+      </p:grpSpPr>
+      <p:sp>
+        <p:nvSpPr>
+          <p:cNvPr id="2" name="Title 1">
+            <a:extLst>
+              <a:ext uri="{FF2B5EF4-FFF2-40B4-BE49-F238E27FC236}">
+                <a16:creationId xmlns:a16="http://schemas.microsoft.com/office/drawing/2014/main" id="{E94C24EB-7ECC-4ECF-9E67-D3422B6EC4F8}"/>
+              </a:ext>
+            </a:extLst>
+          </p:cNvPr>
+          <p:cNvSpPr>
+            <a:spLocks noGrp="1"/>
+          </p:cNvSpPr>
+          <p:nvPr>
+            <p:ph type="title"/>
+          </p:nvPr>
+        </p:nvSpPr>
+        <p:spPr/>
+        <p:txBody>
+          <a:bodyPr/>
+          <a:lstStyle/>
+          <a:p>
+            <a:r>
+              <a:rPr lang="en-US" dirty="0"/>
+              <a:t>Git/Github/</a:t>
+            </a:r>
+            <a:r>
+              <a:rPr lang="en-US" dirty="0" err="1"/>
+              <a:t>GitKraken</a:t>
+            </a:r>
+            <a:endParaRPr lang="es-419" dirty="0"/>
+          </a:p>
+        </p:txBody>
+      </p:sp>
+      <p:sp>
+        <p:nvSpPr>
+          <p:cNvPr id="3" name="Content Placeholder 2">
+            <a:extLst>
+              <a:ext uri="{FF2B5EF4-FFF2-40B4-BE49-F238E27FC236}">
+                <a16:creationId xmlns:a16="http://schemas.microsoft.com/office/drawing/2014/main" id="{4C8A22F4-750C-4E9A-B539-BC08DBA1AC78}"/>
+              </a:ext>
+            </a:extLst>
+          </p:cNvPr>
+          <p:cNvSpPr>
+            <a:spLocks noGrp="1"/>
+          </p:cNvSpPr>
+          <p:nvPr>
+            <p:ph idx="1"/>
+          </p:nvPr>
+        </p:nvSpPr>
+        <p:spPr/>
+        <p:txBody>
+          <a:bodyPr/>
+          <a:lstStyle/>
+          <a:p>
+            <a:pPr marL="0" indent="0">
+              <a:buNone/>
+            </a:pPr>
+            <a:r>
+              <a:rPr lang="es-419" dirty="0"/>
+              <a:t> </a:t>
+            </a:r>
+          </a:p>
+        </p:txBody>
+      </p:sp>
+    </p:spTree>
+    <p:extLst>
+      <p:ext uri="{BB962C8B-B14F-4D97-AF65-F5344CB8AC3E}">
+        <p14:creationId xmlns:p14="http://schemas.microsoft.com/office/powerpoint/2010/main" val="4223982895"/>
+      </p:ext>
+    </p:extLst>
+  </p:cSld>
+  <p:clrMapOvr>
+    <a:masterClrMapping/>
+  </p:clrMapOvr>
+</p:sld>
+</file>
+
+<file path=ppt/slides/slide13.xml><?xml version="1.0" encoding="utf-8"?>
+<p:sld xmlns:a="http://schemas.openxmlformats.org/drawingml/2006/main" xmlns:r="http://schemas.openxmlformats.org/officeDocument/2006/relationships" xmlns:p="http://schemas.openxmlformats.org/presentationml/2006/main">
+  <p:cSld>
+    <p:spTree>
+      <p:nvGrpSpPr>
+        <p:cNvPr id="1" name=""/>
+        <p:cNvGrpSpPr/>
+        <p:nvPr/>
+      </p:nvGrpSpPr>
+      <p:grpSpPr>
+        <a:xfrm>
+          <a:off x="0" y="0"/>
+          <a:ext cx="0" cy="0"/>
+          <a:chOff x="0" y="0"/>
+          <a:chExt cx="0" cy="0"/>
+        </a:xfrm>
+      </p:grpSpPr>
+      <p:sp>
+        <p:nvSpPr>
+          <p:cNvPr id="2" name="Title 1">
+            <a:extLst>
+              <a:ext uri="{FF2B5EF4-FFF2-40B4-BE49-F238E27FC236}">
+                <a16:creationId xmlns:a16="http://schemas.microsoft.com/office/drawing/2014/main" id="{E94C24EB-7ECC-4ECF-9E67-D3422B6EC4F8}"/>
+              </a:ext>
+            </a:extLst>
+          </p:cNvPr>
+          <p:cNvSpPr>
+            <a:spLocks noGrp="1"/>
+          </p:cNvSpPr>
+          <p:nvPr>
+            <p:ph type="title"/>
+          </p:nvPr>
+        </p:nvSpPr>
+        <p:spPr/>
+        <p:txBody>
+          <a:bodyPr/>
+          <a:lstStyle/>
+          <a:p>
+            <a:r>
+              <a:rPr lang="en-US" dirty="0" err="1"/>
+              <a:t>Esquema</a:t>
+            </a:r>
+            <a:r>
+              <a:rPr lang="en-US" dirty="0"/>
+              <a:t> de Branches</a:t>
+            </a:r>
+            <a:endParaRPr lang="es-419" dirty="0"/>
+          </a:p>
+        </p:txBody>
+      </p:sp>
+      <p:sp>
+        <p:nvSpPr>
+          <p:cNvPr id="3" name="Content Placeholder 2">
+            <a:extLst>
+              <a:ext uri="{FF2B5EF4-FFF2-40B4-BE49-F238E27FC236}">
+                <a16:creationId xmlns:a16="http://schemas.microsoft.com/office/drawing/2014/main" id="{4C8A22F4-750C-4E9A-B539-BC08DBA1AC78}"/>
+              </a:ext>
+            </a:extLst>
+          </p:cNvPr>
+          <p:cNvSpPr>
+            <a:spLocks noGrp="1"/>
+          </p:cNvSpPr>
+          <p:nvPr>
+            <p:ph idx="1"/>
+          </p:nvPr>
+        </p:nvSpPr>
+        <p:spPr/>
+        <p:txBody>
+          <a:bodyPr/>
+          <a:lstStyle/>
+          <a:p>
+            <a:pPr marL="0" indent="0">
+              <a:buNone/>
+            </a:pPr>
+            <a:r>
+              <a:rPr lang="es-419" dirty="0"/>
+              <a:t> </a:t>
+            </a:r>
+          </a:p>
+        </p:txBody>
+      </p:sp>
+    </p:spTree>
+    <p:extLst>
+      <p:ext uri="{BB962C8B-B14F-4D97-AF65-F5344CB8AC3E}">
+        <p14:creationId xmlns:p14="http://schemas.microsoft.com/office/powerpoint/2010/main" val="1981387030"/>
+      </p:ext>
+    </p:extLst>
+  </p:cSld>
+  <p:clrMapOvr>
+    <a:masterClrMapping/>
+  </p:clrMapOvr>
+</p:sld>
+</file>
+
+<file path=ppt/slides/slide14.xml><?xml version="1.0" encoding="utf-8"?>
+<p:sld xmlns:a="http://schemas.openxmlformats.org/drawingml/2006/main" xmlns:r="http://schemas.openxmlformats.org/officeDocument/2006/relationships" xmlns:p="http://schemas.openxmlformats.org/presentationml/2006/main">
+  <p:cSld>
+    <p:spTree>
+      <p:nvGrpSpPr>
+        <p:cNvPr id="1" name=""/>
+        <p:cNvGrpSpPr/>
+        <p:nvPr/>
+      </p:nvGrpSpPr>
+      <p:grpSpPr>
+        <a:xfrm>
+          <a:off x="0" y="0"/>
+          <a:ext cx="0" cy="0"/>
+          <a:chOff x="0" y="0"/>
+          <a:chExt cx="0" cy="0"/>
+        </a:xfrm>
+      </p:grpSpPr>
+      <p:sp>
+        <p:nvSpPr>
+          <p:cNvPr id="2" name="Title 1">
+            <a:extLst>
+              <a:ext uri="{FF2B5EF4-FFF2-40B4-BE49-F238E27FC236}">
+                <a16:creationId xmlns:a16="http://schemas.microsoft.com/office/drawing/2014/main" id="{E94C24EB-7ECC-4ECF-9E67-D3422B6EC4F8}"/>
+              </a:ext>
+            </a:extLst>
+          </p:cNvPr>
+          <p:cNvSpPr>
+            <a:spLocks noGrp="1"/>
+          </p:cNvSpPr>
+          <p:nvPr>
+            <p:ph type="title"/>
+          </p:nvPr>
+        </p:nvSpPr>
+        <p:spPr/>
+        <p:txBody>
+          <a:bodyPr/>
+          <a:lstStyle/>
+          <a:p>
+            <a:r>
+              <a:rPr lang="en-US" dirty="0" err="1"/>
+              <a:t>Comunicaci</a:t>
+            </a:r>
+            <a:r>
+              <a:rPr lang="es-419" dirty="0" err="1"/>
+              <a:t>ó</a:t>
+            </a:r>
+            <a:r>
+              <a:rPr lang="en-US" dirty="0"/>
+              <a:t>n</a:t>
+            </a:r>
+            <a:endParaRPr lang="es-419" dirty="0"/>
+          </a:p>
+        </p:txBody>
+      </p:sp>
+      <p:sp>
+        <p:nvSpPr>
+          <p:cNvPr id="3" name="Content Placeholder 2">
+            <a:extLst>
+              <a:ext uri="{FF2B5EF4-FFF2-40B4-BE49-F238E27FC236}">
+                <a16:creationId xmlns:a16="http://schemas.microsoft.com/office/drawing/2014/main" id="{4C8A22F4-750C-4E9A-B539-BC08DBA1AC78}"/>
+              </a:ext>
+            </a:extLst>
+          </p:cNvPr>
+          <p:cNvSpPr>
+            <a:spLocks noGrp="1"/>
+          </p:cNvSpPr>
+          <p:nvPr>
+            <p:ph idx="1"/>
+          </p:nvPr>
+        </p:nvSpPr>
+        <p:spPr/>
+        <p:txBody>
+          <a:bodyPr/>
+          <a:lstStyle/>
+          <a:p>
+            <a:pPr marL="0" indent="0">
+              <a:buNone/>
+            </a:pPr>
+            <a:r>
+              <a:rPr lang="es-419" dirty="0"/>
+              <a:t> </a:t>
+            </a:r>
+          </a:p>
+        </p:txBody>
+      </p:sp>
+    </p:spTree>
+    <p:extLst>
+      <p:ext uri="{BB962C8B-B14F-4D97-AF65-F5344CB8AC3E}">
+        <p14:creationId xmlns:p14="http://schemas.microsoft.com/office/powerpoint/2010/main" val="3740971148"/>
+      </p:ext>
+    </p:extLst>
+  </p:cSld>
+  <p:clrMapOvr>
+    <a:masterClrMapping/>
+  </p:clrMapOvr>
+</p:sld>
+</file>
+
+<file path=ppt/slides/slide15.xml><?xml version="1.0" encoding="utf-8"?>
+<p:sld xmlns:a="http://schemas.openxmlformats.org/drawingml/2006/main" xmlns:r="http://schemas.openxmlformats.org/officeDocument/2006/relationships" xmlns:p="http://schemas.openxmlformats.org/presentationml/2006/main">
+  <p:cSld>
+    <p:spTree>
+      <p:nvGrpSpPr>
+        <p:cNvPr id="1" name=""/>
+        <p:cNvGrpSpPr/>
+        <p:nvPr/>
+      </p:nvGrpSpPr>
+      <p:grpSpPr>
+        <a:xfrm>
+          <a:off x="0" y="0"/>
+          <a:ext cx="0" cy="0"/>
+          <a:chOff x="0" y="0"/>
+          <a:chExt cx="0" cy="0"/>
+        </a:xfrm>
+      </p:grpSpPr>
+      <p:sp>
+        <p:nvSpPr>
+          <p:cNvPr id="2" name="Title 1">
+            <a:extLst>
+              <a:ext uri="{FF2B5EF4-FFF2-40B4-BE49-F238E27FC236}">
+                <a16:creationId xmlns:a16="http://schemas.microsoft.com/office/drawing/2014/main" id="{E94C24EB-7ECC-4ECF-9E67-D3422B6EC4F8}"/>
+              </a:ext>
+            </a:extLst>
+          </p:cNvPr>
+          <p:cNvSpPr>
+            <a:spLocks noGrp="1"/>
+          </p:cNvSpPr>
+          <p:nvPr>
+            <p:ph type="title"/>
+          </p:nvPr>
+        </p:nvSpPr>
+        <p:spPr/>
+        <p:txBody>
+          <a:bodyPr/>
+          <a:lstStyle/>
+          <a:p>
+            <a:r>
+              <a:rPr lang="en-US" dirty="0"/>
+              <a:t>Trello/Boards</a:t>
+            </a:r>
+            <a:endParaRPr lang="es-419" dirty="0"/>
+          </a:p>
+        </p:txBody>
+      </p:sp>
+      <p:sp>
+        <p:nvSpPr>
+          <p:cNvPr id="3" name="Content Placeholder 2">
+            <a:extLst>
+              <a:ext uri="{FF2B5EF4-FFF2-40B4-BE49-F238E27FC236}">
+                <a16:creationId xmlns:a16="http://schemas.microsoft.com/office/drawing/2014/main" id="{4C8A22F4-750C-4E9A-B539-BC08DBA1AC78}"/>
+              </a:ext>
+            </a:extLst>
+          </p:cNvPr>
+          <p:cNvSpPr>
+            <a:spLocks noGrp="1"/>
+          </p:cNvSpPr>
+          <p:nvPr>
+            <p:ph idx="1"/>
+          </p:nvPr>
+        </p:nvSpPr>
+        <p:spPr/>
+        <p:txBody>
+          <a:bodyPr/>
+          <a:lstStyle/>
+          <a:p>
+            <a:pPr marL="0" indent="0">
+              <a:buNone/>
+            </a:pPr>
+            <a:r>
+              <a:rPr lang="es-419" dirty="0"/>
+              <a:t> </a:t>
+            </a:r>
+          </a:p>
+        </p:txBody>
+      </p:sp>
+    </p:spTree>
+    <p:extLst>
+      <p:ext uri="{BB962C8B-B14F-4D97-AF65-F5344CB8AC3E}">
+        <p14:creationId xmlns:p14="http://schemas.microsoft.com/office/powerpoint/2010/main" val="3387504599"/>
+      </p:ext>
+    </p:extLst>
+  </p:cSld>
+  <p:clrMapOvr>
+    <a:masterClrMapping/>
+  </p:clrMapOvr>
+</p:sld>
+</file>
+
+<file path=ppt/slides/slide16.xml><?xml version="1.0" encoding="utf-8"?>
+<p:sld xmlns:a="http://schemas.openxmlformats.org/drawingml/2006/main" xmlns:r="http://schemas.openxmlformats.org/officeDocument/2006/relationships" xmlns:p="http://schemas.openxmlformats.org/presentationml/2006/main">
+  <p:cSld>
+    <p:spTree>
+      <p:nvGrpSpPr>
+        <p:cNvPr id="1" name=""/>
+        <p:cNvGrpSpPr/>
+        <p:nvPr/>
+      </p:nvGrpSpPr>
+      <p:grpSpPr>
+        <a:xfrm>
+          <a:off x="0" y="0"/>
+          <a:ext cx="0" cy="0"/>
+          <a:chOff x="0" y="0"/>
+          <a:chExt cx="0" cy="0"/>
+        </a:xfrm>
+      </p:grpSpPr>
+      <p:sp>
+        <p:nvSpPr>
+          <p:cNvPr id="2" name="Title 1">
+            <a:extLst>
+              <a:ext uri="{FF2B5EF4-FFF2-40B4-BE49-F238E27FC236}">
+                <a16:creationId xmlns:a16="http://schemas.microsoft.com/office/drawing/2014/main" id="{E94C24EB-7ECC-4ECF-9E67-D3422B6EC4F8}"/>
+              </a:ext>
+            </a:extLst>
+          </p:cNvPr>
+          <p:cNvSpPr>
+            <a:spLocks noGrp="1"/>
+          </p:cNvSpPr>
+          <p:nvPr>
+            <p:ph type="title"/>
+          </p:nvPr>
+        </p:nvSpPr>
+        <p:spPr/>
+        <p:txBody>
+          <a:bodyPr/>
+          <a:lstStyle/>
+          <a:p>
+            <a:r>
+              <a:rPr lang="en-US" dirty="0"/>
+              <a:t>Conflicts: </a:t>
+            </a:r>
+            <a:r>
+              <a:rPr lang="en-US" dirty="0" err="1"/>
+              <a:t>Prevenir</a:t>
+            </a:r>
+            <a:endParaRPr lang="es-419" dirty="0"/>
+          </a:p>
+        </p:txBody>
+      </p:sp>
+      <p:sp>
+        <p:nvSpPr>
+          <p:cNvPr id="3" name="Content Placeholder 2">
+            <a:extLst>
+              <a:ext uri="{FF2B5EF4-FFF2-40B4-BE49-F238E27FC236}">
+                <a16:creationId xmlns:a16="http://schemas.microsoft.com/office/drawing/2014/main" id="{4C8A22F4-750C-4E9A-B539-BC08DBA1AC78}"/>
+              </a:ext>
+            </a:extLst>
+          </p:cNvPr>
+          <p:cNvSpPr>
+            <a:spLocks noGrp="1"/>
+          </p:cNvSpPr>
+          <p:nvPr>
+            <p:ph idx="1"/>
+          </p:nvPr>
+        </p:nvSpPr>
+        <p:spPr/>
+        <p:txBody>
+          <a:bodyPr/>
+          <a:lstStyle/>
+          <a:p>
+            <a:pPr marL="0" indent="0">
+              <a:buNone/>
+            </a:pPr>
+            <a:r>
+              <a:rPr lang="es-419" dirty="0"/>
+              <a:t> </a:t>
+            </a:r>
+          </a:p>
+        </p:txBody>
+      </p:sp>
+      <p:sp>
+        <p:nvSpPr>
+          <p:cNvPr id="4" name="TextBox 3">
+            <a:extLst>
+              <a:ext uri="{FF2B5EF4-FFF2-40B4-BE49-F238E27FC236}">
+                <a16:creationId xmlns:a16="http://schemas.microsoft.com/office/drawing/2014/main" id="{D38FAB16-376C-468C-A3E6-F4486C832DE7}"/>
+              </a:ext>
+            </a:extLst>
+          </p:cNvPr>
+          <p:cNvSpPr txBox="1"/>
+          <p:nvPr/>
+        </p:nvSpPr>
+        <p:spPr>
+          <a:xfrm>
+            <a:off x="838200" y="3301465"/>
+            <a:ext cx="2910284" cy="1200329"/>
+          </a:xfrm>
+          <a:prstGeom prst="rect">
+            <a:avLst/>
+          </a:prstGeom>
+          <a:noFill/>
+        </p:spPr>
+        <p:txBody>
+          <a:bodyPr wrap="none" rtlCol="0">
+            <a:spAutoFit/>
+          </a:bodyPr>
+          <a:lstStyle/>
+          <a:p>
+            <a:r>
+              <a:rPr lang="en-US" dirty="0" err="1"/>
+              <a:t>Separacion</a:t>
+            </a:r>
+            <a:r>
+              <a:rPr lang="en-US" dirty="0"/>
+              <a:t> de </a:t>
+            </a:r>
+            <a:r>
+              <a:rPr lang="en-US" dirty="0" err="1"/>
+              <a:t>código</a:t>
+            </a:r>
+            <a:endParaRPr lang="es-419" dirty="0"/>
+          </a:p>
+          <a:p>
+            <a:r>
+              <a:rPr lang="es-419" dirty="0"/>
+              <a:t>Actualizar mi Branch primero</a:t>
+            </a:r>
+          </a:p>
+          <a:p>
+            <a:r>
+              <a:rPr lang="en-US" dirty="0" err="1"/>
+              <a:t>Comunicacion</a:t>
+            </a:r>
+            <a:endParaRPr lang="en-US" dirty="0"/>
+          </a:p>
+          <a:p>
+            <a:endParaRPr lang="en-US" dirty="0"/>
+          </a:p>
+        </p:txBody>
+      </p:sp>
+    </p:spTree>
+    <p:extLst>
+      <p:ext uri="{BB962C8B-B14F-4D97-AF65-F5344CB8AC3E}">
+        <p14:creationId xmlns:p14="http://schemas.microsoft.com/office/powerpoint/2010/main" val="718397276"/>
+      </p:ext>
+    </p:extLst>
+  </p:cSld>
+  <p:clrMapOvr>
+    <a:masterClrMapping/>
+  </p:clrMapOvr>
+</p:sld>
+</file>
+
+<file path=ppt/slides/slide17.xml><?xml version="1.0" encoding="utf-8"?>
+<p:sld xmlns:a="http://schemas.openxmlformats.org/drawingml/2006/main" xmlns:r="http://schemas.openxmlformats.org/officeDocument/2006/relationships" xmlns:p="http://schemas.openxmlformats.org/presentationml/2006/main">
+  <p:cSld>
+    <p:spTree>
+      <p:nvGrpSpPr>
+        <p:cNvPr id="1" name=""/>
+        <p:cNvGrpSpPr/>
+        <p:nvPr/>
+      </p:nvGrpSpPr>
+      <p:grpSpPr>
+        <a:xfrm>
+          <a:off x="0" y="0"/>
+          <a:ext cx="0" cy="0"/>
+          <a:chOff x="0" y="0"/>
+          <a:chExt cx="0" cy="0"/>
+        </a:xfrm>
+      </p:grpSpPr>
+      <p:sp>
+        <p:nvSpPr>
+          <p:cNvPr id="2" name="Title 1">
+            <a:extLst>
+              <a:ext uri="{FF2B5EF4-FFF2-40B4-BE49-F238E27FC236}">
+                <a16:creationId xmlns:a16="http://schemas.microsoft.com/office/drawing/2014/main" id="{E94C24EB-7ECC-4ECF-9E67-D3422B6EC4F8}"/>
+              </a:ext>
+            </a:extLst>
+          </p:cNvPr>
+          <p:cNvSpPr>
+            <a:spLocks noGrp="1"/>
+          </p:cNvSpPr>
+          <p:nvPr>
+            <p:ph type="title"/>
+          </p:nvPr>
+        </p:nvSpPr>
+        <p:spPr/>
+        <p:txBody>
+          <a:bodyPr/>
+          <a:lstStyle/>
+          <a:p>
+            <a:r>
+              <a:rPr lang="en-US" dirty="0" err="1"/>
+              <a:t>Separar</a:t>
+            </a:r>
+            <a:r>
+              <a:rPr lang="en-US" dirty="0"/>
+              <a:t> </a:t>
+            </a:r>
+            <a:r>
+              <a:rPr lang="en-US" dirty="0" err="1"/>
+              <a:t>codigo</a:t>
+            </a:r>
+            <a:endParaRPr lang="es-419" dirty="0"/>
+          </a:p>
+        </p:txBody>
+      </p:sp>
+      <p:sp>
+        <p:nvSpPr>
+          <p:cNvPr id="4" name="TextBox 3">
+            <a:extLst>
+              <a:ext uri="{FF2B5EF4-FFF2-40B4-BE49-F238E27FC236}">
+                <a16:creationId xmlns:a16="http://schemas.microsoft.com/office/drawing/2014/main" id="{D38FAB16-376C-468C-A3E6-F4486C832DE7}"/>
+              </a:ext>
+            </a:extLst>
+          </p:cNvPr>
+          <p:cNvSpPr txBox="1"/>
+          <p:nvPr/>
+        </p:nvSpPr>
+        <p:spPr>
+          <a:xfrm>
+            <a:off x="838200" y="3301465"/>
+            <a:ext cx="3591240" cy="1200329"/>
+          </a:xfrm>
+          <a:prstGeom prst="rect">
+            <a:avLst/>
+          </a:prstGeom>
+          <a:noFill/>
+        </p:spPr>
+        <p:txBody>
+          <a:bodyPr wrap="none" rtlCol="0">
+            <a:spAutoFit/>
+          </a:bodyPr>
+          <a:lstStyle/>
+          <a:p>
+            <a:r>
+              <a:rPr lang="en-US" dirty="0" err="1"/>
+              <a:t>Principios</a:t>
+            </a:r>
+            <a:r>
+              <a:rPr lang="en-US" dirty="0"/>
+              <a:t> de </a:t>
+            </a:r>
+            <a:r>
+              <a:rPr lang="en-US" dirty="0" err="1"/>
+              <a:t>responsabilidad</a:t>
+            </a:r>
+            <a:r>
+              <a:rPr lang="en-US" dirty="0"/>
+              <a:t> simple</a:t>
+            </a:r>
+          </a:p>
+          <a:p>
+            <a:r>
+              <a:rPr lang="en-US" dirty="0"/>
+              <a:t>Interfaces</a:t>
+            </a:r>
+          </a:p>
+          <a:p>
+            <a:r>
+              <a:rPr lang="en-US" dirty="0" err="1"/>
+              <a:t>Caja</a:t>
+            </a:r>
+            <a:r>
+              <a:rPr lang="en-US" dirty="0"/>
+              <a:t> </a:t>
+            </a:r>
+            <a:r>
+              <a:rPr lang="en-US" dirty="0" err="1"/>
+              <a:t>negra</a:t>
+            </a:r>
+            <a:r>
+              <a:rPr lang="en-US" dirty="0"/>
+              <a:t>/ley de Demeter</a:t>
+            </a:r>
+          </a:p>
+          <a:p>
+            <a:endParaRPr lang="en-US" dirty="0"/>
+          </a:p>
+        </p:txBody>
+      </p:sp>
+    </p:spTree>
+    <p:extLst>
+      <p:ext uri="{BB962C8B-B14F-4D97-AF65-F5344CB8AC3E}">
+        <p14:creationId xmlns:p14="http://schemas.microsoft.com/office/powerpoint/2010/main" val="1768428990"/>
+      </p:ext>
+    </p:extLst>
+  </p:cSld>
+  <p:clrMapOvr>
+    <a:masterClrMapping/>
+  </p:clrMapOvr>
+</p:sld>
+</file>
+
+<file path=ppt/slides/slide18.xml><?xml version="1.0" encoding="utf-8"?>
+<p:sld xmlns:a="http://schemas.openxmlformats.org/drawingml/2006/main" xmlns:r="http://schemas.openxmlformats.org/officeDocument/2006/relationships" xmlns:p="http://schemas.openxmlformats.org/presentationml/2006/main">
+  <p:cSld>
+    <p:spTree>
+      <p:nvGrpSpPr>
+        <p:cNvPr id="1" name=""/>
+        <p:cNvGrpSpPr/>
+        <p:nvPr/>
+      </p:nvGrpSpPr>
+      <p:grpSpPr>
+        <a:xfrm>
+          <a:off x="0" y="0"/>
+          <a:ext cx="0" cy="0"/>
+          <a:chOff x="0" y="0"/>
+          <a:chExt cx="0" cy="0"/>
+        </a:xfrm>
+      </p:grpSpPr>
+      <p:sp>
+        <p:nvSpPr>
+          <p:cNvPr id="2" name="Title 1">
+            <a:extLst>
+              <a:ext uri="{FF2B5EF4-FFF2-40B4-BE49-F238E27FC236}">
+                <a16:creationId xmlns:a16="http://schemas.microsoft.com/office/drawing/2014/main" id="{E94C24EB-7ECC-4ECF-9E67-D3422B6EC4F8}"/>
+              </a:ext>
+            </a:extLst>
+          </p:cNvPr>
+          <p:cNvSpPr>
+            <a:spLocks noGrp="1"/>
+          </p:cNvSpPr>
+          <p:nvPr>
+            <p:ph type="title"/>
+          </p:nvPr>
+        </p:nvSpPr>
+        <p:spPr/>
+        <p:txBody>
+          <a:bodyPr/>
+          <a:lstStyle/>
+          <a:p>
+            <a:r>
+              <a:rPr lang="en-US" dirty="0"/>
+              <a:t>Conflicts: </a:t>
+            </a:r>
+            <a:r>
+              <a:rPr lang="en-US" dirty="0" err="1"/>
+              <a:t>Lamentar</a:t>
+            </a:r>
+            <a:r>
+              <a:rPr lang="en-US" dirty="0"/>
+              <a:t> (resolver merge)</a:t>
+            </a:r>
+            <a:endParaRPr lang="es-419" dirty="0"/>
+          </a:p>
+        </p:txBody>
+      </p:sp>
+      <p:sp>
+        <p:nvSpPr>
+          <p:cNvPr id="3" name="Content Placeholder 2">
+            <a:extLst>
+              <a:ext uri="{FF2B5EF4-FFF2-40B4-BE49-F238E27FC236}">
+                <a16:creationId xmlns:a16="http://schemas.microsoft.com/office/drawing/2014/main" id="{4C8A22F4-750C-4E9A-B539-BC08DBA1AC78}"/>
+              </a:ext>
+            </a:extLst>
+          </p:cNvPr>
+          <p:cNvSpPr>
+            <a:spLocks noGrp="1"/>
+          </p:cNvSpPr>
+          <p:nvPr>
+            <p:ph idx="1"/>
+          </p:nvPr>
+        </p:nvSpPr>
+        <p:spPr/>
+        <p:txBody>
+          <a:bodyPr/>
+          <a:lstStyle/>
+          <a:p>
+            <a:pPr marL="0" indent="0">
+              <a:buNone/>
+            </a:pPr>
+            <a:r>
+              <a:rPr lang="es-419" dirty="0"/>
+              <a:t> </a:t>
+            </a:r>
+          </a:p>
+        </p:txBody>
+      </p:sp>
+    </p:spTree>
+    <p:extLst>
+      <p:ext uri="{BB962C8B-B14F-4D97-AF65-F5344CB8AC3E}">
+        <p14:creationId xmlns:p14="http://schemas.microsoft.com/office/powerpoint/2010/main" val="3331826155"/>
+      </p:ext>
+    </p:extLst>
+  </p:cSld>
+  <p:clrMapOvr>
+    <a:masterClrMapping/>
+  </p:clrMapOvr>
+</p:sld>
+</file>
+
 <file path=ppt/slides/slide2.xml><?xml version="1.0" encoding="utf-8"?>
 <p:sld xmlns:a="http://schemas.openxmlformats.org/drawingml/2006/main" xmlns:r="http://schemas.openxmlformats.org/officeDocument/2006/relationships" xmlns:p="http://schemas.openxmlformats.org/presentationml/2006/main">
   <p:cSld>
@@ -4380,6 +5431,42 @@
               <a:rPr lang="es-419" dirty="0"/>
               <a:t> </a:t>
             </a:r>
+          </a:p>
+        </p:txBody>
+      </p:sp>
+      <p:sp>
+        <p:nvSpPr>
+          <p:cNvPr id="4" name="TextBox 3">
+            <a:extLst>
+              <a:ext uri="{FF2B5EF4-FFF2-40B4-BE49-F238E27FC236}">
+                <a16:creationId xmlns:a16="http://schemas.microsoft.com/office/drawing/2014/main" id="{1E7665FC-A04F-40EE-91BC-EF257DD150FD}"/>
+              </a:ext>
+            </a:extLst>
+          </p:cNvPr>
+          <p:cNvSpPr txBox="1"/>
+          <p:nvPr/>
+        </p:nvSpPr>
+        <p:spPr>
+          <a:xfrm>
+            <a:off x="673768" y="3821229"/>
+            <a:ext cx="1441998" cy="369332"/>
+          </a:xfrm>
+          <a:prstGeom prst="rect">
+            <a:avLst/>
+          </a:prstGeom>
+          <a:noFill/>
+        </p:spPr>
+        <p:txBody>
+          <a:bodyPr wrap="none" rtlCol="0">
+            <a:spAutoFit/>
+          </a:bodyPr>
+          <a:lstStyle/>
+          <a:p>
+            <a:r>
+              <a:rPr lang="en-US" dirty="0"/>
+              <a:t>Local/remote</a:t>
+            </a:r>
+            <a:endParaRPr lang="es-419" dirty="0"/>
           </a:p>
         </p:txBody>
       </p:sp>

--- a/Presentation/Git Gud 2.pptx
+++ b/Presentation/Git Gud 2.pptx
@@ -2,7 +2,7 @@
 <file path=ppt/presentation.xml><?xml version="1.0" encoding="utf-8"?>
 <p:presentation xmlns:a="http://schemas.openxmlformats.org/drawingml/2006/main" xmlns:r="http://schemas.openxmlformats.org/officeDocument/2006/relationships" xmlns:p="http://schemas.openxmlformats.org/presentationml/2006/main" saveSubsetFonts="1">
   <p:sldMasterIdLst>
-    <p:sldMasterId id="2147483648" r:id="rId1"/>
+    <p:sldMasterId id="2147483678" r:id="rId1"/>
   </p:sldMasterIdLst>
   <p:sldIdLst>
     <p:sldId id="256" r:id="rId2"/>
@@ -28,9 +28,9 @@
   <p:notesSz cx="6858000" cy="9144000"/>
   <p:defaultTextStyle>
     <a:defPPr>
-      <a:defRPr lang="es-419"/>
+      <a:defRPr lang="en-US"/>
     </a:defPPr>
-    <a:lvl1pPr marL="0" algn="l" defTabSz="914400" rtl="0" eaLnBrk="1" latinLnBrk="0" hangingPunct="1">
+    <a:lvl1pPr marL="0" algn="l" defTabSz="457200" rtl="0" eaLnBrk="1" latinLnBrk="0" hangingPunct="1">
       <a:defRPr sz="1800" kern="1200">
         <a:solidFill>
           <a:schemeClr val="tx1"/>
@@ -40,7 +40,7 @@
         <a:cs typeface="+mn-cs"/>
       </a:defRPr>
     </a:lvl1pPr>
-    <a:lvl2pPr marL="457200" algn="l" defTabSz="914400" rtl="0" eaLnBrk="1" latinLnBrk="0" hangingPunct="1">
+    <a:lvl2pPr marL="457200" algn="l" defTabSz="457200" rtl="0" eaLnBrk="1" latinLnBrk="0" hangingPunct="1">
       <a:defRPr sz="1800" kern="1200">
         <a:solidFill>
           <a:schemeClr val="tx1"/>
@@ -50,7 +50,7 @@
         <a:cs typeface="+mn-cs"/>
       </a:defRPr>
     </a:lvl2pPr>
-    <a:lvl3pPr marL="914400" algn="l" defTabSz="914400" rtl="0" eaLnBrk="1" latinLnBrk="0" hangingPunct="1">
+    <a:lvl3pPr marL="914400" algn="l" defTabSz="457200" rtl="0" eaLnBrk="1" latinLnBrk="0" hangingPunct="1">
       <a:defRPr sz="1800" kern="1200">
         <a:solidFill>
           <a:schemeClr val="tx1"/>
@@ -60,7 +60,7 @@
         <a:cs typeface="+mn-cs"/>
       </a:defRPr>
     </a:lvl3pPr>
-    <a:lvl4pPr marL="1371600" algn="l" defTabSz="914400" rtl="0" eaLnBrk="1" latinLnBrk="0" hangingPunct="1">
+    <a:lvl4pPr marL="1371600" algn="l" defTabSz="457200" rtl="0" eaLnBrk="1" latinLnBrk="0" hangingPunct="1">
       <a:defRPr sz="1800" kern="1200">
         <a:solidFill>
           <a:schemeClr val="tx1"/>
@@ -70,7 +70,7 @@
         <a:cs typeface="+mn-cs"/>
       </a:defRPr>
     </a:lvl4pPr>
-    <a:lvl5pPr marL="1828800" algn="l" defTabSz="914400" rtl="0" eaLnBrk="1" latinLnBrk="0" hangingPunct="1">
+    <a:lvl5pPr marL="1828800" algn="l" defTabSz="457200" rtl="0" eaLnBrk="1" latinLnBrk="0" hangingPunct="1">
       <a:defRPr sz="1800" kern="1200">
         <a:solidFill>
           <a:schemeClr val="tx1"/>
@@ -80,7 +80,7 @@
         <a:cs typeface="+mn-cs"/>
       </a:defRPr>
     </a:lvl5pPr>
-    <a:lvl6pPr marL="2286000" algn="l" defTabSz="914400" rtl="0" eaLnBrk="1" latinLnBrk="0" hangingPunct="1">
+    <a:lvl6pPr marL="2286000" algn="l" defTabSz="457200" rtl="0" eaLnBrk="1" latinLnBrk="0" hangingPunct="1">
       <a:defRPr sz="1800" kern="1200">
         <a:solidFill>
           <a:schemeClr val="tx1"/>
@@ -90,7 +90,7 @@
         <a:cs typeface="+mn-cs"/>
       </a:defRPr>
     </a:lvl6pPr>
-    <a:lvl7pPr marL="2743200" algn="l" defTabSz="914400" rtl="0" eaLnBrk="1" latinLnBrk="0" hangingPunct="1">
+    <a:lvl7pPr marL="2743200" algn="l" defTabSz="457200" rtl="0" eaLnBrk="1" latinLnBrk="0" hangingPunct="1">
       <a:defRPr sz="1800" kern="1200">
         <a:solidFill>
           <a:schemeClr val="tx1"/>
@@ -100,7 +100,7 @@
         <a:cs typeface="+mn-cs"/>
       </a:defRPr>
     </a:lvl7pPr>
-    <a:lvl8pPr marL="3200400" algn="l" defTabSz="914400" rtl="0" eaLnBrk="1" latinLnBrk="0" hangingPunct="1">
+    <a:lvl8pPr marL="3200400" algn="l" defTabSz="457200" rtl="0" eaLnBrk="1" latinLnBrk="0" hangingPunct="1">
       <a:defRPr sz="1800" kern="1200">
         <a:solidFill>
           <a:schemeClr val="tx1"/>
@@ -110,7 +110,7 @@
         <a:cs typeface="+mn-cs"/>
       </a:defRPr>
     </a:lvl8pPr>
-    <a:lvl9pPr marL="3657600" algn="l" defTabSz="914400" rtl="0" eaLnBrk="1" latinLnBrk="0" hangingPunct="1">
+    <a:lvl9pPr marL="3657600" algn="l" defTabSz="457200" rtl="0" eaLnBrk="1" latinLnBrk="0" hangingPunct="1">
       <a:defRPr sz="1800" kern="1200">
         <a:solidFill>
           <a:schemeClr val="tx1"/>
@@ -148,13 +148,7 @@
       </p:grpSpPr>
       <p:sp>
         <p:nvSpPr>
-          <p:cNvPr id="2" name="Title 1">
-            <a:extLst>
-              <a:ext uri="{FF2B5EF4-FFF2-40B4-BE49-F238E27FC236}">
-                <a16:creationId xmlns:a16="http://schemas.microsoft.com/office/drawing/2014/main" id="{8E8D25B6-C7BE-4146-ADA0-A9F82875C2E2}"/>
-              </a:ext>
-            </a:extLst>
-          </p:cNvPr>
+          <p:cNvPr id="2" name="Title 1"/>
           <p:cNvSpPr>
             <a:spLocks noGrp="1"/>
           </p:cNvSpPr>
@@ -164,15 +158,17 @@
         </p:nvSpPr>
         <p:spPr>
           <a:xfrm>
-            <a:off x="1524000" y="1122363"/>
-            <a:ext cx="9144000" cy="2387600"/>
+            <a:off x="1370693" y="1769540"/>
+            <a:ext cx="9440034" cy="1828801"/>
           </a:xfrm>
         </p:spPr>
         <p:txBody>
-          <a:bodyPr anchor="b"/>
+          <a:bodyPr anchor="b">
+            <a:normAutofit/>
+          </a:bodyPr>
           <a:lstStyle>
             <a:lvl1pPr algn="ctr">
-              <a:defRPr sz="6000"/>
+              <a:defRPr sz="5400"/>
             </a:lvl1pPr>
           </a:lstStyle>
           <a:p>
@@ -180,19 +176,13 @@
               <a:rPr lang="en-US"/>
               <a:t>Click to edit Master title style</a:t>
             </a:r>
-            <a:endParaRPr lang="es-419"/>
-          </a:p>
-        </p:txBody>
-      </p:sp>
-      <p:sp>
-        <p:nvSpPr>
-          <p:cNvPr id="3" name="Subtitle 2">
-            <a:extLst>
-              <a:ext uri="{FF2B5EF4-FFF2-40B4-BE49-F238E27FC236}">
-                <a16:creationId xmlns:a16="http://schemas.microsoft.com/office/drawing/2014/main" id="{ABB42E71-09E2-4FD7-B1E9-92721D9E85CB}"/>
-              </a:ext>
-            </a:extLst>
-          </p:cNvPr>
+            <a:endParaRPr lang="en-US" dirty="0"/>
+          </a:p>
+        </p:txBody>
+      </p:sp>
+      <p:sp>
+        <p:nvSpPr>
+          <p:cNvPr id="3" name="Subtitle 2"/>
           <p:cNvSpPr>
             <a:spLocks noGrp="1"/>
           </p:cNvSpPr>
@@ -202,48 +192,100 @@
         </p:nvSpPr>
         <p:spPr>
           <a:xfrm>
-            <a:off x="1524000" y="3602038"/>
-            <a:ext cx="9144000" cy="1655762"/>
+            <a:off x="1370693" y="3598339"/>
+            <a:ext cx="9440034" cy="1049867"/>
           </a:xfrm>
         </p:spPr>
         <p:txBody>
-          <a:bodyPr/>
+          <a:bodyPr anchor="t"/>
           <a:lstStyle>
             <a:lvl1pPr marL="0" indent="0" algn="ctr">
               <a:buNone/>
-              <a:defRPr sz="2400"/>
+              <a:defRPr>
+                <a:solidFill>
+                  <a:schemeClr val="tx1"/>
+                </a:solidFill>
+              </a:defRPr>
             </a:lvl1pPr>
             <a:lvl2pPr marL="457200" indent="0" algn="ctr">
               <a:buNone/>
-              <a:defRPr sz="2000"/>
+              <a:defRPr>
+                <a:solidFill>
+                  <a:schemeClr val="tx1">
+                    <a:tint val="75000"/>
+                  </a:schemeClr>
+                </a:solidFill>
+              </a:defRPr>
             </a:lvl2pPr>
             <a:lvl3pPr marL="914400" indent="0" algn="ctr">
               <a:buNone/>
-              <a:defRPr sz="1800"/>
+              <a:defRPr>
+                <a:solidFill>
+                  <a:schemeClr val="tx1">
+                    <a:tint val="75000"/>
+                  </a:schemeClr>
+                </a:solidFill>
+              </a:defRPr>
             </a:lvl3pPr>
             <a:lvl4pPr marL="1371600" indent="0" algn="ctr">
               <a:buNone/>
-              <a:defRPr sz="1600"/>
+              <a:defRPr>
+                <a:solidFill>
+                  <a:schemeClr val="tx1">
+                    <a:tint val="75000"/>
+                  </a:schemeClr>
+                </a:solidFill>
+              </a:defRPr>
             </a:lvl4pPr>
             <a:lvl5pPr marL="1828800" indent="0" algn="ctr">
               <a:buNone/>
-              <a:defRPr sz="1600"/>
+              <a:defRPr>
+                <a:solidFill>
+                  <a:schemeClr val="tx1">
+                    <a:tint val="75000"/>
+                  </a:schemeClr>
+                </a:solidFill>
+              </a:defRPr>
             </a:lvl5pPr>
             <a:lvl6pPr marL="2286000" indent="0" algn="ctr">
               <a:buNone/>
-              <a:defRPr sz="1600"/>
+              <a:defRPr>
+                <a:solidFill>
+                  <a:schemeClr val="tx1">
+                    <a:tint val="75000"/>
+                  </a:schemeClr>
+                </a:solidFill>
+              </a:defRPr>
             </a:lvl6pPr>
             <a:lvl7pPr marL="2743200" indent="0" algn="ctr">
               <a:buNone/>
-              <a:defRPr sz="1600"/>
+              <a:defRPr>
+                <a:solidFill>
+                  <a:schemeClr val="tx1">
+                    <a:tint val="75000"/>
+                  </a:schemeClr>
+                </a:solidFill>
+              </a:defRPr>
             </a:lvl7pPr>
             <a:lvl8pPr marL="3200400" indent="0" algn="ctr">
               <a:buNone/>
-              <a:defRPr sz="1600"/>
+              <a:defRPr>
+                <a:solidFill>
+                  <a:schemeClr val="tx1">
+                    <a:tint val="75000"/>
+                  </a:schemeClr>
+                </a:solidFill>
+              </a:defRPr>
             </a:lvl8pPr>
             <a:lvl9pPr marL="3657600" indent="0" algn="ctr">
               <a:buNone/>
-              <a:defRPr sz="1600"/>
+              <a:defRPr>
+                <a:solidFill>
+                  <a:schemeClr val="tx1">
+                    <a:tint val="75000"/>
+                  </a:schemeClr>
+                </a:solidFill>
+              </a:defRPr>
             </a:lvl9pPr>
           </a:lstStyle>
           <a:p>
@@ -251,19 +293,13 @@
               <a:rPr lang="en-US"/>
               <a:t>Click to edit Master subtitle style</a:t>
             </a:r>
-            <a:endParaRPr lang="es-419"/>
-          </a:p>
-        </p:txBody>
-      </p:sp>
-      <p:sp>
-        <p:nvSpPr>
-          <p:cNvPr id="4" name="Date Placeholder 3">
-            <a:extLst>
-              <a:ext uri="{FF2B5EF4-FFF2-40B4-BE49-F238E27FC236}">
-                <a16:creationId xmlns:a16="http://schemas.microsoft.com/office/drawing/2014/main" id="{3ADD1445-5518-4BF6-A9BF-727A5E25A2B6}"/>
-              </a:ext>
-            </a:extLst>
-          </p:cNvPr>
+            <a:endParaRPr lang="en-US" dirty="0"/>
+          </a:p>
+        </p:txBody>
+      </p:sp>
+      <p:sp>
+        <p:nvSpPr>
+          <p:cNvPr id="4" name="Date Placeholder 3"/>
           <p:cNvSpPr>
             <a:spLocks noGrp="1"/>
           </p:cNvSpPr>
@@ -278,7 +314,7 @@
           <a:p>
             <a:fld id="{4CEFB8B4-3F82-4018-B1C2-366872391BA2}" type="datetimeFigureOut">
               <a:rPr lang="es-419" smtClean="0"/>
-              <a:t>15/10/2020</a:t>
+              <a:t>16/10/2020</a:t>
             </a:fld>
             <a:endParaRPr lang="es-419"/>
           </a:p>
@@ -286,13 +322,7 @@
       </p:sp>
       <p:sp>
         <p:nvSpPr>
-          <p:cNvPr id="5" name="Footer Placeholder 4">
-            <a:extLst>
-              <a:ext uri="{FF2B5EF4-FFF2-40B4-BE49-F238E27FC236}">
-                <a16:creationId xmlns:a16="http://schemas.microsoft.com/office/drawing/2014/main" id="{994F88D7-478D-482D-B2CB-DD29AC5122EA}"/>
-              </a:ext>
-            </a:extLst>
-          </p:cNvPr>
+          <p:cNvPr id="5" name="Footer Placeholder 4"/>
           <p:cNvSpPr>
             <a:spLocks noGrp="1"/>
           </p:cNvSpPr>
@@ -311,13 +341,7 @@
       </p:sp>
       <p:sp>
         <p:nvSpPr>
-          <p:cNvPr id="6" name="Slide Number Placeholder 5">
-            <a:extLst>
-              <a:ext uri="{FF2B5EF4-FFF2-40B4-BE49-F238E27FC236}">
-                <a16:creationId xmlns:a16="http://schemas.microsoft.com/office/drawing/2014/main" id="{D2527E65-7163-4729-A8F6-0ABC7B0C4CFB}"/>
-              </a:ext>
-            </a:extLst>
-          </p:cNvPr>
+          <p:cNvPr id="6" name="Slide Number Placeholder 5"/>
           <p:cNvSpPr>
             <a:spLocks noGrp="1"/>
           </p:cNvSpPr>
@@ -341,7 +365,7 @@
     </p:spTree>
     <p:extLst>
       <p:ext uri="{BB962C8B-B14F-4D97-AF65-F5344CB8AC3E}">
-        <p14:creationId xmlns:p14="http://schemas.microsoft.com/office/powerpoint/2010/main" val="4115573453"/>
+        <p14:creationId xmlns:p14="http://schemas.microsoft.com/office/powerpoint/2010/main" val="3084548011"/>
       </p:ext>
     </p:extLst>
   </p:cSld>
@@ -352,6 +376,2582 @@
 </file>
 
 <file path=ppt/slideLayouts/slideLayout10.xml><?xml version="1.0" encoding="utf-8"?>
+<p:sldLayout xmlns:a="http://schemas.openxmlformats.org/drawingml/2006/main" xmlns:r="http://schemas.openxmlformats.org/officeDocument/2006/relationships" xmlns:p="http://schemas.openxmlformats.org/presentationml/2006/main" preserve="1">
+  <p:cSld name="Panoramic Picture with Caption">
+    <p:spTree>
+      <p:nvGrpSpPr>
+        <p:cNvPr id="1" name=""/>
+        <p:cNvGrpSpPr/>
+        <p:nvPr/>
+      </p:nvGrpSpPr>
+      <p:grpSpPr>
+        <a:xfrm>
+          <a:off x="0" y="0"/>
+          <a:ext cx="0" cy="0"/>
+          <a:chOff x="0" y="0"/>
+          <a:chExt cx="0" cy="0"/>
+        </a:xfrm>
+      </p:grpSpPr>
+      <p:pic>
+        <p:nvPicPr>
+          <p:cNvPr id="16" name="Picture 15" descr="Slate-V2-HD-panoPhotoInset.png"/>
+          <p:cNvPicPr>
+            <a:picLocks noChangeAspect="1"/>
+          </p:cNvPicPr>
+          <p:nvPr/>
+        </p:nvPicPr>
+        <p:blipFill>
+          <a:blip r:embed="rId2">
+            <a:extLst>
+              <a:ext uri="{28A0092B-C50C-407E-A947-70E740481C1C}">
+                <a14:useLocalDpi xmlns:a14="http://schemas.microsoft.com/office/drawing/2010/main" val="0"/>
+              </a:ext>
+            </a:extLst>
+          </a:blip>
+          <a:stretch>
+            <a:fillRect/>
+          </a:stretch>
+        </p:blipFill>
+        <p:spPr>
+          <a:xfrm>
+            <a:off x="1013883" y="547807"/>
+            <a:ext cx="10141799" cy="3816806"/>
+          </a:xfrm>
+          <a:prstGeom prst="rect">
+            <a:avLst/>
+          </a:prstGeom>
+        </p:spPr>
+      </p:pic>
+      <p:sp>
+        <p:nvSpPr>
+          <p:cNvPr id="2" name="Title 1"/>
+          <p:cNvSpPr>
+            <a:spLocks noGrp="1"/>
+          </p:cNvSpPr>
+          <p:nvPr>
+            <p:ph type="title"/>
+          </p:nvPr>
+        </p:nvSpPr>
+        <p:spPr>
+          <a:xfrm>
+            <a:off x="913806" y="4565255"/>
+            <a:ext cx="10355326" cy="543472"/>
+          </a:xfrm>
+        </p:spPr>
+        <p:txBody>
+          <a:bodyPr anchor="b">
+            <a:normAutofit/>
+          </a:bodyPr>
+          <a:lstStyle>
+            <a:lvl1pPr algn="ctr">
+              <a:defRPr sz="2800"/>
+            </a:lvl1pPr>
+          </a:lstStyle>
+          <a:p>
+            <a:r>
+              <a:rPr lang="en-US"/>
+              <a:t>Click to edit Master title style</a:t>
+            </a:r>
+            <a:endParaRPr lang="en-US" dirty="0"/>
+          </a:p>
+        </p:txBody>
+      </p:sp>
+      <p:sp>
+        <p:nvSpPr>
+          <p:cNvPr id="3" name="Picture Placeholder 2"/>
+          <p:cNvSpPr>
+            <a:spLocks noGrp="1" noChangeAspect="1"/>
+          </p:cNvSpPr>
+          <p:nvPr>
+            <p:ph type="pic" idx="1"/>
+          </p:nvPr>
+        </p:nvSpPr>
+        <p:spPr>
+          <a:xfrm>
+            <a:off x="1169349" y="695009"/>
+            <a:ext cx="9845346" cy="3525671"/>
+          </a:xfrm>
+          <a:effectLst>
+            <a:outerShdw blurRad="38100" dist="25400" dir="4440000">
+              <a:srgbClr val="000000">
+                <a:alpha val="36000"/>
+              </a:srgbClr>
+            </a:outerShdw>
+          </a:effectLst>
+        </p:spPr>
+        <p:txBody>
+          <a:bodyPr anchor="t">
+            <a:normAutofit/>
+          </a:bodyPr>
+          <a:lstStyle>
+            <a:lvl1pPr marL="0" indent="0" algn="ctr">
+              <a:buNone/>
+              <a:defRPr sz="2000"/>
+            </a:lvl1pPr>
+            <a:lvl2pPr marL="457200" indent="0">
+              <a:buNone/>
+              <a:defRPr sz="2000"/>
+            </a:lvl2pPr>
+            <a:lvl3pPr marL="914400" indent="0">
+              <a:buNone/>
+              <a:defRPr sz="2000"/>
+            </a:lvl3pPr>
+            <a:lvl4pPr marL="1371600" indent="0">
+              <a:buNone/>
+              <a:defRPr sz="2000"/>
+            </a:lvl4pPr>
+            <a:lvl5pPr marL="1828800" indent="0">
+              <a:buNone/>
+              <a:defRPr sz="2000"/>
+            </a:lvl5pPr>
+            <a:lvl6pPr marL="2286000" indent="0">
+              <a:buNone/>
+              <a:defRPr sz="2000"/>
+            </a:lvl6pPr>
+            <a:lvl7pPr marL="2743200" indent="0">
+              <a:buNone/>
+              <a:defRPr sz="2000"/>
+            </a:lvl7pPr>
+            <a:lvl8pPr marL="3200400" indent="0">
+              <a:buNone/>
+              <a:defRPr sz="2000"/>
+            </a:lvl8pPr>
+            <a:lvl9pPr marL="3657600" indent="0">
+              <a:buNone/>
+              <a:defRPr sz="2000"/>
+            </a:lvl9pPr>
+          </a:lstStyle>
+          <a:p>
+            <a:r>
+              <a:rPr lang="en-US"/>
+              <a:t>Click icon to add picture</a:t>
+            </a:r>
+            <a:endParaRPr lang="en-US" dirty="0"/>
+          </a:p>
+        </p:txBody>
+      </p:sp>
+      <p:sp>
+        <p:nvSpPr>
+          <p:cNvPr id="4" name="Text Placeholder 3"/>
+          <p:cNvSpPr>
+            <a:spLocks noGrp="1"/>
+          </p:cNvSpPr>
+          <p:nvPr>
+            <p:ph type="body" sz="half" idx="2"/>
+          </p:nvPr>
+        </p:nvSpPr>
+        <p:spPr>
+          <a:xfrm>
+            <a:off x="913795" y="5108728"/>
+            <a:ext cx="10353762" cy="682472"/>
+          </a:xfrm>
+        </p:spPr>
+        <p:txBody>
+          <a:bodyPr anchor="t"/>
+          <a:lstStyle>
+            <a:lvl1pPr marL="0" indent="0" algn="ctr">
+              <a:buNone/>
+              <a:defRPr sz="1600"/>
+            </a:lvl1pPr>
+            <a:lvl2pPr marL="457200" indent="0">
+              <a:buNone/>
+              <a:defRPr sz="1400"/>
+            </a:lvl2pPr>
+            <a:lvl3pPr marL="914400" indent="0">
+              <a:buNone/>
+              <a:defRPr sz="1200"/>
+            </a:lvl3pPr>
+            <a:lvl4pPr marL="1371600" indent="0">
+              <a:buNone/>
+              <a:defRPr sz="1000"/>
+            </a:lvl4pPr>
+            <a:lvl5pPr marL="1828800" indent="0">
+              <a:buNone/>
+              <a:defRPr sz="1000"/>
+            </a:lvl5pPr>
+            <a:lvl6pPr marL="2286000" indent="0">
+              <a:buNone/>
+              <a:defRPr sz="1000"/>
+            </a:lvl6pPr>
+            <a:lvl7pPr marL="2743200" indent="0">
+              <a:buNone/>
+              <a:defRPr sz="1000"/>
+            </a:lvl7pPr>
+            <a:lvl8pPr marL="3200400" indent="0">
+              <a:buNone/>
+              <a:defRPr sz="1000"/>
+            </a:lvl8pPr>
+            <a:lvl9pPr marL="3657600" indent="0">
+              <a:buNone/>
+              <a:defRPr sz="1000"/>
+            </a:lvl9pPr>
+          </a:lstStyle>
+          <a:p>
+            <a:pPr lvl="0"/>
+            <a:r>
+              <a:rPr lang="en-US"/>
+              <a:t>Click to edit Master text styles</a:t>
+            </a:r>
+          </a:p>
+        </p:txBody>
+      </p:sp>
+      <p:sp>
+        <p:nvSpPr>
+          <p:cNvPr id="5" name="Date Placeholder 4"/>
+          <p:cNvSpPr>
+            <a:spLocks noGrp="1"/>
+          </p:cNvSpPr>
+          <p:nvPr>
+            <p:ph type="dt" sz="half" idx="10"/>
+          </p:nvPr>
+        </p:nvSpPr>
+        <p:spPr/>
+        <p:txBody>
+          <a:bodyPr/>
+          <a:lstStyle/>
+          <a:p>
+            <a:fld id="{4CEFB8B4-3F82-4018-B1C2-366872391BA2}" type="datetimeFigureOut">
+              <a:rPr lang="es-419" smtClean="0"/>
+              <a:t>16/10/2020</a:t>
+            </a:fld>
+            <a:endParaRPr lang="es-419"/>
+          </a:p>
+        </p:txBody>
+      </p:sp>
+      <p:sp>
+        <p:nvSpPr>
+          <p:cNvPr id="6" name="Footer Placeholder 5"/>
+          <p:cNvSpPr>
+            <a:spLocks noGrp="1"/>
+          </p:cNvSpPr>
+          <p:nvPr>
+            <p:ph type="ftr" sz="quarter" idx="11"/>
+          </p:nvPr>
+        </p:nvSpPr>
+        <p:spPr/>
+        <p:txBody>
+          <a:bodyPr/>
+          <a:lstStyle/>
+          <a:p>
+            <a:endParaRPr lang="es-419"/>
+          </a:p>
+        </p:txBody>
+      </p:sp>
+      <p:sp>
+        <p:nvSpPr>
+          <p:cNvPr id="7" name="Slide Number Placeholder 6"/>
+          <p:cNvSpPr>
+            <a:spLocks noGrp="1"/>
+          </p:cNvSpPr>
+          <p:nvPr>
+            <p:ph type="sldNum" sz="quarter" idx="12"/>
+          </p:nvPr>
+        </p:nvSpPr>
+        <p:spPr/>
+        <p:txBody>
+          <a:bodyPr/>
+          <a:lstStyle/>
+          <a:p>
+            <a:fld id="{EE343675-9840-401F-9BD3-4F5E348791C3}" type="slidenum">
+              <a:rPr lang="es-419" smtClean="0"/>
+              <a:t>‹#›</a:t>
+            </a:fld>
+            <a:endParaRPr lang="es-419"/>
+          </a:p>
+        </p:txBody>
+      </p:sp>
+    </p:spTree>
+    <p:extLst>
+      <p:ext uri="{BB962C8B-B14F-4D97-AF65-F5344CB8AC3E}">
+        <p14:creationId xmlns:p14="http://schemas.microsoft.com/office/powerpoint/2010/main" val="2687717242"/>
+      </p:ext>
+    </p:extLst>
+  </p:cSld>
+  <p:clrMapOvr>
+    <a:masterClrMapping/>
+  </p:clrMapOvr>
+</p:sldLayout>
+</file>
+
+<file path=ppt/slideLayouts/slideLayout11.xml><?xml version="1.0" encoding="utf-8"?>
+<p:sldLayout xmlns:a="http://schemas.openxmlformats.org/drawingml/2006/main" xmlns:r="http://schemas.openxmlformats.org/officeDocument/2006/relationships" xmlns:p="http://schemas.openxmlformats.org/presentationml/2006/main" preserve="1">
+  <p:cSld name="Title and Caption">
+    <p:spTree>
+      <p:nvGrpSpPr>
+        <p:cNvPr id="1" name=""/>
+        <p:cNvGrpSpPr/>
+        <p:nvPr/>
+      </p:nvGrpSpPr>
+      <p:grpSpPr>
+        <a:xfrm>
+          <a:off x="0" y="0"/>
+          <a:ext cx="0" cy="0"/>
+          <a:chOff x="0" y="0"/>
+          <a:chExt cx="0" cy="0"/>
+        </a:xfrm>
+      </p:grpSpPr>
+      <p:sp>
+        <p:nvSpPr>
+          <p:cNvPr id="2" name="Title 1"/>
+          <p:cNvSpPr>
+            <a:spLocks noGrp="1"/>
+          </p:cNvSpPr>
+          <p:nvPr>
+            <p:ph type="title"/>
+          </p:nvPr>
+        </p:nvSpPr>
+        <p:spPr>
+          <a:xfrm>
+            <a:off x="913795" y="608437"/>
+            <a:ext cx="10353762" cy="3534344"/>
+          </a:xfrm>
+        </p:spPr>
+        <p:txBody>
+          <a:bodyPr anchor="ctr"/>
+          <a:lstStyle>
+            <a:lvl1pPr>
+              <a:defRPr sz="3200"/>
+            </a:lvl1pPr>
+          </a:lstStyle>
+          <a:p>
+            <a:r>
+              <a:rPr lang="en-US"/>
+              <a:t>Click to edit Master title style</a:t>
+            </a:r>
+            <a:endParaRPr lang="en-US" dirty="0"/>
+          </a:p>
+        </p:txBody>
+      </p:sp>
+      <p:sp>
+        <p:nvSpPr>
+          <p:cNvPr id="4" name="Text Placeholder 3"/>
+          <p:cNvSpPr>
+            <a:spLocks noGrp="1"/>
+          </p:cNvSpPr>
+          <p:nvPr>
+            <p:ph type="body" sz="half" idx="2"/>
+          </p:nvPr>
+        </p:nvSpPr>
+        <p:spPr>
+          <a:xfrm>
+            <a:off x="913794" y="4295180"/>
+            <a:ext cx="10353763" cy="1501826"/>
+          </a:xfrm>
+        </p:spPr>
+        <p:txBody>
+          <a:bodyPr anchor="ctr"/>
+          <a:lstStyle>
+            <a:lvl1pPr marL="0" indent="0" algn="ctr">
+              <a:buNone/>
+              <a:defRPr sz="1600"/>
+            </a:lvl1pPr>
+            <a:lvl2pPr marL="457200" indent="0">
+              <a:buNone/>
+              <a:defRPr sz="1400"/>
+            </a:lvl2pPr>
+            <a:lvl3pPr marL="914400" indent="0">
+              <a:buNone/>
+              <a:defRPr sz="1200"/>
+            </a:lvl3pPr>
+            <a:lvl4pPr marL="1371600" indent="0">
+              <a:buNone/>
+              <a:defRPr sz="1000"/>
+            </a:lvl4pPr>
+            <a:lvl5pPr marL="1828800" indent="0">
+              <a:buNone/>
+              <a:defRPr sz="1000"/>
+            </a:lvl5pPr>
+            <a:lvl6pPr marL="2286000" indent="0">
+              <a:buNone/>
+              <a:defRPr sz="1000"/>
+            </a:lvl6pPr>
+            <a:lvl7pPr marL="2743200" indent="0">
+              <a:buNone/>
+              <a:defRPr sz="1000"/>
+            </a:lvl7pPr>
+            <a:lvl8pPr marL="3200400" indent="0">
+              <a:buNone/>
+              <a:defRPr sz="1000"/>
+            </a:lvl8pPr>
+            <a:lvl9pPr marL="3657600" indent="0">
+              <a:buNone/>
+              <a:defRPr sz="1000"/>
+            </a:lvl9pPr>
+          </a:lstStyle>
+          <a:p>
+            <a:pPr lvl="0"/>
+            <a:r>
+              <a:rPr lang="en-US"/>
+              <a:t>Click to edit Master text styles</a:t>
+            </a:r>
+          </a:p>
+        </p:txBody>
+      </p:sp>
+      <p:sp>
+        <p:nvSpPr>
+          <p:cNvPr id="5" name="Date Placeholder 4"/>
+          <p:cNvSpPr>
+            <a:spLocks noGrp="1"/>
+          </p:cNvSpPr>
+          <p:nvPr>
+            <p:ph type="dt" sz="half" idx="10"/>
+          </p:nvPr>
+        </p:nvSpPr>
+        <p:spPr/>
+        <p:txBody>
+          <a:bodyPr/>
+          <a:lstStyle/>
+          <a:p>
+            <a:fld id="{4CEFB8B4-3F82-4018-B1C2-366872391BA2}" type="datetimeFigureOut">
+              <a:rPr lang="es-419" smtClean="0"/>
+              <a:t>16/10/2020</a:t>
+            </a:fld>
+            <a:endParaRPr lang="es-419"/>
+          </a:p>
+        </p:txBody>
+      </p:sp>
+      <p:sp>
+        <p:nvSpPr>
+          <p:cNvPr id="6" name="Footer Placeholder 5"/>
+          <p:cNvSpPr>
+            <a:spLocks noGrp="1"/>
+          </p:cNvSpPr>
+          <p:nvPr>
+            <p:ph type="ftr" sz="quarter" idx="11"/>
+          </p:nvPr>
+        </p:nvSpPr>
+        <p:spPr/>
+        <p:txBody>
+          <a:bodyPr/>
+          <a:lstStyle/>
+          <a:p>
+            <a:endParaRPr lang="es-419"/>
+          </a:p>
+        </p:txBody>
+      </p:sp>
+      <p:sp>
+        <p:nvSpPr>
+          <p:cNvPr id="7" name="Slide Number Placeholder 6"/>
+          <p:cNvSpPr>
+            <a:spLocks noGrp="1"/>
+          </p:cNvSpPr>
+          <p:nvPr>
+            <p:ph type="sldNum" sz="quarter" idx="12"/>
+          </p:nvPr>
+        </p:nvSpPr>
+        <p:spPr/>
+        <p:txBody>
+          <a:bodyPr/>
+          <a:lstStyle/>
+          <a:p>
+            <a:fld id="{EE343675-9840-401F-9BD3-4F5E348791C3}" type="slidenum">
+              <a:rPr lang="es-419" smtClean="0"/>
+              <a:t>‹#›</a:t>
+            </a:fld>
+            <a:endParaRPr lang="es-419"/>
+          </a:p>
+        </p:txBody>
+      </p:sp>
+    </p:spTree>
+    <p:extLst>
+      <p:ext uri="{BB962C8B-B14F-4D97-AF65-F5344CB8AC3E}">
+        <p14:creationId xmlns:p14="http://schemas.microsoft.com/office/powerpoint/2010/main" val="2987500289"/>
+      </p:ext>
+    </p:extLst>
+  </p:cSld>
+  <p:clrMapOvr>
+    <a:masterClrMapping/>
+  </p:clrMapOvr>
+</p:sldLayout>
+</file>
+
+<file path=ppt/slideLayouts/slideLayout12.xml><?xml version="1.0" encoding="utf-8"?>
+<p:sldLayout xmlns:a="http://schemas.openxmlformats.org/drawingml/2006/main" xmlns:r="http://schemas.openxmlformats.org/officeDocument/2006/relationships" xmlns:p="http://schemas.openxmlformats.org/presentationml/2006/main" preserve="1">
+  <p:cSld name="Quote with Caption">
+    <p:spTree>
+      <p:nvGrpSpPr>
+        <p:cNvPr id="1" name=""/>
+        <p:cNvGrpSpPr/>
+        <p:nvPr/>
+      </p:nvGrpSpPr>
+      <p:grpSpPr>
+        <a:xfrm>
+          <a:off x="0" y="0"/>
+          <a:ext cx="0" cy="0"/>
+          <a:chOff x="0" y="0"/>
+          <a:chExt cx="0" cy="0"/>
+        </a:xfrm>
+      </p:grpSpPr>
+      <p:sp>
+        <p:nvSpPr>
+          <p:cNvPr id="2" name="Title 1"/>
+          <p:cNvSpPr>
+            <a:spLocks noGrp="1"/>
+          </p:cNvSpPr>
+          <p:nvPr>
+            <p:ph type="title"/>
+          </p:nvPr>
+        </p:nvSpPr>
+        <p:spPr>
+          <a:xfrm>
+            <a:off x="1446212" y="609600"/>
+            <a:ext cx="9302752" cy="2992904"/>
+          </a:xfrm>
+        </p:spPr>
+        <p:txBody>
+          <a:bodyPr anchor="ctr"/>
+          <a:lstStyle>
+            <a:lvl1pPr>
+              <a:defRPr sz="3200"/>
+            </a:lvl1pPr>
+          </a:lstStyle>
+          <a:p>
+            <a:r>
+              <a:rPr lang="en-US"/>
+              <a:t>Click to edit Master title style</a:t>
+            </a:r>
+            <a:endParaRPr lang="en-US" dirty="0"/>
+          </a:p>
+        </p:txBody>
+      </p:sp>
+      <p:sp>
+        <p:nvSpPr>
+          <p:cNvPr id="12" name="Text Placeholder 3"/>
+          <p:cNvSpPr>
+            <a:spLocks noGrp="1"/>
+          </p:cNvSpPr>
+          <p:nvPr>
+            <p:ph type="body" sz="half" idx="13"/>
+          </p:nvPr>
+        </p:nvSpPr>
+        <p:spPr>
+          <a:xfrm>
+            <a:off x="1720644" y="3610032"/>
+            <a:ext cx="8752299" cy="532749"/>
+          </a:xfrm>
+        </p:spPr>
+        <p:txBody>
+          <a:bodyPr anchor="t">
+            <a:normAutofit/>
+          </a:bodyPr>
+          <a:lstStyle>
+            <a:lvl1pPr marL="0" indent="0" algn="r">
+              <a:buNone/>
+              <a:defRPr sz="1400"/>
+            </a:lvl1pPr>
+            <a:lvl2pPr marL="457200" indent="0">
+              <a:buNone/>
+              <a:defRPr sz="1400"/>
+            </a:lvl2pPr>
+            <a:lvl3pPr marL="914400" indent="0">
+              <a:buNone/>
+              <a:defRPr sz="1200"/>
+            </a:lvl3pPr>
+            <a:lvl4pPr marL="1371600" indent="0">
+              <a:buNone/>
+              <a:defRPr sz="1000"/>
+            </a:lvl4pPr>
+            <a:lvl5pPr marL="1828800" indent="0">
+              <a:buNone/>
+              <a:defRPr sz="1000"/>
+            </a:lvl5pPr>
+            <a:lvl6pPr marL="2286000" indent="0">
+              <a:buNone/>
+              <a:defRPr sz="1000"/>
+            </a:lvl6pPr>
+            <a:lvl7pPr marL="2743200" indent="0">
+              <a:buNone/>
+              <a:defRPr sz="1000"/>
+            </a:lvl7pPr>
+            <a:lvl8pPr marL="3200400" indent="0">
+              <a:buNone/>
+              <a:defRPr sz="1000"/>
+            </a:lvl8pPr>
+            <a:lvl9pPr marL="3657600" indent="0">
+              <a:buNone/>
+              <a:defRPr sz="1000"/>
+            </a:lvl9pPr>
+          </a:lstStyle>
+          <a:p>
+            <a:pPr lvl="0"/>
+            <a:r>
+              <a:rPr lang="en-US"/>
+              <a:t>Click to edit Master text styles</a:t>
+            </a:r>
+          </a:p>
+        </p:txBody>
+      </p:sp>
+      <p:sp>
+        <p:nvSpPr>
+          <p:cNvPr id="4" name="Text Placeholder 3"/>
+          <p:cNvSpPr>
+            <a:spLocks noGrp="1"/>
+          </p:cNvSpPr>
+          <p:nvPr>
+            <p:ph type="body" sz="half" idx="2"/>
+          </p:nvPr>
+        </p:nvSpPr>
+        <p:spPr>
+          <a:xfrm>
+            <a:off x="913794" y="4304353"/>
+            <a:ext cx="10353763" cy="1489496"/>
+          </a:xfrm>
+        </p:spPr>
+        <p:txBody>
+          <a:bodyPr anchor="ctr">
+            <a:normAutofit/>
+          </a:bodyPr>
+          <a:lstStyle>
+            <a:lvl1pPr marL="0" indent="0" algn="ctr">
+              <a:buNone/>
+              <a:defRPr sz="1600"/>
+            </a:lvl1pPr>
+            <a:lvl2pPr marL="457200" indent="0">
+              <a:buNone/>
+              <a:defRPr sz="1400"/>
+            </a:lvl2pPr>
+            <a:lvl3pPr marL="914400" indent="0">
+              <a:buNone/>
+              <a:defRPr sz="1200"/>
+            </a:lvl3pPr>
+            <a:lvl4pPr marL="1371600" indent="0">
+              <a:buNone/>
+              <a:defRPr sz="1000"/>
+            </a:lvl4pPr>
+            <a:lvl5pPr marL="1828800" indent="0">
+              <a:buNone/>
+              <a:defRPr sz="1000"/>
+            </a:lvl5pPr>
+            <a:lvl6pPr marL="2286000" indent="0">
+              <a:buNone/>
+              <a:defRPr sz="1000"/>
+            </a:lvl6pPr>
+            <a:lvl7pPr marL="2743200" indent="0">
+              <a:buNone/>
+              <a:defRPr sz="1000"/>
+            </a:lvl7pPr>
+            <a:lvl8pPr marL="3200400" indent="0">
+              <a:buNone/>
+              <a:defRPr sz="1000"/>
+            </a:lvl8pPr>
+            <a:lvl9pPr marL="3657600" indent="0">
+              <a:buNone/>
+              <a:defRPr sz="1000"/>
+            </a:lvl9pPr>
+          </a:lstStyle>
+          <a:p>
+            <a:pPr lvl="0"/>
+            <a:r>
+              <a:rPr lang="en-US"/>
+              <a:t>Click to edit Master text styles</a:t>
+            </a:r>
+          </a:p>
+        </p:txBody>
+      </p:sp>
+      <p:sp>
+        <p:nvSpPr>
+          <p:cNvPr id="5" name="Date Placeholder 4"/>
+          <p:cNvSpPr>
+            <a:spLocks noGrp="1"/>
+          </p:cNvSpPr>
+          <p:nvPr>
+            <p:ph type="dt" sz="half" idx="10"/>
+          </p:nvPr>
+        </p:nvSpPr>
+        <p:spPr/>
+        <p:txBody>
+          <a:bodyPr/>
+          <a:lstStyle/>
+          <a:p>
+            <a:fld id="{4CEFB8B4-3F82-4018-B1C2-366872391BA2}" type="datetimeFigureOut">
+              <a:rPr lang="es-419" smtClean="0"/>
+              <a:t>16/10/2020</a:t>
+            </a:fld>
+            <a:endParaRPr lang="es-419"/>
+          </a:p>
+        </p:txBody>
+      </p:sp>
+      <p:sp>
+        <p:nvSpPr>
+          <p:cNvPr id="6" name="Footer Placeholder 5"/>
+          <p:cNvSpPr>
+            <a:spLocks noGrp="1"/>
+          </p:cNvSpPr>
+          <p:nvPr>
+            <p:ph type="ftr" sz="quarter" idx="11"/>
+          </p:nvPr>
+        </p:nvSpPr>
+        <p:spPr/>
+        <p:txBody>
+          <a:bodyPr/>
+          <a:lstStyle/>
+          <a:p>
+            <a:endParaRPr lang="es-419"/>
+          </a:p>
+        </p:txBody>
+      </p:sp>
+      <p:sp>
+        <p:nvSpPr>
+          <p:cNvPr id="7" name="Slide Number Placeholder 6"/>
+          <p:cNvSpPr>
+            <a:spLocks noGrp="1"/>
+          </p:cNvSpPr>
+          <p:nvPr>
+            <p:ph type="sldNum" sz="quarter" idx="12"/>
+          </p:nvPr>
+        </p:nvSpPr>
+        <p:spPr/>
+        <p:txBody>
+          <a:bodyPr/>
+          <a:lstStyle/>
+          <a:p>
+            <a:fld id="{EE343675-9840-401F-9BD3-4F5E348791C3}" type="slidenum">
+              <a:rPr lang="es-419" smtClean="0"/>
+              <a:t>‹#›</a:t>
+            </a:fld>
+            <a:endParaRPr lang="es-419"/>
+          </a:p>
+        </p:txBody>
+      </p:sp>
+      <p:sp>
+        <p:nvSpPr>
+          <p:cNvPr id="11" name="TextBox 10"/>
+          <p:cNvSpPr txBox="1"/>
+          <p:nvPr/>
+        </p:nvSpPr>
+        <p:spPr>
+          <a:xfrm>
+            <a:off x="990600" y="884796"/>
+            <a:ext cx="609600" cy="584776"/>
+          </a:xfrm>
+          <a:prstGeom prst="rect">
+            <a:avLst/>
+          </a:prstGeom>
+        </p:spPr>
+        <p:txBody>
+          <a:bodyPr vert="horz" lIns="91440" tIns="45720" rIns="91440" bIns="45720" rtlCol="0" anchor="ctr">
+            <a:noAutofit/>
+          </a:bodyPr>
+          <a:lstStyle>
+            <a:lvl1pPr>
+              <a:spcBef>
+                <a:spcPct val="0"/>
+              </a:spcBef>
+              <a:buNone/>
+              <a:defRPr sz="3200" b="0" cap="all">
+                <a:ln w="3175" cmpd="sng">
+                  <a:noFill/>
+                </a:ln>
+                <a:effectLst>
+                  <a:glow rad="38100">
+                    <a:schemeClr val="bg1">
+                      <a:lumMod val="65000"/>
+                      <a:lumOff val="35000"/>
+                      <a:alpha val="40000"/>
+                    </a:schemeClr>
+                  </a:glow>
+                  <a:outerShdw blurRad="28575" dist="38100" dir="14040000" algn="tl" rotWithShape="0">
+                    <a:srgbClr val="000000">
+                      <a:alpha val="25000"/>
+                    </a:srgbClr>
+                  </a:outerShdw>
+                </a:effectLst>
+              </a:defRPr>
+            </a:lvl1pPr>
+            <a:lvl2pPr>
+              <a:defRPr>
+                <a:solidFill>
+                  <a:schemeClr val="tx2"/>
+                </a:solidFill>
+              </a:defRPr>
+            </a:lvl2pPr>
+            <a:lvl3pPr>
+              <a:defRPr>
+                <a:solidFill>
+                  <a:schemeClr val="tx2"/>
+                </a:solidFill>
+              </a:defRPr>
+            </a:lvl3pPr>
+            <a:lvl4pPr>
+              <a:defRPr>
+                <a:solidFill>
+                  <a:schemeClr val="tx2"/>
+                </a:solidFill>
+              </a:defRPr>
+            </a:lvl4pPr>
+            <a:lvl5pPr>
+              <a:defRPr>
+                <a:solidFill>
+                  <a:schemeClr val="tx2"/>
+                </a:solidFill>
+              </a:defRPr>
+            </a:lvl5pPr>
+            <a:lvl6pPr>
+              <a:defRPr>
+                <a:solidFill>
+                  <a:schemeClr val="tx2"/>
+                </a:solidFill>
+              </a:defRPr>
+            </a:lvl6pPr>
+            <a:lvl7pPr>
+              <a:defRPr>
+                <a:solidFill>
+                  <a:schemeClr val="tx2"/>
+                </a:solidFill>
+              </a:defRPr>
+            </a:lvl7pPr>
+            <a:lvl8pPr>
+              <a:defRPr>
+                <a:solidFill>
+                  <a:schemeClr val="tx2"/>
+                </a:solidFill>
+              </a:defRPr>
+            </a:lvl8pPr>
+            <a:lvl9pPr>
+              <a:defRPr>
+                <a:solidFill>
+                  <a:schemeClr val="tx2"/>
+                </a:solidFill>
+              </a:defRPr>
+            </a:lvl9pPr>
+          </a:lstStyle>
+          <a:p>
+            <a:pPr lvl="0"/>
+            <a:r>
+              <a:rPr lang="en-US" sz="8000" dirty="0">
+                <a:solidFill>
+                  <a:schemeClr val="tx1"/>
+                </a:solidFill>
+                <a:effectLst/>
+              </a:rPr>
+              <a:t>“</a:t>
+            </a:r>
+          </a:p>
+        </p:txBody>
+      </p:sp>
+      <p:sp>
+        <p:nvSpPr>
+          <p:cNvPr id="13" name="TextBox 12"/>
+          <p:cNvSpPr txBox="1"/>
+          <p:nvPr/>
+        </p:nvSpPr>
+        <p:spPr>
+          <a:xfrm>
+            <a:off x="10504716" y="2928258"/>
+            <a:ext cx="609600" cy="584776"/>
+          </a:xfrm>
+          <a:prstGeom prst="rect">
+            <a:avLst/>
+          </a:prstGeom>
+        </p:spPr>
+        <p:txBody>
+          <a:bodyPr vert="horz" lIns="91440" tIns="45720" rIns="91440" bIns="45720" rtlCol="0" anchor="ctr">
+            <a:noAutofit/>
+          </a:bodyPr>
+          <a:lstStyle>
+            <a:lvl1pPr>
+              <a:spcBef>
+                <a:spcPct val="0"/>
+              </a:spcBef>
+              <a:buNone/>
+              <a:defRPr sz="3200" b="0" cap="all">
+                <a:ln w="3175" cmpd="sng">
+                  <a:noFill/>
+                </a:ln>
+                <a:effectLst>
+                  <a:glow rad="38100">
+                    <a:schemeClr val="bg1">
+                      <a:lumMod val="65000"/>
+                      <a:lumOff val="35000"/>
+                      <a:alpha val="40000"/>
+                    </a:schemeClr>
+                  </a:glow>
+                  <a:outerShdw blurRad="28575" dist="38100" dir="14040000" algn="tl" rotWithShape="0">
+                    <a:srgbClr val="000000">
+                      <a:alpha val="25000"/>
+                    </a:srgbClr>
+                  </a:outerShdw>
+                </a:effectLst>
+              </a:defRPr>
+            </a:lvl1pPr>
+            <a:lvl2pPr>
+              <a:defRPr>
+                <a:solidFill>
+                  <a:schemeClr val="tx2"/>
+                </a:solidFill>
+              </a:defRPr>
+            </a:lvl2pPr>
+            <a:lvl3pPr>
+              <a:defRPr>
+                <a:solidFill>
+                  <a:schemeClr val="tx2"/>
+                </a:solidFill>
+              </a:defRPr>
+            </a:lvl3pPr>
+            <a:lvl4pPr>
+              <a:defRPr>
+                <a:solidFill>
+                  <a:schemeClr val="tx2"/>
+                </a:solidFill>
+              </a:defRPr>
+            </a:lvl4pPr>
+            <a:lvl5pPr>
+              <a:defRPr>
+                <a:solidFill>
+                  <a:schemeClr val="tx2"/>
+                </a:solidFill>
+              </a:defRPr>
+            </a:lvl5pPr>
+            <a:lvl6pPr>
+              <a:defRPr>
+                <a:solidFill>
+                  <a:schemeClr val="tx2"/>
+                </a:solidFill>
+              </a:defRPr>
+            </a:lvl6pPr>
+            <a:lvl7pPr>
+              <a:defRPr>
+                <a:solidFill>
+                  <a:schemeClr val="tx2"/>
+                </a:solidFill>
+              </a:defRPr>
+            </a:lvl7pPr>
+            <a:lvl8pPr>
+              <a:defRPr>
+                <a:solidFill>
+                  <a:schemeClr val="tx2"/>
+                </a:solidFill>
+              </a:defRPr>
+            </a:lvl8pPr>
+            <a:lvl9pPr>
+              <a:defRPr>
+                <a:solidFill>
+                  <a:schemeClr val="tx2"/>
+                </a:solidFill>
+              </a:defRPr>
+            </a:lvl9pPr>
+          </a:lstStyle>
+          <a:p>
+            <a:pPr lvl="0" algn="r"/>
+            <a:r>
+              <a:rPr lang="en-US" sz="8000" dirty="0">
+                <a:solidFill>
+                  <a:schemeClr val="tx1"/>
+                </a:solidFill>
+                <a:effectLst/>
+              </a:rPr>
+              <a:t>”</a:t>
+            </a:r>
+          </a:p>
+        </p:txBody>
+      </p:sp>
+    </p:spTree>
+    <p:extLst>
+      <p:ext uri="{BB962C8B-B14F-4D97-AF65-F5344CB8AC3E}">
+        <p14:creationId xmlns:p14="http://schemas.microsoft.com/office/powerpoint/2010/main" val="3145213890"/>
+      </p:ext>
+    </p:extLst>
+  </p:cSld>
+  <p:clrMapOvr>
+    <a:masterClrMapping/>
+  </p:clrMapOvr>
+</p:sldLayout>
+</file>
+
+<file path=ppt/slideLayouts/slideLayout13.xml><?xml version="1.0" encoding="utf-8"?>
+<p:sldLayout xmlns:a="http://schemas.openxmlformats.org/drawingml/2006/main" xmlns:r="http://schemas.openxmlformats.org/officeDocument/2006/relationships" xmlns:p="http://schemas.openxmlformats.org/presentationml/2006/main" preserve="1">
+  <p:cSld name="Name Card">
+    <p:spTree>
+      <p:nvGrpSpPr>
+        <p:cNvPr id="1" name=""/>
+        <p:cNvGrpSpPr/>
+        <p:nvPr/>
+      </p:nvGrpSpPr>
+      <p:grpSpPr>
+        <a:xfrm>
+          <a:off x="0" y="0"/>
+          <a:ext cx="0" cy="0"/>
+          <a:chOff x="0" y="0"/>
+          <a:chExt cx="0" cy="0"/>
+        </a:xfrm>
+      </p:grpSpPr>
+      <p:sp>
+        <p:nvSpPr>
+          <p:cNvPr id="2" name="Title 1"/>
+          <p:cNvSpPr>
+            <a:spLocks noGrp="1"/>
+          </p:cNvSpPr>
+          <p:nvPr>
+            <p:ph type="title"/>
+          </p:nvPr>
+        </p:nvSpPr>
+        <p:spPr>
+          <a:xfrm>
+            <a:off x="913794" y="2126942"/>
+            <a:ext cx="10353763" cy="2511835"/>
+          </a:xfrm>
+        </p:spPr>
+        <p:txBody>
+          <a:bodyPr anchor="b"/>
+          <a:lstStyle>
+            <a:lvl1pPr>
+              <a:defRPr sz="3200"/>
+            </a:lvl1pPr>
+          </a:lstStyle>
+          <a:p>
+            <a:r>
+              <a:rPr lang="en-US"/>
+              <a:t>Click to edit Master title style</a:t>
+            </a:r>
+            <a:endParaRPr lang="en-US" dirty="0"/>
+          </a:p>
+        </p:txBody>
+      </p:sp>
+      <p:sp>
+        <p:nvSpPr>
+          <p:cNvPr id="4" name="Text Placeholder 3"/>
+          <p:cNvSpPr>
+            <a:spLocks noGrp="1"/>
+          </p:cNvSpPr>
+          <p:nvPr>
+            <p:ph type="body" sz="half" idx="2"/>
+          </p:nvPr>
+        </p:nvSpPr>
+        <p:spPr>
+          <a:xfrm>
+            <a:off x="913784" y="4650556"/>
+            <a:ext cx="10352199" cy="1140644"/>
+          </a:xfrm>
+        </p:spPr>
+        <p:txBody>
+          <a:bodyPr anchor="t"/>
+          <a:lstStyle>
+            <a:lvl1pPr marL="0" indent="0" algn="ctr">
+              <a:buNone/>
+              <a:defRPr sz="1600"/>
+            </a:lvl1pPr>
+            <a:lvl2pPr marL="457200" indent="0">
+              <a:buNone/>
+              <a:defRPr sz="1400"/>
+            </a:lvl2pPr>
+            <a:lvl3pPr marL="914400" indent="0">
+              <a:buNone/>
+              <a:defRPr sz="1200"/>
+            </a:lvl3pPr>
+            <a:lvl4pPr marL="1371600" indent="0">
+              <a:buNone/>
+              <a:defRPr sz="1000"/>
+            </a:lvl4pPr>
+            <a:lvl5pPr marL="1828800" indent="0">
+              <a:buNone/>
+              <a:defRPr sz="1000"/>
+            </a:lvl5pPr>
+            <a:lvl6pPr marL="2286000" indent="0">
+              <a:buNone/>
+              <a:defRPr sz="1000"/>
+            </a:lvl6pPr>
+            <a:lvl7pPr marL="2743200" indent="0">
+              <a:buNone/>
+              <a:defRPr sz="1000"/>
+            </a:lvl7pPr>
+            <a:lvl8pPr marL="3200400" indent="0">
+              <a:buNone/>
+              <a:defRPr sz="1000"/>
+            </a:lvl8pPr>
+            <a:lvl9pPr marL="3657600" indent="0">
+              <a:buNone/>
+              <a:defRPr sz="1000"/>
+            </a:lvl9pPr>
+          </a:lstStyle>
+          <a:p>
+            <a:pPr lvl="0"/>
+            <a:r>
+              <a:rPr lang="en-US"/>
+              <a:t>Click to edit Master text styles</a:t>
+            </a:r>
+          </a:p>
+        </p:txBody>
+      </p:sp>
+      <p:sp>
+        <p:nvSpPr>
+          <p:cNvPr id="5" name="Date Placeholder 4"/>
+          <p:cNvSpPr>
+            <a:spLocks noGrp="1"/>
+          </p:cNvSpPr>
+          <p:nvPr>
+            <p:ph type="dt" sz="half" idx="10"/>
+          </p:nvPr>
+        </p:nvSpPr>
+        <p:spPr/>
+        <p:txBody>
+          <a:bodyPr/>
+          <a:lstStyle/>
+          <a:p>
+            <a:fld id="{4CEFB8B4-3F82-4018-B1C2-366872391BA2}" type="datetimeFigureOut">
+              <a:rPr lang="es-419" smtClean="0"/>
+              <a:t>16/10/2020</a:t>
+            </a:fld>
+            <a:endParaRPr lang="es-419"/>
+          </a:p>
+        </p:txBody>
+      </p:sp>
+      <p:sp>
+        <p:nvSpPr>
+          <p:cNvPr id="6" name="Footer Placeholder 5"/>
+          <p:cNvSpPr>
+            <a:spLocks noGrp="1"/>
+          </p:cNvSpPr>
+          <p:nvPr>
+            <p:ph type="ftr" sz="quarter" idx="11"/>
+          </p:nvPr>
+        </p:nvSpPr>
+        <p:spPr/>
+        <p:txBody>
+          <a:bodyPr/>
+          <a:lstStyle/>
+          <a:p>
+            <a:endParaRPr lang="es-419"/>
+          </a:p>
+        </p:txBody>
+      </p:sp>
+      <p:sp>
+        <p:nvSpPr>
+          <p:cNvPr id="7" name="Slide Number Placeholder 6"/>
+          <p:cNvSpPr>
+            <a:spLocks noGrp="1"/>
+          </p:cNvSpPr>
+          <p:nvPr>
+            <p:ph type="sldNum" sz="quarter" idx="12"/>
+          </p:nvPr>
+        </p:nvSpPr>
+        <p:spPr/>
+        <p:txBody>
+          <a:bodyPr/>
+          <a:lstStyle/>
+          <a:p>
+            <a:fld id="{EE343675-9840-401F-9BD3-4F5E348791C3}" type="slidenum">
+              <a:rPr lang="es-419" smtClean="0"/>
+              <a:t>‹#›</a:t>
+            </a:fld>
+            <a:endParaRPr lang="es-419"/>
+          </a:p>
+        </p:txBody>
+      </p:sp>
+    </p:spTree>
+    <p:extLst>
+      <p:ext uri="{BB962C8B-B14F-4D97-AF65-F5344CB8AC3E}">
+        <p14:creationId xmlns:p14="http://schemas.microsoft.com/office/powerpoint/2010/main" val="1884456512"/>
+      </p:ext>
+    </p:extLst>
+  </p:cSld>
+  <p:clrMapOvr>
+    <a:masterClrMapping/>
+  </p:clrMapOvr>
+</p:sldLayout>
+</file>
+
+<file path=ppt/slideLayouts/slideLayout14.xml><?xml version="1.0" encoding="utf-8"?>
+<p:sldLayout xmlns:a="http://schemas.openxmlformats.org/drawingml/2006/main" xmlns:r="http://schemas.openxmlformats.org/officeDocument/2006/relationships" xmlns:p="http://schemas.openxmlformats.org/presentationml/2006/main" preserve="1">
+  <p:cSld name="3 Column">
+    <p:spTree>
+      <p:nvGrpSpPr>
+        <p:cNvPr id="1" name=""/>
+        <p:cNvGrpSpPr/>
+        <p:nvPr/>
+      </p:nvGrpSpPr>
+      <p:grpSpPr>
+        <a:xfrm>
+          <a:off x="0" y="0"/>
+          <a:ext cx="0" cy="0"/>
+          <a:chOff x="0" y="0"/>
+          <a:chExt cx="0" cy="0"/>
+        </a:xfrm>
+      </p:grpSpPr>
+      <p:sp>
+        <p:nvSpPr>
+          <p:cNvPr id="15" name="Title 1"/>
+          <p:cNvSpPr>
+            <a:spLocks noGrp="1"/>
+          </p:cNvSpPr>
+          <p:nvPr>
+            <p:ph type="title"/>
+          </p:nvPr>
+        </p:nvSpPr>
+        <p:spPr>
+          <a:xfrm>
+            <a:off x="913795" y="609600"/>
+            <a:ext cx="10353762" cy="970450"/>
+          </a:xfrm>
+        </p:spPr>
+        <p:txBody>
+          <a:bodyPr/>
+          <a:lstStyle/>
+          <a:p>
+            <a:r>
+              <a:rPr lang="en-US"/>
+              <a:t>Click to edit Master title style</a:t>
+            </a:r>
+            <a:endParaRPr lang="en-US" dirty="0"/>
+          </a:p>
+        </p:txBody>
+      </p:sp>
+      <p:sp>
+        <p:nvSpPr>
+          <p:cNvPr id="7" name="Text Placeholder 2"/>
+          <p:cNvSpPr>
+            <a:spLocks noGrp="1"/>
+          </p:cNvSpPr>
+          <p:nvPr>
+            <p:ph type="body" idx="1"/>
+          </p:nvPr>
+        </p:nvSpPr>
+        <p:spPr>
+          <a:xfrm>
+            <a:off x="913795" y="1885950"/>
+            <a:ext cx="3300984" cy="576262"/>
+          </a:xfrm>
+        </p:spPr>
+        <p:txBody>
+          <a:bodyPr anchor="b">
+            <a:noAutofit/>
+          </a:bodyPr>
+          <a:lstStyle>
+            <a:lvl1pPr marL="0" indent="0" algn="ctr">
+              <a:buNone/>
+              <a:defRPr sz="2400" b="0">
+                <a:solidFill>
+                  <a:schemeClr val="tx1"/>
+                </a:solidFill>
+              </a:defRPr>
+            </a:lvl1pPr>
+            <a:lvl2pPr marL="457200" indent="0">
+              <a:buNone/>
+              <a:defRPr sz="2000" b="1"/>
+            </a:lvl2pPr>
+            <a:lvl3pPr marL="914400" indent="0">
+              <a:buNone/>
+              <a:defRPr sz="1800" b="1"/>
+            </a:lvl3pPr>
+            <a:lvl4pPr marL="1371600" indent="0">
+              <a:buNone/>
+              <a:defRPr sz="1600" b="1"/>
+            </a:lvl4pPr>
+            <a:lvl5pPr marL="1828800" indent="0">
+              <a:buNone/>
+              <a:defRPr sz="1600" b="1"/>
+            </a:lvl5pPr>
+            <a:lvl6pPr marL="2286000" indent="0">
+              <a:buNone/>
+              <a:defRPr sz="1600" b="1"/>
+            </a:lvl6pPr>
+            <a:lvl7pPr marL="2743200" indent="0">
+              <a:buNone/>
+              <a:defRPr sz="1600" b="1"/>
+            </a:lvl7pPr>
+            <a:lvl8pPr marL="3200400" indent="0">
+              <a:buNone/>
+              <a:defRPr sz="1600" b="1"/>
+            </a:lvl8pPr>
+            <a:lvl9pPr marL="3657600" indent="0">
+              <a:buNone/>
+              <a:defRPr sz="1600" b="1"/>
+            </a:lvl9pPr>
+          </a:lstStyle>
+          <a:p>
+            <a:pPr lvl="0"/>
+            <a:r>
+              <a:rPr lang="en-US"/>
+              <a:t>Click to edit Master text styles</a:t>
+            </a:r>
+          </a:p>
+        </p:txBody>
+      </p:sp>
+      <p:sp>
+        <p:nvSpPr>
+          <p:cNvPr id="8" name="Text Placeholder 3"/>
+          <p:cNvSpPr>
+            <a:spLocks noGrp="1"/>
+          </p:cNvSpPr>
+          <p:nvPr>
+            <p:ph type="body" sz="half" idx="15"/>
+          </p:nvPr>
+        </p:nvSpPr>
+        <p:spPr>
+          <a:xfrm>
+            <a:off x="913795" y="2571750"/>
+            <a:ext cx="3300984" cy="3219450"/>
+          </a:xfrm>
+        </p:spPr>
+        <p:txBody>
+          <a:bodyPr anchor="t">
+            <a:normAutofit/>
+          </a:bodyPr>
+          <a:lstStyle>
+            <a:lvl1pPr marL="0" indent="0" algn="ctr">
+              <a:buNone/>
+              <a:defRPr sz="1400"/>
+            </a:lvl1pPr>
+            <a:lvl2pPr marL="457200" indent="0">
+              <a:buNone/>
+              <a:defRPr sz="1200"/>
+            </a:lvl2pPr>
+            <a:lvl3pPr marL="914400" indent="0">
+              <a:buNone/>
+              <a:defRPr sz="1000"/>
+            </a:lvl3pPr>
+            <a:lvl4pPr marL="1371600" indent="0">
+              <a:buNone/>
+              <a:defRPr sz="900"/>
+            </a:lvl4pPr>
+            <a:lvl5pPr marL="1828800" indent="0">
+              <a:buNone/>
+              <a:defRPr sz="900"/>
+            </a:lvl5pPr>
+            <a:lvl6pPr marL="2286000" indent="0">
+              <a:buNone/>
+              <a:defRPr sz="900"/>
+            </a:lvl6pPr>
+            <a:lvl7pPr marL="2743200" indent="0">
+              <a:buNone/>
+              <a:defRPr sz="900"/>
+            </a:lvl7pPr>
+            <a:lvl8pPr marL="3200400" indent="0">
+              <a:buNone/>
+              <a:defRPr sz="900"/>
+            </a:lvl8pPr>
+            <a:lvl9pPr marL="3657600" indent="0">
+              <a:buNone/>
+              <a:defRPr sz="900"/>
+            </a:lvl9pPr>
+          </a:lstStyle>
+          <a:p>
+            <a:pPr lvl="0"/>
+            <a:r>
+              <a:rPr lang="en-US"/>
+              <a:t>Click to edit Master text styles</a:t>
+            </a:r>
+          </a:p>
+        </p:txBody>
+      </p:sp>
+      <p:sp>
+        <p:nvSpPr>
+          <p:cNvPr id="9" name="Text Placeholder 4"/>
+          <p:cNvSpPr>
+            <a:spLocks noGrp="1"/>
+          </p:cNvSpPr>
+          <p:nvPr>
+            <p:ph type="body" sz="quarter" idx="3"/>
+          </p:nvPr>
+        </p:nvSpPr>
+        <p:spPr>
+          <a:xfrm>
+            <a:off x="4446711" y="1885950"/>
+            <a:ext cx="3300984" cy="576262"/>
+          </a:xfrm>
+        </p:spPr>
+        <p:txBody>
+          <a:bodyPr anchor="b">
+            <a:noAutofit/>
+          </a:bodyPr>
+          <a:lstStyle>
+            <a:lvl1pPr marL="0" indent="0" algn="ctr">
+              <a:buNone/>
+              <a:defRPr sz="2400" b="0">
+                <a:solidFill>
+                  <a:schemeClr val="tx1"/>
+                </a:solidFill>
+              </a:defRPr>
+            </a:lvl1pPr>
+            <a:lvl2pPr marL="457200" indent="0">
+              <a:buNone/>
+              <a:defRPr sz="2000" b="1"/>
+            </a:lvl2pPr>
+            <a:lvl3pPr marL="914400" indent="0">
+              <a:buNone/>
+              <a:defRPr sz="1800" b="1"/>
+            </a:lvl3pPr>
+            <a:lvl4pPr marL="1371600" indent="0">
+              <a:buNone/>
+              <a:defRPr sz="1600" b="1"/>
+            </a:lvl4pPr>
+            <a:lvl5pPr marL="1828800" indent="0">
+              <a:buNone/>
+              <a:defRPr sz="1600" b="1"/>
+            </a:lvl5pPr>
+            <a:lvl6pPr marL="2286000" indent="0">
+              <a:buNone/>
+              <a:defRPr sz="1600" b="1"/>
+            </a:lvl6pPr>
+            <a:lvl7pPr marL="2743200" indent="0">
+              <a:buNone/>
+              <a:defRPr sz="1600" b="1"/>
+            </a:lvl7pPr>
+            <a:lvl8pPr marL="3200400" indent="0">
+              <a:buNone/>
+              <a:defRPr sz="1600" b="1"/>
+            </a:lvl8pPr>
+            <a:lvl9pPr marL="3657600" indent="0">
+              <a:buNone/>
+              <a:defRPr sz="1600" b="1"/>
+            </a:lvl9pPr>
+          </a:lstStyle>
+          <a:p>
+            <a:pPr lvl="0"/>
+            <a:r>
+              <a:rPr lang="en-US"/>
+              <a:t>Click to edit Master text styles</a:t>
+            </a:r>
+          </a:p>
+        </p:txBody>
+      </p:sp>
+      <p:sp>
+        <p:nvSpPr>
+          <p:cNvPr id="10" name="Text Placeholder 3"/>
+          <p:cNvSpPr>
+            <a:spLocks noGrp="1"/>
+          </p:cNvSpPr>
+          <p:nvPr>
+            <p:ph type="body" sz="half" idx="16"/>
+          </p:nvPr>
+        </p:nvSpPr>
+        <p:spPr>
+          <a:xfrm>
+            <a:off x="4441435" y="2571750"/>
+            <a:ext cx="3300984" cy="3219450"/>
+          </a:xfrm>
+        </p:spPr>
+        <p:txBody>
+          <a:bodyPr anchor="t">
+            <a:normAutofit/>
+          </a:bodyPr>
+          <a:lstStyle>
+            <a:lvl1pPr marL="0" indent="0" algn="ctr">
+              <a:buNone/>
+              <a:defRPr sz="1400"/>
+            </a:lvl1pPr>
+            <a:lvl2pPr marL="457200" indent="0">
+              <a:buNone/>
+              <a:defRPr sz="1200"/>
+            </a:lvl2pPr>
+            <a:lvl3pPr marL="914400" indent="0">
+              <a:buNone/>
+              <a:defRPr sz="1000"/>
+            </a:lvl3pPr>
+            <a:lvl4pPr marL="1371600" indent="0">
+              <a:buNone/>
+              <a:defRPr sz="900"/>
+            </a:lvl4pPr>
+            <a:lvl5pPr marL="1828800" indent="0">
+              <a:buNone/>
+              <a:defRPr sz="900"/>
+            </a:lvl5pPr>
+            <a:lvl6pPr marL="2286000" indent="0">
+              <a:buNone/>
+              <a:defRPr sz="900"/>
+            </a:lvl6pPr>
+            <a:lvl7pPr marL="2743200" indent="0">
+              <a:buNone/>
+              <a:defRPr sz="900"/>
+            </a:lvl7pPr>
+            <a:lvl8pPr marL="3200400" indent="0">
+              <a:buNone/>
+              <a:defRPr sz="900"/>
+            </a:lvl8pPr>
+            <a:lvl9pPr marL="3657600" indent="0">
+              <a:buNone/>
+              <a:defRPr sz="900"/>
+            </a:lvl9pPr>
+          </a:lstStyle>
+          <a:p>
+            <a:pPr lvl="0"/>
+            <a:r>
+              <a:rPr lang="en-US"/>
+              <a:t>Click to edit Master text styles</a:t>
+            </a:r>
+          </a:p>
+        </p:txBody>
+      </p:sp>
+      <p:sp>
+        <p:nvSpPr>
+          <p:cNvPr id="11" name="Text Placeholder 4"/>
+          <p:cNvSpPr>
+            <a:spLocks noGrp="1"/>
+          </p:cNvSpPr>
+          <p:nvPr>
+            <p:ph type="body" sz="quarter" idx="13"/>
+          </p:nvPr>
+        </p:nvSpPr>
+        <p:spPr>
+          <a:xfrm>
+            <a:off x="7966572" y="1885950"/>
+            <a:ext cx="3300984" cy="576262"/>
+          </a:xfrm>
+        </p:spPr>
+        <p:txBody>
+          <a:bodyPr anchor="b">
+            <a:noAutofit/>
+          </a:bodyPr>
+          <a:lstStyle>
+            <a:lvl1pPr marL="0" indent="0" algn="ctr">
+              <a:buNone/>
+              <a:defRPr sz="2400" b="0">
+                <a:solidFill>
+                  <a:schemeClr val="tx1"/>
+                </a:solidFill>
+              </a:defRPr>
+            </a:lvl1pPr>
+            <a:lvl2pPr marL="457200" indent="0">
+              <a:buNone/>
+              <a:defRPr sz="2000" b="1"/>
+            </a:lvl2pPr>
+            <a:lvl3pPr marL="914400" indent="0">
+              <a:buNone/>
+              <a:defRPr sz="1800" b="1"/>
+            </a:lvl3pPr>
+            <a:lvl4pPr marL="1371600" indent="0">
+              <a:buNone/>
+              <a:defRPr sz="1600" b="1"/>
+            </a:lvl4pPr>
+            <a:lvl5pPr marL="1828800" indent="0">
+              <a:buNone/>
+              <a:defRPr sz="1600" b="1"/>
+            </a:lvl5pPr>
+            <a:lvl6pPr marL="2286000" indent="0">
+              <a:buNone/>
+              <a:defRPr sz="1600" b="1"/>
+            </a:lvl6pPr>
+            <a:lvl7pPr marL="2743200" indent="0">
+              <a:buNone/>
+              <a:defRPr sz="1600" b="1"/>
+            </a:lvl7pPr>
+            <a:lvl8pPr marL="3200400" indent="0">
+              <a:buNone/>
+              <a:defRPr sz="1600" b="1"/>
+            </a:lvl8pPr>
+            <a:lvl9pPr marL="3657600" indent="0">
+              <a:buNone/>
+              <a:defRPr sz="1600" b="1"/>
+            </a:lvl9pPr>
+          </a:lstStyle>
+          <a:p>
+            <a:pPr lvl="0"/>
+            <a:r>
+              <a:rPr lang="en-US"/>
+              <a:t>Click to edit Master text styles</a:t>
+            </a:r>
+          </a:p>
+        </p:txBody>
+      </p:sp>
+      <p:sp>
+        <p:nvSpPr>
+          <p:cNvPr id="12" name="Text Placeholder 3"/>
+          <p:cNvSpPr>
+            <a:spLocks noGrp="1"/>
+          </p:cNvSpPr>
+          <p:nvPr>
+            <p:ph type="body" sz="half" idx="17"/>
+          </p:nvPr>
+        </p:nvSpPr>
+        <p:spPr>
+          <a:xfrm>
+            <a:off x="7966572" y="2571750"/>
+            <a:ext cx="3300984" cy="3219450"/>
+          </a:xfrm>
+        </p:spPr>
+        <p:txBody>
+          <a:bodyPr anchor="t">
+            <a:normAutofit/>
+          </a:bodyPr>
+          <a:lstStyle>
+            <a:lvl1pPr marL="0" indent="0" algn="ctr">
+              <a:buNone/>
+              <a:defRPr sz="1400"/>
+            </a:lvl1pPr>
+            <a:lvl2pPr marL="457200" indent="0">
+              <a:buNone/>
+              <a:defRPr sz="1200"/>
+            </a:lvl2pPr>
+            <a:lvl3pPr marL="914400" indent="0">
+              <a:buNone/>
+              <a:defRPr sz="1000"/>
+            </a:lvl3pPr>
+            <a:lvl4pPr marL="1371600" indent="0">
+              <a:buNone/>
+              <a:defRPr sz="900"/>
+            </a:lvl4pPr>
+            <a:lvl5pPr marL="1828800" indent="0">
+              <a:buNone/>
+              <a:defRPr sz="900"/>
+            </a:lvl5pPr>
+            <a:lvl6pPr marL="2286000" indent="0">
+              <a:buNone/>
+              <a:defRPr sz="900"/>
+            </a:lvl6pPr>
+            <a:lvl7pPr marL="2743200" indent="0">
+              <a:buNone/>
+              <a:defRPr sz="900"/>
+            </a:lvl7pPr>
+            <a:lvl8pPr marL="3200400" indent="0">
+              <a:buNone/>
+              <a:defRPr sz="900"/>
+            </a:lvl8pPr>
+            <a:lvl9pPr marL="3657600" indent="0">
+              <a:buNone/>
+              <a:defRPr sz="900"/>
+            </a:lvl9pPr>
+          </a:lstStyle>
+          <a:p>
+            <a:pPr lvl="0"/>
+            <a:r>
+              <a:rPr lang="en-US"/>
+              <a:t>Click to edit Master text styles</a:t>
+            </a:r>
+          </a:p>
+        </p:txBody>
+      </p:sp>
+      <p:sp>
+        <p:nvSpPr>
+          <p:cNvPr id="3" name="Date Placeholder 2"/>
+          <p:cNvSpPr>
+            <a:spLocks noGrp="1"/>
+          </p:cNvSpPr>
+          <p:nvPr>
+            <p:ph type="dt" sz="half" idx="10"/>
+          </p:nvPr>
+        </p:nvSpPr>
+        <p:spPr/>
+        <p:txBody>
+          <a:bodyPr/>
+          <a:lstStyle/>
+          <a:p>
+            <a:fld id="{4CEFB8B4-3F82-4018-B1C2-366872391BA2}" type="datetimeFigureOut">
+              <a:rPr lang="es-419" smtClean="0"/>
+              <a:t>16/10/2020</a:t>
+            </a:fld>
+            <a:endParaRPr lang="es-419"/>
+          </a:p>
+        </p:txBody>
+      </p:sp>
+      <p:sp>
+        <p:nvSpPr>
+          <p:cNvPr id="4" name="Footer Placeholder 3"/>
+          <p:cNvSpPr>
+            <a:spLocks noGrp="1"/>
+          </p:cNvSpPr>
+          <p:nvPr>
+            <p:ph type="ftr" sz="quarter" idx="11"/>
+          </p:nvPr>
+        </p:nvSpPr>
+        <p:spPr/>
+        <p:txBody>
+          <a:bodyPr/>
+          <a:lstStyle/>
+          <a:p>
+            <a:endParaRPr lang="es-419"/>
+          </a:p>
+        </p:txBody>
+      </p:sp>
+      <p:sp>
+        <p:nvSpPr>
+          <p:cNvPr id="5" name="Slide Number Placeholder 4"/>
+          <p:cNvSpPr>
+            <a:spLocks noGrp="1"/>
+          </p:cNvSpPr>
+          <p:nvPr>
+            <p:ph type="sldNum" sz="quarter" idx="12"/>
+          </p:nvPr>
+        </p:nvSpPr>
+        <p:spPr/>
+        <p:txBody>
+          <a:bodyPr/>
+          <a:lstStyle/>
+          <a:p>
+            <a:fld id="{EE343675-9840-401F-9BD3-4F5E348791C3}" type="slidenum">
+              <a:rPr lang="es-419" smtClean="0"/>
+              <a:t>‹#›</a:t>
+            </a:fld>
+            <a:endParaRPr lang="es-419"/>
+          </a:p>
+        </p:txBody>
+      </p:sp>
+    </p:spTree>
+    <p:extLst>
+      <p:ext uri="{BB962C8B-B14F-4D97-AF65-F5344CB8AC3E}">
+        <p14:creationId xmlns:p14="http://schemas.microsoft.com/office/powerpoint/2010/main" val="1846945436"/>
+      </p:ext>
+    </p:extLst>
+  </p:cSld>
+  <p:clrMapOvr>
+    <a:masterClrMapping/>
+  </p:clrMapOvr>
+</p:sldLayout>
+</file>
+
+<file path=ppt/slideLayouts/slideLayout15.xml><?xml version="1.0" encoding="utf-8"?>
+<p:sldLayout xmlns:a="http://schemas.openxmlformats.org/drawingml/2006/main" xmlns:r="http://schemas.openxmlformats.org/officeDocument/2006/relationships" xmlns:p="http://schemas.openxmlformats.org/presentationml/2006/main" preserve="1">
+  <p:cSld name="3 Picture Column">
+    <p:spTree>
+      <p:nvGrpSpPr>
+        <p:cNvPr id="1" name=""/>
+        <p:cNvGrpSpPr/>
+        <p:nvPr/>
+      </p:nvGrpSpPr>
+      <p:grpSpPr>
+        <a:xfrm>
+          <a:off x="0" y="0"/>
+          <a:ext cx="0" cy="0"/>
+          <a:chOff x="0" y="0"/>
+          <a:chExt cx="0" cy="0"/>
+        </a:xfrm>
+      </p:grpSpPr>
+      <p:pic>
+        <p:nvPicPr>
+          <p:cNvPr id="2" name="Picture 1" descr="Slate-V2-HD-3colPhotoInset.png"/>
+          <p:cNvPicPr>
+            <a:picLocks noChangeAspect="1"/>
+          </p:cNvPicPr>
+          <p:nvPr/>
+        </p:nvPicPr>
+        <p:blipFill>
+          <a:blip r:embed="rId2">
+            <a:extLst>
+              <a:ext uri="{28A0092B-C50C-407E-A947-70E740481C1C}">
+                <a14:useLocalDpi xmlns:a14="http://schemas.microsoft.com/office/drawing/2010/main" val="0"/>
+              </a:ext>
+            </a:extLst>
+          </a:blip>
+          <a:stretch>
+            <a:fillRect/>
+          </a:stretch>
+        </p:blipFill>
+        <p:spPr>
+          <a:xfrm>
+            <a:off x="897962" y="1818214"/>
+            <a:ext cx="3339972" cy="1847851"/>
+          </a:xfrm>
+          <a:prstGeom prst="rect">
+            <a:avLst/>
+          </a:prstGeom>
+        </p:spPr>
+      </p:pic>
+      <p:pic>
+        <p:nvPicPr>
+          <p:cNvPr id="36" name="Picture 35" descr="Slate-V2-HD-3colPhotoInset.png"/>
+          <p:cNvPicPr>
+            <a:picLocks noChangeAspect="1"/>
+          </p:cNvPicPr>
+          <p:nvPr/>
+        </p:nvPicPr>
+        <p:blipFill>
+          <a:blip r:embed="rId2">
+            <a:extLst>
+              <a:ext uri="{28A0092B-C50C-407E-A947-70E740481C1C}">
+                <a14:useLocalDpi xmlns:a14="http://schemas.microsoft.com/office/drawing/2010/main" val="0"/>
+              </a:ext>
+            </a:extLst>
+          </a:blip>
+          <a:stretch>
+            <a:fillRect/>
+          </a:stretch>
+        </p:blipFill>
+        <p:spPr>
+          <a:xfrm>
+            <a:off x="4403800" y="1818214"/>
+            <a:ext cx="3339972" cy="1847851"/>
+          </a:xfrm>
+          <a:prstGeom prst="rect">
+            <a:avLst/>
+          </a:prstGeom>
+        </p:spPr>
+      </p:pic>
+      <p:pic>
+        <p:nvPicPr>
+          <p:cNvPr id="37" name="Picture 36" descr="Slate-V2-HD-3colPhotoInset.png"/>
+          <p:cNvPicPr>
+            <a:picLocks noChangeAspect="1"/>
+          </p:cNvPicPr>
+          <p:nvPr/>
+        </p:nvPicPr>
+        <p:blipFill>
+          <a:blip r:embed="rId2">
+            <a:extLst>
+              <a:ext uri="{28A0092B-C50C-407E-A947-70E740481C1C}">
+                <a14:useLocalDpi xmlns:a14="http://schemas.microsoft.com/office/drawing/2010/main" val="0"/>
+              </a:ext>
+            </a:extLst>
+          </a:blip>
+          <a:stretch>
+            <a:fillRect/>
+          </a:stretch>
+        </p:blipFill>
+        <p:spPr>
+          <a:xfrm>
+            <a:off x="7936051" y="1818214"/>
+            <a:ext cx="3339972" cy="1847851"/>
+          </a:xfrm>
+          <a:prstGeom prst="rect">
+            <a:avLst/>
+          </a:prstGeom>
+        </p:spPr>
+      </p:pic>
+      <p:sp>
+        <p:nvSpPr>
+          <p:cNvPr id="30" name="Title 1"/>
+          <p:cNvSpPr>
+            <a:spLocks noGrp="1"/>
+          </p:cNvSpPr>
+          <p:nvPr>
+            <p:ph type="title"/>
+          </p:nvPr>
+        </p:nvSpPr>
+        <p:spPr>
+          <a:xfrm>
+            <a:off x="913794" y="609600"/>
+            <a:ext cx="10353763" cy="970450"/>
+          </a:xfrm>
+        </p:spPr>
+        <p:txBody>
+          <a:bodyPr/>
+          <a:lstStyle/>
+          <a:p>
+            <a:r>
+              <a:rPr lang="en-US"/>
+              <a:t>Click to edit Master title style</a:t>
+            </a:r>
+            <a:endParaRPr lang="en-US" dirty="0"/>
+          </a:p>
+        </p:txBody>
+      </p:sp>
+      <p:sp>
+        <p:nvSpPr>
+          <p:cNvPr id="19" name="Text Placeholder 2"/>
+          <p:cNvSpPr>
+            <a:spLocks noGrp="1"/>
+          </p:cNvSpPr>
+          <p:nvPr>
+            <p:ph type="body" idx="1"/>
+          </p:nvPr>
+        </p:nvSpPr>
+        <p:spPr>
+          <a:xfrm>
+            <a:off x="913795" y="3904106"/>
+            <a:ext cx="3300984" cy="576262"/>
+          </a:xfrm>
+        </p:spPr>
+        <p:txBody>
+          <a:bodyPr anchor="b">
+            <a:noAutofit/>
+          </a:bodyPr>
+          <a:lstStyle>
+            <a:lvl1pPr marL="0" indent="0" algn="ctr">
+              <a:buNone/>
+              <a:defRPr sz="2000" b="0">
+                <a:solidFill>
+                  <a:schemeClr val="tx1"/>
+                </a:solidFill>
+              </a:defRPr>
+            </a:lvl1pPr>
+            <a:lvl2pPr marL="457200" indent="0">
+              <a:buNone/>
+              <a:defRPr sz="2000" b="1"/>
+            </a:lvl2pPr>
+            <a:lvl3pPr marL="914400" indent="0">
+              <a:buNone/>
+              <a:defRPr sz="1800" b="1"/>
+            </a:lvl3pPr>
+            <a:lvl4pPr marL="1371600" indent="0">
+              <a:buNone/>
+              <a:defRPr sz="1600" b="1"/>
+            </a:lvl4pPr>
+            <a:lvl5pPr marL="1828800" indent="0">
+              <a:buNone/>
+              <a:defRPr sz="1600" b="1"/>
+            </a:lvl5pPr>
+            <a:lvl6pPr marL="2286000" indent="0">
+              <a:buNone/>
+              <a:defRPr sz="1600" b="1"/>
+            </a:lvl6pPr>
+            <a:lvl7pPr marL="2743200" indent="0">
+              <a:buNone/>
+              <a:defRPr sz="1600" b="1"/>
+            </a:lvl7pPr>
+            <a:lvl8pPr marL="3200400" indent="0">
+              <a:buNone/>
+              <a:defRPr sz="1600" b="1"/>
+            </a:lvl8pPr>
+            <a:lvl9pPr marL="3657600" indent="0">
+              <a:buNone/>
+              <a:defRPr sz="1600" b="1"/>
+            </a:lvl9pPr>
+          </a:lstStyle>
+          <a:p>
+            <a:pPr lvl="0"/>
+            <a:r>
+              <a:rPr lang="en-US"/>
+              <a:t>Click to edit Master text styles</a:t>
+            </a:r>
+          </a:p>
+        </p:txBody>
+      </p:sp>
+      <p:sp>
+        <p:nvSpPr>
+          <p:cNvPr id="20" name="Picture Placeholder 2"/>
+          <p:cNvSpPr>
+            <a:spLocks noGrp="1" noChangeAspect="1"/>
+          </p:cNvSpPr>
+          <p:nvPr>
+            <p:ph type="pic" idx="15"/>
+          </p:nvPr>
+        </p:nvSpPr>
+        <p:spPr>
+          <a:xfrm>
+            <a:off x="1018102" y="1938918"/>
+            <a:ext cx="3092368" cy="1602954"/>
+          </a:xfrm>
+          <a:prstGeom prst="roundRect">
+            <a:avLst>
+              <a:gd name="adj" fmla="val 1858"/>
+            </a:avLst>
+          </a:prstGeom>
+          <a:effectLst>
+            <a:outerShdw blurRad="38100" dist="25400" dir="4440000">
+              <a:srgbClr val="000000">
+                <a:alpha val="36000"/>
+              </a:srgbClr>
+            </a:outerShdw>
+          </a:effectLst>
+        </p:spPr>
+        <p:txBody>
+          <a:bodyPr anchor="t">
+            <a:normAutofit/>
+          </a:bodyPr>
+          <a:lstStyle>
+            <a:lvl1pPr marL="0" indent="0" algn="ctr">
+              <a:buNone/>
+              <a:defRPr sz="1600"/>
+            </a:lvl1pPr>
+            <a:lvl2pPr marL="457200" indent="0">
+              <a:buNone/>
+              <a:defRPr sz="1600"/>
+            </a:lvl2pPr>
+            <a:lvl3pPr marL="914400" indent="0">
+              <a:buNone/>
+              <a:defRPr sz="1600"/>
+            </a:lvl3pPr>
+            <a:lvl4pPr marL="1371600" indent="0">
+              <a:buNone/>
+              <a:defRPr sz="1600"/>
+            </a:lvl4pPr>
+            <a:lvl5pPr marL="1828800" indent="0">
+              <a:buNone/>
+              <a:defRPr sz="1600"/>
+            </a:lvl5pPr>
+            <a:lvl6pPr marL="2286000" indent="0">
+              <a:buNone/>
+              <a:defRPr sz="1600"/>
+            </a:lvl6pPr>
+            <a:lvl7pPr marL="2743200" indent="0">
+              <a:buNone/>
+              <a:defRPr sz="1600"/>
+            </a:lvl7pPr>
+            <a:lvl8pPr marL="3200400" indent="0">
+              <a:buNone/>
+              <a:defRPr sz="1600"/>
+            </a:lvl8pPr>
+            <a:lvl9pPr marL="3657600" indent="0">
+              <a:buNone/>
+              <a:defRPr sz="1600"/>
+            </a:lvl9pPr>
+          </a:lstStyle>
+          <a:p>
+            <a:r>
+              <a:rPr lang="en-US"/>
+              <a:t>Click icon to add picture</a:t>
+            </a:r>
+            <a:endParaRPr lang="en-US" dirty="0"/>
+          </a:p>
+        </p:txBody>
+      </p:sp>
+      <p:sp>
+        <p:nvSpPr>
+          <p:cNvPr id="21" name="Text Placeholder 3"/>
+          <p:cNvSpPr>
+            <a:spLocks noGrp="1"/>
+          </p:cNvSpPr>
+          <p:nvPr>
+            <p:ph type="body" sz="half" idx="18"/>
+          </p:nvPr>
+        </p:nvSpPr>
+        <p:spPr>
+          <a:xfrm>
+            <a:off x="913795" y="4480368"/>
+            <a:ext cx="3300984" cy="1310833"/>
+          </a:xfrm>
+        </p:spPr>
+        <p:txBody>
+          <a:bodyPr anchor="t">
+            <a:normAutofit/>
+          </a:bodyPr>
+          <a:lstStyle>
+            <a:lvl1pPr marL="0" indent="0" algn="ctr">
+              <a:buNone/>
+              <a:defRPr sz="1400"/>
+            </a:lvl1pPr>
+            <a:lvl2pPr marL="457200" indent="0">
+              <a:buNone/>
+              <a:defRPr sz="1200"/>
+            </a:lvl2pPr>
+            <a:lvl3pPr marL="914400" indent="0">
+              <a:buNone/>
+              <a:defRPr sz="1000"/>
+            </a:lvl3pPr>
+            <a:lvl4pPr marL="1371600" indent="0">
+              <a:buNone/>
+              <a:defRPr sz="900"/>
+            </a:lvl4pPr>
+            <a:lvl5pPr marL="1828800" indent="0">
+              <a:buNone/>
+              <a:defRPr sz="900"/>
+            </a:lvl5pPr>
+            <a:lvl6pPr marL="2286000" indent="0">
+              <a:buNone/>
+              <a:defRPr sz="900"/>
+            </a:lvl6pPr>
+            <a:lvl7pPr marL="2743200" indent="0">
+              <a:buNone/>
+              <a:defRPr sz="900"/>
+            </a:lvl7pPr>
+            <a:lvl8pPr marL="3200400" indent="0">
+              <a:buNone/>
+              <a:defRPr sz="900"/>
+            </a:lvl8pPr>
+            <a:lvl9pPr marL="3657600" indent="0">
+              <a:buNone/>
+              <a:defRPr sz="900"/>
+            </a:lvl9pPr>
+          </a:lstStyle>
+          <a:p>
+            <a:pPr lvl="0"/>
+            <a:r>
+              <a:rPr lang="en-US"/>
+              <a:t>Click to edit Master text styles</a:t>
+            </a:r>
+          </a:p>
+        </p:txBody>
+      </p:sp>
+      <p:sp>
+        <p:nvSpPr>
+          <p:cNvPr id="22" name="Text Placeholder 4"/>
+          <p:cNvSpPr>
+            <a:spLocks noGrp="1"/>
+          </p:cNvSpPr>
+          <p:nvPr>
+            <p:ph type="body" sz="quarter" idx="3"/>
+          </p:nvPr>
+        </p:nvSpPr>
+        <p:spPr>
+          <a:xfrm>
+            <a:off x="4442788" y="3904106"/>
+            <a:ext cx="3300984" cy="576262"/>
+          </a:xfrm>
+        </p:spPr>
+        <p:txBody>
+          <a:bodyPr anchor="b">
+            <a:noAutofit/>
+          </a:bodyPr>
+          <a:lstStyle>
+            <a:lvl1pPr marL="0" indent="0" algn="ctr">
+              <a:buNone/>
+              <a:defRPr sz="2000" b="0">
+                <a:solidFill>
+                  <a:schemeClr val="tx1"/>
+                </a:solidFill>
+              </a:defRPr>
+            </a:lvl1pPr>
+            <a:lvl2pPr marL="457200" indent="0">
+              <a:buNone/>
+              <a:defRPr sz="2000" b="1"/>
+            </a:lvl2pPr>
+            <a:lvl3pPr marL="914400" indent="0">
+              <a:buNone/>
+              <a:defRPr sz="1800" b="1"/>
+            </a:lvl3pPr>
+            <a:lvl4pPr marL="1371600" indent="0">
+              <a:buNone/>
+              <a:defRPr sz="1600" b="1"/>
+            </a:lvl4pPr>
+            <a:lvl5pPr marL="1828800" indent="0">
+              <a:buNone/>
+              <a:defRPr sz="1600" b="1"/>
+            </a:lvl5pPr>
+            <a:lvl6pPr marL="2286000" indent="0">
+              <a:buNone/>
+              <a:defRPr sz="1600" b="1"/>
+            </a:lvl6pPr>
+            <a:lvl7pPr marL="2743200" indent="0">
+              <a:buNone/>
+              <a:defRPr sz="1600" b="1"/>
+            </a:lvl7pPr>
+            <a:lvl8pPr marL="3200400" indent="0">
+              <a:buNone/>
+              <a:defRPr sz="1600" b="1"/>
+            </a:lvl8pPr>
+            <a:lvl9pPr marL="3657600" indent="0">
+              <a:buNone/>
+              <a:defRPr sz="1600" b="1"/>
+            </a:lvl9pPr>
+          </a:lstStyle>
+          <a:p>
+            <a:pPr lvl="0"/>
+            <a:r>
+              <a:rPr lang="en-US"/>
+              <a:t>Click to edit Master text styles</a:t>
+            </a:r>
+          </a:p>
+        </p:txBody>
+      </p:sp>
+      <p:sp>
+        <p:nvSpPr>
+          <p:cNvPr id="23" name="Picture Placeholder 2"/>
+          <p:cNvSpPr>
+            <a:spLocks noGrp="1" noChangeAspect="1"/>
+          </p:cNvSpPr>
+          <p:nvPr>
+            <p:ph type="pic" idx="21"/>
+          </p:nvPr>
+        </p:nvSpPr>
+        <p:spPr>
+          <a:xfrm>
+            <a:off x="4545743" y="1939094"/>
+            <a:ext cx="3092368" cy="1608164"/>
+          </a:xfrm>
+          <a:prstGeom prst="roundRect">
+            <a:avLst>
+              <a:gd name="adj" fmla="val 1858"/>
+            </a:avLst>
+          </a:prstGeom>
+          <a:effectLst>
+            <a:outerShdw blurRad="38100" dist="25400" dir="4440000">
+              <a:srgbClr val="000000">
+                <a:alpha val="36000"/>
+              </a:srgbClr>
+            </a:outerShdw>
+          </a:effectLst>
+        </p:spPr>
+        <p:txBody>
+          <a:bodyPr anchor="t">
+            <a:normAutofit/>
+          </a:bodyPr>
+          <a:lstStyle>
+            <a:lvl1pPr marL="0" indent="0" algn="ctr">
+              <a:buNone/>
+              <a:defRPr sz="1600"/>
+            </a:lvl1pPr>
+            <a:lvl2pPr marL="457200" indent="0">
+              <a:buNone/>
+              <a:defRPr sz="1600"/>
+            </a:lvl2pPr>
+            <a:lvl3pPr marL="914400" indent="0">
+              <a:buNone/>
+              <a:defRPr sz="1600"/>
+            </a:lvl3pPr>
+            <a:lvl4pPr marL="1371600" indent="0">
+              <a:buNone/>
+              <a:defRPr sz="1600"/>
+            </a:lvl4pPr>
+            <a:lvl5pPr marL="1828800" indent="0">
+              <a:buNone/>
+              <a:defRPr sz="1600"/>
+            </a:lvl5pPr>
+            <a:lvl6pPr marL="2286000" indent="0">
+              <a:buNone/>
+              <a:defRPr sz="1600"/>
+            </a:lvl6pPr>
+            <a:lvl7pPr marL="2743200" indent="0">
+              <a:buNone/>
+              <a:defRPr sz="1600"/>
+            </a:lvl7pPr>
+            <a:lvl8pPr marL="3200400" indent="0">
+              <a:buNone/>
+              <a:defRPr sz="1600"/>
+            </a:lvl8pPr>
+            <a:lvl9pPr marL="3657600" indent="0">
+              <a:buNone/>
+              <a:defRPr sz="1600"/>
+            </a:lvl9pPr>
+          </a:lstStyle>
+          <a:p>
+            <a:r>
+              <a:rPr lang="en-US"/>
+              <a:t>Click icon to add picture</a:t>
+            </a:r>
+            <a:endParaRPr lang="en-US" dirty="0"/>
+          </a:p>
+        </p:txBody>
+      </p:sp>
+      <p:sp>
+        <p:nvSpPr>
+          <p:cNvPr id="24" name="Text Placeholder 3"/>
+          <p:cNvSpPr>
+            <a:spLocks noGrp="1"/>
+          </p:cNvSpPr>
+          <p:nvPr>
+            <p:ph type="body" sz="half" idx="19"/>
+          </p:nvPr>
+        </p:nvSpPr>
+        <p:spPr>
+          <a:xfrm>
+            <a:off x="4441435" y="4480367"/>
+            <a:ext cx="3300984" cy="1310833"/>
+          </a:xfrm>
+        </p:spPr>
+        <p:txBody>
+          <a:bodyPr anchor="t">
+            <a:normAutofit/>
+          </a:bodyPr>
+          <a:lstStyle>
+            <a:lvl1pPr marL="0" indent="0" algn="ctr">
+              <a:buNone/>
+              <a:defRPr sz="1400"/>
+            </a:lvl1pPr>
+            <a:lvl2pPr marL="457200" indent="0">
+              <a:buNone/>
+              <a:defRPr sz="1200"/>
+            </a:lvl2pPr>
+            <a:lvl3pPr marL="914400" indent="0">
+              <a:buNone/>
+              <a:defRPr sz="1000"/>
+            </a:lvl3pPr>
+            <a:lvl4pPr marL="1371600" indent="0">
+              <a:buNone/>
+              <a:defRPr sz="900"/>
+            </a:lvl4pPr>
+            <a:lvl5pPr marL="1828800" indent="0">
+              <a:buNone/>
+              <a:defRPr sz="900"/>
+            </a:lvl5pPr>
+            <a:lvl6pPr marL="2286000" indent="0">
+              <a:buNone/>
+              <a:defRPr sz="900"/>
+            </a:lvl6pPr>
+            <a:lvl7pPr marL="2743200" indent="0">
+              <a:buNone/>
+              <a:defRPr sz="900"/>
+            </a:lvl7pPr>
+            <a:lvl8pPr marL="3200400" indent="0">
+              <a:buNone/>
+              <a:defRPr sz="900"/>
+            </a:lvl8pPr>
+            <a:lvl9pPr marL="3657600" indent="0">
+              <a:buNone/>
+              <a:defRPr sz="900"/>
+            </a:lvl9pPr>
+          </a:lstStyle>
+          <a:p>
+            <a:pPr lvl="0"/>
+            <a:r>
+              <a:rPr lang="en-US"/>
+              <a:t>Click to edit Master text styles</a:t>
+            </a:r>
+          </a:p>
+        </p:txBody>
+      </p:sp>
+      <p:sp>
+        <p:nvSpPr>
+          <p:cNvPr id="25" name="Text Placeholder 4"/>
+          <p:cNvSpPr>
+            <a:spLocks noGrp="1"/>
+          </p:cNvSpPr>
+          <p:nvPr>
+            <p:ph type="body" sz="quarter" idx="13"/>
+          </p:nvPr>
+        </p:nvSpPr>
+        <p:spPr>
+          <a:xfrm>
+            <a:off x="7966697" y="3904106"/>
+            <a:ext cx="3300984" cy="576262"/>
+          </a:xfrm>
+        </p:spPr>
+        <p:txBody>
+          <a:bodyPr anchor="b">
+            <a:noAutofit/>
+          </a:bodyPr>
+          <a:lstStyle>
+            <a:lvl1pPr marL="0" indent="0" algn="ctr">
+              <a:buNone/>
+              <a:defRPr sz="2000" b="0">
+                <a:solidFill>
+                  <a:schemeClr val="tx1"/>
+                </a:solidFill>
+              </a:defRPr>
+            </a:lvl1pPr>
+            <a:lvl2pPr marL="457200" indent="0">
+              <a:buNone/>
+              <a:defRPr sz="2000" b="1"/>
+            </a:lvl2pPr>
+            <a:lvl3pPr marL="914400" indent="0">
+              <a:buNone/>
+              <a:defRPr sz="1800" b="1"/>
+            </a:lvl3pPr>
+            <a:lvl4pPr marL="1371600" indent="0">
+              <a:buNone/>
+              <a:defRPr sz="1600" b="1"/>
+            </a:lvl4pPr>
+            <a:lvl5pPr marL="1828800" indent="0">
+              <a:buNone/>
+              <a:defRPr sz="1600" b="1"/>
+            </a:lvl5pPr>
+            <a:lvl6pPr marL="2286000" indent="0">
+              <a:buNone/>
+              <a:defRPr sz="1600" b="1"/>
+            </a:lvl6pPr>
+            <a:lvl7pPr marL="2743200" indent="0">
+              <a:buNone/>
+              <a:defRPr sz="1600" b="1"/>
+            </a:lvl7pPr>
+            <a:lvl8pPr marL="3200400" indent="0">
+              <a:buNone/>
+              <a:defRPr sz="1600" b="1"/>
+            </a:lvl8pPr>
+            <a:lvl9pPr marL="3657600" indent="0">
+              <a:buNone/>
+              <a:defRPr sz="1600" b="1"/>
+            </a:lvl9pPr>
+          </a:lstStyle>
+          <a:p>
+            <a:pPr lvl="0"/>
+            <a:r>
+              <a:rPr lang="en-US"/>
+              <a:t>Click to edit Master text styles</a:t>
+            </a:r>
+          </a:p>
+        </p:txBody>
+      </p:sp>
+      <p:sp>
+        <p:nvSpPr>
+          <p:cNvPr id="26" name="Picture Placeholder 2"/>
+          <p:cNvSpPr>
+            <a:spLocks noGrp="1" noChangeAspect="1"/>
+          </p:cNvSpPr>
+          <p:nvPr>
+            <p:ph type="pic" idx="22"/>
+          </p:nvPr>
+        </p:nvSpPr>
+        <p:spPr>
+          <a:xfrm>
+            <a:off x="8075698" y="1934432"/>
+            <a:ext cx="3092368" cy="1607294"/>
+          </a:xfrm>
+          <a:prstGeom prst="roundRect">
+            <a:avLst>
+              <a:gd name="adj" fmla="val 1858"/>
+            </a:avLst>
+          </a:prstGeom>
+          <a:effectLst>
+            <a:outerShdw blurRad="38100" dist="25400" dir="4440000">
+              <a:srgbClr val="000000">
+                <a:alpha val="36000"/>
+              </a:srgbClr>
+            </a:outerShdw>
+          </a:effectLst>
+        </p:spPr>
+        <p:txBody>
+          <a:bodyPr anchor="t">
+            <a:normAutofit/>
+          </a:bodyPr>
+          <a:lstStyle>
+            <a:lvl1pPr marL="0" indent="0" algn="ctr">
+              <a:buNone/>
+              <a:defRPr sz="1600"/>
+            </a:lvl1pPr>
+            <a:lvl2pPr marL="457200" indent="0">
+              <a:buNone/>
+              <a:defRPr sz="1600"/>
+            </a:lvl2pPr>
+            <a:lvl3pPr marL="914400" indent="0">
+              <a:buNone/>
+              <a:defRPr sz="1600"/>
+            </a:lvl3pPr>
+            <a:lvl4pPr marL="1371600" indent="0">
+              <a:buNone/>
+              <a:defRPr sz="1600"/>
+            </a:lvl4pPr>
+            <a:lvl5pPr marL="1828800" indent="0">
+              <a:buNone/>
+              <a:defRPr sz="1600"/>
+            </a:lvl5pPr>
+            <a:lvl6pPr marL="2286000" indent="0">
+              <a:buNone/>
+              <a:defRPr sz="1600"/>
+            </a:lvl6pPr>
+            <a:lvl7pPr marL="2743200" indent="0">
+              <a:buNone/>
+              <a:defRPr sz="1600"/>
+            </a:lvl7pPr>
+            <a:lvl8pPr marL="3200400" indent="0">
+              <a:buNone/>
+              <a:defRPr sz="1600"/>
+            </a:lvl8pPr>
+            <a:lvl9pPr marL="3657600" indent="0">
+              <a:buNone/>
+              <a:defRPr sz="1600"/>
+            </a:lvl9pPr>
+          </a:lstStyle>
+          <a:p>
+            <a:r>
+              <a:rPr lang="en-US"/>
+              <a:t>Click icon to add picture</a:t>
+            </a:r>
+            <a:endParaRPr lang="en-US" dirty="0"/>
+          </a:p>
+        </p:txBody>
+      </p:sp>
+      <p:sp>
+        <p:nvSpPr>
+          <p:cNvPr id="27" name="Text Placeholder 3"/>
+          <p:cNvSpPr>
+            <a:spLocks noGrp="1"/>
+          </p:cNvSpPr>
+          <p:nvPr>
+            <p:ph type="body" sz="half" idx="20"/>
+          </p:nvPr>
+        </p:nvSpPr>
+        <p:spPr>
+          <a:xfrm>
+            <a:off x="7966572" y="4480365"/>
+            <a:ext cx="3300984" cy="1310835"/>
+          </a:xfrm>
+        </p:spPr>
+        <p:txBody>
+          <a:bodyPr anchor="t">
+            <a:normAutofit/>
+          </a:bodyPr>
+          <a:lstStyle>
+            <a:lvl1pPr marL="0" indent="0" algn="ctr">
+              <a:buNone/>
+              <a:defRPr sz="1400"/>
+            </a:lvl1pPr>
+            <a:lvl2pPr marL="457200" indent="0">
+              <a:buNone/>
+              <a:defRPr sz="1200"/>
+            </a:lvl2pPr>
+            <a:lvl3pPr marL="914400" indent="0">
+              <a:buNone/>
+              <a:defRPr sz="1000"/>
+            </a:lvl3pPr>
+            <a:lvl4pPr marL="1371600" indent="0">
+              <a:buNone/>
+              <a:defRPr sz="900"/>
+            </a:lvl4pPr>
+            <a:lvl5pPr marL="1828800" indent="0">
+              <a:buNone/>
+              <a:defRPr sz="900"/>
+            </a:lvl5pPr>
+            <a:lvl6pPr marL="2286000" indent="0">
+              <a:buNone/>
+              <a:defRPr sz="900"/>
+            </a:lvl6pPr>
+            <a:lvl7pPr marL="2743200" indent="0">
+              <a:buNone/>
+              <a:defRPr sz="900"/>
+            </a:lvl7pPr>
+            <a:lvl8pPr marL="3200400" indent="0">
+              <a:buNone/>
+              <a:defRPr sz="900"/>
+            </a:lvl8pPr>
+            <a:lvl9pPr marL="3657600" indent="0">
+              <a:buNone/>
+              <a:defRPr sz="900"/>
+            </a:lvl9pPr>
+          </a:lstStyle>
+          <a:p>
+            <a:pPr lvl="0"/>
+            <a:r>
+              <a:rPr lang="en-US"/>
+              <a:t>Click to edit Master text styles</a:t>
+            </a:r>
+          </a:p>
+        </p:txBody>
+      </p:sp>
+      <p:sp>
+        <p:nvSpPr>
+          <p:cNvPr id="3" name="Date Placeholder 2"/>
+          <p:cNvSpPr>
+            <a:spLocks noGrp="1"/>
+          </p:cNvSpPr>
+          <p:nvPr>
+            <p:ph type="dt" sz="half" idx="10"/>
+          </p:nvPr>
+        </p:nvSpPr>
+        <p:spPr/>
+        <p:txBody>
+          <a:bodyPr/>
+          <a:lstStyle/>
+          <a:p>
+            <a:fld id="{4CEFB8B4-3F82-4018-B1C2-366872391BA2}" type="datetimeFigureOut">
+              <a:rPr lang="es-419" smtClean="0"/>
+              <a:t>16/10/2020</a:t>
+            </a:fld>
+            <a:endParaRPr lang="es-419"/>
+          </a:p>
+        </p:txBody>
+      </p:sp>
+      <p:sp>
+        <p:nvSpPr>
+          <p:cNvPr id="4" name="Footer Placeholder 3"/>
+          <p:cNvSpPr>
+            <a:spLocks noGrp="1"/>
+          </p:cNvSpPr>
+          <p:nvPr>
+            <p:ph type="ftr" sz="quarter" idx="11"/>
+          </p:nvPr>
+        </p:nvSpPr>
+        <p:spPr/>
+        <p:txBody>
+          <a:bodyPr/>
+          <a:lstStyle/>
+          <a:p>
+            <a:endParaRPr lang="es-419"/>
+          </a:p>
+        </p:txBody>
+      </p:sp>
+      <p:sp>
+        <p:nvSpPr>
+          <p:cNvPr id="5" name="Slide Number Placeholder 4"/>
+          <p:cNvSpPr>
+            <a:spLocks noGrp="1"/>
+          </p:cNvSpPr>
+          <p:nvPr>
+            <p:ph type="sldNum" sz="quarter" idx="12"/>
+          </p:nvPr>
+        </p:nvSpPr>
+        <p:spPr/>
+        <p:txBody>
+          <a:bodyPr/>
+          <a:lstStyle/>
+          <a:p>
+            <a:fld id="{EE343675-9840-401F-9BD3-4F5E348791C3}" type="slidenum">
+              <a:rPr lang="es-419" smtClean="0"/>
+              <a:t>‹#›</a:t>
+            </a:fld>
+            <a:endParaRPr lang="es-419"/>
+          </a:p>
+        </p:txBody>
+      </p:sp>
+    </p:spTree>
+    <p:extLst>
+      <p:ext uri="{BB962C8B-B14F-4D97-AF65-F5344CB8AC3E}">
+        <p14:creationId xmlns:p14="http://schemas.microsoft.com/office/powerpoint/2010/main" val="1059055965"/>
+      </p:ext>
+    </p:extLst>
+  </p:cSld>
+  <p:clrMapOvr>
+    <a:masterClrMapping/>
+  </p:clrMapOvr>
+</p:sldLayout>
+</file>
+
+<file path=ppt/slideLayouts/slideLayout16.xml><?xml version="1.0" encoding="utf-8"?>
 <p:sldLayout xmlns:a="http://schemas.openxmlformats.org/drawingml/2006/main" xmlns:r="http://schemas.openxmlformats.org/officeDocument/2006/relationships" xmlns:p="http://schemas.openxmlformats.org/presentationml/2006/main" type="vertTx" preserve="1">
   <p:cSld name="Title and Vertical Text">
     <p:spTree>
@@ -370,13 +2970,7 @@
       </p:grpSpPr>
       <p:sp>
         <p:nvSpPr>
-          <p:cNvPr id="2" name="Title 1">
-            <a:extLst>
-              <a:ext uri="{FF2B5EF4-FFF2-40B4-BE49-F238E27FC236}">
-                <a16:creationId xmlns:a16="http://schemas.microsoft.com/office/drawing/2014/main" id="{2E1697BB-8630-4A60-9FC1-AB3ABD925462}"/>
-              </a:ext>
-            </a:extLst>
-          </p:cNvPr>
+          <p:cNvPr id="2" name="Title 1"/>
           <p:cNvSpPr>
             <a:spLocks noGrp="1"/>
           </p:cNvSpPr>
@@ -393,19 +2987,13 @@
               <a:rPr lang="en-US"/>
               <a:t>Click to edit Master title style</a:t>
             </a:r>
-            <a:endParaRPr lang="es-419"/>
-          </a:p>
-        </p:txBody>
-      </p:sp>
-      <p:sp>
-        <p:nvSpPr>
-          <p:cNvPr id="3" name="Vertical Text Placeholder 2">
-            <a:extLst>
-              <a:ext uri="{FF2B5EF4-FFF2-40B4-BE49-F238E27FC236}">
-                <a16:creationId xmlns:a16="http://schemas.microsoft.com/office/drawing/2014/main" id="{324FA2A1-0225-49FF-AAA4-E0CE6D814F48}"/>
-              </a:ext>
-            </a:extLst>
-          </p:cNvPr>
+            <a:endParaRPr lang="en-US" dirty="0"/>
+          </a:p>
+        </p:txBody>
+      </p:sp>
+      <p:sp>
+        <p:nvSpPr>
+          <p:cNvPr id="3" name="Vertical Text Placeholder 2"/>
           <p:cNvSpPr>
             <a:spLocks noGrp="1"/>
           </p:cNvSpPr>
@@ -415,7 +3003,7 @@
         </p:nvSpPr>
         <p:spPr/>
         <p:txBody>
-          <a:bodyPr vert="eaVert"/>
+          <a:bodyPr vert="eaVert" anchor="t"/>
           <a:lstStyle/>
           <a:p>
             <a:pPr lvl="0"/>
@@ -451,19 +3039,13 @@
               <a:rPr lang="en-US"/>
               <a:t>Fifth level</a:t>
             </a:r>
-            <a:endParaRPr lang="es-419"/>
-          </a:p>
-        </p:txBody>
-      </p:sp>
-      <p:sp>
-        <p:nvSpPr>
-          <p:cNvPr id="4" name="Date Placeholder 3">
-            <a:extLst>
-              <a:ext uri="{FF2B5EF4-FFF2-40B4-BE49-F238E27FC236}">
-                <a16:creationId xmlns:a16="http://schemas.microsoft.com/office/drawing/2014/main" id="{3E667E4A-F33D-4966-892F-B5978ADF04FD}"/>
-              </a:ext>
-            </a:extLst>
-          </p:cNvPr>
+            <a:endParaRPr lang="en-US" dirty="0"/>
+          </a:p>
+        </p:txBody>
+      </p:sp>
+      <p:sp>
+        <p:nvSpPr>
+          <p:cNvPr id="4" name="Date Placeholder 3"/>
           <p:cNvSpPr>
             <a:spLocks noGrp="1"/>
           </p:cNvSpPr>
@@ -478,7 +3060,7 @@
           <a:p>
             <a:fld id="{4CEFB8B4-3F82-4018-B1C2-366872391BA2}" type="datetimeFigureOut">
               <a:rPr lang="es-419" smtClean="0"/>
-              <a:t>15/10/2020</a:t>
+              <a:t>16/10/2020</a:t>
             </a:fld>
             <a:endParaRPr lang="es-419"/>
           </a:p>
@@ -486,13 +3068,7 @@
       </p:sp>
       <p:sp>
         <p:nvSpPr>
-          <p:cNvPr id="5" name="Footer Placeholder 4">
-            <a:extLst>
-              <a:ext uri="{FF2B5EF4-FFF2-40B4-BE49-F238E27FC236}">
-                <a16:creationId xmlns:a16="http://schemas.microsoft.com/office/drawing/2014/main" id="{D2FA3D87-13AD-416A-8434-C270BFB2B9AB}"/>
-              </a:ext>
-            </a:extLst>
-          </p:cNvPr>
+          <p:cNvPr id="5" name="Footer Placeholder 4"/>
           <p:cNvSpPr>
             <a:spLocks noGrp="1"/>
           </p:cNvSpPr>
@@ -511,13 +3087,7 @@
       </p:sp>
       <p:sp>
         <p:nvSpPr>
-          <p:cNvPr id="6" name="Slide Number Placeholder 5">
-            <a:extLst>
-              <a:ext uri="{FF2B5EF4-FFF2-40B4-BE49-F238E27FC236}">
-                <a16:creationId xmlns:a16="http://schemas.microsoft.com/office/drawing/2014/main" id="{A158BA63-6008-48A5-B9BE-5981AC13539E}"/>
-              </a:ext>
-            </a:extLst>
-          </p:cNvPr>
+          <p:cNvPr id="6" name="Slide Number Placeholder 5"/>
           <p:cNvSpPr>
             <a:spLocks noGrp="1"/>
           </p:cNvSpPr>
@@ -541,7 +3111,7 @@
     </p:spTree>
     <p:extLst>
       <p:ext uri="{BB962C8B-B14F-4D97-AF65-F5344CB8AC3E}">
-        <p14:creationId xmlns:p14="http://schemas.microsoft.com/office/powerpoint/2010/main" val="94426128"/>
+        <p14:creationId xmlns:p14="http://schemas.microsoft.com/office/powerpoint/2010/main" val="1234822240"/>
       </p:ext>
     </p:extLst>
   </p:cSld>
@@ -551,7 +3121,7 @@
 </p:sldLayout>
 </file>
 
-<file path=ppt/slideLayouts/slideLayout11.xml><?xml version="1.0" encoding="utf-8"?>
+<file path=ppt/slideLayouts/slideLayout17.xml><?xml version="1.0" encoding="utf-8"?>
 <p:sldLayout xmlns:a="http://schemas.openxmlformats.org/drawingml/2006/main" xmlns:r="http://schemas.openxmlformats.org/officeDocument/2006/relationships" xmlns:p="http://schemas.openxmlformats.org/presentationml/2006/main" type="vertTitleAndTx" preserve="1">
   <p:cSld name="Vertical Title and Text">
     <p:spTree>
@@ -570,13 +3140,7 @@
       </p:grpSpPr>
       <p:sp>
         <p:nvSpPr>
-          <p:cNvPr id="2" name="Vertical Title 1">
-            <a:extLst>
-              <a:ext uri="{FF2B5EF4-FFF2-40B4-BE49-F238E27FC236}">
-                <a16:creationId xmlns:a16="http://schemas.microsoft.com/office/drawing/2014/main" id="{E0586528-58C6-4F7D-B3A0-EF4F8E0ED075}"/>
-              </a:ext>
-            </a:extLst>
-          </p:cNvPr>
+          <p:cNvPr id="2" name="Vertical Title 1"/>
           <p:cNvSpPr>
             <a:spLocks noGrp="1"/>
           </p:cNvSpPr>
@@ -586,31 +3150,29 @@
         </p:nvSpPr>
         <p:spPr>
           <a:xfrm>
-            <a:off x="8724900" y="365125"/>
-            <a:ext cx="2628900" cy="5811838"/>
+            <a:off x="8983068" y="609599"/>
+            <a:ext cx="2284487" cy="5181601"/>
           </a:xfrm>
         </p:spPr>
         <p:txBody>
           <a:bodyPr vert="eaVert"/>
-          <a:lstStyle/>
+          <a:lstStyle>
+            <a:lvl1pPr algn="l">
+              <a:defRPr/>
+            </a:lvl1pPr>
+          </a:lstStyle>
           <a:p>
             <a:r>
               <a:rPr lang="en-US"/>
               <a:t>Click to edit Master title style</a:t>
             </a:r>
-            <a:endParaRPr lang="es-419"/>
-          </a:p>
-        </p:txBody>
-      </p:sp>
-      <p:sp>
-        <p:nvSpPr>
-          <p:cNvPr id="3" name="Vertical Text Placeholder 2">
-            <a:extLst>
-              <a:ext uri="{FF2B5EF4-FFF2-40B4-BE49-F238E27FC236}">
-                <a16:creationId xmlns:a16="http://schemas.microsoft.com/office/drawing/2014/main" id="{85288A07-A975-4046-8694-73FB44DDBAC5}"/>
-              </a:ext>
-            </a:extLst>
-          </p:cNvPr>
+            <a:endParaRPr lang="en-US" dirty="0"/>
+          </a:p>
+        </p:txBody>
+      </p:sp>
+      <p:sp>
+        <p:nvSpPr>
+          <p:cNvPr id="3" name="Vertical Text Placeholder 2"/>
           <p:cNvSpPr>
             <a:spLocks noGrp="1"/>
           </p:cNvSpPr>
@@ -620,12 +3182,12 @@
         </p:nvSpPr>
         <p:spPr>
           <a:xfrm>
-            <a:off x="838200" y="365125"/>
-            <a:ext cx="7734300" cy="5811838"/>
+            <a:off x="913796" y="609599"/>
+            <a:ext cx="7916872" cy="5181601"/>
           </a:xfrm>
         </p:spPr>
         <p:txBody>
-          <a:bodyPr vert="eaVert"/>
+          <a:bodyPr vert="eaVert" anchor="t"/>
           <a:lstStyle/>
           <a:p>
             <a:pPr lvl="0"/>
@@ -661,19 +3223,13 @@
               <a:rPr lang="en-US"/>
               <a:t>Fifth level</a:t>
             </a:r>
-            <a:endParaRPr lang="es-419"/>
-          </a:p>
-        </p:txBody>
-      </p:sp>
-      <p:sp>
-        <p:nvSpPr>
-          <p:cNvPr id="4" name="Date Placeholder 3">
-            <a:extLst>
-              <a:ext uri="{FF2B5EF4-FFF2-40B4-BE49-F238E27FC236}">
-                <a16:creationId xmlns:a16="http://schemas.microsoft.com/office/drawing/2014/main" id="{8794CE87-A83A-4A03-A573-57651E6D59A3}"/>
-              </a:ext>
-            </a:extLst>
-          </p:cNvPr>
+            <a:endParaRPr lang="en-US" dirty="0"/>
+          </a:p>
+        </p:txBody>
+      </p:sp>
+      <p:sp>
+        <p:nvSpPr>
+          <p:cNvPr id="4" name="Date Placeholder 3"/>
           <p:cNvSpPr>
             <a:spLocks noGrp="1"/>
           </p:cNvSpPr>
@@ -688,7 +3244,7 @@
           <a:p>
             <a:fld id="{4CEFB8B4-3F82-4018-B1C2-366872391BA2}" type="datetimeFigureOut">
               <a:rPr lang="es-419" smtClean="0"/>
-              <a:t>15/10/2020</a:t>
+              <a:t>16/10/2020</a:t>
             </a:fld>
             <a:endParaRPr lang="es-419"/>
           </a:p>
@@ -696,13 +3252,7 @@
       </p:sp>
       <p:sp>
         <p:nvSpPr>
-          <p:cNvPr id="5" name="Footer Placeholder 4">
-            <a:extLst>
-              <a:ext uri="{FF2B5EF4-FFF2-40B4-BE49-F238E27FC236}">
-                <a16:creationId xmlns:a16="http://schemas.microsoft.com/office/drawing/2014/main" id="{35B9FC38-0536-4E2D-A25D-DED669797C86}"/>
-              </a:ext>
-            </a:extLst>
-          </p:cNvPr>
+          <p:cNvPr id="5" name="Footer Placeholder 4"/>
           <p:cNvSpPr>
             <a:spLocks noGrp="1"/>
           </p:cNvSpPr>
@@ -721,13 +3271,7 @@
       </p:sp>
       <p:sp>
         <p:nvSpPr>
-          <p:cNvPr id="6" name="Slide Number Placeholder 5">
-            <a:extLst>
-              <a:ext uri="{FF2B5EF4-FFF2-40B4-BE49-F238E27FC236}">
-                <a16:creationId xmlns:a16="http://schemas.microsoft.com/office/drawing/2014/main" id="{8F92C74E-DFDD-45FE-A620-2D298337870B}"/>
-              </a:ext>
-            </a:extLst>
-          </p:cNvPr>
+          <p:cNvPr id="6" name="Slide Number Placeholder 5"/>
           <p:cNvSpPr>
             <a:spLocks noGrp="1"/>
           </p:cNvSpPr>
@@ -751,7 +3295,7 @@
     </p:spTree>
     <p:extLst>
       <p:ext uri="{BB962C8B-B14F-4D97-AF65-F5344CB8AC3E}">
-        <p14:creationId xmlns:p14="http://schemas.microsoft.com/office/powerpoint/2010/main" val="4055535180"/>
+        <p14:creationId xmlns:p14="http://schemas.microsoft.com/office/powerpoint/2010/main" val="2460814430"/>
       </p:ext>
     </p:extLst>
   </p:cSld>
@@ -780,13 +3324,7 @@
       </p:grpSpPr>
       <p:sp>
         <p:nvSpPr>
-          <p:cNvPr id="2" name="Title 1">
-            <a:extLst>
-              <a:ext uri="{FF2B5EF4-FFF2-40B4-BE49-F238E27FC236}">
-                <a16:creationId xmlns:a16="http://schemas.microsoft.com/office/drawing/2014/main" id="{A5AE6C68-3778-4F4C-95CE-633896E491C3}"/>
-              </a:ext>
-            </a:extLst>
-          </p:cNvPr>
+          <p:cNvPr id="2" name="Title 1"/>
           <p:cNvSpPr>
             <a:spLocks noGrp="1"/>
           </p:cNvSpPr>
@@ -803,19 +3341,13 @@
               <a:rPr lang="en-US"/>
               <a:t>Click to edit Master title style</a:t>
             </a:r>
-            <a:endParaRPr lang="es-419"/>
-          </a:p>
-        </p:txBody>
-      </p:sp>
-      <p:sp>
-        <p:nvSpPr>
-          <p:cNvPr id="3" name="Content Placeholder 2">
-            <a:extLst>
-              <a:ext uri="{FF2B5EF4-FFF2-40B4-BE49-F238E27FC236}">
-                <a16:creationId xmlns:a16="http://schemas.microsoft.com/office/drawing/2014/main" id="{47AEF8B6-7E31-48E5-97DC-8D8508A2735D}"/>
-              </a:ext>
-            </a:extLst>
-          </p:cNvPr>
+            <a:endParaRPr lang="en-US" dirty="0"/>
+          </a:p>
+        </p:txBody>
+      </p:sp>
+      <p:sp>
+        <p:nvSpPr>
+          <p:cNvPr id="3" name="Content Placeholder 2"/>
           <p:cNvSpPr>
             <a:spLocks noGrp="1"/>
           </p:cNvSpPr>
@@ -861,19 +3393,13 @@
               <a:rPr lang="en-US"/>
               <a:t>Fifth level</a:t>
             </a:r>
-            <a:endParaRPr lang="es-419"/>
-          </a:p>
-        </p:txBody>
-      </p:sp>
-      <p:sp>
-        <p:nvSpPr>
-          <p:cNvPr id="4" name="Date Placeholder 3">
-            <a:extLst>
-              <a:ext uri="{FF2B5EF4-FFF2-40B4-BE49-F238E27FC236}">
-                <a16:creationId xmlns:a16="http://schemas.microsoft.com/office/drawing/2014/main" id="{74A1B6E9-9F1F-419D-8DB4-429893A82796}"/>
-              </a:ext>
-            </a:extLst>
-          </p:cNvPr>
+            <a:endParaRPr lang="en-US" dirty="0"/>
+          </a:p>
+        </p:txBody>
+      </p:sp>
+      <p:sp>
+        <p:nvSpPr>
+          <p:cNvPr id="4" name="Date Placeholder 3"/>
           <p:cNvSpPr>
             <a:spLocks noGrp="1"/>
           </p:cNvSpPr>
@@ -888,7 +3414,7 @@
           <a:p>
             <a:fld id="{4CEFB8B4-3F82-4018-B1C2-366872391BA2}" type="datetimeFigureOut">
               <a:rPr lang="es-419" smtClean="0"/>
-              <a:t>15/10/2020</a:t>
+              <a:t>16/10/2020</a:t>
             </a:fld>
             <a:endParaRPr lang="es-419"/>
           </a:p>
@@ -896,13 +3422,7 @@
       </p:sp>
       <p:sp>
         <p:nvSpPr>
-          <p:cNvPr id="5" name="Footer Placeholder 4">
-            <a:extLst>
-              <a:ext uri="{FF2B5EF4-FFF2-40B4-BE49-F238E27FC236}">
-                <a16:creationId xmlns:a16="http://schemas.microsoft.com/office/drawing/2014/main" id="{6E520C40-5984-4EC5-AEDA-E324BD618A0F}"/>
-              </a:ext>
-            </a:extLst>
-          </p:cNvPr>
+          <p:cNvPr id="5" name="Footer Placeholder 4"/>
           <p:cNvSpPr>
             <a:spLocks noGrp="1"/>
           </p:cNvSpPr>
@@ -921,13 +3441,7 @@
       </p:sp>
       <p:sp>
         <p:nvSpPr>
-          <p:cNvPr id="6" name="Slide Number Placeholder 5">
-            <a:extLst>
-              <a:ext uri="{FF2B5EF4-FFF2-40B4-BE49-F238E27FC236}">
-                <a16:creationId xmlns:a16="http://schemas.microsoft.com/office/drawing/2014/main" id="{8A2A5BC2-60E2-4807-95AA-3C99AF4E0B0F}"/>
-              </a:ext>
-            </a:extLst>
-          </p:cNvPr>
+          <p:cNvPr id="6" name="Slide Number Placeholder 5"/>
           <p:cNvSpPr>
             <a:spLocks noGrp="1"/>
           </p:cNvSpPr>
@@ -951,7 +3465,7 @@
     </p:spTree>
     <p:extLst>
       <p:ext uri="{BB962C8B-B14F-4D97-AF65-F5344CB8AC3E}">
-        <p14:creationId xmlns:p14="http://schemas.microsoft.com/office/powerpoint/2010/main" val="1661916272"/>
+        <p14:creationId xmlns:p14="http://schemas.microsoft.com/office/powerpoint/2010/main" val="854017338"/>
       </p:ext>
     </p:extLst>
   </p:cSld>
@@ -980,13 +3494,7 @@
       </p:grpSpPr>
       <p:sp>
         <p:nvSpPr>
-          <p:cNvPr id="2" name="Title 1">
-            <a:extLst>
-              <a:ext uri="{FF2B5EF4-FFF2-40B4-BE49-F238E27FC236}">
-                <a16:creationId xmlns:a16="http://schemas.microsoft.com/office/drawing/2014/main" id="{560486A8-C85F-4A78-9118-05AB09D52673}"/>
-              </a:ext>
-            </a:extLst>
-          </p:cNvPr>
+          <p:cNvPr id="2" name="Title 1"/>
           <p:cNvSpPr>
             <a:spLocks noGrp="1"/>
           </p:cNvSpPr>
@@ -996,15 +3504,15 @@
         </p:nvSpPr>
         <p:spPr>
           <a:xfrm>
-            <a:off x="831850" y="1709738"/>
-            <a:ext cx="10515600" cy="2852737"/>
+            <a:off x="1295401" y="1761067"/>
+            <a:ext cx="9590550" cy="1828813"/>
           </a:xfrm>
         </p:spPr>
         <p:txBody>
           <a:bodyPr anchor="b"/>
           <a:lstStyle>
-            <a:lvl1pPr>
-              <a:defRPr sz="6000"/>
+            <a:lvl1pPr algn="ctr">
+              <a:defRPr sz="4000" b="0" cap="none"/>
             </a:lvl1pPr>
           </a:lstStyle>
           <a:p>
@@ -1012,19 +3520,13 @@
               <a:rPr lang="en-US"/>
               <a:t>Click to edit Master title style</a:t>
             </a:r>
-            <a:endParaRPr lang="es-419"/>
-          </a:p>
-        </p:txBody>
-      </p:sp>
-      <p:sp>
-        <p:nvSpPr>
-          <p:cNvPr id="3" name="Text Placeholder 2">
-            <a:extLst>
-              <a:ext uri="{FF2B5EF4-FFF2-40B4-BE49-F238E27FC236}">
-                <a16:creationId xmlns:a16="http://schemas.microsoft.com/office/drawing/2014/main" id="{6DE0DF83-0B07-4969-AE72-063188FBD1E0}"/>
-              </a:ext>
-            </a:extLst>
-          </p:cNvPr>
+            <a:endParaRPr lang="en-US" dirty="0"/>
+          </a:p>
+        </p:txBody>
+      </p:sp>
+      <p:sp>
+        <p:nvSpPr>
+          <p:cNvPr id="3" name="Text Placeholder 2"/>
           <p:cNvSpPr>
             <a:spLocks noGrp="1"/>
           </p:cNvSpPr>
@@ -1034,26 +3536,24 @@
         </p:nvSpPr>
         <p:spPr>
           <a:xfrm>
-            <a:off x="831850" y="4589463"/>
-            <a:ext cx="10515600" cy="1500187"/>
+            <a:off x="1295401" y="3589879"/>
+            <a:ext cx="9590550" cy="1507054"/>
           </a:xfrm>
         </p:spPr>
         <p:txBody>
-          <a:bodyPr/>
+          <a:bodyPr anchor="t"/>
           <a:lstStyle>
-            <a:lvl1pPr marL="0" indent="0">
-              <a:buNone/>
-              <a:defRPr sz="2400">
+            <a:lvl1pPr marL="0" indent="0" algn="ctr">
+              <a:buNone/>
+              <a:defRPr sz="2000">
                 <a:solidFill>
-                  <a:schemeClr val="tx1">
-                    <a:tint val="75000"/>
-                  </a:schemeClr>
+                  <a:schemeClr val="tx1"/>
                 </a:solidFill>
               </a:defRPr>
             </a:lvl1pPr>
             <a:lvl2pPr marL="457200" indent="0">
               <a:buNone/>
-              <a:defRPr sz="2000">
+              <a:defRPr sz="1800">
                 <a:solidFill>
                   <a:schemeClr val="tx1">
                     <a:tint val="75000"/>
@@ -1063,7 +3563,7 @@
             </a:lvl2pPr>
             <a:lvl3pPr marL="914400" indent="0">
               <a:buNone/>
-              <a:defRPr sz="1800">
+              <a:defRPr sz="1600">
                 <a:solidFill>
                   <a:schemeClr val="tx1">
                     <a:tint val="75000"/>
@@ -1073,7 +3573,7 @@
             </a:lvl3pPr>
             <a:lvl4pPr marL="1371600" indent="0">
               <a:buNone/>
-              <a:defRPr sz="1600">
+              <a:defRPr sz="1400">
                 <a:solidFill>
                   <a:schemeClr val="tx1">
                     <a:tint val="75000"/>
@@ -1083,7 +3583,7 @@
             </a:lvl4pPr>
             <a:lvl5pPr marL="1828800" indent="0">
               <a:buNone/>
-              <a:defRPr sz="1600">
+              <a:defRPr sz="1400">
                 <a:solidFill>
                   <a:schemeClr val="tx1">
                     <a:tint val="75000"/>
@@ -1093,7 +3593,7 @@
             </a:lvl5pPr>
             <a:lvl6pPr marL="2286000" indent="0">
               <a:buNone/>
-              <a:defRPr sz="1600">
+              <a:defRPr sz="1400">
                 <a:solidFill>
                   <a:schemeClr val="tx1">
                     <a:tint val="75000"/>
@@ -1103,7 +3603,7 @@
             </a:lvl6pPr>
             <a:lvl7pPr marL="2743200" indent="0">
               <a:buNone/>
-              <a:defRPr sz="1600">
+              <a:defRPr sz="1400">
                 <a:solidFill>
                   <a:schemeClr val="tx1">
                     <a:tint val="75000"/>
@@ -1113,7 +3613,7 @@
             </a:lvl7pPr>
             <a:lvl8pPr marL="3200400" indent="0">
               <a:buNone/>
-              <a:defRPr sz="1600">
+              <a:defRPr sz="1400">
                 <a:solidFill>
                   <a:schemeClr val="tx1">
                     <a:tint val="75000"/>
@@ -1123,7 +3623,7 @@
             </a:lvl8pPr>
             <a:lvl9pPr marL="3657600" indent="0">
               <a:buNone/>
-              <a:defRPr sz="1600">
+              <a:defRPr sz="1400">
                 <a:solidFill>
                   <a:schemeClr val="tx1">
                     <a:tint val="75000"/>
@@ -1143,13 +3643,7 @@
       </p:sp>
       <p:sp>
         <p:nvSpPr>
-          <p:cNvPr id="4" name="Date Placeholder 3">
-            <a:extLst>
-              <a:ext uri="{FF2B5EF4-FFF2-40B4-BE49-F238E27FC236}">
-                <a16:creationId xmlns:a16="http://schemas.microsoft.com/office/drawing/2014/main" id="{2D983BB7-FB12-4C0F-8C95-506E8E056CB1}"/>
-              </a:ext>
-            </a:extLst>
-          </p:cNvPr>
+          <p:cNvPr id="4" name="Date Placeholder 3"/>
           <p:cNvSpPr>
             <a:spLocks noGrp="1"/>
           </p:cNvSpPr>
@@ -1164,7 +3658,7 @@
           <a:p>
             <a:fld id="{4CEFB8B4-3F82-4018-B1C2-366872391BA2}" type="datetimeFigureOut">
               <a:rPr lang="es-419" smtClean="0"/>
-              <a:t>15/10/2020</a:t>
+              <a:t>16/10/2020</a:t>
             </a:fld>
             <a:endParaRPr lang="es-419"/>
           </a:p>
@@ -1172,13 +3666,7 @@
       </p:sp>
       <p:sp>
         <p:nvSpPr>
-          <p:cNvPr id="5" name="Footer Placeholder 4">
-            <a:extLst>
-              <a:ext uri="{FF2B5EF4-FFF2-40B4-BE49-F238E27FC236}">
-                <a16:creationId xmlns:a16="http://schemas.microsoft.com/office/drawing/2014/main" id="{89204D8A-2B08-49AE-AC22-31996E5885AC}"/>
-              </a:ext>
-            </a:extLst>
-          </p:cNvPr>
+          <p:cNvPr id="5" name="Footer Placeholder 4"/>
           <p:cNvSpPr>
             <a:spLocks noGrp="1"/>
           </p:cNvSpPr>
@@ -1197,13 +3685,7 @@
       </p:sp>
       <p:sp>
         <p:nvSpPr>
-          <p:cNvPr id="6" name="Slide Number Placeholder 5">
-            <a:extLst>
-              <a:ext uri="{FF2B5EF4-FFF2-40B4-BE49-F238E27FC236}">
-                <a16:creationId xmlns:a16="http://schemas.microsoft.com/office/drawing/2014/main" id="{00FA942E-BEBA-4509-B6D5-CACCEF8CEAAA}"/>
-              </a:ext>
-            </a:extLst>
-          </p:cNvPr>
+          <p:cNvPr id="6" name="Slide Number Placeholder 5"/>
           <p:cNvSpPr>
             <a:spLocks noGrp="1"/>
           </p:cNvSpPr>
@@ -1227,7 +3709,7 @@
     </p:spTree>
     <p:extLst>
       <p:ext uri="{BB962C8B-B14F-4D97-AF65-F5344CB8AC3E}">
-        <p14:creationId xmlns:p14="http://schemas.microsoft.com/office/powerpoint/2010/main" val="866624627"/>
+        <p14:creationId xmlns:p14="http://schemas.microsoft.com/office/powerpoint/2010/main" val="2687985821"/>
       </p:ext>
     </p:extLst>
   </p:cSld>
@@ -1256,13 +3738,7 @@
       </p:grpSpPr>
       <p:sp>
         <p:nvSpPr>
-          <p:cNvPr id="2" name="Title 1">
-            <a:extLst>
-              <a:ext uri="{FF2B5EF4-FFF2-40B4-BE49-F238E27FC236}">
-                <a16:creationId xmlns:a16="http://schemas.microsoft.com/office/drawing/2014/main" id="{8EC56FDD-A2FF-4487-AD5C-FA3C3A55BB45}"/>
-              </a:ext>
-            </a:extLst>
-          </p:cNvPr>
+          <p:cNvPr id="2" name="Title 1"/>
           <p:cNvSpPr>
             <a:spLocks noGrp="1"/>
           </p:cNvSpPr>
@@ -1279,19 +3755,13 @@
               <a:rPr lang="en-US"/>
               <a:t>Click to edit Master title style</a:t>
             </a:r>
-            <a:endParaRPr lang="es-419"/>
-          </a:p>
-        </p:txBody>
-      </p:sp>
-      <p:sp>
-        <p:nvSpPr>
-          <p:cNvPr id="3" name="Content Placeholder 2">
-            <a:extLst>
-              <a:ext uri="{FF2B5EF4-FFF2-40B4-BE49-F238E27FC236}">
-                <a16:creationId xmlns:a16="http://schemas.microsoft.com/office/drawing/2014/main" id="{49C78DA0-EA3F-40DD-B9AF-8AD84228BA3C}"/>
-              </a:ext>
-            </a:extLst>
-          </p:cNvPr>
+            <a:endParaRPr lang="en-US" dirty="0"/>
+          </a:p>
+        </p:txBody>
+      </p:sp>
+      <p:sp>
+        <p:nvSpPr>
+          <p:cNvPr id="3" name="Content Placeholder 2"/>
           <p:cNvSpPr>
             <a:spLocks noGrp="1"/>
           </p:cNvSpPr>
@@ -1301,12 +3771,14 @@
         </p:nvSpPr>
         <p:spPr>
           <a:xfrm>
-            <a:off x="838200" y="1825625"/>
-            <a:ext cx="5181600" cy="4351338"/>
+            <a:off x="913795" y="1732449"/>
+            <a:ext cx="5060497" cy="4058750"/>
           </a:xfrm>
         </p:spPr>
         <p:txBody>
-          <a:bodyPr/>
+          <a:bodyPr anchor="t">
+            <a:normAutofit/>
+          </a:bodyPr>
           <a:lstStyle/>
           <a:p>
             <a:pPr lvl="0"/>
@@ -1342,19 +3814,13 @@
               <a:rPr lang="en-US"/>
               <a:t>Fifth level</a:t>
             </a:r>
-            <a:endParaRPr lang="es-419"/>
-          </a:p>
-        </p:txBody>
-      </p:sp>
-      <p:sp>
-        <p:nvSpPr>
-          <p:cNvPr id="4" name="Content Placeholder 3">
-            <a:extLst>
-              <a:ext uri="{FF2B5EF4-FFF2-40B4-BE49-F238E27FC236}">
-                <a16:creationId xmlns:a16="http://schemas.microsoft.com/office/drawing/2014/main" id="{0181F89C-7A60-4644-9FB7-AEAAAF422F95}"/>
-              </a:ext>
-            </a:extLst>
-          </p:cNvPr>
+            <a:endParaRPr lang="en-US" dirty="0"/>
+          </a:p>
+        </p:txBody>
+      </p:sp>
+      <p:sp>
+        <p:nvSpPr>
+          <p:cNvPr id="4" name="Content Placeholder 3"/>
           <p:cNvSpPr>
             <a:spLocks noGrp="1"/>
           </p:cNvSpPr>
@@ -1364,12 +3830,14 @@
         </p:nvSpPr>
         <p:spPr>
           <a:xfrm>
-            <a:off x="6172200" y="1825625"/>
-            <a:ext cx="5181600" cy="4351338"/>
+            <a:off x="6202892" y="1732449"/>
+            <a:ext cx="5064665" cy="4058751"/>
           </a:xfrm>
         </p:spPr>
         <p:txBody>
-          <a:bodyPr/>
+          <a:bodyPr anchor="t">
+            <a:normAutofit/>
+          </a:bodyPr>
           <a:lstStyle/>
           <a:p>
             <a:pPr lvl="0"/>
@@ -1405,19 +3873,13 @@
               <a:rPr lang="en-US"/>
               <a:t>Fifth level</a:t>
             </a:r>
-            <a:endParaRPr lang="es-419"/>
-          </a:p>
-        </p:txBody>
-      </p:sp>
-      <p:sp>
-        <p:nvSpPr>
-          <p:cNvPr id="5" name="Date Placeholder 4">
-            <a:extLst>
-              <a:ext uri="{FF2B5EF4-FFF2-40B4-BE49-F238E27FC236}">
-                <a16:creationId xmlns:a16="http://schemas.microsoft.com/office/drawing/2014/main" id="{90F7FAE0-F0CA-423C-B85E-35820CC821BB}"/>
-              </a:ext>
-            </a:extLst>
-          </p:cNvPr>
+            <a:endParaRPr lang="en-US" dirty="0"/>
+          </a:p>
+        </p:txBody>
+      </p:sp>
+      <p:sp>
+        <p:nvSpPr>
+          <p:cNvPr id="5" name="Date Placeholder 4"/>
           <p:cNvSpPr>
             <a:spLocks noGrp="1"/>
           </p:cNvSpPr>
@@ -1432,7 +3894,7 @@
           <a:p>
             <a:fld id="{4CEFB8B4-3F82-4018-B1C2-366872391BA2}" type="datetimeFigureOut">
               <a:rPr lang="es-419" smtClean="0"/>
-              <a:t>15/10/2020</a:t>
+              <a:t>16/10/2020</a:t>
             </a:fld>
             <a:endParaRPr lang="es-419"/>
           </a:p>
@@ -1440,13 +3902,7 @@
       </p:sp>
       <p:sp>
         <p:nvSpPr>
-          <p:cNvPr id="6" name="Footer Placeholder 5">
-            <a:extLst>
-              <a:ext uri="{FF2B5EF4-FFF2-40B4-BE49-F238E27FC236}">
-                <a16:creationId xmlns:a16="http://schemas.microsoft.com/office/drawing/2014/main" id="{AB4730C3-3F20-4554-98E2-A1F5D18D67BD}"/>
-              </a:ext>
-            </a:extLst>
-          </p:cNvPr>
+          <p:cNvPr id="6" name="Footer Placeholder 5"/>
           <p:cNvSpPr>
             <a:spLocks noGrp="1"/>
           </p:cNvSpPr>
@@ -1465,13 +3921,7 @@
       </p:sp>
       <p:sp>
         <p:nvSpPr>
-          <p:cNvPr id="7" name="Slide Number Placeholder 6">
-            <a:extLst>
-              <a:ext uri="{FF2B5EF4-FFF2-40B4-BE49-F238E27FC236}">
-                <a16:creationId xmlns:a16="http://schemas.microsoft.com/office/drawing/2014/main" id="{FDE33FD6-DF35-45D9-8CE6-BF82EA8176F0}"/>
-              </a:ext>
-            </a:extLst>
-          </p:cNvPr>
+          <p:cNvPr id="7" name="Slide Number Placeholder 6"/>
           <p:cNvSpPr>
             <a:spLocks noGrp="1"/>
           </p:cNvSpPr>
@@ -1495,7 +3945,7 @@
     </p:spTree>
     <p:extLst>
       <p:ext uri="{BB962C8B-B14F-4D97-AF65-F5344CB8AC3E}">
-        <p14:creationId xmlns:p14="http://schemas.microsoft.com/office/powerpoint/2010/main" val="3956496885"/>
+        <p14:creationId xmlns:p14="http://schemas.microsoft.com/office/powerpoint/2010/main" val="2323750318"/>
       </p:ext>
     </p:extLst>
   </p:cSld>
@@ -1522,68 +3972,117 @@
           <a:chExt cx="0" cy="0"/>
         </a:xfrm>
       </p:grpSpPr>
-      <p:sp>
-        <p:nvSpPr>
-          <p:cNvPr id="2" name="Title 1">
+      <p:pic>
+        <p:nvPicPr>
+          <p:cNvPr id="20" name="Picture 19" descr="Slate-V2-HD-compPhotoInset.png"/>
+          <p:cNvPicPr>
+            <a:picLocks noChangeAspect="1"/>
+          </p:cNvPicPr>
+          <p:nvPr/>
+        </p:nvPicPr>
+        <p:blipFill>
+          <a:blip r:embed="rId2">
             <a:extLst>
-              <a:ext uri="{FF2B5EF4-FFF2-40B4-BE49-F238E27FC236}">
-                <a16:creationId xmlns:a16="http://schemas.microsoft.com/office/drawing/2014/main" id="{DB49CD88-11F8-4BBD-A7B2-6A5F9BE281D8}"/>
+              <a:ext uri="{28A0092B-C50C-407E-A947-70E740481C1C}">
+                <a14:useLocalDpi xmlns:a14="http://schemas.microsoft.com/office/drawing/2010/main" val="0"/>
               </a:ext>
             </a:extLst>
-          </p:cNvPr>
-          <p:cNvSpPr>
-            <a:spLocks noGrp="1"/>
-          </p:cNvSpPr>
-          <p:nvPr>
-            <p:ph type="title"/>
-          </p:nvPr>
-        </p:nvSpPr>
+          </a:blip>
+          <a:stretch>
+            <a:fillRect/>
+          </a:stretch>
+        </p:blipFill>
         <p:spPr>
           <a:xfrm>
-            <a:off x="839788" y="365125"/>
-            <a:ext cx="10515600" cy="1325563"/>
+            <a:off x="913795" y="1734506"/>
+            <a:ext cx="5089072" cy="4148769"/>
+          </a:xfrm>
+          <a:prstGeom prst="rect">
+            <a:avLst/>
+          </a:prstGeom>
+        </p:spPr>
+      </p:pic>
+      <p:pic>
+        <p:nvPicPr>
+          <p:cNvPr id="21" name="Picture 20" descr="Slate-V2-HD-compPhotoInset.png"/>
+          <p:cNvPicPr>
+            <a:picLocks noChangeAspect="1"/>
+          </p:cNvPicPr>
+          <p:nvPr/>
+        </p:nvPicPr>
+        <p:blipFill>
+          <a:blip r:embed="rId2">
+            <a:extLst>
+              <a:ext uri="{28A0092B-C50C-407E-A947-70E740481C1C}">
+                <a14:useLocalDpi xmlns:a14="http://schemas.microsoft.com/office/drawing/2010/main" val="0"/>
+              </a:ext>
+            </a:extLst>
+          </a:blip>
+          <a:stretch>
+            <a:fillRect/>
+          </a:stretch>
+        </p:blipFill>
+        <p:spPr>
+          <a:xfrm>
+            <a:off x="6178485" y="1734506"/>
+            <a:ext cx="5089072" cy="4148769"/>
+          </a:xfrm>
+          <a:prstGeom prst="rect">
+            <a:avLst/>
+          </a:prstGeom>
+        </p:spPr>
+      </p:pic>
+      <p:sp>
+        <p:nvSpPr>
+          <p:cNvPr id="2" name="Title 1"/>
+          <p:cNvSpPr>
+            <a:spLocks noGrp="1"/>
+          </p:cNvSpPr>
+          <p:nvPr>
+            <p:ph type="title"/>
+          </p:nvPr>
+        </p:nvSpPr>
+        <p:spPr/>
+        <p:txBody>
+          <a:bodyPr/>
+          <a:lstStyle>
+            <a:lvl1pPr>
+              <a:defRPr/>
+            </a:lvl1pPr>
+          </a:lstStyle>
+          <a:p>
+            <a:r>
+              <a:rPr lang="en-US"/>
+              <a:t>Click to edit Master title style</a:t>
+            </a:r>
+            <a:endParaRPr lang="en-US" dirty="0"/>
+          </a:p>
+        </p:txBody>
+      </p:sp>
+      <p:sp>
+        <p:nvSpPr>
+          <p:cNvPr id="3" name="Text Placeholder 2"/>
+          <p:cNvSpPr>
+            <a:spLocks noGrp="1"/>
+          </p:cNvSpPr>
+          <p:nvPr>
+            <p:ph type="body" idx="1"/>
+          </p:nvPr>
+        </p:nvSpPr>
+        <p:spPr>
+          <a:xfrm>
+            <a:off x="1005872" y="1835254"/>
+            <a:ext cx="4876344" cy="544884"/>
           </a:xfrm>
         </p:spPr>
         <p:txBody>
-          <a:bodyPr/>
-          <a:lstStyle/>
-          <a:p>
-            <a:r>
-              <a:rPr lang="en-US"/>
-              <a:t>Click to edit Master title style</a:t>
-            </a:r>
-            <a:endParaRPr lang="es-419"/>
-          </a:p>
-        </p:txBody>
-      </p:sp>
-      <p:sp>
-        <p:nvSpPr>
-          <p:cNvPr id="3" name="Text Placeholder 2">
-            <a:extLst>
-              <a:ext uri="{FF2B5EF4-FFF2-40B4-BE49-F238E27FC236}">
-                <a16:creationId xmlns:a16="http://schemas.microsoft.com/office/drawing/2014/main" id="{150A58B0-B9F0-42C1-B941-5B17D7FB47DF}"/>
-              </a:ext>
-            </a:extLst>
-          </p:cNvPr>
-          <p:cNvSpPr>
-            <a:spLocks noGrp="1"/>
-          </p:cNvSpPr>
-          <p:nvPr>
-            <p:ph type="body" idx="1"/>
-          </p:nvPr>
-        </p:nvSpPr>
-        <p:spPr>
-          <a:xfrm>
-            <a:off x="839788" y="1681163"/>
-            <a:ext cx="5157787" cy="823912"/>
-          </a:xfrm>
-        </p:spPr>
-        <p:txBody>
-          <a:bodyPr anchor="b"/>
+          <a:bodyPr anchor="b">
+            <a:noAutofit/>
+          </a:bodyPr>
           <a:lstStyle>
-            <a:lvl1pPr marL="0" indent="0">
-              <a:buNone/>
-              <a:defRPr sz="2400" b="1"/>
+            <a:lvl1pPr marL="0" indent="0" algn="ctr">
+              <a:buNone/>
+              <a:defRPr sz="2400" b="0"/>
             </a:lvl1pPr>
             <a:lvl2pPr marL="457200" indent="0">
               <a:buNone/>
@@ -1629,13 +4128,7 @@
       </p:sp>
       <p:sp>
         <p:nvSpPr>
-          <p:cNvPr id="4" name="Content Placeholder 3">
-            <a:extLst>
-              <a:ext uri="{FF2B5EF4-FFF2-40B4-BE49-F238E27FC236}">
-                <a16:creationId xmlns:a16="http://schemas.microsoft.com/office/drawing/2014/main" id="{AE0666EF-9039-433D-91EC-84516DCAEF35}"/>
-              </a:ext>
-            </a:extLst>
-          </p:cNvPr>
+          <p:cNvPr id="4" name="Content Placeholder 3"/>
           <p:cNvSpPr>
             <a:spLocks noGrp="1"/>
           </p:cNvSpPr>
@@ -1645,13 +4138,31 @@
         </p:nvSpPr>
         <p:spPr>
           <a:xfrm>
-            <a:off x="839788" y="2505075"/>
-            <a:ext cx="5157787" cy="3684588"/>
+            <a:off x="1005872" y="2380137"/>
+            <a:ext cx="4876344" cy="3411063"/>
           </a:xfrm>
         </p:spPr>
         <p:txBody>
-          <a:bodyPr/>
-          <a:lstStyle/>
+          <a:bodyPr anchor="t">
+            <a:normAutofit/>
+          </a:bodyPr>
+          <a:lstStyle>
+            <a:lvl1pPr>
+              <a:defRPr sz="1800"/>
+            </a:lvl1pPr>
+            <a:lvl2pPr>
+              <a:defRPr sz="1600"/>
+            </a:lvl2pPr>
+            <a:lvl3pPr>
+              <a:defRPr sz="1400"/>
+            </a:lvl3pPr>
+            <a:lvl4pPr>
+              <a:defRPr sz="1200"/>
+            </a:lvl4pPr>
+            <a:lvl5pPr>
+              <a:defRPr sz="1200"/>
+            </a:lvl5pPr>
+          </a:lstStyle>
           <a:p>
             <a:pPr lvl="0"/>
             <a:r>
@@ -1686,19 +4197,13 @@
               <a:rPr lang="en-US"/>
               <a:t>Fifth level</a:t>
             </a:r>
-            <a:endParaRPr lang="es-419"/>
-          </a:p>
-        </p:txBody>
-      </p:sp>
-      <p:sp>
-        <p:nvSpPr>
-          <p:cNvPr id="5" name="Text Placeholder 4">
-            <a:extLst>
-              <a:ext uri="{FF2B5EF4-FFF2-40B4-BE49-F238E27FC236}">
-                <a16:creationId xmlns:a16="http://schemas.microsoft.com/office/drawing/2014/main" id="{DF355A35-97C6-4683-AE69-417D8AFED309}"/>
-              </a:ext>
-            </a:extLst>
-          </p:cNvPr>
+            <a:endParaRPr lang="en-US" dirty="0"/>
+          </a:p>
+        </p:txBody>
+      </p:sp>
+      <p:sp>
+        <p:nvSpPr>
+          <p:cNvPr id="5" name="Text Placeholder 4"/>
           <p:cNvSpPr>
             <a:spLocks noGrp="1"/>
           </p:cNvSpPr>
@@ -1708,16 +4213,18 @@
         </p:nvSpPr>
         <p:spPr>
           <a:xfrm>
-            <a:off x="6172200" y="1681163"/>
-            <a:ext cx="5183188" cy="823912"/>
+            <a:off x="6294967" y="1835254"/>
+            <a:ext cx="4895330" cy="544883"/>
           </a:xfrm>
         </p:spPr>
         <p:txBody>
-          <a:bodyPr anchor="b"/>
+          <a:bodyPr anchor="b">
+            <a:noAutofit/>
+          </a:bodyPr>
           <a:lstStyle>
-            <a:lvl1pPr marL="0" indent="0">
-              <a:buNone/>
-              <a:defRPr sz="2400" b="1"/>
+            <a:lvl1pPr marL="0" indent="0" algn="ctr">
+              <a:buNone/>
+              <a:defRPr sz="2400" b="0"/>
             </a:lvl1pPr>
             <a:lvl2pPr marL="457200" indent="0">
               <a:buNone/>
@@ -1763,13 +4270,7 @@
       </p:sp>
       <p:sp>
         <p:nvSpPr>
-          <p:cNvPr id="6" name="Content Placeholder 5">
-            <a:extLst>
-              <a:ext uri="{FF2B5EF4-FFF2-40B4-BE49-F238E27FC236}">
-                <a16:creationId xmlns:a16="http://schemas.microsoft.com/office/drawing/2014/main" id="{2CB3A9BC-CBF5-4C3E-8494-17D02DA8B6BB}"/>
-              </a:ext>
-            </a:extLst>
-          </p:cNvPr>
+          <p:cNvPr id="6" name="Content Placeholder 5"/>
           <p:cNvSpPr>
             <a:spLocks noGrp="1"/>
           </p:cNvSpPr>
@@ -1779,13 +4280,31 @@
         </p:nvSpPr>
         <p:spPr>
           <a:xfrm>
-            <a:off x="6172200" y="2505075"/>
-            <a:ext cx="5183188" cy="3684588"/>
+            <a:off x="6294967" y="2380137"/>
+            <a:ext cx="4895330" cy="3411063"/>
           </a:xfrm>
         </p:spPr>
         <p:txBody>
-          <a:bodyPr/>
-          <a:lstStyle/>
+          <a:bodyPr anchor="t">
+            <a:normAutofit/>
+          </a:bodyPr>
+          <a:lstStyle>
+            <a:lvl1pPr>
+              <a:defRPr sz="1800"/>
+            </a:lvl1pPr>
+            <a:lvl2pPr>
+              <a:defRPr sz="1600"/>
+            </a:lvl2pPr>
+            <a:lvl3pPr>
+              <a:defRPr sz="1400"/>
+            </a:lvl3pPr>
+            <a:lvl4pPr>
+              <a:defRPr sz="1200"/>
+            </a:lvl4pPr>
+            <a:lvl5pPr>
+              <a:defRPr sz="1200"/>
+            </a:lvl5pPr>
+          </a:lstStyle>
           <a:p>
             <a:pPr lvl="0"/>
             <a:r>
@@ -1820,19 +4339,13 @@
               <a:rPr lang="en-US"/>
               <a:t>Fifth level</a:t>
             </a:r>
-            <a:endParaRPr lang="es-419"/>
-          </a:p>
-        </p:txBody>
-      </p:sp>
-      <p:sp>
-        <p:nvSpPr>
-          <p:cNvPr id="7" name="Date Placeholder 6">
-            <a:extLst>
-              <a:ext uri="{FF2B5EF4-FFF2-40B4-BE49-F238E27FC236}">
-                <a16:creationId xmlns:a16="http://schemas.microsoft.com/office/drawing/2014/main" id="{EDC13319-D817-4A01-90B5-88092A57A81D}"/>
-              </a:ext>
-            </a:extLst>
-          </p:cNvPr>
+            <a:endParaRPr lang="en-US" dirty="0"/>
+          </a:p>
+        </p:txBody>
+      </p:sp>
+      <p:sp>
+        <p:nvSpPr>
+          <p:cNvPr id="7" name="Date Placeholder 6"/>
           <p:cNvSpPr>
             <a:spLocks noGrp="1"/>
           </p:cNvSpPr>
@@ -1847,7 +4360,7 @@
           <a:p>
             <a:fld id="{4CEFB8B4-3F82-4018-B1C2-366872391BA2}" type="datetimeFigureOut">
               <a:rPr lang="es-419" smtClean="0"/>
-              <a:t>15/10/2020</a:t>
+              <a:t>16/10/2020</a:t>
             </a:fld>
             <a:endParaRPr lang="es-419"/>
           </a:p>
@@ -1855,13 +4368,7 @@
       </p:sp>
       <p:sp>
         <p:nvSpPr>
-          <p:cNvPr id="8" name="Footer Placeholder 7">
-            <a:extLst>
-              <a:ext uri="{FF2B5EF4-FFF2-40B4-BE49-F238E27FC236}">
-                <a16:creationId xmlns:a16="http://schemas.microsoft.com/office/drawing/2014/main" id="{A37F9C27-71B0-44C5-9CCA-65D493F022B8}"/>
-              </a:ext>
-            </a:extLst>
-          </p:cNvPr>
+          <p:cNvPr id="8" name="Footer Placeholder 7"/>
           <p:cNvSpPr>
             <a:spLocks noGrp="1"/>
           </p:cNvSpPr>
@@ -1880,13 +4387,7 @@
       </p:sp>
       <p:sp>
         <p:nvSpPr>
-          <p:cNvPr id="9" name="Slide Number Placeholder 8">
-            <a:extLst>
-              <a:ext uri="{FF2B5EF4-FFF2-40B4-BE49-F238E27FC236}">
-                <a16:creationId xmlns:a16="http://schemas.microsoft.com/office/drawing/2014/main" id="{94CEA63E-83A0-4D4B-A2A7-3131184144CA}"/>
-              </a:ext>
-            </a:extLst>
-          </p:cNvPr>
+          <p:cNvPr id="9" name="Slide Number Placeholder 8"/>
           <p:cNvSpPr>
             <a:spLocks noGrp="1"/>
           </p:cNvSpPr>
@@ -1910,7 +4411,7 @@
     </p:spTree>
     <p:extLst>
       <p:ext uri="{BB962C8B-B14F-4D97-AF65-F5344CB8AC3E}">
-        <p14:creationId xmlns:p14="http://schemas.microsoft.com/office/powerpoint/2010/main" val="602705545"/>
+        <p14:creationId xmlns:p14="http://schemas.microsoft.com/office/powerpoint/2010/main" val="2911066952"/>
       </p:ext>
     </p:extLst>
   </p:cSld>
@@ -1939,13 +4440,7 @@
       </p:grpSpPr>
       <p:sp>
         <p:nvSpPr>
-          <p:cNvPr id="2" name="Title 1">
-            <a:extLst>
-              <a:ext uri="{FF2B5EF4-FFF2-40B4-BE49-F238E27FC236}">
-                <a16:creationId xmlns:a16="http://schemas.microsoft.com/office/drawing/2014/main" id="{1F3D9BA9-F502-4D58-BD9B-7B8C8EEF8D6D}"/>
-              </a:ext>
-            </a:extLst>
-          </p:cNvPr>
+          <p:cNvPr id="2" name="Title 1"/>
           <p:cNvSpPr>
             <a:spLocks noGrp="1"/>
           </p:cNvSpPr>
@@ -1962,19 +4457,13 @@
               <a:rPr lang="en-US"/>
               <a:t>Click to edit Master title style</a:t>
             </a:r>
-            <a:endParaRPr lang="es-419"/>
-          </a:p>
-        </p:txBody>
-      </p:sp>
-      <p:sp>
-        <p:nvSpPr>
-          <p:cNvPr id="3" name="Date Placeholder 2">
-            <a:extLst>
-              <a:ext uri="{FF2B5EF4-FFF2-40B4-BE49-F238E27FC236}">
-                <a16:creationId xmlns:a16="http://schemas.microsoft.com/office/drawing/2014/main" id="{7F2DF845-711E-48BD-BD0D-0D2EF9EC6B11}"/>
-              </a:ext>
-            </a:extLst>
-          </p:cNvPr>
+            <a:endParaRPr lang="en-US" dirty="0"/>
+          </a:p>
+        </p:txBody>
+      </p:sp>
+      <p:sp>
+        <p:nvSpPr>
+          <p:cNvPr id="3" name="Date Placeholder 2"/>
           <p:cNvSpPr>
             <a:spLocks noGrp="1"/>
           </p:cNvSpPr>
@@ -1989,7 +4478,7 @@
           <a:p>
             <a:fld id="{4CEFB8B4-3F82-4018-B1C2-366872391BA2}" type="datetimeFigureOut">
               <a:rPr lang="es-419" smtClean="0"/>
-              <a:t>15/10/2020</a:t>
+              <a:t>16/10/2020</a:t>
             </a:fld>
             <a:endParaRPr lang="es-419"/>
           </a:p>
@@ -1997,13 +4486,7 @@
       </p:sp>
       <p:sp>
         <p:nvSpPr>
-          <p:cNvPr id="4" name="Footer Placeholder 3">
-            <a:extLst>
-              <a:ext uri="{FF2B5EF4-FFF2-40B4-BE49-F238E27FC236}">
-                <a16:creationId xmlns:a16="http://schemas.microsoft.com/office/drawing/2014/main" id="{EE73D6D1-B3A3-4C63-922D-BD77D4A75F06}"/>
-              </a:ext>
-            </a:extLst>
-          </p:cNvPr>
+          <p:cNvPr id="4" name="Footer Placeholder 3"/>
           <p:cNvSpPr>
             <a:spLocks noGrp="1"/>
           </p:cNvSpPr>
@@ -2022,13 +4505,7 @@
       </p:sp>
       <p:sp>
         <p:nvSpPr>
-          <p:cNvPr id="5" name="Slide Number Placeholder 4">
-            <a:extLst>
-              <a:ext uri="{FF2B5EF4-FFF2-40B4-BE49-F238E27FC236}">
-                <a16:creationId xmlns:a16="http://schemas.microsoft.com/office/drawing/2014/main" id="{FAD4AD9A-F776-4DEF-87C4-634C315C7D1A}"/>
-              </a:ext>
-            </a:extLst>
-          </p:cNvPr>
+          <p:cNvPr id="5" name="Slide Number Placeholder 4"/>
           <p:cNvSpPr>
             <a:spLocks noGrp="1"/>
           </p:cNvSpPr>
@@ -2052,7 +4529,7 @@
     </p:spTree>
     <p:extLst>
       <p:ext uri="{BB962C8B-B14F-4D97-AF65-F5344CB8AC3E}">
-        <p14:creationId xmlns:p14="http://schemas.microsoft.com/office/powerpoint/2010/main" val="1418111255"/>
+        <p14:creationId xmlns:p14="http://schemas.microsoft.com/office/powerpoint/2010/main" val="403884892"/>
       </p:ext>
     </p:extLst>
   </p:cSld>
@@ -2081,13 +4558,7 @@
       </p:grpSpPr>
       <p:sp>
         <p:nvSpPr>
-          <p:cNvPr id="2" name="Date Placeholder 1">
-            <a:extLst>
-              <a:ext uri="{FF2B5EF4-FFF2-40B4-BE49-F238E27FC236}">
-                <a16:creationId xmlns:a16="http://schemas.microsoft.com/office/drawing/2014/main" id="{DDBE91AF-75E4-4A5E-A083-988CE6080A35}"/>
-              </a:ext>
-            </a:extLst>
-          </p:cNvPr>
+          <p:cNvPr id="2" name="Date Placeholder 1"/>
           <p:cNvSpPr>
             <a:spLocks noGrp="1"/>
           </p:cNvSpPr>
@@ -2102,7 +4573,7 @@
           <a:p>
             <a:fld id="{4CEFB8B4-3F82-4018-B1C2-366872391BA2}" type="datetimeFigureOut">
               <a:rPr lang="es-419" smtClean="0"/>
-              <a:t>15/10/2020</a:t>
+              <a:t>16/10/2020</a:t>
             </a:fld>
             <a:endParaRPr lang="es-419"/>
           </a:p>
@@ -2110,13 +4581,7 @@
       </p:sp>
       <p:sp>
         <p:nvSpPr>
-          <p:cNvPr id="3" name="Footer Placeholder 2">
-            <a:extLst>
-              <a:ext uri="{FF2B5EF4-FFF2-40B4-BE49-F238E27FC236}">
-                <a16:creationId xmlns:a16="http://schemas.microsoft.com/office/drawing/2014/main" id="{06A9C0A0-EF7F-4320-B1F2-A504CF226067}"/>
-              </a:ext>
-            </a:extLst>
-          </p:cNvPr>
+          <p:cNvPr id="3" name="Footer Placeholder 2"/>
           <p:cNvSpPr>
             <a:spLocks noGrp="1"/>
           </p:cNvSpPr>
@@ -2135,13 +4600,7 @@
       </p:sp>
       <p:sp>
         <p:nvSpPr>
-          <p:cNvPr id="4" name="Slide Number Placeholder 3">
-            <a:extLst>
-              <a:ext uri="{FF2B5EF4-FFF2-40B4-BE49-F238E27FC236}">
-                <a16:creationId xmlns:a16="http://schemas.microsoft.com/office/drawing/2014/main" id="{1ED86212-7FDA-4A34-B1C2-E4D30DD684D9}"/>
-              </a:ext>
-            </a:extLst>
-          </p:cNvPr>
+          <p:cNvPr id="4" name="Slide Number Placeholder 3"/>
           <p:cNvSpPr>
             <a:spLocks noGrp="1"/>
           </p:cNvSpPr>
@@ -2165,7 +4624,7 @@
     </p:spTree>
     <p:extLst>
       <p:ext uri="{BB962C8B-B14F-4D97-AF65-F5344CB8AC3E}">
-        <p14:creationId xmlns:p14="http://schemas.microsoft.com/office/powerpoint/2010/main" val="3801220200"/>
+        <p14:creationId xmlns:p14="http://schemas.microsoft.com/office/powerpoint/2010/main" val="1887074013"/>
       </p:ext>
     </p:extLst>
   </p:cSld>
@@ -2194,13 +4653,7 @@
       </p:grpSpPr>
       <p:sp>
         <p:nvSpPr>
-          <p:cNvPr id="2" name="Title 1">
-            <a:extLst>
-              <a:ext uri="{FF2B5EF4-FFF2-40B4-BE49-F238E27FC236}">
-                <a16:creationId xmlns:a16="http://schemas.microsoft.com/office/drawing/2014/main" id="{9CBD045C-CC25-4AFF-8790-569EB693B85D}"/>
-              </a:ext>
-            </a:extLst>
-          </p:cNvPr>
+          <p:cNvPr id="2" name="Title 1"/>
           <p:cNvSpPr>
             <a:spLocks noGrp="1"/>
           </p:cNvSpPr>
@@ -2210,15 +4663,17 @@
         </p:nvSpPr>
         <p:spPr>
           <a:xfrm>
-            <a:off x="839788" y="457200"/>
-            <a:ext cx="3932237" cy="1600200"/>
+            <a:off x="913795" y="609600"/>
+            <a:ext cx="3706889" cy="1821918"/>
           </a:xfrm>
         </p:spPr>
         <p:txBody>
-          <a:bodyPr anchor="b"/>
+          <a:bodyPr anchor="b">
+            <a:normAutofit/>
+          </a:bodyPr>
           <a:lstStyle>
-            <a:lvl1pPr>
-              <a:defRPr sz="3200"/>
+            <a:lvl1pPr algn="ctr">
+              <a:defRPr sz="2400" b="0"/>
             </a:lvl1pPr>
           </a:lstStyle>
           <a:p>
@@ -2226,19 +4681,13 @@
               <a:rPr lang="en-US"/>
               <a:t>Click to edit Master title style</a:t>
             </a:r>
-            <a:endParaRPr lang="es-419"/>
-          </a:p>
-        </p:txBody>
-      </p:sp>
-      <p:sp>
-        <p:nvSpPr>
-          <p:cNvPr id="3" name="Content Placeholder 2">
-            <a:extLst>
-              <a:ext uri="{FF2B5EF4-FFF2-40B4-BE49-F238E27FC236}">
-                <a16:creationId xmlns:a16="http://schemas.microsoft.com/office/drawing/2014/main" id="{7DFF135B-44B3-433F-AF9B-C06F226BA2C1}"/>
-              </a:ext>
-            </a:extLst>
-          </p:cNvPr>
+            <a:endParaRPr lang="en-US" dirty="0"/>
+          </a:p>
+        </p:txBody>
+      </p:sp>
+      <p:sp>
+        <p:nvSpPr>
+          <p:cNvPr id="3" name="Content Placeholder 2"/>
           <p:cNvSpPr>
             <a:spLocks noGrp="1"/>
           </p:cNvSpPr>
@@ -2248,41 +4697,15 @@
         </p:nvSpPr>
         <p:spPr>
           <a:xfrm>
-            <a:off x="5183188" y="987425"/>
-            <a:ext cx="6172200" cy="4873625"/>
+            <a:off x="4855633" y="609600"/>
+            <a:ext cx="6411924" cy="5181600"/>
           </a:xfrm>
         </p:spPr>
         <p:txBody>
-          <a:bodyPr/>
-          <a:lstStyle>
-            <a:lvl1pPr>
-              <a:defRPr sz="3200"/>
-            </a:lvl1pPr>
-            <a:lvl2pPr>
-              <a:defRPr sz="2800"/>
-            </a:lvl2pPr>
-            <a:lvl3pPr>
-              <a:defRPr sz="2400"/>
-            </a:lvl3pPr>
-            <a:lvl4pPr>
-              <a:defRPr sz="2000"/>
-            </a:lvl4pPr>
-            <a:lvl5pPr>
-              <a:defRPr sz="2000"/>
-            </a:lvl5pPr>
-            <a:lvl6pPr>
-              <a:defRPr sz="2000"/>
-            </a:lvl6pPr>
-            <a:lvl7pPr>
-              <a:defRPr sz="2000"/>
-            </a:lvl7pPr>
-            <a:lvl8pPr>
-              <a:defRPr sz="2000"/>
-            </a:lvl8pPr>
-            <a:lvl9pPr>
-              <a:defRPr sz="2000"/>
-            </a:lvl9pPr>
-          </a:lstStyle>
+          <a:bodyPr>
+            <a:normAutofit/>
+          </a:bodyPr>
+          <a:lstStyle/>
           <a:p>
             <a:pPr lvl="0"/>
             <a:r>
@@ -2317,19 +4740,13 @@
               <a:rPr lang="en-US"/>
               <a:t>Fifth level</a:t>
             </a:r>
-            <a:endParaRPr lang="es-419"/>
-          </a:p>
-        </p:txBody>
-      </p:sp>
-      <p:sp>
-        <p:nvSpPr>
-          <p:cNvPr id="4" name="Text Placeholder 3">
-            <a:extLst>
-              <a:ext uri="{FF2B5EF4-FFF2-40B4-BE49-F238E27FC236}">
-                <a16:creationId xmlns:a16="http://schemas.microsoft.com/office/drawing/2014/main" id="{A3616EFE-2753-4051-B3B5-10FC530FA18E}"/>
-              </a:ext>
-            </a:extLst>
-          </p:cNvPr>
+            <a:endParaRPr lang="en-US" dirty="0"/>
+          </a:p>
+        </p:txBody>
+      </p:sp>
+      <p:sp>
+        <p:nvSpPr>
+          <p:cNvPr id="4" name="Text Placeholder 3"/>
           <p:cNvSpPr>
             <a:spLocks noGrp="1"/>
           </p:cNvSpPr>
@@ -2339,48 +4756,50 @@
         </p:nvSpPr>
         <p:spPr>
           <a:xfrm>
-            <a:off x="839788" y="2057400"/>
-            <a:ext cx="3932237" cy="3811588"/>
+            <a:off x="913795" y="2431518"/>
+            <a:ext cx="3706889" cy="3359681"/>
           </a:xfrm>
         </p:spPr>
         <p:txBody>
-          <a:bodyPr/>
+          <a:bodyPr anchor="t">
+            <a:normAutofit/>
+          </a:bodyPr>
           <a:lstStyle>
-            <a:lvl1pPr marL="0" indent="0">
+            <a:lvl1pPr marL="0" indent="0" algn="ctr">
               <a:buNone/>
               <a:defRPr sz="1600"/>
             </a:lvl1pPr>
             <a:lvl2pPr marL="457200" indent="0">
               <a:buNone/>
-              <a:defRPr sz="1400"/>
+              <a:defRPr sz="1200"/>
             </a:lvl2pPr>
             <a:lvl3pPr marL="914400" indent="0">
               <a:buNone/>
-              <a:defRPr sz="1200"/>
+              <a:defRPr sz="1000"/>
             </a:lvl3pPr>
             <a:lvl4pPr marL="1371600" indent="0">
               <a:buNone/>
-              <a:defRPr sz="1000"/>
+              <a:defRPr sz="900"/>
             </a:lvl4pPr>
             <a:lvl5pPr marL="1828800" indent="0">
               <a:buNone/>
-              <a:defRPr sz="1000"/>
+              <a:defRPr sz="900"/>
             </a:lvl5pPr>
             <a:lvl6pPr marL="2286000" indent="0">
               <a:buNone/>
-              <a:defRPr sz="1000"/>
+              <a:defRPr sz="900"/>
             </a:lvl6pPr>
             <a:lvl7pPr marL="2743200" indent="0">
               <a:buNone/>
-              <a:defRPr sz="1000"/>
+              <a:defRPr sz="900"/>
             </a:lvl7pPr>
             <a:lvl8pPr marL="3200400" indent="0">
               <a:buNone/>
-              <a:defRPr sz="1000"/>
+              <a:defRPr sz="900"/>
             </a:lvl8pPr>
             <a:lvl9pPr marL="3657600" indent="0">
               <a:buNone/>
-              <a:defRPr sz="1000"/>
+              <a:defRPr sz="900"/>
             </a:lvl9pPr>
           </a:lstStyle>
           <a:p>
@@ -2394,13 +4813,7 @@
       </p:sp>
       <p:sp>
         <p:nvSpPr>
-          <p:cNvPr id="5" name="Date Placeholder 4">
-            <a:extLst>
-              <a:ext uri="{FF2B5EF4-FFF2-40B4-BE49-F238E27FC236}">
-                <a16:creationId xmlns:a16="http://schemas.microsoft.com/office/drawing/2014/main" id="{7827CF66-F614-4BEF-9D92-6391DB9D1449}"/>
-              </a:ext>
-            </a:extLst>
-          </p:cNvPr>
+          <p:cNvPr id="5" name="Date Placeholder 4"/>
           <p:cNvSpPr>
             <a:spLocks noGrp="1"/>
           </p:cNvSpPr>
@@ -2415,7 +4828,7 @@
           <a:p>
             <a:fld id="{4CEFB8B4-3F82-4018-B1C2-366872391BA2}" type="datetimeFigureOut">
               <a:rPr lang="es-419" smtClean="0"/>
-              <a:t>15/10/2020</a:t>
+              <a:t>16/10/2020</a:t>
             </a:fld>
             <a:endParaRPr lang="es-419"/>
           </a:p>
@@ -2423,13 +4836,7 @@
       </p:sp>
       <p:sp>
         <p:nvSpPr>
-          <p:cNvPr id="6" name="Footer Placeholder 5">
-            <a:extLst>
-              <a:ext uri="{FF2B5EF4-FFF2-40B4-BE49-F238E27FC236}">
-                <a16:creationId xmlns:a16="http://schemas.microsoft.com/office/drawing/2014/main" id="{7D789E20-06D6-4994-9E88-51C8C187507F}"/>
-              </a:ext>
-            </a:extLst>
-          </p:cNvPr>
+          <p:cNvPr id="6" name="Footer Placeholder 5"/>
           <p:cNvSpPr>
             <a:spLocks noGrp="1"/>
           </p:cNvSpPr>
@@ -2448,13 +4855,7 @@
       </p:sp>
       <p:sp>
         <p:nvSpPr>
-          <p:cNvPr id="7" name="Slide Number Placeholder 6">
-            <a:extLst>
-              <a:ext uri="{FF2B5EF4-FFF2-40B4-BE49-F238E27FC236}">
-                <a16:creationId xmlns:a16="http://schemas.microsoft.com/office/drawing/2014/main" id="{92B1B470-F03B-4C0C-B25E-266672A3B9AF}"/>
-              </a:ext>
-            </a:extLst>
-          </p:cNvPr>
+          <p:cNvPr id="7" name="Slide Number Placeholder 6"/>
           <p:cNvSpPr>
             <a:spLocks noGrp="1"/>
           </p:cNvSpPr>
@@ -2478,7 +4879,7 @@
     </p:spTree>
     <p:extLst>
       <p:ext uri="{BB962C8B-B14F-4D97-AF65-F5344CB8AC3E}">
-        <p14:creationId xmlns:p14="http://schemas.microsoft.com/office/powerpoint/2010/main" val="4269651711"/>
+        <p14:creationId xmlns:p14="http://schemas.microsoft.com/office/powerpoint/2010/main" val="366248135"/>
       </p:ext>
     </p:extLst>
   </p:cSld>
@@ -2505,33 +4906,59 @@
           <a:chExt cx="0" cy="0"/>
         </a:xfrm>
       </p:grpSpPr>
-      <p:sp>
-        <p:nvSpPr>
-          <p:cNvPr id="2" name="Title 1">
+      <p:pic>
+        <p:nvPicPr>
+          <p:cNvPr id="22" name="Picture 21" descr="Slate-V2-HD-vertPhotoInset.png"/>
+          <p:cNvPicPr>
+            <a:picLocks noChangeAspect="1"/>
+          </p:cNvPicPr>
+          <p:nvPr/>
+        </p:nvPicPr>
+        <p:blipFill>
+          <a:blip r:embed="rId2">
             <a:extLst>
-              <a:ext uri="{FF2B5EF4-FFF2-40B4-BE49-F238E27FC236}">
-                <a16:creationId xmlns:a16="http://schemas.microsoft.com/office/drawing/2014/main" id="{D6CB3B36-7A5F-4210-B205-E3E113755DB6}"/>
+              <a:ext uri="{28A0092B-C50C-407E-A947-70E740481C1C}">
+                <a14:useLocalDpi xmlns:a14="http://schemas.microsoft.com/office/drawing/2010/main" val="0"/>
               </a:ext>
             </a:extLst>
-          </p:cNvPr>
-          <p:cNvSpPr>
-            <a:spLocks noGrp="1"/>
-          </p:cNvSpPr>
-          <p:nvPr>
-            <p:ph type="title"/>
-          </p:nvPr>
-        </p:nvSpPr>
+          </a:blip>
+          <a:stretch>
+            <a:fillRect/>
+          </a:stretch>
+        </p:blipFill>
         <p:spPr>
           <a:xfrm>
-            <a:off x="839788" y="457200"/>
-            <a:ext cx="3932237" cy="1600200"/>
+            <a:off x="7293665" y="609600"/>
+            <a:ext cx="3584166" cy="5204832"/>
+          </a:xfrm>
+          <a:prstGeom prst="rect">
+            <a:avLst/>
+          </a:prstGeom>
+        </p:spPr>
+      </p:pic>
+      <p:sp>
+        <p:nvSpPr>
+          <p:cNvPr id="2" name="Title 1"/>
+          <p:cNvSpPr>
+            <a:spLocks noGrp="1"/>
+          </p:cNvSpPr>
+          <p:nvPr>
+            <p:ph type="title"/>
+          </p:nvPr>
+        </p:nvSpPr>
+        <p:spPr>
+          <a:xfrm>
+            <a:off x="913795" y="609923"/>
+            <a:ext cx="5934949" cy="1829338"/>
           </a:xfrm>
         </p:spPr>
         <p:txBody>
-          <a:bodyPr anchor="b"/>
+          <a:bodyPr anchor="b">
+            <a:noAutofit/>
+          </a:bodyPr>
           <a:lstStyle>
-            <a:lvl1pPr>
-              <a:defRPr sz="3200"/>
+            <a:lvl1pPr algn="ctr">
+              <a:defRPr sz="3200" b="0"/>
             </a:lvl1pPr>
           </a:lstStyle>
           <a:p>
@@ -2539,21 +4966,15 @@
               <a:rPr lang="en-US"/>
               <a:t>Click to edit Master title style</a:t>
             </a:r>
-            <a:endParaRPr lang="es-419"/>
-          </a:p>
-        </p:txBody>
-      </p:sp>
-      <p:sp>
-        <p:nvSpPr>
-          <p:cNvPr id="3" name="Picture Placeholder 2">
-            <a:extLst>
-              <a:ext uri="{FF2B5EF4-FFF2-40B4-BE49-F238E27FC236}">
-                <a16:creationId xmlns:a16="http://schemas.microsoft.com/office/drawing/2014/main" id="{2A1B20CD-3208-4087-BCE0-C695BFCAF4EA}"/>
-              </a:ext>
-            </a:extLst>
-          </p:cNvPr>
-          <p:cNvSpPr>
-            <a:spLocks noGrp="1"/>
+            <a:endParaRPr lang="en-US" dirty="0"/>
+          </a:p>
+        </p:txBody>
+      </p:sp>
+      <p:sp>
+        <p:nvSpPr>
+          <p:cNvPr id="3" name="Picture Placeholder 2"/>
+          <p:cNvSpPr>
+            <a:spLocks noGrp="1" noChangeAspect="1"/>
           </p:cNvSpPr>
           <p:nvPr>
             <p:ph type="pic" idx="1"/>
@@ -2561,118 +4982,127 @@
         </p:nvSpPr>
         <p:spPr>
           <a:xfrm>
-            <a:off x="5183188" y="987425"/>
-            <a:ext cx="6172200" cy="4873625"/>
+            <a:off x="7442551" y="763702"/>
+            <a:ext cx="3275751" cy="4912822"/>
           </a:xfrm>
+          <a:effectLst>
+            <a:outerShdw blurRad="38100" dist="25400" dir="4440000">
+              <a:srgbClr val="000000">
+                <a:alpha val="36000"/>
+              </a:srgbClr>
+            </a:outerShdw>
+          </a:effectLst>
         </p:spPr>
         <p:txBody>
-          <a:bodyPr/>
+          <a:bodyPr anchor="t">
+            <a:normAutofit/>
+          </a:bodyPr>
           <a:lstStyle>
-            <a:lvl1pPr marL="0" indent="0">
-              <a:buNone/>
-              <a:defRPr sz="3200"/>
-            </a:lvl1pPr>
-            <a:lvl2pPr marL="457200" indent="0">
-              <a:buNone/>
-              <a:defRPr sz="2800"/>
-            </a:lvl2pPr>
-            <a:lvl3pPr marL="914400" indent="0">
-              <a:buNone/>
-              <a:defRPr sz="2400"/>
-            </a:lvl3pPr>
-            <a:lvl4pPr marL="1371600" indent="0">
-              <a:buNone/>
-              <a:defRPr sz="2000"/>
-            </a:lvl4pPr>
-            <a:lvl5pPr marL="1828800" indent="0">
-              <a:buNone/>
-              <a:defRPr sz="2000"/>
-            </a:lvl5pPr>
-            <a:lvl6pPr marL="2286000" indent="0">
-              <a:buNone/>
-              <a:defRPr sz="2000"/>
-            </a:lvl6pPr>
-            <a:lvl7pPr marL="2743200" indent="0">
-              <a:buNone/>
-              <a:defRPr sz="2000"/>
-            </a:lvl7pPr>
-            <a:lvl8pPr marL="3200400" indent="0">
-              <a:buNone/>
-              <a:defRPr sz="2000"/>
-            </a:lvl8pPr>
-            <a:lvl9pPr marL="3657600" indent="0">
-              <a:buNone/>
-              <a:defRPr sz="2000"/>
-            </a:lvl9pPr>
-          </a:lstStyle>
-          <a:p>
-            <a:endParaRPr lang="es-419"/>
-          </a:p>
-        </p:txBody>
-      </p:sp>
-      <p:sp>
-        <p:nvSpPr>
-          <p:cNvPr id="4" name="Text Placeholder 3">
-            <a:extLst>
-              <a:ext uri="{FF2B5EF4-FFF2-40B4-BE49-F238E27FC236}">
-                <a16:creationId xmlns:a16="http://schemas.microsoft.com/office/drawing/2014/main" id="{91E82481-BCE0-4E0A-8DC8-73C4E8ACD75A}"/>
-              </a:ext>
-            </a:extLst>
-          </p:cNvPr>
-          <p:cNvSpPr>
-            <a:spLocks noGrp="1"/>
-          </p:cNvSpPr>
-          <p:nvPr>
-            <p:ph type="body" sz="half" idx="2"/>
-          </p:nvPr>
-        </p:nvSpPr>
-        <p:spPr>
-          <a:xfrm>
-            <a:off x="839788" y="2057400"/>
-            <a:ext cx="3932237" cy="3811588"/>
-          </a:xfrm>
-        </p:spPr>
-        <p:txBody>
-          <a:bodyPr/>
-          <a:lstStyle>
-            <a:lvl1pPr marL="0" indent="0">
+            <a:lvl1pPr marL="0" indent="0" algn="ctr">
               <a:buNone/>
               <a:defRPr sz="1600"/>
             </a:lvl1pPr>
             <a:lvl2pPr marL="457200" indent="0">
               <a:buNone/>
-              <a:defRPr sz="1400"/>
+              <a:defRPr sz="1600"/>
             </a:lvl2pPr>
             <a:lvl3pPr marL="914400" indent="0">
               <a:buNone/>
-              <a:defRPr sz="1200"/>
+              <a:defRPr sz="1600"/>
             </a:lvl3pPr>
             <a:lvl4pPr marL="1371600" indent="0">
               <a:buNone/>
-              <a:defRPr sz="1000"/>
+              <a:defRPr sz="1600"/>
             </a:lvl4pPr>
             <a:lvl5pPr marL="1828800" indent="0">
               <a:buNone/>
-              <a:defRPr sz="1000"/>
+              <a:defRPr sz="1600"/>
             </a:lvl5pPr>
             <a:lvl6pPr marL="2286000" indent="0">
               <a:buNone/>
-              <a:defRPr sz="1000"/>
+              <a:defRPr sz="1600"/>
             </a:lvl6pPr>
             <a:lvl7pPr marL="2743200" indent="0">
               <a:buNone/>
-              <a:defRPr sz="1000"/>
+              <a:defRPr sz="1600"/>
             </a:lvl7pPr>
             <a:lvl8pPr marL="3200400" indent="0">
               <a:buNone/>
-              <a:defRPr sz="1000"/>
+              <a:defRPr sz="1600"/>
             </a:lvl8pPr>
             <a:lvl9pPr marL="3657600" indent="0">
               <a:buNone/>
-              <a:defRPr sz="1000"/>
+              <a:defRPr sz="1600"/>
             </a:lvl9pPr>
           </a:lstStyle>
           <a:p>
+            <a:r>
+              <a:rPr lang="en-US"/>
+              <a:t>Click icon to add picture</a:t>
+            </a:r>
+            <a:endParaRPr lang="en-US" dirty="0"/>
+          </a:p>
+        </p:txBody>
+      </p:sp>
+      <p:sp>
+        <p:nvSpPr>
+          <p:cNvPr id="4" name="Text Placeholder 3"/>
+          <p:cNvSpPr>
+            <a:spLocks noGrp="1"/>
+          </p:cNvSpPr>
+          <p:nvPr>
+            <p:ph type="body" sz="half" idx="2"/>
+          </p:nvPr>
+        </p:nvSpPr>
+        <p:spPr>
+          <a:xfrm>
+            <a:off x="913795" y="2439261"/>
+            <a:ext cx="5934949" cy="3376134"/>
+          </a:xfrm>
+        </p:spPr>
+        <p:txBody>
+          <a:bodyPr anchor="t">
+            <a:normAutofit/>
+          </a:bodyPr>
+          <a:lstStyle>
+            <a:lvl1pPr marL="0" indent="0" algn="ctr">
+              <a:buNone/>
+              <a:defRPr sz="1600"/>
+            </a:lvl1pPr>
+            <a:lvl2pPr marL="457200" indent="0">
+              <a:buNone/>
+              <a:defRPr sz="1200"/>
+            </a:lvl2pPr>
+            <a:lvl3pPr marL="914400" indent="0">
+              <a:buNone/>
+              <a:defRPr sz="1000"/>
+            </a:lvl3pPr>
+            <a:lvl4pPr marL="1371600" indent="0">
+              <a:buNone/>
+              <a:defRPr sz="900"/>
+            </a:lvl4pPr>
+            <a:lvl5pPr marL="1828800" indent="0">
+              <a:buNone/>
+              <a:defRPr sz="900"/>
+            </a:lvl5pPr>
+            <a:lvl6pPr marL="2286000" indent="0">
+              <a:buNone/>
+              <a:defRPr sz="900"/>
+            </a:lvl6pPr>
+            <a:lvl7pPr marL="2743200" indent="0">
+              <a:buNone/>
+              <a:defRPr sz="900"/>
+            </a:lvl7pPr>
+            <a:lvl8pPr marL="3200400" indent="0">
+              <a:buNone/>
+              <a:defRPr sz="900"/>
+            </a:lvl8pPr>
+            <a:lvl9pPr marL="3657600" indent="0">
+              <a:buNone/>
+              <a:defRPr sz="900"/>
+            </a:lvl9pPr>
+          </a:lstStyle>
+          <a:p>
             <a:pPr lvl="0"/>
             <a:r>
               <a:rPr lang="en-US"/>
@@ -2683,13 +5113,7 @@
       </p:sp>
       <p:sp>
         <p:nvSpPr>
-          <p:cNvPr id="5" name="Date Placeholder 4">
-            <a:extLst>
-              <a:ext uri="{FF2B5EF4-FFF2-40B4-BE49-F238E27FC236}">
-                <a16:creationId xmlns:a16="http://schemas.microsoft.com/office/drawing/2014/main" id="{37F7792B-FBE9-4F24-ADD8-2CF85D0D4453}"/>
-              </a:ext>
-            </a:extLst>
-          </p:cNvPr>
+          <p:cNvPr id="5" name="Date Placeholder 4"/>
           <p:cNvSpPr>
             <a:spLocks noGrp="1"/>
           </p:cNvSpPr>
@@ -2704,7 +5128,7 @@
           <a:p>
             <a:fld id="{4CEFB8B4-3F82-4018-B1C2-366872391BA2}" type="datetimeFigureOut">
               <a:rPr lang="es-419" smtClean="0"/>
-              <a:t>15/10/2020</a:t>
+              <a:t>16/10/2020</a:t>
             </a:fld>
             <a:endParaRPr lang="es-419"/>
           </a:p>
@@ -2712,13 +5136,7 @@
       </p:sp>
       <p:sp>
         <p:nvSpPr>
-          <p:cNvPr id="6" name="Footer Placeholder 5">
-            <a:extLst>
-              <a:ext uri="{FF2B5EF4-FFF2-40B4-BE49-F238E27FC236}">
-                <a16:creationId xmlns:a16="http://schemas.microsoft.com/office/drawing/2014/main" id="{09EB3A1D-E777-4334-83DE-F2ECE02716B8}"/>
-              </a:ext>
-            </a:extLst>
-          </p:cNvPr>
+          <p:cNvPr id="6" name="Footer Placeholder 5"/>
           <p:cNvSpPr>
             <a:spLocks noGrp="1"/>
           </p:cNvSpPr>
@@ -2737,13 +5155,7 @@
       </p:sp>
       <p:sp>
         <p:nvSpPr>
-          <p:cNvPr id="7" name="Slide Number Placeholder 6">
-            <a:extLst>
-              <a:ext uri="{FF2B5EF4-FFF2-40B4-BE49-F238E27FC236}">
-                <a16:creationId xmlns:a16="http://schemas.microsoft.com/office/drawing/2014/main" id="{6E826930-5E94-4651-A88A-75480681300B}"/>
-              </a:ext>
-            </a:extLst>
-          </p:cNvPr>
+          <p:cNvPr id="7" name="Slide Number Placeholder 6"/>
           <p:cNvSpPr>
             <a:spLocks noGrp="1"/>
           </p:cNvSpPr>
@@ -2767,7 +5179,7 @@
     </p:spTree>
     <p:extLst>
       <p:ext uri="{BB962C8B-B14F-4D97-AF65-F5344CB8AC3E}">
-        <p14:creationId xmlns:p14="http://schemas.microsoft.com/office/powerpoint/2010/main" val="627205756"/>
+        <p14:creationId xmlns:p14="http://schemas.microsoft.com/office/powerpoint/2010/main" val="2744447876"/>
       </p:ext>
     </p:extLst>
   </p:cSld>
@@ -2781,8 +5193,8 @@
 <p:sldMaster xmlns:a="http://schemas.openxmlformats.org/drawingml/2006/main" xmlns:r="http://schemas.openxmlformats.org/officeDocument/2006/relationships" xmlns:p="http://schemas.openxmlformats.org/presentationml/2006/main">
   <p:cSld>
     <p:bg>
-      <p:bgRef idx="1001">
-        <a:schemeClr val="bg1"/>
+      <p:bgRef idx="1003">
+        <a:schemeClr val="bg2"/>
       </p:bgRef>
     </p:bg>
     <p:spTree>
@@ -2801,13 +5213,7 @@
       </p:grpSpPr>
       <p:sp>
         <p:nvSpPr>
-          <p:cNvPr id="2" name="Title Placeholder 1">
-            <a:extLst>
-              <a:ext uri="{FF2B5EF4-FFF2-40B4-BE49-F238E27FC236}">
-                <a16:creationId xmlns:a16="http://schemas.microsoft.com/office/drawing/2014/main" id="{A9314EA3-0CB9-4162-89A4-0D0D41E91AFB}"/>
-              </a:ext>
-            </a:extLst>
-          </p:cNvPr>
+          <p:cNvPr id="2" name="Title Placeholder 1"/>
           <p:cNvSpPr>
             <a:spLocks noGrp="1"/>
           </p:cNvSpPr>
@@ -2817,12 +5223,19 @@
         </p:nvSpPr>
         <p:spPr>
           <a:xfrm>
-            <a:off x="838200" y="365125"/>
-            <a:ext cx="10515600" cy="1325563"/>
+            <a:off x="913795" y="609600"/>
+            <a:ext cx="10353762" cy="970450"/>
           </a:xfrm>
           <a:prstGeom prst="rect">
             <a:avLst/>
           </a:prstGeom>
+          <a:effectLst>
+            <a:outerShdw blurRad="25400" dir="17880000">
+              <a:srgbClr val="000000">
+                <a:alpha val="46000"/>
+              </a:srgbClr>
+            </a:outerShdw>
+          </a:effectLst>
         </p:spPr>
         <p:txBody>
           <a:bodyPr vert="horz" lIns="91440" tIns="45720" rIns="91440" bIns="45720" rtlCol="0" anchor="ctr">
@@ -2834,19 +5247,13 @@
               <a:rPr lang="en-US"/>
               <a:t>Click to edit Master title style</a:t>
             </a:r>
-            <a:endParaRPr lang="es-419"/>
-          </a:p>
-        </p:txBody>
-      </p:sp>
-      <p:sp>
-        <p:nvSpPr>
-          <p:cNvPr id="3" name="Text Placeholder 2">
-            <a:extLst>
-              <a:ext uri="{FF2B5EF4-FFF2-40B4-BE49-F238E27FC236}">
-                <a16:creationId xmlns:a16="http://schemas.microsoft.com/office/drawing/2014/main" id="{4830259E-A371-4DD5-87A1-077292AE15FC}"/>
-              </a:ext>
-            </a:extLst>
-          </p:cNvPr>
+            <a:endParaRPr lang="en-US" dirty="0"/>
+          </a:p>
+        </p:txBody>
+      </p:sp>
+      <p:sp>
+        <p:nvSpPr>
+          <p:cNvPr id="3" name="Text Placeholder 2"/>
           <p:cNvSpPr>
             <a:spLocks noGrp="1"/>
           </p:cNvSpPr>
@@ -2856,15 +5263,22 @@
         </p:nvSpPr>
         <p:spPr>
           <a:xfrm>
-            <a:off x="838200" y="1825625"/>
-            <a:ext cx="10515600" cy="4351338"/>
+            <a:off x="913795" y="1732449"/>
+            <a:ext cx="10353762" cy="4058751"/>
           </a:xfrm>
           <a:prstGeom prst="rect">
             <a:avLst/>
           </a:prstGeom>
+          <a:effectLst>
+            <a:outerShdw blurRad="25400" dir="17880000">
+              <a:srgbClr val="000000">
+                <a:alpha val="46000"/>
+              </a:srgbClr>
+            </a:outerShdw>
+          </a:effectLst>
         </p:spPr>
         <p:txBody>
-          <a:bodyPr vert="horz" lIns="91440" tIns="45720" rIns="91440" bIns="45720" rtlCol="0">
+          <a:bodyPr vert="horz" lIns="91440" tIns="45720" rIns="91440" bIns="45720" rtlCol="0" anchor="t">
             <a:normAutofit/>
           </a:bodyPr>
           <a:lstStyle/>
@@ -2902,19 +5316,13 @@
               <a:rPr lang="en-US"/>
               <a:t>Fifth level</a:t>
             </a:r>
-            <a:endParaRPr lang="es-419"/>
-          </a:p>
-        </p:txBody>
-      </p:sp>
-      <p:sp>
-        <p:nvSpPr>
-          <p:cNvPr id="4" name="Date Placeholder 3">
-            <a:extLst>
-              <a:ext uri="{FF2B5EF4-FFF2-40B4-BE49-F238E27FC236}">
-                <a16:creationId xmlns:a16="http://schemas.microsoft.com/office/drawing/2014/main" id="{C28DE72D-01FA-494B-9647-AAA4C6878002}"/>
-              </a:ext>
-            </a:extLst>
-          </p:cNvPr>
+            <a:endParaRPr lang="en-US" dirty="0"/>
+          </a:p>
+        </p:txBody>
+      </p:sp>
+      <p:sp>
+        <p:nvSpPr>
+          <p:cNvPr id="4" name="Date Placeholder 3"/>
           <p:cNvSpPr>
             <a:spLocks noGrp="1"/>
           </p:cNvSpPr>
@@ -2924,7 +5332,7 @@
         </p:nvSpPr>
         <p:spPr>
           <a:xfrm>
-            <a:off x="838200" y="6356350"/>
+            <a:off x="7678736" y="5883275"/>
             <a:ext cx="2743200" cy="365125"/>
           </a:xfrm>
           <a:prstGeom prst="rect">
@@ -2934,20 +5342,27 @@
         <p:txBody>
           <a:bodyPr vert="horz" lIns="91440" tIns="45720" rIns="91440" bIns="45720" rtlCol="0" anchor="ctr"/>
           <a:lstStyle>
-            <a:lvl1pPr algn="l">
-              <a:defRPr sz="1200">
+            <a:lvl1pPr algn="r">
+              <a:defRPr sz="1000">
                 <a:solidFill>
                   <a:schemeClr val="tx1">
-                    <a:tint val="75000"/>
+                    <a:lumMod val="95000"/>
                   </a:schemeClr>
                 </a:solidFill>
+                <a:effectLst>
+                  <a:outerShdw blurRad="50800" dist="38100" dir="2700000" algn="tl" rotWithShape="0">
+                    <a:schemeClr val="bg1">
+                      <a:alpha val="43000"/>
+                    </a:schemeClr>
+                  </a:outerShdw>
+                </a:effectLst>
               </a:defRPr>
             </a:lvl1pPr>
           </a:lstStyle>
           <a:p>
             <a:fld id="{4CEFB8B4-3F82-4018-B1C2-366872391BA2}" type="datetimeFigureOut">
               <a:rPr lang="es-419" smtClean="0"/>
-              <a:t>15/10/2020</a:t>
+              <a:t>16/10/2020</a:t>
             </a:fld>
             <a:endParaRPr lang="es-419"/>
           </a:p>
@@ -2955,13 +5370,7 @@
       </p:sp>
       <p:sp>
         <p:nvSpPr>
-          <p:cNvPr id="5" name="Footer Placeholder 4">
-            <a:extLst>
-              <a:ext uri="{FF2B5EF4-FFF2-40B4-BE49-F238E27FC236}">
-                <a16:creationId xmlns:a16="http://schemas.microsoft.com/office/drawing/2014/main" id="{08E81AD7-0CD1-4DC3-90E8-49536EB19D40}"/>
-              </a:ext>
-            </a:extLst>
-          </p:cNvPr>
+          <p:cNvPr id="5" name="Footer Placeholder 4"/>
           <p:cNvSpPr>
             <a:spLocks noGrp="1"/>
           </p:cNvSpPr>
@@ -2971,8 +5380,8 @@
         </p:nvSpPr>
         <p:spPr>
           <a:xfrm>
-            <a:off x="4038600" y="6356350"/>
-            <a:ext cx="4114800" cy="365125"/>
+            <a:off x="913795" y="5883275"/>
+            <a:ext cx="6672865" cy="365125"/>
           </a:xfrm>
           <a:prstGeom prst="rect">
             <a:avLst/>
@@ -2981,13 +5390,20 @@
         <p:txBody>
           <a:bodyPr vert="horz" lIns="91440" tIns="45720" rIns="91440" bIns="45720" rtlCol="0" anchor="ctr"/>
           <a:lstStyle>
-            <a:lvl1pPr algn="ctr">
-              <a:defRPr sz="1200">
+            <a:lvl1pPr algn="l">
+              <a:defRPr sz="1000">
                 <a:solidFill>
                   <a:schemeClr val="tx1">
-                    <a:tint val="75000"/>
+                    <a:lumMod val="95000"/>
                   </a:schemeClr>
                 </a:solidFill>
+                <a:effectLst>
+                  <a:outerShdw blurRad="50800" dist="38100" dir="2700000" algn="tl" rotWithShape="0">
+                    <a:schemeClr val="bg1">
+                      <a:alpha val="43000"/>
+                    </a:schemeClr>
+                  </a:outerShdw>
+                </a:effectLst>
               </a:defRPr>
             </a:lvl1pPr>
           </a:lstStyle>
@@ -2998,13 +5414,7 @@
       </p:sp>
       <p:sp>
         <p:nvSpPr>
-          <p:cNvPr id="6" name="Slide Number Placeholder 5">
-            <a:extLst>
-              <a:ext uri="{FF2B5EF4-FFF2-40B4-BE49-F238E27FC236}">
-                <a16:creationId xmlns:a16="http://schemas.microsoft.com/office/drawing/2014/main" id="{C6BFA041-D503-444F-9D67-B7DDDACEEB88}"/>
-              </a:ext>
-            </a:extLst>
-          </p:cNvPr>
+          <p:cNvPr id="6" name="Slide Number Placeholder 5"/>
           <p:cNvSpPr>
             <a:spLocks noGrp="1"/>
           </p:cNvSpPr>
@@ -3014,8 +5424,8 @@
         </p:nvSpPr>
         <p:spPr>
           <a:xfrm>
-            <a:off x="8610600" y="6356350"/>
-            <a:ext cx="2743200" cy="365125"/>
+            <a:off x="10514011" y="5883275"/>
+            <a:ext cx="753545" cy="365125"/>
           </a:xfrm>
           <a:prstGeom prst="rect">
             <a:avLst/>
@@ -3025,12 +5435,19 @@
           <a:bodyPr vert="horz" lIns="91440" tIns="45720" rIns="91440" bIns="45720" rtlCol="0" anchor="ctr"/>
           <a:lstStyle>
             <a:lvl1pPr algn="r">
-              <a:defRPr sz="1200">
+              <a:defRPr sz="1000">
                 <a:solidFill>
                   <a:schemeClr val="tx1">
-                    <a:tint val="75000"/>
+                    <a:lumMod val="95000"/>
                   </a:schemeClr>
                 </a:solidFill>
+                <a:effectLst>
+                  <a:outerShdw blurRad="50800" dist="38100" dir="2700000" algn="tl" rotWithShape="0">
+                    <a:schemeClr val="bg1">
+                      <a:alpha val="43000"/>
+                    </a:schemeClr>
+                  </a:outerShdw>
+                </a:effectLst>
               </a:defRPr>
             </a:lvl1pPr>
           </a:lstStyle>
@@ -3046,55 +5463,469 @@
     </p:spTree>
     <p:extLst>
       <p:ext uri="{BB962C8B-B14F-4D97-AF65-F5344CB8AC3E}">
-        <p14:creationId xmlns:p14="http://schemas.microsoft.com/office/powerpoint/2010/main" val="3744526669"/>
+        <p14:creationId xmlns:p14="http://schemas.microsoft.com/office/powerpoint/2010/main" val="3217898569"/>
       </p:ext>
     </p:extLst>
   </p:cSld>
-  <p:clrMap bg1="lt1" tx1="dk1" bg2="lt2" tx2="dk2" accent1="accent1" accent2="accent2" accent3="accent3" accent4="accent4" accent5="accent5" accent6="accent6" hlink="hlink" folHlink="folHlink"/>
+  <p:clrMap bg1="dk1" tx1="lt1" bg2="dk2" tx2="lt2" accent1="accent1" accent2="accent2" accent3="accent3" accent4="accent4" accent5="accent5" accent6="accent6" hlink="hlink" folHlink="folHlink"/>
   <p:sldLayoutIdLst>
-    <p:sldLayoutId id="2147483649" r:id="rId1"/>
-    <p:sldLayoutId id="2147483650" r:id="rId2"/>
-    <p:sldLayoutId id="2147483651" r:id="rId3"/>
-    <p:sldLayoutId id="2147483652" r:id="rId4"/>
-    <p:sldLayoutId id="2147483653" r:id="rId5"/>
-    <p:sldLayoutId id="2147483654" r:id="rId6"/>
-    <p:sldLayoutId id="2147483655" r:id="rId7"/>
-    <p:sldLayoutId id="2147483656" r:id="rId8"/>
-    <p:sldLayoutId id="2147483657" r:id="rId9"/>
-    <p:sldLayoutId id="2147483658" r:id="rId10"/>
-    <p:sldLayoutId id="2147483659" r:id="rId11"/>
+    <p:sldLayoutId id="2147483679" r:id="rId1"/>
+    <p:sldLayoutId id="2147483680" r:id="rId2"/>
+    <p:sldLayoutId id="2147483681" r:id="rId3"/>
+    <p:sldLayoutId id="2147483682" r:id="rId4"/>
+    <p:sldLayoutId id="2147483683" r:id="rId5"/>
+    <p:sldLayoutId id="2147483684" r:id="rId6"/>
+    <p:sldLayoutId id="2147483685" r:id="rId7"/>
+    <p:sldLayoutId id="2147483686" r:id="rId8"/>
+    <p:sldLayoutId id="2147483687" r:id="rId9"/>
+    <p:sldLayoutId id="2147483688" r:id="rId10"/>
+    <p:sldLayoutId id="2147483689" r:id="rId11"/>
+    <p:sldLayoutId id="2147483690" r:id="rId12"/>
+    <p:sldLayoutId id="2147483691" r:id="rId13"/>
+    <p:sldLayoutId id="2147483692" r:id="rId14"/>
+    <p:sldLayoutId id="2147483693" r:id="rId15"/>
+    <p:sldLayoutId id="2147483694" r:id="rId16"/>
+    <p:sldLayoutId id="2147483695" r:id="rId17"/>
   </p:sldLayoutIdLst>
   <p:txStyles>
     <p:titleStyle>
-      <a:lvl1pPr algn="l" defTabSz="914400" rtl="0" eaLnBrk="1" latinLnBrk="0" hangingPunct="1">
-        <a:lnSpc>
-          <a:spcPct val="90000"/>
-        </a:lnSpc>
+      <a:lvl1pPr algn="ctr" defTabSz="457200" rtl="0" eaLnBrk="1" latinLnBrk="0" hangingPunct="1">
         <a:spcBef>
           <a:spcPct val="0"/>
         </a:spcBef>
         <a:buNone/>
-        <a:defRPr sz="4400" kern="1200">
+        <a:defRPr sz="4000" kern="1200">
+          <a:ln>
+            <a:solidFill>
+              <a:schemeClr val="bg1">
+                <a:lumMod val="75000"/>
+                <a:lumOff val="25000"/>
+                <a:alpha val="10000"/>
+              </a:schemeClr>
+            </a:solidFill>
+          </a:ln>
           <a:solidFill>
-            <a:schemeClr val="tx1"/>
+            <a:schemeClr val="tx2"/>
           </a:solidFill>
+          <a:effectLst>
+            <a:outerShdw blurRad="9525" dist="25400" dir="14640000" algn="tl" rotWithShape="0">
+              <a:schemeClr val="bg1">
+                <a:alpha val="30000"/>
+              </a:schemeClr>
+            </a:outerShdw>
+          </a:effectLst>
           <a:latin typeface="+mj-lt"/>
           <a:ea typeface="+mj-ea"/>
-          <a:cs typeface="+mj-cs"/>
+          <a:cs typeface="Trebuchet MS"/>
         </a:defRPr>
       </a:lvl1pPr>
+      <a:lvl2pPr eaLnBrk="1" hangingPunct="1">
+        <a:defRPr>
+          <a:solidFill>
+            <a:schemeClr val="tx2"/>
+          </a:solidFill>
+        </a:defRPr>
+      </a:lvl2pPr>
+      <a:lvl3pPr eaLnBrk="1" hangingPunct="1">
+        <a:defRPr>
+          <a:solidFill>
+            <a:schemeClr val="tx2"/>
+          </a:solidFill>
+        </a:defRPr>
+      </a:lvl3pPr>
+      <a:lvl4pPr eaLnBrk="1" hangingPunct="1">
+        <a:defRPr>
+          <a:solidFill>
+            <a:schemeClr val="tx2"/>
+          </a:solidFill>
+        </a:defRPr>
+      </a:lvl4pPr>
+      <a:lvl5pPr eaLnBrk="1" hangingPunct="1">
+        <a:defRPr>
+          <a:solidFill>
+            <a:schemeClr val="tx2"/>
+          </a:solidFill>
+        </a:defRPr>
+      </a:lvl5pPr>
+      <a:lvl6pPr eaLnBrk="1" hangingPunct="1">
+        <a:defRPr>
+          <a:solidFill>
+            <a:schemeClr val="tx2"/>
+          </a:solidFill>
+        </a:defRPr>
+      </a:lvl6pPr>
+      <a:lvl7pPr eaLnBrk="1" hangingPunct="1">
+        <a:defRPr>
+          <a:solidFill>
+            <a:schemeClr val="tx2"/>
+          </a:solidFill>
+        </a:defRPr>
+      </a:lvl7pPr>
+      <a:lvl8pPr eaLnBrk="1" hangingPunct="1">
+        <a:defRPr>
+          <a:solidFill>
+            <a:schemeClr val="tx2"/>
+          </a:solidFill>
+        </a:defRPr>
+      </a:lvl8pPr>
+      <a:lvl9pPr eaLnBrk="1" hangingPunct="1">
+        <a:defRPr>
+          <a:solidFill>
+            <a:schemeClr val="tx2"/>
+          </a:solidFill>
+        </a:defRPr>
+      </a:lvl9pPr>
     </p:titleStyle>
     <p:bodyStyle>
-      <a:lvl1pPr marL="228600" indent="-228600" algn="l" defTabSz="914400" rtl="0" eaLnBrk="1" latinLnBrk="0" hangingPunct="1">
-        <a:lnSpc>
-          <a:spcPct val="90000"/>
-        </a:lnSpc>
+      <a:lvl1pPr marL="342900" indent="-306000" algn="l" defTabSz="457200" rtl="0" eaLnBrk="1" latinLnBrk="0" hangingPunct="1">
         <a:spcBef>
-          <a:spcPts val="1000"/>
+          <a:spcPct val="20000"/>
         </a:spcBef>
-        <a:buFont typeface="Arial" panose="020B0604020202020204" pitchFamily="34" charset="0"/>
-        <a:buChar char="•"/>
-        <a:defRPr sz="2800" kern="1200">
+        <a:spcAft>
+          <a:spcPts val="600"/>
+        </a:spcAft>
+        <a:buClr>
+          <a:schemeClr val="tx2"/>
+        </a:buClr>
+        <a:buSzPct val="70000"/>
+        <a:buFont typeface="Wingdings 2" charset="2"/>
+        <a:buChar char=""/>
+        <a:defRPr sz="2000" kern="1200">
+          <a:ln>
+            <a:solidFill>
+              <a:schemeClr val="bg1">
+                <a:lumMod val="75000"/>
+                <a:lumOff val="25000"/>
+                <a:alpha val="10000"/>
+              </a:schemeClr>
+            </a:solidFill>
+          </a:ln>
+          <a:solidFill>
+            <a:schemeClr val="tx2"/>
+          </a:solidFill>
+          <a:effectLst>
+            <a:outerShdw blurRad="9525" dist="25400" dir="14640000" algn="tl" rotWithShape="0">
+              <a:schemeClr val="bg1">
+                <a:alpha val="30000"/>
+              </a:schemeClr>
+            </a:outerShdw>
+          </a:effectLst>
+          <a:latin typeface="+mn-lt"/>
+          <a:ea typeface="+mn-ea"/>
+          <a:cs typeface="+mn-cs"/>
+        </a:defRPr>
+      </a:lvl1pPr>
+      <a:lvl2pPr marL="720000" indent="-270000" algn="l" defTabSz="457200" rtl="0" eaLnBrk="1" latinLnBrk="0" hangingPunct="1">
+        <a:spcBef>
+          <a:spcPct val="20000"/>
+        </a:spcBef>
+        <a:spcAft>
+          <a:spcPts val="600"/>
+        </a:spcAft>
+        <a:buClr>
+          <a:schemeClr val="tx2"/>
+        </a:buClr>
+        <a:buSzPct val="70000"/>
+        <a:buFont typeface="Wingdings 2" charset="2"/>
+        <a:buChar char=""/>
+        <a:defRPr sz="1800" kern="1200">
+          <a:ln>
+            <a:solidFill>
+              <a:schemeClr val="bg1">
+                <a:lumMod val="75000"/>
+                <a:lumOff val="25000"/>
+                <a:alpha val="10000"/>
+              </a:schemeClr>
+            </a:solidFill>
+          </a:ln>
+          <a:solidFill>
+            <a:schemeClr val="tx2"/>
+          </a:solidFill>
+          <a:effectLst>
+            <a:outerShdw blurRad="9525" dist="25400" dir="14640000" algn="tl" rotWithShape="0">
+              <a:schemeClr val="bg1">
+                <a:alpha val="30000"/>
+              </a:schemeClr>
+            </a:outerShdw>
+          </a:effectLst>
+          <a:latin typeface="+mn-lt"/>
+          <a:ea typeface="+mn-ea"/>
+          <a:cs typeface="+mn-cs"/>
+        </a:defRPr>
+      </a:lvl2pPr>
+      <a:lvl3pPr marL="1026000" indent="-216000" algn="l" defTabSz="457200" rtl="0" eaLnBrk="1" latinLnBrk="0" hangingPunct="1">
+        <a:spcBef>
+          <a:spcPct val="20000"/>
+        </a:spcBef>
+        <a:spcAft>
+          <a:spcPts val="600"/>
+        </a:spcAft>
+        <a:buClr>
+          <a:schemeClr val="tx2"/>
+        </a:buClr>
+        <a:buSzPct val="70000"/>
+        <a:buFont typeface="Wingdings 2" charset="2"/>
+        <a:buChar char=""/>
+        <a:defRPr sz="1600" kern="1200">
+          <a:ln>
+            <a:solidFill>
+              <a:schemeClr val="bg1">
+                <a:lumMod val="75000"/>
+                <a:lumOff val="25000"/>
+                <a:alpha val="10000"/>
+              </a:schemeClr>
+            </a:solidFill>
+          </a:ln>
+          <a:solidFill>
+            <a:schemeClr val="tx2"/>
+          </a:solidFill>
+          <a:effectLst>
+            <a:outerShdw blurRad="9525" dist="25400" dir="14640000" algn="tl" rotWithShape="0">
+              <a:schemeClr val="bg1">
+                <a:alpha val="30000"/>
+              </a:schemeClr>
+            </a:outerShdw>
+          </a:effectLst>
+          <a:latin typeface="+mn-lt"/>
+          <a:ea typeface="+mn-ea"/>
+          <a:cs typeface="+mn-cs"/>
+        </a:defRPr>
+      </a:lvl3pPr>
+      <a:lvl4pPr marL="1386000" indent="-216000" algn="l" defTabSz="457200" rtl="0" eaLnBrk="1" latinLnBrk="0" hangingPunct="1">
+        <a:spcBef>
+          <a:spcPct val="20000"/>
+        </a:spcBef>
+        <a:spcAft>
+          <a:spcPts val="600"/>
+        </a:spcAft>
+        <a:buClr>
+          <a:schemeClr val="tx2"/>
+        </a:buClr>
+        <a:buSzPct val="70000"/>
+        <a:buFont typeface="Wingdings 2" charset="2"/>
+        <a:buChar char=""/>
+        <a:defRPr sz="1400" kern="1200">
+          <a:ln>
+            <a:solidFill>
+              <a:schemeClr val="bg1">
+                <a:lumMod val="75000"/>
+                <a:lumOff val="25000"/>
+                <a:alpha val="10000"/>
+              </a:schemeClr>
+            </a:solidFill>
+          </a:ln>
+          <a:solidFill>
+            <a:schemeClr val="tx2"/>
+          </a:solidFill>
+          <a:effectLst>
+            <a:outerShdw blurRad="9525" dist="25400" dir="14640000" algn="tl" rotWithShape="0">
+              <a:schemeClr val="bg1">
+                <a:alpha val="30000"/>
+              </a:schemeClr>
+            </a:outerShdw>
+          </a:effectLst>
+          <a:latin typeface="+mn-lt"/>
+          <a:ea typeface="+mn-ea"/>
+          <a:cs typeface="+mn-cs"/>
+        </a:defRPr>
+      </a:lvl4pPr>
+      <a:lvl5pPr marL="1674000" indent="-216000" algn="l" defTabSz="457200" rtl="0" eaLnBrk="1" latinLnBrk="0" hangingPunct="1">
+        <a:spcBef>
+          <a:spcPct val="20000"/>
+        </a:spcBef>
+        <a:spcAft>
+          <a:spcPts val="600"/>
+        </a:spcAft>
+        <a:buClr>
+          <a:schemeClr val="tx2"/>
+        </a:buClr>
+        <a:buSzPct val="70000"/>
+        <a:buFont typeface="Wingdings 2" charset="2"/>
+        <a:buChar char=""/>
+        <a:defRPr sz="1400" kern="1200">
+          <a:ln>
+            <a:solidFill>
+              <a:schemeClr val="bg1">
+                <a:lumMod val="75000"/>
+                <a:lumOff val="25000"/>
+                <a:alpha val="10000"/>
+              </a:schemeClr>
+            </a:solidFill>
+          </a:ln>
+          <a:solidFill>
+            <a:schemeClr val="tx2"/>
+          </a:solidFill>
+          <a:effectLst>
+            <a:outerShdw blurRad="9525" dist="25400" dir="14640000" algn="tl" rotWithShape="0">
+              <a:schemeClr val="bg1">
+                <a:alpha val="30000"/>
+              </a:schemeClr>
+            </a:outerShdw>
+          </a:effectLst>
+          <a:latin typeface="+mn-lt"/>
+          <a:ea typeface="+mn-ea"/>
+          <a:cs typeface="+mn-cs"/>
+        </a:defRPr>
+      </a:lvl5pPr>
+      <a:lvl6pPr marL="2014600" indent="-228600" algn="l" defTabSz="457200" rtl="0" eaLnBrk="1" latinLnBrk="0" hangingPunct="1">
+        <a:spcBef>
+          <a:spcPct val="20000"/>
+        </a:spcBef>
+        <a:spcAft>
+          <a:spcPts val="600"/>
+        </a:spcAft>
+        <a:buClr>
+          <a:schemeClr val="tx2"/>
+        </a:buClr>
+        <a:buSzPct val="70000"/>
+        <a:buFont typeface="Wingdings 2" charset="2"/>
+        <a:buChar char=""/>
+        <a:defRPr sz="1400" kern="1200">
+          <a:ln>
+            <a:solidFill>
+              <a:schemeClr val="bg1">
+                <a:lumMod val="75000"/>
+                <a:lumOff val="25000"/>
+                <a:alpha val="10000"/>
+              </a:schemeClr>
+            </a:solidFill>
+          </a:ln>
+          <a:solidFill>
+            <a:schemeClr val="tx2"/>
+          </a:solidFill>
+          <a:effectLst>
+            <a:outerShdw blurRad="9525" dist="25400" dir="14640000" algn="tl" rotWithShape="0">
+              <a:schemeClr val="bg1">
+                <a:alpha val="30000"/>
+              </a:schemeClr>
+            </a:outerShdw>
+          </a:effectLst>
+          <a:latin typeface="+mn-lt"/>
+          <a:ea typeface="+mn-ea"/>
+          <a:cs typeface="+mn-cs"/>
+        </a:defRPr>
+      </a:lvl6pPr>
+      <a:lvl7pPr marL="2401800" indent="-228600" algn="l" defTabSz="457200" rtl="0" eaLnBrk="1" latinLnBrk="0" hangingPunct="1">
+        <a:spcBef>
+          <a:spcPct val="20000"/>
+        </a:spcBef>
+        <a:spcAft>
+          <a:spcPts val="600"/>
+        </a:spcAft>
+        <a:buClr>
+          <a:schemeClr val="tx2"/>
+        </a:buClr>
+        <a:buSzPct val="70000"/>
+        <a:buFont typeface="Wingdings 2" charset="2"/>
+        <a:buChar char=""/>
+        <a:defRPr sz="1400" kern="1200">
+          <a:ln>
+            <a:solidFill>
+              <a:schemeClr val="bg1">
+                <a:lumMod val="75000"/>
+                <a:lumOff val="25000"/>
+                <a:alpha val="10000"/>
+              </a:schemeClr>
+            </a:solidFill>
+          </a:ln>
+          <a:solidFill>
+            <a:schemeClr val="tx2"/>
+          </a:solidFill>
+          <a:effectLst>
+            <a:outerShdw blurRad="9525" dist="25400" dir="14640000" algn="tl" rotWithShape="0">
+              <a:schemeClr val="bg1">
+                <a:alpha val="30000"/>
+              </a:schemeClr>
+            </a:outerShdw>
+          </a:effectLst>
+          <a:latin typeface="+mn-lt"/>
+          <a:ea typeface="+mn-ea"/>
+          <a:cs typeface="+mn-cs"/>
+        </a:defRPr>
+      </a:lvl7pPr>
+      <a:lvl8pPr marL="2789000" indent="-228600" algn="l" defTabSz="457200" rtl="0" eaLnBrk="1" latinLnBrk="0" hangingPunct="1">
+        <a:spcBef>
+          <a:spcPct val="20000"/>
+        </a:spcBef>
+        <a:spcAft>
+          <a:spcPts val="600"/>
+        </a:spcAft>
+        <a:buClr>
+          <a:schemeClr val="tx2"/>
+        </a:buClr>
+        <a:buSzPct val="70000"/>
+        <a:buFont typeface="Wingdings 2" charset="2"/>
+        <a:buChar char=""/>
+        <a:defRPr sz="1400" kern="1200">
+          <a:ln>
+            <a:solidFill>
+              <a:schemeClr val="bg1">
+                <a:lumMod val="75000"/>
+                <a:lumOff val="25000"/>
+                <a:alpha val="10000"/>
+              </a:schemeClr>
+            </a:solidFill>
+          </a:ln>
+          <a:solidFill>
+            <a:schemeClr val="tx2"/>
+          </a:solidFill>
+          <a:effectLst>
+            <a:outerShdw blurRad="9525" dist="25400" dir="14640000" algn="tl" rotWithShape="0">
+              <a:schemeClr val="bg1">
+                <a:alpha val="30000"/>
+              </a:schemeClr>
+            </a:outerShdw>
+          </a:effectLst>
+          <a:latin typeface="+mn-lt"/>
+          <a:ea typeface="+mn-ea"/>
+          <a:cs typeface="+mn-cs"/>
+        </a:defRPr>
+      </a:lvl8pPr>
+      <a:lvl9pPr marL="3106200" indent="-228600" algn="l" defTabSz="457200" rtl="0" eaLnBrk="1" latinLnBrk="0" hangingPunct="1">
+        <a:spcBef>
+          <a:spcPct val="20000"/>
+        </a:spcBef>
+        <a:spcAft>
+          <a:spcPts val="600"/>
+        </a:spcAft>
+        <a:buClr>
+          <a:schemeClr val="tx2"/>
+        </a:buClr>
+        <a:buSzPct val="70000"/>
+        <a:buFont typeface="Wingdings 2" charset="2"/>
+        <a:buChar char=""/>
+        <a:defRPr sz="1400" kern="1200">
+          <a:ln>
+            <a:solidFill>
+              <a:schemeClr val="bg1">
+                <a:lumMod val="75000"/>
+                <a:lumOff val="25000"/>
+                <a:alpha val="10000"/>
+              </a:schemeClr>
+            </a:solidFill>
+          </a:ln>
+          <a:solidFill>
+            <a:schemeClr val="tx2"/>
+          </a:solidFill>
+          <a:effectLst>
+            <a:outerShdw blurRad="9525" dist="25400" dir="14640000" algn="tl" rotWithShape="0">
+              <a:schemeClr val="bg1">
+                <a:alpha val="30000"/>
+              </a:schemeClr>
+            </a:outerShdw>
+          </a:effectLst>
+          <a:latin typeface="+mn-lt"/>
+          <a:ea typeface="+mn-ea"/>
+          <a:cs typeface="+mn-cs"/>
+        </a:defRPr>
+      </a:lvl9pPr>
+    </p:bodyStyle>
+    <p:otherStyle>
+      <a:defPPr>
+        <a:defRPr lang="en-US"/>
+      </a:defPPr>
+      <a:lvl1pPr marL="0" algn="l" defTabSz="457200" rtl="0" eaLnBrk="1" latinLnBrk="0" hangingPunct="1">
+        <a:defRPr sz="1800" kern="1200">
           <a:solidFill>
             <a:schemeClr val="tx1"/>
           </a:solidFill>
@@ -3103,16 +5934,8 @@
           <a:cs typeface="+mn-cs"/>
         </a:defRPr>
       </a:lvl1pPr>
-      <a:lvl2pPr marL="685800" indent="-228600" algn="l" defTabSz="914400" rtl="0" eaLnBrk="1" latinLnBrk="0" hangingPunct="1">
-        <a:lnSpc>
-          <a:spcPct val="90000"/>
-        </a:lnSpc>
-        <a:spcBef>
-          <a:spcPts val="500"/>
-        </a:spcBef>
-        <a:buFont typeface="Arial" panose="020B0604020202020204" pitchFamily="34" charset="0"/>
-        <a:buChar char="•"/>
-        <a:defRPr sz="2400" kern="1200">
+      <a:lvl2pPr marL="457200" algn="l" defTabSz="457200" rtl="0" eaLnBrk="1" latinLnBrk="0" hangingPunct="1">
+        <a:defRPr sz="1800" kern="1200">
           <a:solidFill>
             <a:schemeClr val="tx1"/>
           </a:solidFill>
@@ -3121,16 +5944,8 @@
           <a:cs typeface="+mn-cs"/>
         </a:defRPr>
       </a:lvl2pPr>
-      <a:lvl3pPr marL="1143000" indent="-228600" algn="l" defTabSz="914400" rtl="0" eaLnBrk="1" latinLnBrk="0" hangingPunct="1">
-        <a:lnSpc>
-          <a:spcPct val="90000"/>
-        </a:lnSpc>
-        <a:spcBef>
-          <a:spcPts val="500"/>
-        </a:spcBef>
-        <a:buFont typeface="Arial" panose="020B0604020202020204" pitchFamily="34" charset="0"/>
-        <a:buChar char="•"/>
-        <a:defRPr sz="2000" kern="1200">
+      <a:lvl3pPr marL="914400" algn="l" defTabSz="457200" rtl="0" eaLnBrk="1" latinLnBrk="0" hangingPunct="1">
+        <a:defRPr sz="1800" kern="1200">
           <a:solidFill>
             <a:schemeClr val="tx1"/>
           </a:solidFill>
@@ -3139,15 +5954,7 @@
           <a:cs typeface="+mn-cs"/>
         </a:defRPr>
       </a:lvl3pPr>
-      <a:lvl4pPr marL="1600200" indent="-228600" algn="l" defTabSz="914400" rtl="0" eaLnBrk="1" latinLnBrk="0" hangingPunct="1">
-        <a:lnSpc>
-          <a:spcPct val="90000"/>
-        </a:lnSpc>
-        <a:spcBef>
-          <a:spcPts val="500"/>
-        </a:spcBef>
-        <a:buFont typeface="Arial" panose="020B0604020202020204" pitchFamily="34" charset="0"/>
-        <a:buChar char="•"/>
+      <a:lvl4pPr marL="1371600" algn="l" defTabSz="457200" rtl="0" eaLnBrk="1" latinLnBrk="0" hangingPunct="1">
         <a:defRPr sz="1800" kern="1200">
           <a:solidFill>
             <a:schemeClr val="tx1"/>
@@ -3157,15 +5964,7 @@
           <a:cs typeface="+mn-cs"/>
         </a:defRPr>
       </a:lvl4pPr>
-      <a:lvl5pPr marL="2057400" indent="-228600" algn="l" defTabSz="914400" rtl="0" eaLnBrk="1" latinLnBrk="0" hangingPunct="1">
-        <a:lnSpc>
-          <a:spcPct val="90000"/>
-        </a:lnSpc>
-        <a:spcBef>
-          <a:spcPts val="500"/>
-        </a:spcBef>
-        <a:buFont typeface="Arial" panose="020B0604020202020204" pitchFamily="34" charset="0"/>
-        <a:buChar char="•"/>
+      <a:lvl5pPr marL="1828800" algn="l" defTabSz="457200" rtl="0" eaLnBrk="1" latinLnBrk="0" hangingPunct="1">
         <a:defRPr sz="1800" kern="1200">
           <a:solidFill>
             <a:schemeClr val="tx1"/>
@@ -3175,15 +5974,7 @@
           <a:cs typeface="+mn-cs"/>
         </a:defRPr>
       </a:lvl5pPr>
-      <a:lvl6pPr marL="2514600" indent="-228600" algn="l" defTabSz="914400" rtl="0" eaLnBrk="1" latinLnBrk="0" hangingPunct="1">
-        <a:lnSpc>
-          <a:spcPct val="90000"/>
-        </a:lnSpc>
-        <a:spcBef>
-          <a:spcPts val="500"/>
-        </a:spcBef>
-        <a:buFont typeface="Arial" panose="020B0604020202020204" pitchFamily="34" charset="0"/>
-        <a:buChar char="•"/>
+      <a:lvl6pPr marL="2286000" algn="l" defTabSz="457200" rtl="0" eaLnBrk="1" latinLnBrk="0" hangingPunct="1">
         <a:defRPr sz="1800" kern="1200">
           <a:solidFill>
             <a:schemeClr val="tx1"/>
@@ -3193,15 +5984,7 @@
           <a:cs typeface="+mn-cs"/>
         </a:defRPr>
       </a:lvl6pPr>
-      <a:lvl7pPr marL="2971800" indent="-228600" algn="l" defTabSz="914400" rtl="0" eaLnBrk="1" latinLnBrk="0" hangingPunct="1">
-        <a:lnSpc>
-          <a:spcPct val="90000"/>
-        </a:lnSpc>
-        <a:spcBef>
-          <a:spcPts val="500"/>
-        </a:spcBef>
-        <a:buFont typeface="Arial" panose="020B0604020202020204" pitchFamily="34" charset="0"/>
-        <a:buChar char="•"/>
+      <a:lvl7pPr marL="2743200" algn="l" defTabSz="457200" rtl="0" eaLnBrk="1" latinLnBrk="0" hangingPunct="1">
         <a:defRPr sz="1800" kern="1200">
           <a:solidFill>
             <a:schemeClr val="tx1"/>
@@ -3211,15 +5994,7 @@
           <a:cs typeface="+mn-cs"/>
         </a:defRPr>
       </a:lvl7pPr>
-      <a:lvl8pPr marL="3429000" indent="-228600" algn="l" defTabSz="914400" rtl="0" eaLnBrk="1" latinLnBrk="0" hangingPunct="1">
-        <a:lnSpc>
-          <a:spcPct val="90000"/>
-        </a:lnSpc>
-        <a:spcBef>
-          <a:spcPts val="500"/>
-        </a:spcBef>
-        <a:buFont typeface="Arial" panose="020B0604020202020204" pitchFamily="34" charset="0"/>
-        <a:buChar char="•"/>
+      <a:lvl8pPr marL="3200400" algn="l" defTabSz="457200" rtl="0" eaLnBrk="1" latinLnBrk="0" hangingPunct="1">
         <a:defRPr sz="1800" kern="1200">
           <a:solidFill>
             <a:schemeClr val="tx1"/>
@@ -3229,110 +6004,7 @@
           <a:cs typeface="+mn-cs"/>
         </a:defRPr>
       </a:lvl8pPr>
-      <a:lvl9pPr marL="3886200" indent="-228600" algn="l" defTabSz="914400" rtl="0" eaLnBrk="1" latinLnBrk="0" hangingPunct="1">
-        <a:lnSpc>
-          <a:spcPct val="90000"/>
-        </a:lnSpc>
-        <a:spcBef>
-          <a:spcPts val="500"/>
-        </a:spcBef>
-        <a:buFont typeface="Arial" panose="020B0604020202020204" pitchFamily="34" charset="0"/>
-        <a:buChar char="•"/>
-        <a:defRPr sz="1800" kern="1200">
-          <a:solidFill>
-            <a:schemeClr val="tx1"/>
-          </a:solidFill>
-          <a:latin typeface="+mn-lt"/>
-          <a:ea typeface="+mn-ea"/>
-          <a:cs typeface="+mn-cs"/>
-        </a:defRPr>
-      </a:lvl9pPr>
-    </p:bodyStyle>
-    <p:otherStyle>
-      <a:defPPr>
-        <a:defRPr lang="es-419"/>
-      </a:defPPr>
-      <a:lvl1pPr marL="0" algn="l" defTabSz="914400" rtl="0" eaLnBrk="1" latinLnBrk="0" hangingPunct="1">
-        <a:defRPr sz="1800" kern="1200">
-          <a:solidFill>
-            <a:schemeClr val="tx1"/>
-          </a:solidFill>
-          <a:latin typeface="+mn-lt"/>
-          <a:ea typeface="+mn-ea"/>
-          <a:cs typeface="+mn-cs"/>
-        </a:defRPr>
-      </a:lvl1pPr>
-      <a:lvl2pPr marL="457200" algn="l" defTabSz="914400" rtl="0" eaLnBrk="1" latinLnBrk="0" hangingPunct="1">
-        <a:defRPr sz="1800" kern="1200">
-          <a:solidFill>
-            <a:schemeClr val="tx1"/>
-          </a:solidFill>
-          <a:latin typeface="+mn-lt"/>
-          <a:ea typeface="+mn-ea"/>
-          <a:cs typeface="+mn-cs"/>
-        </a:defRPr>
-      </a:lvl2pPr>
-      <a:lvl3pPr marL="914400" algn="l" defTabSz="914400" rtl="0" eaLnBrk="1" latinLnBrk="0" hangingPunct="1">
-        <a:defRPr sz="1800" kern="1200">
-          <a:solidFill>
-            <a:schemeClr val="tx1"/>
-          </a:solidFill>
-          <a:latin typeface="+mn-lt"/>
-          <a:ea typeface="+mn-ea"/>
-          <a:cs typeface="+mn-cs"/>
-        </a:defRPr>
-      </a:lvl3pPr>
-      <a:lvl4pPr marL="1371600" algn="l" defTabSz="914400" rtl="0" eaLnBrk="1" latinLnBrk="0" hangingPunct="1">
-        <a:defRPr sz="1800" kern="1200">
-          <a:solidFill>
-            <a:schemeClr val="tx1"/>
-          </a:solidFill>
-          <a:latin typeface="+mn-lt"/>
-          <a:ea typeface="+mn-ea"/>
-          <a:cs typeface="+mn-cs"/>
-        </a:defRPr>
-      </a:lvl4pPr>
-      <a:lvl5pPr marL="1828800" algn="l" defTabSz="914400" rtl="0" eaLnBrk="1" latinLnBrk="0" hangingPunct="1">
-        <a:defRPr sz="1800" kern="1200">
-          <a:solidFill>
-            <a:schemeClr val="tx1"/>
-          </a:solidFill>
-          <a:latin typeface="+mn-lt"/>
-          <a:ea typeface="+mn-ea"/>
-          <a:cs typeface="+mn-cs"/>
-        </a:defRPr>
-      </a:lvl5pPr>
-      <a:lvl6pPr marL="2286000" algn="l" defTabSz="914400" rtl="0" eaLnBrk="1" latinLnBrk="0" hangingPunct="1">
-        <a:defRPr sz="1800" kern="1200">
-          <a:solidFill>
-            <a:schemeClr val="tx1"/>
-          </a:solidFill>
-          <a:latin typeface="+mn-lt"/>
-          <a:ea typeface="+mn-ea"/>
-          <a:cs typeface="+mn-cs"/>
-        </a:defRPr>
-      </a:lvl6pPr>
-      <a:lvl7pPr marL="2743200" algn="l" defTabSz="914400" rtl="0" eaLnBrk="1" latinLnBrk="0" hangingPunct="1">
-        <a:defRPr sz="1800" kern="1200">
-          <a:solidFill>
-            <a:schemeClr val="tx1"/>
-          </a:solidFill>
-          <a:latin typeface="+mn-lt"/>
-          <a:ea typeface="+mn-ea"/>
-          <a:cs typeface="+mn-cs"/>
-        </a:defRPr>
-      </a:lvl7pPr>
-      <a:lvl8pPr marL="3200400" algn="l" defTabSz="914400" rtl="0" eaLnBrk="1" latinLnBrk="0" hangingPunct="1">
-        <a:defRPr sz="1800" kern="1200">
-          <a:solidFill>
-            <a:schemeClr val="tx1"/>
-          </a:solidFill>
-          <a:latin typeface="+mn-lt"/>
-          <a:ea typeface="+mn-ea"/>
-          <a:cs typeface="+mn-cs"/>
-        </a:defRPr>
-      </a:lvl8pPr>
-      <a:lvl9pPr marL="3657600" algn="l" defTabSz="914400" rtl="0" eaLnBrk="1" latinLnBrk="0" hangingPunct="1">
+      <a:lvl9pPr marL="3657600" algn="l" defTabSz="457200" rtl="0" eaLnBrk="1" latinLnBrk="0" hangingPunct="1">
         <a:defRPr sz="1800" kern="1200">
           <a:solidFill>
             <a:schemeClr val="tx1"/>
@@ -3372,66 +6044,6 @@
           <a:chExt cx="0" cy="0"/>
         </a:xfrm>
       </p:grpSpPr>
-      <p:sp useBgFill="1">
-        <p:nvSpPr>
-          <p:cNvPr id="10" name="Rectangle 9">
-            <a:extLst>
-              <a:ext uri="{FF2B5EF4-FFF2-40B4-BE49-F238E27FC236}">
-                <a16:creationId xmlns:a16="http://schemas.microsoft.com/office/drawing/2014/main" id="{A29398BB-6F62-472B-88B2-8D942FEBFB20}"/>
-              </a:ext>
-              <a:ext uri="{C183D7F6-B498-43B3-948B-1728B52AA6E4}">
-                <adec:decorative xmlns:adec="http://schemas.microsoft.com/office/drawing/2017/decorative" val="1"/>
-              </a:ext>
-            </a:extLst>
-          </p:cNvPr>
-          <p:cNvSpPr>
-            <a:spLocks noGrp="1" noRot="1" noChangeAspect="1" noMove="1" noResize="1" noEditPoints="1" noAdjustHandles="1" noChangeArrowheads="1" noChangeShapeType="1" noTextEdit="1"/>
-          </p:cNvSpPr>
-          <p:nvPr>
-            <p:extLst>
-              <p:ext uri="{386F3935-93C4-4BCD-93E2-E3B085C9AB24}">
-                <p16:designElem xmlns:p16="http://schemas.microsoft.com/office/powerpoint/2015/main" val="1"/>
-              </p:ext>
-            </p:extLst>
-          </p:nvPr>
-        </p:nvSpPr>
-        <p:spPr>
-          <a:xfrm>
-            <a:off x="0" y="0"/>
-            <a:ext cx="12192000" cy="6858000"/>
-          </a:xfrm>
-          <a:prstGeom prst="rect">
-            <a:avLst/>
-          </a:prstGeom>
-          <a:ln>
-            <a:noFill/>
-          </a:ln>
-        </p:spPr>
-        <p:style>
-          <a:lnRef idx="2">
-            <a:schemeClr val="accent1">
-              <a:shade val="50000"/>
-            </a:schemeClr>
-          </a:lnRef>
-          <a:fillRef idx="1">
-            <a:schemeClr val="accent1"/>
-          </a:fillRef>
-          <a:effectRef idx="0">
-            <a:schemeClr val="accent1"/>
-          </a:effectRef>
-          <a:fontRef idx="minor">
-            <a:schemeClr val="lt1"/>
-          </a:fontRef>
-        </p:style>
-        <p:txBody>
-          <a:bodyPr rtlCol="0" anchor="ctr"/>
-          <a:lstStyle/>
-          <a:p>
-            <a:pPr algn="ctr"/>
-            <a:endParaRPr lang="en-US"/>
-          </a:p>
-        </p:txBody>
-      </p:sp>
       <p:sp>
         <p:nvSpPr>
           <p:cNvPr id="2" name="Title 1">
@@ -3514,412 +6126,6 @@
           </a:p>
         </p:txBody>
       </p:sp>
-      <p:grpSp>
-        <p:nvGrpSpPr>
-          <p:cNvPr id="12" name="Group 11">
-            <a:extLst>
-              <a:ext uri="{FF2B5EF4-FFF2-40B4-BE49-F238E27FC236}">
-                <a16:creationId xmlns:a16="http://schemas.microsoft.com/office/drawing/2014/main" id="{0CEB5BCA-605E-4D26-BD18-648801C13F7A}"/>
-              </a:ext>
-              <a:ext uri="{C183D7F6-B498-43B3-948B-1728B52AA6E4}">
-                <adec:decorative xmlns:adec="http://schemas.microsoft.com/office/drawing/2017/decorative" val="1"/>
-              </a:ext>
-            </a:extLst>
-          </p:cNvPr>
-          <p:cNvGrpSpPr>
-            <a:grpSpLocks noGrp="1" noUngrp="1" noRot="1" noChangeAspect="1" noMove="1" noResize="1"/>
-          </p:cNvGrpSpPr>
-          <p:nvPr>
-            <p:extLst>
-              <p:ext uri="{386F3935-93C4-4BCD-93E2-E3B085C9AB24}">
-                <p16:designElem xmlns:p16="http://schemas.microsoft.com/office/powerpoint/2015/main" val="1"/>
-              </p:ext>
-            </p:extLst>
-          </p:nvPr>
-        </p:nvGrpSpPr>
-        <p:grpSpPr>
-          <a:xfrm>
-            <a:off x="1094094" y="746452"/>
-            <a:ext cx="1128382" cy="847206"/>
-            <a:chOff x="8183879" y="1000124"/>
-            <a:chExt cx="1562267" cy="1172973"/>
-          </a:xfrm>
-        </p:grpSpPr>
-        <p:sp>
-          <p:nvSpPr>
-            <p:cNvPr id="13" name="Freeform 5">
-              <a:extLst>
-                <a:ext uri="{FF2B5EF4-FFF2-40B4-BE49-F238E27FC236}">
-                  <a16:creationId xmlns:a16="http://schemas.microsoft.com/office/drawing/2014/main" id="{8BEBD5C3-A60D-49BB-888A-D00CB07F6EC4}"/>
-                </a:ext>
-                <a:ext uri="{C183D7F6-B498-43B3-948B-1728B52AA6E4}">
-                  <adec:decorative xmlns:adec="http://schemas.microsoft.com/office/drawing/2017/decorative" val="1"/>
-                </a:ext>
-              </a:extLst>
-            </p:cNvPr>
-            <p:cNvSpPr>
-              <a:spLocks/>
-            </p:cNvSpPr>
-            <p:nvPr>
-              <p:extLst>
-                <p:ext uri="{386F3935-93C4-4BCD-93E2-E3B085C9AB24}">
-                  <p16:designElem xmlns:p16="http://schemas.microsoft.com/office/powerpoint/2015/main" val="1"/>
-                </p:ext>
-              </p:extLst>
-            </p:nvPr>
-          </p:nvSpPr>
-          <p:spPr bwMode="auto">
-            <a:xfrm>
-              <a:off x="8183879" y="1348782"/>
-              <a:ext cx="935037" cy="824315"/>
-            </a:xfrm>
-            <a:custGeom>
-              <a:avLst/>
-              <a:gdLst>
-                <a:gd name="T0" fmla="*/ 225 w 785"/>
-                <a:gd name="T1" fmla="*/ 692 h 692"/>
-                <a:gd name="T2" fmla="*/ 177 w 785"/>
-                <a:gd name="T3" fmla="*/ 665 h 692"/>
-                <a:gd name="T4" fmla="*/ 9 w 785"/>
-                <a:gd name="T5" fmla="*/ 374 h 692"/>
-                <a:gd name="T6" fmla="*/ 9 w 785"/>
-                <a:gd name="T7" fmla="*/ 318 h 692"/>
-                <a:gd name="T8" fmla="*/ 177 w 785"/>
-                <a:gd name="T9" fmla="*/ 27 h 692"/>
-                <a:gd name="T10" fmla="*/ 225 w 785"/>
-                <a:gd name="T11" fmla="*/ 0 h 692"/>
-                <a:gd name="T12" fmla="*/ 561 w 785"/>
-                <a:gd name="T13" fmla="*/ 0 h 692"/>
-                <a:gd name="T14" fmla="*/ 609 w 785"/>
-                <a:gd name="T15" fmla="*/ 27 h 692"/>
-                <a:gd name="T16" fmla="*/ 777 w 785"/>
-                <a:gd name="T17" fmla="*/ 318 h 692"/>
-                <a:gd name="T18" fmla="*/ 777 w 785"/>
-                <a:gd name="T19" fmla="*/ 374 h 692"/>
-                <a:gd name="T20" fmla="*/ 609 w 785"/>
-                <a:gd name="T21" fmla="*/ 665 h 692"/>
-                <a:gd name="T22" fmla="*/ 561 w 785"/>
-                <a:gd name="T23" fmla="*/ 692 h 692"/>
-                <a:gd name="T24" fmla="*/ 225 w 785"/>
-                <a:gd name="T25" fmla="*/ 692 h 692"/>
-              </a:gdLst>
-              <a:ahLst/>
-              <a:cxnLst>
-                <a:cxn ang="0">
-                  <a:pos x="T0" y="T1"/>
-                </a:cxn>
-                <a:cxn ang="0">
-                  <a:pos x="T2" y="T3"/>
-                </a:cxn>
-                <a:cxn ang="0">
-                  <a:pos x="T4" y="T5"/>
-                </a:cxn>
-                <a:cxn ang="0">
-                  <a:pos x="T6" y="T7"/>
-                </a:cxn>
-                <a:cxn ang="0">
-                  <a:pos x="T8" y="T9"/>
-                </a:cxn>
-                <a:cxn ang="0">
-                  <a:pos x="T10" y="T11"/>
-                </a:cxn>
-                <a:cxn ang="0">
-                  <a:pos x="T12" y="T13"/>
-                </a:cxn>
-                <a:cxn ang="0">
-                  <a:pos x="T14" y="T15"/>
-                </a:cxn>
-                <a:cxn ang="0">
-                  <a:pos x="T16" y="T17"/>
-                </a:cxn>
-                <a:cxn ang="0">
-                  <a:pos x="T18" y="T19"/>
-                </a:cxn>
-                <a:cxn ang="0">
-                  <a:pos x="T20" y="T21"/>
-                </a:cxn>
-                <a:cxn ang="0">
-                  <a:pos x="T22" y="T23"/>
-                </a:cxn>
-                <a:cxn ang="0">
-                  <a:pos x="T24" y="T25"/>
-                </a:cxn>
-              </a:cxnLst>
-              <a:rect l="0" t="0" r="r" b="b"/>
-              <a:pathLst>
-                <a:path w="785" h="692">
-                  <a:moveTo>
-                    <a:pt x="225" y="692"/>
-                  </a:moveTo>
-                  <a:cubicBezTo>
-                    <a:pt x="207" y="692"/>
-                    <a:pt x="185" y="680"/>
-                    <a:pt x="177" y="665"/>
-                  </a:cubicBezTo>
-                  <a:cubicBezTo>
-                    <a:pt x="9" y="374"/>
-                    <a:pt x="9" y="374"/>
-                    <a:pt x="9" y="374"/>
-                  </a:cubicBezTo>
-                  <a:cubicBezTo>
-                    <a:pt x="0" y="358"/>
-                    <a:pt x="0" y="334"/>
-                    <a:pt x="9" y="318"/>
-                  </a:cubicBezTo>
-                  <a:cubicBezTo>
-                    <a:pt x="177" y="27"/>
-                    <a:pt x="177" y="27"/>
-                    <a:pt x="177" y="27"/>
-                  </a:cubicBezTo>
-                  <a:cubicBezTo>
-                    <a:pt x="185" y="12"/>
-                    <a:pt x="207" y="0"/>
-                    <a:pt x="225" y="0"/>
-                  </a:cubicBezTo>
-                  <a:cubicBezTo>
-                    <a:pt x="561" y="0"/>
-                    <a:pt x="561" y="0"/>
-                    <a:pt x="561" y="0"/>
-                  </a:cubicBezTo>
-                  <a:cubicBezTo>
-                    <a:pt x="578" y="0"/>
-                    <a:pt x="600" y="12"/>
-                    <a:pt x="609" y="27"/>
-                  </a:cubicBezTo>
-                  <a:cubicBezTo>
-                    <a:pt x="777" y="318"/>
-                    <a:pt x="777" y="318"/>
-                    <a:pt x="777" y="318"/>
-                  </a:cubicBezTo>
-                  <a:cubicBezTo>
-                    <a:pt x="785" y="334"/>
-                    <a:pt x="785" y="358"/>
-                    <a:pt x="777" y="374"/>
-                  </a:cubicBezTo>
-                  <a:cubicBezTo>
-                    <a:pt x="609" y="665"/>
-                    <a:pt x="609" y="665"/>
-                    <a:pt x="609" y="665"/>
-                  </a:cubicBezTo>
-                  <a:cubicBezTo>
-                    <a:pt x="600" y="680"/>
-                    <a:pt x="578" y="692"/>
-                    <a:pt x="561" y="692"/>
-                  </a:cubicBezTo>
-                  <a:lnTo>
-                    <a:pt x="225" y="692"/>
-                  </a:lnTo>
-                  <a:close/>
-                </a:path>
-              </a:pathLst>
-            </a:custGeom>
-            <a:noFill/>
-            <a:ln w="28575" cmpd="sng">
-              <a:solidFill>
-                <a:schemeClr val="tx1"/>
-              </a:solidFill>
-            </a:ln>
-          </p:spPr>
-          <p:txBody>
-            <a:bodyPr vert="horz" wrap="square" lIns="91440" tIns="45720" rIns="91440" bIns="45720" numCol="1" anchor="t" anchorCtr="0" compatLnSpc="1">
-              <a:prstTxWarp prst="textNoShape">
-                <a:avLst/>
-              </a:prstTxWarp>
-            </a:bodyPr>
-            <a:lstStyle/>
-            <a:p>
-              <a:endParaRPr lang="en-US"/>
-            </a:p>
-          </p:txBody>
-        </p:sp>
-        <p:sp>
-          <p:nvSpPr>
-            <p:cNvPr id="14" name="Freeform 5">
-              <a:extLst>
-                <a:ext uri="{FF2B5EF4-FFF2-40B4-BE49-F238E27FC236}">
-                  <a16:creationId xmlns:a16="http://schemas.microsoft.com/office/drawing/2014/main" id="{08EE7430-E140-4250-8523-F8FF84174643}"/>
-                </a:ext>
-                <a:ext uri="{C183D7F6-B498-43B3-948B-1728B52AA6E4}">
-                  <adec:decorative xmlns:adec="http://schemas.microsoft.com/office/drawing/2017/decorative" val="1"/>
-                </a:ext>
-              </a:extLst>
-            </p:cNvPr>
-            <p:cNvSpPr>
-              <a:spLocks/>
-            </p:cNvSpPr>
-            <p:nvPr>
-              <p:extLst>
-                <p:ext uri="{386F3935-93C4-4BCD-93E2-E3B085C9AB24}">
-                  <p16:designElem xmlns:p16="http://schemas.microsoft.com/office/powerpoint/2015/main" val="1"/>
-                </p:ext>
-              </p:extLst>
-            </p:nvPr>
-          </p:nvSpPr>
-          <p:spPr bwMode="auto">
-            <a:xfrm>
-              <a:off x="8983979" y="1000124"/>
-              <a:ext cx="762167" cy="671915"/>
-            </a:xfrm>
-            <a:custGeom>
-              <a:avLst/>
-              <a:gdLst>
-                <a:gd name="T0" fmla="*/ 225 w 785"/>
-                <a:gd name="T1" fmla="*/ 692 h 692"/>
-                <a:gd name="T2" fmla="*/ 177 w 785"/>
-                <a:gd name="T3" fmla="*/ 665 h 692"/>
-                <a:gd name="T4" fmla="*/ 9 w 785"/>
-                <a:gd name="T5" fmla="*/ 374 h 692"/>
-                <a:gd name="T6" fmla="*/ 9 w 785"/>
-                <a:gd name="T7" fmla="*/ 318 h 692"/>
-                <a:gd name="T8" fmla="*/ 177 w 785"/>
-                <a:gd name="T9" fmla="*/ 27 h 692"/>
-                <a:gd name="T10" fmla="*/ 225 w 785"/>
-                <a:gd name="T11" fmla="*/ 0 h 692"/>
-                <a:gd name="T12" fmla="*/ 561 w 785"/>
-                <a:gd name="T13" fmla="*/ 0 h 692"/>
-                <a:gd name="T14" fmla="*/ 609 w 785"/>
-                <a:gd name="T15" fmla="*/ 27 h 692"/>
-                <a:gd name="T16" fmla="*/ 777 w 785"/>
-                <a:gd name="T17" fmla="*/ 318 h 692"/>
-                <a:gd name="T18" fmla="*/ 777 w 785"/>
-                <a:gd name="T19" fmla="*/ 374 h 692"/>
-                <a:gd name="T20" fmla="*/ 609 w 785"/>
-                <a:gd name="T21" fmla="*/ 665 h 692"/>
-                <a:gd name="T22" fmla="*/ 561 w 785"/>
-                <a:gd name="T23" fmla="*/ 692 h 692"/>
-                <a:gd name="T24" fmla="*/ 225 w 785"/>
-                <a:gd name="T25" fmla="*/ 692 h 692"/>
-              </a:gdLst>
-              <a:ahLst/>
-              <a:cxnLst>
-                <a:cxn ang="0">
-                  <a:pos x="T0" y="T1"/>
-                </a:cxn>
-                <a:cxn ang="0">
-                  <a:pos x="T2" y="T3"/>
-                </a:cxn>
-                <a:cxn ang="0">
-                  <a:pos x="T4" y="T5"/>
-                </a:cxn>
-                <a:cxn ang="0">
-                  <a:pos x="T6" y="T7"/>
-                </a:cxn>
-                <a:cxn ang="0">
-                  <a:pos x="T8" y="T9"/>
-                </a:cxn>
-                <a:cxn ang="0">
-                  <a:pos x="T10" y="T11"/>
-                </a:cxn>
-                <a:cxn ang="0">
-                  <a:pos x="T12" y="T13"/>
-                </a:cxn>
-                <a:cxn ang="0">
-                  <a:pos x="T14" y="T15"/>
-                </a:cxn>
-                <a:cxn ang="0">
-                  <a:pos x="T16" y="T17"/>
-                </a:cxn>
-                <a:cxn ang="0">
-                  <a:pos x="T18" y="T19"/>
-                </a:cxn>
-                <a:cxn ang="0">
-                  <a:pos x="T20" y="T21"/>
-                </a:cxn>
-                <a:cxn ang="0">
-                  <a:pos x="T22" y="T23"/>
-                </a:cxn>
-                <a:cxn ang="0">
-                  <a:pos x="T24" y="T25"/>
-                </a:cxn>
-              </a:cxnLst>
-              <a:rect l="0" t="0" r="r" b="b"/>
-              <a:pathLst>
-                <a:path w="785" h="692">
-                  <a:moveTo>
-                    <a:pt x="225" y="692"/>
-                  </a:moveTo>
-                  <a:cubicBezTo>
-                    <a:pt x="207" y="692"/>
-                    <a:pt x="185" y="680"/>
-                    <a:pt x="177" y="665"/>
-                  </a:cubicBezTo>
-                  <a:cubicBezTo>
-                    <a:pt x="9" y="374"/>
-                    <a:pt x="9" y="374"/>
-                    <a:pt x="9" y="374"/>
-                  </a:cubicBezTo>
-                  <a:cubicBezTo>
-                    <a:pt x="0" y="358"/>
-                    <a:pt x="0" y="334"/>
-                    <a:pt x="9" y="318"/>
-                  </a:cubicBezTo>
-                  <a:cubicBezTo>
-                    <a:pt x="177" y="27"/>
-                    <a:pt x="177" y="27"/>
-                    <a:pt x="177" y="27"/>
-                  </a:cubicBezTo>
-                  <a:cubicBezTo>
-                    <a:pt x="185" y="12"/>
-                    <a:pt x="207" y="0"/>
-                    <a:pt x="225" y="0"/>
-                  </a:cubicBezTo>
-                  <a:cubicBezTo>
-                    <a:pt x="561" y="0"/>
-                    <a:pt x="561" y="0"/>
-                    <a:pt x="561" y="0"/>
-                  </a:cubicBezTo>
-                  <a:cubicBezTo>
-                    <a:pt x="578" y="0"/>
-                    <a:pt x="600" y="12"/>
-                    <a:pt x="609" y="27"/>
-                  </a:cubicBezTo>
-                  <a:cubicBezTo>
-                    <a:pt x="777" y="318"/>
-                    <a:pt x="777" y="318"/>
-                    <a:pt x="777" y="318"/>
-                  </a:cubicBezTo>
-                  <a:cubicBezTo>
-                    <a:pt x="785" y="334"/>
-                    <a:pt x="785" y="358"/>
-                    <a:pt x="777" y="374"/>
-                  </a:cubicBezTo>
-                  <a:cubicBezTo>
-                    <a:pt x="609" y="665"/>
-                    <a:pt x="609" y="665"/>
-                    <a:pt x="609" y="665"/>
-                  </a:cubicBezTo>
-                  <a:cubicBezTo>
-                    <a:pt x="600" y="680"/>
-                    <a:pt x="578" y="692"/>
-                    <a:pt x="561" y="692"/>
-                  </a:cubicBezTo>
-                  <a:lnTo>
-                    <a:pt x="225" y="692"/>
-                  </a:lnTo>
-                  <a:close/>
-                </a:path>
-              </a:pathLst>
-            </a:custGeom>
-            <a:noFill/>
-            <a:ln w="28575" cmpd="sng">
-              <a:solidFill>
-                <a:schemeClr val="tx1"/>
-              </a:solidFill>
-            </a:ln>
-          </p:spPr>
-          <p:txBody>
-            <a:bodyPr vert="horz" wrap="square" lIns="91440" tIns="45720" rIns="91440" bIns="45720" numCol="1" anchor="t" anchorCtr="0" compatLnSpc="1">
-              <a:prstTxWarp prst="textNoShape">
-                <a:avLst/>
-              </a:prstTxWarp>
-            </a:bodyPr>
-            <a:lstStyle/>
-            <a:p>
-              <a:endParaRPr lang="en-US"/>
-            </a:p>
-          </p:txBody>
-        </p:sp>
-      </p:grpSp>
       <p:pic>
         <p:nvPicPr>
           <p:cNvPr id="5" name="Picture 4" descr="Text&#10;&#10;Description automatically generated">
@@ -5294,14 +7500,26 @@
               <a:t>: </a:t>
             </a:r>
             <a:r>
-              <a:rPr lang="en-US" dirty="0" err="1"/>
+              <a:rPr lang="en-US" dirty="0" err="1">
+                <a:solidFill>
+                  <a:srgbClr val="FFC000"/>
+                </a:solidFill>
+              </a:rPr>
               <a:t>Versi</a:t>
             </a:r>
             <a:r>
-              <a:rPr lang="es-419" dirty="0" err="1"/>
+              <a:rPr lang="es-419" dirty="0" err="1">
+                <a:solidFill>
+                  <a:srgbClr val="FFC000"/>
+                </a:solidFill>
+              </a:rPr>
               <a:t>ón</a:t>
             </a:r>
-            <a:endParaRPr lang="es-419" dirty="0"/>
+            <a:endParaRPr lang="es-419" dirty="0">
+              <a:solidFill>
+                <a:srgbClr val="FFC000"/>
+              </a:solidFill>
+            </a:endParaRPr>
           </a:p>
         </p:txBody>
       </p:sp>
@@ -5336,6 +7554,102 @@
           </a:p>
         </p:txBody>
       </p:sp>
+      <p:sp>
+        <p:nvSpPr>
+          <p:cNvPr id="4" name="TextBox 3">
+            <a:extLst>
+              <a:ext uri="{FF2B5EF4-FFF2-40B4-BE49-F238E27FC236}">
+                <a16:creationId xmlns:a16="http://schemas.microsoft.com/office/drawing/2014/main" id="{175C552F-5BD4-4402-A037-30E63B0B60BD}"/>
+              </a:ext>
+            </a:extLst>
+          </p:cNvPr>
+          <p:cNvSpPr txBox="1"/>
+          <p:nvPr/>
+        </p:nvSpPr>
+        <p:spPr>
+          <a:xfrm>
+            <a:off x="838200" y="2387065"/>
+            <a:ext cx="5059166" cy="646331"/>
+          </a:xfrm>
+          <a:prstGeom prst="rect">
+            <a:avLst/>
+          </a:prstGeom>
+          <a:noFill/>
+        </p:spPr>
+        <p:txBody>
+          <a:bodyPr wrap="square" rtlCol="0">
+            <a:spAutoFit/>
+          </a:bodyPr>
+          <a:lstStyle/>
+          <a:p>
+            <a:r>
+              <a:rPr lang="en-US" dirty="0"/>
+              <a:t>Una version es </a:t>
+            </a:r>
+            <a:r>
+              <a:rPr lang="en-US" dirty="0" err="1"/>
+              <a:t>cualquier</a:t>
+            </a:r>
+            <a:r>
+              <a:rPr lang="en-US" dirty="0"/>
+              <a:t> “</a:t>
+            </a:r>
+            <a:r>
+              <a:rPr lang="en-US" dirty="0" err="1"/>
+              <a:t>momento</a:t>
+            </a:r>
+            <a:r>
+              <a:rPr lang="en-US" dirty="0"/>
+              <a:t>” de un Software/Código que se </a:t>
+            </a:r>
+            <a:r>
+              <a:rPr lang="en-US" dirty="0" err="1"/>
+              <a:t>diferencia</a:t>
+            </a:r>
+            <a:r>
+              <a:rPr lang="en-US" dirty="0"/>
+              <a:t> del anterior</a:t>
+            </a:r>
+            <a:endParaRPr lang="es-419" dirty="0"/>
+          </a:p>
+        </p:txBody>
+      </p:sp>
+      <p:pic>
+        <p:nvPicPr>
+          <p:cNvPr id="6" name="Picture 5" descr="A picture containing person, person, building, holding&#10;&#10;Description automatically generated">
+            <a:extLst>
+              <a:ext uri="{FF2B5EF4-FFF2-40B4-BE49-F238E27FC236}">
+                <a16:creationId xmlns:a16="http://schemas.microsoft.com/office/drawing/2014/main" id="{80E8C9EC-4884-4801-8290-03F50A7C9350}"/>
+              </a:ext>
+            </a:extLst>
+          </p:cNvPr>
+          <p:cNvPicPr>
+            <a:picLocks noChangeAspect="1"/>
+          </p:cNvPicPr>
+          <p:nvPr/>
+        </p:nvPicPr>
+        <p:blipFill>
+          <a:blip r:embed="rId2">
+            <a:extLst>
+              <a:ext uri="{28A0092B-C50C-407E-A947-70E740481C1C}">
+                <a14:useLocalDpi xmlns:a14="http://schemas.microsoft.com/office/drawing/2010/main" val="0"/>
+              </a:ext>
+            </a:extLst>
+          </a:blip>
+          <a:stretch>
+            <a:fillRect/>
+          </a:stretch>
+        </p:blipFill>
+        <p:spPr>
+          <a:xfrm>
+            <a:off x="6096000" y="3423703"/>
+            <a:ext cx="5905500" cy="3314700"/>
+          </a:xfrm>
+          <a:prstGeom prst="rect">
+            <a:avLst/>
+          </a:prstGeom>
+        </p:spPr>
+      </p:pic>
     </p:spTree>
     <p:extLst>
       <p:ext uri="{BB962C8B-B14F-4D97-AF65-F5344CB8AC3E}">
@@ -5396,50 +7710,27 @@
               <a:t>: </a:t>
             </a:r>
             <a:r>
-              <a:rPr lang="en-US" dirty="0" err="1"/>
+              <a:rPr lang="en-US" dirty="0" err="1">
+                <a:solidFill>
+                  <a:srgbClr val="FFC000"/>
+                </a:solidFill>
+              </a:rPr>
               <a:t>Repositorio</a:t>
             </a:r>
-            <a:endParaRPr lang="es-419" dirty="0"/>
-          </a:p>
-        </p:txBody>
-      </p:sp>
-      <p:sp>
-        <p:nvSpPr>
-          <p:cNvPr id="3" name="Content Placeholder 2">
+            <a:endParaRPr lang="es-419" dirty="0">
+              <a:solidFill>
+                <a:srgbClr val="FFC000"/>
+              </a:solidFill>
+            </a:endParaRPr>
+          </a:p>
+        </p:txBody>
+      </p:sp>
+      <p:sp>
+        <p:nvSpPr>
+          <p:cNvPr id="7" name="TextBox 6">
             <a:extLst>
               <a:ext uri="{FF2B5EF4-FFF2-40B4-BE49-F238E27FC236}">
-                <a16:creationId xmlns:a16="http://schemas.microsoft.com/office/drawing/2014/main" id="{4C8A22F4-750C-4E9A-B539-BC08DBA1AC78}"/>
-              </a:ext>
-            </a:extLst>
-          </p:cNvPr>
-          <p:cNvSpPr>
-            <a:spLocks noGrp="1"/>
-          </p:cNvSpPr>
-          <p:nvPr>
-            <p:ph idx="1"/>
-          </p:nvPr>
-        </p:nvSpPr>
-        <p:spPr/>
-        <p:txBody>
-          <a:bodyPr/>
-          <a:lstStyle/>
-          <a:p>
-            <a:pPr marL="0" indent="0">
-              <a:buNone/>
-            </a:pPr>
-            <a:r>
-              <a:rPr lang="es-419" dirty="0"/>
-              <a:t> </a:t>
-            </a:r>
-          </a:p>
-        </p:txBody>
-      </p:sp>
-      <p:sp>
-        <p:nvSpPr>
-          <p:cNvPr id="4" name="TextBox 3">
-            <a:extLst>
-              <a:ext uri="{FF2B5EF4-FFF2-40B4-BE49-F238E27FC236}">
-                <a16:creationId xmlns:a16="http://schemas.microsoft.com/office/drawing/2014/main" id="{1E7665FC-A04F-40EE-91BC-EF257DD150FD}"/>
+                <a16:creationId xmlns:a16="http://schemas.microsoft.com/office/drawing/2014/main" id="{16C5210F-F52F-4CDF-82C2-0B00A6934449}"/>
               </a:ext>
             </a:extLst>
           </p:cNvPr>
@@ -5448,8 +7739,8 @@
         </p:nvSpPr>
         <p:spPr>
           <a:xfrm>
-            <a:off x="673768" y="3821229"/>
-            <a:ext cx="1441998" cy="369332"/>
+            <a:off x="1386038" y="2598821"/>
+            <a:ext cx="6231193" cy="1661993"/>
           </a:xfrm>
           <a:prstGeom prst="rect">
             <a:avLst/>
@@ -5464,7 +7755,190 @@
           <a:p>
             <a:r>
               <a:rPr lang="en-US" dirty="0"/>
-              <a:t>Local/remote</a:t>
+              <a:t>Es un </a:t>
+            </a:r>
+            <a:r>
+              <a:rPr lang="en-US" dirty="0" err="1"/>
+              <a:t>lugar</a:t>
+            </a:r>
+            <a:r>
+              <a:rPr lang="en-US" dirty="0"/>
+              <a:t> </a:t>
+            </a:r>
+            <a:r>
+              <a:rPr lang="en-US" dirty="0" err="1"/>
+              <a:t>donde</a:t>
+            </a:r>
+            <a:r>
+              <a:rPr lang="en-US" dirty="0"/>
+              <a:t> se </a:t>
+            </a:r>
+            <a:r>
+              <a:rPr lang="en-US" dirty="0" err="1"/>
+              <a:t>almacenan</a:t>
+            </a:r>
+            <a:r>
+              <a:rPr lang="en-US" dirty="0"/>
+              <a:t> las </a:t>
+            </a:r>
+            <a:r>
+              <a:rPr lang="en-US" dirty="0" err="1"/>
+              <a:t>versiones</a:t>
+            </a:r>
+            <a:r>
+              <a:rPr lang="en-US" dirty="0"/>
+              <a:t> de software.</a:t>
+            </a:r>
+          </a:p>
+          <a:p>
+            <a:endParaRPr lang="en-US" dirty="0"/>
+          </a:p>
+          <a:p>
+            <a:r>
+              <a:rPr lang="en-US" sz="2400" dirty="0">
+                <a:solidFill>
+                  <a:srgbClr val="FFC000"/>
+                </a:solidFill>
+              </a:rPr>
+              <a:t>Local</a:t>
+            </a:r>
+            <a:r>
+              <a:rPr lang="en-US" dirty="0"/>
+              <a:t>: </a:t>
+            </a:r>
+            <a:r>
+              <a:rPr lang="en-US" dirty="0" err="1"/>
+              <a:t>repositorio</a:t>
+            </a:r>
+            <a:r>
+              <a:rPr lang="en-US" dirty="0"/>
+              <a:t> </a:t>
+            </a:r>
+            <a:r>
+              <a:rPr lang="en-US" dirty="0" err="1"/>
+              <a:t>almancenado</a:t>
+            </a:r>
+            <a:r>
+              <a:rPr lang="en-US" dirty="0"/>
+              <a:t> </a:t>
+            </a:r>
+            <a:r>
+              <a:rPr lang="en-US" dirty="0" err="1"/>
+              <a:t>en</a:t>
+            </a:r>
+            <a:r>
+              <a:rPr lang="en-US" dirty="0"/>
+              <a:t> el pc del </a:t>
+            </a:r>
+            <a:r>
+              <a:rPr lang="en-US" dirty="0" err="1"/>
+              <a:t>desarrollador</a:t>
+            </a:r>
+            <a:endParaRPr lang="en-US" dirty="0"/>
+          </a:p>
+          <a:p>
+            <a:endParaRPr lang="en-US" dirty="0"/>
+          </a:p>
+          <a:p>
+            <a:r>
+              <a:rPr lang="en-US" sz="2400" dirty="0">
+                <a:solidFill>
+                  <a:srgbClr val="FFC000"/>
+                </a:solidFill>
+              </a:rPr>
+              <a:t>Remote</a:t>
+            </a:r>
+            <a:r>
+              <a:rPr lang="en-US" dirty="0"/>
+              <a:t>: </a:t>
+            </a:r>
+            <a:r>
+              <a:rPr lang="en-US" dirty="0" err="1"/>
+              <a:t>repositorio</a:t>
+            </a:r>
+            <a:r>
+              <a:rPr lang="en-US" dirty="0"/>
+              <a:t> </a:t>
+            </a:r>
+            <a:r>
+              <a:rPr lang="en-US" dirty="0" err="1"/>
+              <a:t>almacenado</a:t>
+            </a:r>
+            <a:r>
+              <a:rPr lang="en-US" dirty="0"/>
+              <a:t> </a:t>
+            </a:r>
+            <a:r>
+              <a:rPr lang="en-US" dirty="0" err="1"/>
+              <a:t>en</a:t>
+            </a:r>
+            <a:r>
+              <a:rPr lang="en-US" dirty="0"/>
+              <a:t> un </a:t>
+            </a:r>
+            <a:r>
+              <a:rPr lang="en-US" dirty="0" err="1"/>
+              <a:t>servidor</a:t>
+            </a:r>
+            <a:r>
+              <a:rPr lang="en-US" dirty="0"/>
+              <a:t>.</a:t>
+            </a:r>
+            <a:endParaRPr lang="es-419" dirty="0"/>
+          </a:p>
+        </p:txBody>
+      </p:sp>
+      <p:sp>
+        <p:nvSpPr>
+          <p:cNvPr id="8" name="TextBox 7">
+            <a:extLst>
+              <a:ext uri="{FF2B5EF4-FFF2-40B4-BE49-F238E27FC236}">
+                <a16:creationId xmlns:a16="http://schemas.microsoft.com/office/drawing/2014/main" id="{1407CFE0-74C0-4A00-8015-7C89F8982091}"/>
+              </a:ext>
+            </a:extLst>
+          </p:cNvPr>
+          <p:cNvSpPr txBox="1"/>
+          <p:nvPr/>
+        </p:nvSpPr>
+        <p:spPr>
+          <a:xfrm>
+            <a:off x="2542268" y="5428649"/>
+            <a:ext cx="7096815" cy="369332"/>
+          </a:xfrm>
+          <a:prstGeom prst="rect">
+            <a:avLst/>
+          </a:prstGeom>
+          <a:noFill/>
+        </p:spPr>
+        <p:txBody>
+          <a:bodyPr wrap="none" rtlCol="0">
+            <a:spAutoFit/>
+          </a:bodyPr>
+          <a:lstStyle/>
+          <a:p>
+            <a:r>
+              <a:rPr lang="en-US" dirty="0"/>
+              <a:t>La </a:t>
+            </a:r>
+            <a:r>
+              <a:rPr lang="en-US" dirty="0" err="1">
+                <a:solidFill>
+                  <a:srgbClr val="FFC000"/>
+                </a:solidFill>
+              </a:rPr>
+              <a:t>sincronización</a:t>
+            </a:r>
+            <a:r>
+              <a:rPr lang="en-US" dirty="0"/>
+              <a:t> de ambos repositories se </a:t>
+            </a:r>
+            <a:r>
+              <a:rPr lang="en-US" dirty="0" err="1"/>
+              <a:t>realiza</a:t>
+            </a:r>
+            <a:r>
+              <a:rPr lang="en-US" dirty="0"/>
+              <a:t> de forma manual</a:t>
             </a:r>
             <a:endParaRPr lang="es-419" dirty="0"/>
           </a:p>
@@ -5539,35 +8013,290 @@
       </p:sp>
       <p:sp>
         <p:nvSpPr>
-          <p:cNvPr id="3" name="Content Placeholder 2">
+          <p:cNvPr id="4" name="TextBox 3">
             <a:extLst>
               <a:ext uri="{FF2B5EF4-FFF2-40B4-BE49-F238E27FC236}">
-                <a16:creationId xmlns:a16="http://schemas.microsoft.com/office/drawing/2014/main" id="{4C8A22F4-750C-4E9A-B539-BC08DBA1AC78}"/>
+                <a16:creationId xmlns:a16="http://schemas.microsoft.com/office/drawing/2014/main" id="{818598BA-464C-4956-B1CE-16E01D8B5CE3}"/>
               </a:ext>
             </a:extLst>
           </p:cNvPr>
-          <p:cNvSpPr>
-            <a:spLocks noGrp="1"/>
-          </p:cNvSpPr>
-          <p:nvPr>
-            <p:ph idx="1"/>
-          </p:nvPr>
-        </p:nvSpPr>
-        <p:spPr/>
-        <p:txBody>
-          <a:bodyPr/>
-          <a:lstStyle/>
-          <a:p>
-            <a:pPr marL="0" indent="0">
-              <a:buNone/>
+          <p:cNvSpPr txBox="1"/>
+          <p:nvPr/>
+        </p:nvSpPr>
+        <p:spPr>
+          <a:xfrm>
+            <a:off x="1638111" y="2290813"/>
+            <a:ext cx="9033370" cy="369332"/>
+          </a:xfrm>
+          <a:prstGeom prst="rect">
+            <a:avLst/>
+          </a:prstGeom>
+          <a:noFill/>
+        </p:spPr>
+        <p:txBody>
+          <a:bodyPr wrap="none" rtlCol="0">
+            <a:spAutoFit/>
+          </a:bodyPr>
+          <a:lstStyle/>
+          <a:p>
+            <a:r>
+              <a:rPr lang="es-419" dirty="0"/>
+              <a:t>Sistema para administrar </a:t>
+            </a:r>
+            <a:r>
+              <a:rPr lang="en-US" dirty="0"/>
+              <a:t>(</a:t>
+            </a:r>
+            <a:r>
+              <a:rPr lang="en-US" dirty="0" err="1">
+                <a:solidFill>
+                  <a:srgbClr val="FFC000"/>
+                </a:solidFill>
+              </a:rPr>
+              <a:t>almacenar</a:t>
+            </a:r>
+            <a:r>
+              <a:rPr lang="en-US" dirty="0">
+                <a:solidFill>
+                  <a:srgbClr val="FFC000"/>
+                </a:solidFill>
+              </a:rPr>
+              <a:t>, </a:t>
+            </a:r>
+            <a:r>
+              <a:rPr lang="en-US" dirty="0" err="1">
+                <a:solidFill>
+                  <a:srgbClr val="FFC000"/>
+                </a:solidFill>
+              </a:rPr>
+              <a:t>crear</a:t>
+            </a:r>
+            <a:r>
+              <a:rPr lang="en-US" dirty="0">
+                <a:solidFill>
+                  <a:srgbClr val="FFC000"/>
+                </a:solidFill>
+              </a:rPr>
+              <a:t>, </a:t>
+            </a:r>
+            <a:r>
+              <a:rPr lang="en-US" dirty="0" err="1">
+                <a:solidFill>
+                  <a:srgbClr val="FFC000"/>
+                </a:solidFill>
+              </a:rPr>
+              <a:t>restaurar</a:t>
+            </a:r>
+            <a:r>
+              <a:rPr lang="en-US" dirty="0">
+                <a:solidFill>
+                  <a:srgbClr val="FFC000"/>
+                </a:solidFill>
+              </a:rPr>
+              <a:t> </a:t>
+            </a:r>
+            <a:r>
+              <a:rPr lang="en-US" dirty="0"/>
+              <a:t>y</a:t>
+            </a:r>
+            <a:r>
+              <a:rPr lang="en-US" dirty="0">
+                <a:solidFill>
+                  <a:srgbClr val="FFC000"/>
+                </a:solidFill>
+              </a:rPr>
+              <a:t> </a:t>
+            </a:r>
+            <a:r>
+              <a:rPr lang="en-US" dirty="0" err="1">
+                <a:solidFill>
+                  <a:srgbClr val="FFC000"/>
+                </a:solidFill>
+              </a:rPr>
+              <a:t>navegar</a:t>
+            </a:r>
+            <a:r>
+              <a:rPr lang="en-US" dirty="0"/>
+              <a:t> </a:t>
+            </a:r>
+            <a:r>
+              <a:rPr lang="en-US" dirty="0" err="1"/>
+              <a:t>versiones</a:t>
+            </a:r>
+            <a:r>
+              <a:rPr lang="en-US" dirty="0"/>
+              <a:t> de software</a:t>
+            </a:r>
+            <a:endParaRPr lang="es-419" dirty="0"/>
+          </a:p>
+        </p:txBody>
+      </p:sp>
+      <p:sp>
+        <p:nvSpPr>
+          <p:cNvPr id="7" name="TextBox 6">
+            <a:extLst>
+              <a:ext uri="{FF2B5EF4-FFF2-40B4-BE49-F238E27FC236}">
+                <a16:creationId xmlns:a16="http://schemas.microsoft.com/office/drawing/2014/main" id="{59C04A3B-C65D-42B5-B90A-622518282074}"/>
+              </a:ext>
+            </a:extLst>
+          </p:cNvPr>
+          <p:cNvSpPr txBox="1"/>
+          <p:nvPr/>
+        </p:nvSpPr>
+        <p:spPr>
+          <a:xfrm>
+            <a:off x="1722922" y="3580598"/>
+            <a:ext cx="1550424" cy="2862322"/>
+          </a:xfrm>
+          <a:prstGeom prst="rect">
+            <a:avLst/>
+          </a:prstGeom>
+          <a:noFill/>
+        </p:spPr>
+        <p:txBody>
+          <a:bodyPr wrap="none" rtlCol="0">
+            <a:spAutoFit/>
+          </a:bodyPr>
+          <a:lstStyle/>
+          <a:p>
+            <a:pPr marL="285750" indent="-285750">
+              <a:buFontTx/>
+              <a:buChar char="-"/>
             </a:pPr>
             <a:r>
-              <a:rPr lang="es-419" dirty="0"/>
-              <a:t> </a:t>
-            </a:r>
-          </a:p>
-        </p:txBody>
-      </p:sp>
+              <a:rPr lang="en-US" dirty="0"/>
+              <a:t>SCN</a:t>
+            </a:r>
+          </a:p>
+          <a:p>
+            <a:pPr marL="285750" indent="-285750">
+              <a:buFontTx/>
+              <a:buChar char="-"/>
+            </a:pPr>
+            <a:r>
+              <a:rPr lang="en-US" dirty="0" err="1"/>
+              <a:t>BitKeeper</a:t>
+            </a:r>
+            <a:endParaRPr lang="en-US" dirty="0"/>
+          </a:p>
+          <a:p>
+            <a:pPr marL="285750" indent="-285750">
+              <a:buFontTx/>
+              <a:buChar char="-"/>
+            </a:pPr>
+            <a:r>
+              <a:rPr lang="en-US" dirty="0"/>
+              <a:t>SCCS</a:t>
+            </a:r>
+          </a:p>
+          <a:p>
+            <a:pPr marL="285750" indent="-285750">
+              <a:buFontTx/>
+              <a:buChar char="-"/>
+            </a:pPr>
+            <a:r>
+              <a:rPr lang="en-US" dirty="0"/>
+              <a:t>Helix Core</a:t>
+            </a:r>
+          </a:p>
+          <a:p>
+            <a:pPr marL="285750" indent="-285750">
+              <a:buFontTx/>
+              <a:buChar char="-"/>
+            </a:pPr>
+            <a:r>
+              <a:rPr lang="en-US" dirty="0"/>
+              <a:t>PVCS</a:t>
+            </a:r>
+          </a:p>
+          <a:p>
+            <a:pPr marL="285750" indent="-285750">
+              <a:buFontTx/>
+              <a:buChar char="-"/>
+            </a:pPr>
+            <a:r>
+              <a:rPr lang="en-US" dirty="0"/>
+              <a:t>RTC</a:t>
+            </a:r>
+          </a:p>
+          <a:p>
+            <a:pPr marL="285750" indent="-285750">
+              <a:buFontTx/>
+              <a:buChar char="-"/>
+            </a:pPr>
+            <a:r>
+              <a:rPr lang="en-US" dirty="0"/>
+              <a:t>RCS</a:t>
+            </a:r>
+          </a:p>
+          <a:p>
+            <a:pPr marL="285750" indent="-285750">
+              <a:buFontTx/>
+              <a:buChar char="-"/>
+            </a:pPr>
+            <a:r>
+              <a:rPr lang="en-US" dirty="0"/>
+              <a:t>Fossil</a:t>
+            </a:r>
+          </a:p>
+          <a:p>
+            <a:pPr marL="285750" indent="-285750">
+              <a:buFontTx/>
+              <a:buChar char="-"/>
+            </a:pPr>
+            <a:r>
+              <a:rPr lang="en-US" dirty="0"/>
+              <a:t>Vault</a:t>
+            </a:r>
+          </a:p>
+          <a:p>
+            <a:pPr marL="285750" indent="-285750">
+              <a:buFontTx/>
+              <a:buChar char="-"/>
+            </a:pPr>
+            <a:r>
+              <a:rPr lang="en-US" dirty="0"/>
+              <a:t>Git</a:t>
+            </a:r>
+          </a:p>
+        </p:txBody>
+      </p:sp>
+      <p:pic>
+        <p:nvPicPr>
+          <p:cNvPr id="9" name="Picture 8" descr="Shape, circle&#10;&#10;Description automatically generated">
+            <a:extLst>
+              <a:ext uri="{FF2B5EF4-FFF2-40B4-BE49-F238E27FC236}">
+                <a16:creationId xmlns:a16="http://schemas.microsoft.com/office/drawing/2014/main" id="{335838F4-2090-4FA5-A130-508ED8F53BF2}"/>
+              </a:ext>
+            </a:extLst>
+          </p:cNvPr>
+          <p:cNvPicPr>
+            <a:picLocks noChangeAspect="1"/>
+          </p:cNvPicPr>
+          <p:nvPr/>
+        </p:nvPicPr>
+        <p:blipFill>
+          <a:blip r:embed="rId2">
+            <a:extLst>
+              <a:ext uri="{28A0092B-C50C-407E-A947-70E740481C1C}">
+                <a14:useLocalDpi xmlns:a14="http://schemas.microsoft.com/office/drawing/2010/main" val="0"/>
+              </a:ext>
+            </a:extLst>
+          </a:blip>
+          <a:stretch>
+            <a:fillRect/>
+          </a:stretch>
+        </p:blipFill>
+        <p:spPr>
+          <a:xfrm>
+            <a:off x="8212856" y="4197856"/>
+            <a:ext cx="3524250" cy="2409825"/>
+          </a:xfrm>
+          <a:prstGeom prst="rect">
+            <a:avLst/>
+          </a:prstGeom>
+        </p:spPr>
+      </p:pic>
     </p:spTree>
     <p:extLst>
       <p:ext uri="{BB962C8B-B14F-4D97-AF65-F5344CB8AC3E}">
@@ -5958,9 +8687,9 @@
 </file>
 
 <file path=ppt/theme/theme1.xml><?xml version="1.0" encoding="utf-8"?>
-<a:theme xmlns:a="http://schemas.openxmlformats.org/drawingml/2006/main" name="Office Theme">
+<a:theme xmlns:a="http://schemas.openxmlformats.org/drawingml/2006/main" name="Slate">
   <a:themeElements>
-    <a:clrScheme name="Office">
+    <a:clrScheme name="Slate">
       <a:dk1>
         <a:sysClr val="windowText" lastClr="000000"/>
       </a:dk1>
@@ -5968,97 +8697,45 @@
         <a:sysClr val="window" lastClr="FFFFFF"/>
       </a:lt1>
       <a:dk2>
-        <a:srgbClr val="44546A"/>
+        <a:srgbClr val="212123"/>
       </a:dk2>
       <a:lt2>
-        <a:srgbClr val="E7E6E6"/>
+        <a:srgbClr val="DADADA"/>
       </a:lt2>
       <a:accent1>
-        <a:srgbClr val="4472C4"/>
+        <a:srgbClr val="BC451B"/>
       </a:accent1>
       <a:accent2>
-        <a:srgbClr val="ED7D31"/>
+        <a:srgbClr val="D3BA68"/>
       </a:accent2>
       <a:accent3>
-        <a:srgbClr val="A5A5A5"/>
+        <a:srgbClr val="BB8640"/>
       </a:accent3>
       <a:accent4>
-        <a:srgbClr val="FFC000"/>
+        <a:srgbClr val="AD9277"/>
       </a:accent4>
       <a:accent5>
-        <a:srgbClr val="5B9BD5"/>
+        <a:srgbClr val="A55A43"/>
       </a:accent5>
       <a:accent6>
-        <a:srgbClr val="70AD47"/>
+        <a:srgbClr val="AD9D7B"/>
       </a:accent6>
       <a:hlink>
-        <a:srgbClr val="0563C1"/>
+        <a:srgbClr val="E98052"/>
       </a:hlink>
       <a:folHlink>
-        <a:srgbClr val="954F72"/>
+        <a:srgbClr val="F4B69B"/>
       </a:folHlink>
     </a:clrScheme>
-    <a:fontScheme name="Office">
+    <a:fontScheme name="Arial">
       <a:majorFont>
-        <a:latin typeface="Calibri Light" panose="020F0302020204030204"/>
+        <a:latin typeface="Arial" panose="020B0604020202020204"/>
         <a:ea typeface=""/>
         <a:cs typeface=""/>
-        <a:font script="Jpan" typeface="游ゴシック Light"/>
-        <a:font script="Hang" typeface="맑은 고딕"/>
-        <a:font script="Hans" typeface="等线 Light"/>
-        <a:font script="Hant" typeface="新細明體"/>
-        <a:font script="Arab" typeface="Times New Roman"/>
-        <a:font script="Hebr" typeface="Times New Roman"/>
-        <a:font script="Thai" typeface="Angsana New"/>
-        <a:font script="Ethi" typeface="Nyala"/>
-        <a:font script="Beng" typeface="Vrinda"/>
-        <a:font script="Gujr" typeface="Shruti"/>
-        <a:font script="Khmr" typeface="MoolBoran"/>
-        <a:font script="Knda" typeface="Tunga"/>
-        <a:font script="Guru" typeface="Raavi"/>
-        <a:font script="Cans" typeface="Euphemia"/>
-        <a:font script="Cher" typeface="Plantagenet Cherokee"/>
-        <a:font script="Yiii" typeface="Microsoft Yi Baiti"/>
-        <a:font script="Tibt" typeface="Microsoft Himalaya"/>
-        <a:font script="Thaa" typeface="MV Boli"/>
-        <a:font script="Deva" typeface="Mangal"/>
-        <a:font script="Telu" typeface="Gautami"/>
-        <a:font script="Taml" typeface="Latha"/>
-        <a:font script="Syrc" typeface="Estrangelo Edessa"/>
-        <a:font script="Orya" typeface="Kalinga"/>
-        <a:font script="Mlym" typeface="Kartika"/>
-        <a:font script="Laoo" typeface="DokChampa"/>
-        <a:font script="Sinh" typeface="Iskoola Pota"/>
-        <a:font script="Mong" typeface="Mongolian Baiti"/>
-        <a:font script="Viet" typeface="Times New Roman"/>
-        <a:font script="Uigh" typeface="Microsoft Uighur"/>
-        <a:font script="Geor" typeface="Sylfaen"/>
-        <a:font script="Armn" typeface="Arial"/>
-        <a:font script="Bugi" typeface="Leelawadee UI"/>
-        <a:font script="Bopo" typeface="Microsoft JhengHei"/>
-        <a:font script="Java" typeface="Javanese Text"/>
-        <a:font script="Lisu" typeface="Segoe UI"/>
-        <a:font script="Mymr" typeface="Myanmar Text"/>
-        <a:font script="Nkoo" typeface="Ebrima"/>
-        <a:font script="Olck" typeface="Nirmala UI"/>
-        <a:font script="Osma" typeface="Ebrima"/>
-        <a:font script="Phag" typeface="Phagspa"/>
-        <a:font script="Syrn" typeface="Estrangelo Edessa"/>
-        <a:font script="Syrj" typeface="Estrangelo Edessa"/>
-        <a:font script="Syre" typeface="Estrangelo Edessa"/>
-        <a:font script="Sora" typeface="Nirmala UI"/>
-        <a:font script="Tale" typeface="Microsoft Tai Le"/>
-        <a:font script="Talu" typeface="Microsoft New Tai Lue"/>
-        <a:font script="Tfng" typeface="Ebrima"/>
-      </a:majorFont>
-      <a:minorFont>
-        <a:latin typeface="Calibri" panose="020F0502020204030204"/>
-        <a:ea typeface=""/>
-        <a:cs typeface=""/>
-        <a:font script="Jpan" typeface="游ゴシック"/>
-        <a:font script="Hang" typeface="맑은 고딕"/>
-        <a:font script="Hans" typeface="等线"/>
-        <a:font script="Hant" typeface="新細明體"/>
+        <a:font script="Jpan" typeface="ＭＳ Ｐゴシック"/>
+        <a:font script="Hang" typeface="굴림"/>
+        <a:font script="Hans" typeface="黑体"/>
+        <a:font script="Hant" typeface="微軟正黑體"/>
         <a:font script="Arab" typeface="Arial"/>
         <a:font script="Hebr" typeface="Arial"/>
         <a:font script="Thai" typeface="Cordia New"/>
@@ -6085,26 +8762,44 @@
         <a:font script="Viet" typeface="Arial"/>
         <a:font script="Uigh" typeface="Microsoft Uighur"/>
         <a:font script="Geor" typeface="Sylfaen"/>
-        <a:font script="Armn" typeface="Arial"/>
-        <a:font script="Bugi" typeface="Leelawadee UI"/>
-        <a:font script="Bopo" typeface="Microsoft JhengHei"/>
-        <a:font script="Java" typeface="Javanese Text"/>
-        <a:font script="Lisu" typeface="Segoe UI"/>
-        <a:font script="Mymr" typeface="Myanmar Text"/>
-        <a:font script="Nkoo" typeface="Ebrima"/>
-        <a:font script="Olck" typeface="Nirmala UI"/>
-        <a:font script="Osma" typeface="Ebrima"/>
-        <a:font script="Phag" typeface="Phagspa"/>
-        <a:font script="Syrn" typeface="Estrangelo Edessa"/>
-        <a:font script="Syrj" typeface="Estrangelo Edessa"/>
-        <a:font script="Syre" typeface="Estrangelo Edessa"/>
-        <a:font script="Sora" typeface="Nirmala UI"/>
-        <a:font script="Tale" typeface="Microsoft Tai Le"/>
-        <a:font script="Talu" typeface="Microsoft New Tai Lue"/>
-        <a:font script="Tfng" typeface="Ebrima"/>
+      </a:majorFont>
+      <a:minorFont>
+        <a:latin typeface="Arial" panose="020B0604020202020204"/>
+        <a:ea typeface=""/>
+        <a:cs typeface=""/>
+        <a:font script="Jpan" typeface="ＭＳ Ｐゴシック"/>
+        <a:font script="Hang" typeface="굴림"/>
+        <a:font script="Hans" typeface="黑体"/>
+        <a:font script="Hant" typeface="微軟正黑體"/>
+        <a:font script="Arab" typeface="Arial"/>
+        <a:font script="Hebr" typeface="Arial"/>
+        <a:font script="Thai" typeface="Cordia New"/>
+        <a:font script="Ethi" typeface="Nyala"/>
+        <a:font script="Beng" typeface="Vrinda"/>
+        <a:font script="Gujr" typeface="Shruti"/>
+        <a:font script="Khmr" typeface="DaunPenh"/>
+        <a:font script="Knda" typeface="Tunga"/>
+        <a:font script="Guru" typeface="Raavi"/>
+        <a:font script="Cans" typeface="Euphemia"/>
+        <a:font script="Cher" typeface="Plantagenet Cherokee"/>
+        <a:font script="Yiii" typeface="Microsoft Yi Baiti"/>
+        <a:font script="Tibt" typeface="Microsoft Himalaya"/>
+        <a:font script="Thaa" typeface="MV Boli"/>
+        <a:font script="Deva" typeface="Mangal"/>
+        <a:font script="Telu" typeface="Gautami"/>
+        <a:font script="Taml" typeface="Latha"/>
+        <a:font script="Syrc" typeface="Estrangelo Edessa"/>
+        <a:font script="Orya" typeface="Kalinga"/>
+        <a:font script="Mlym" typeface="Kartika"/>
+        <a:font script="Laoo" typeface="DokChampa"/>
+        <a:font script="Sinh" typeface="Iskoola Pota"/>
+        <a:font script="Mong" typeface="Mongolian Baiti"/>
+        <a:font script="Viet" typeface="Arial"/>
+        <a:font script="Uigh" typeface="Microsoft Uighur"/>
+        <a:font script="Geor" typeface="Sylfaen"/>
       </a:minorFont>
     </a:fontScheme>
-    <a:fmtScheme name="Office">
+    <a:fmtScheme name="Slate">
       <a:fillStyleLst>
         <a:solidFill>
           <a:schemeClr val="phClr"/>
@@ -6113,23 +8808,13 @@
           <a:gsLst>
             <a:gs pos="0">
               <a:schemeClr val="phClr">
+                <a:tint val="60000"/>
                 <a:lumMod val="110000"/>
-                <a:satMod val="105000"/>
-                <a:tint val="67000"/>
-              </a:schemeClr>
-            </a:gs>
-            <a:gs pos="50000">
-              <a:schemeClr val="phClr">
-                <a:lumMod val="105000"/>
-                <a:satMod val="103000"/>
-                <a:tint val="73000"/>
               </a:schemeClr>
             </a:gs>
             <a:gs pos="100000">
               <a:schemeClr val="phClr">
-                <a:lumMod val="105000"/>
-                <a:satMod val="109000"/>
-                <a:tint val="81000"/>
+                <a:tint val="88000"/>
               </a:schemeClr>
             </a:gs>
           </a:gsLst>
@@ -6139,23 +8824,14 @@
           <a:gsLst>
             <a:gs pos="0">
               <a:schemeClr val="phClr">
-                <a:satMod val="103000"/>
-                <a:lumMod val="102000"/>
-                <a:tint val="94000"/>
-              </a:schemeClr>
-            </a:gs>
-            <a:gs pos="50000">
-              <a:schemeClr val="phClr">
-                <a:satMod val="110000"/>
-                <a:lumMod val="100000"/>
-                <a:shade val="100000"/>
+                <a:tint val="96000"/>
+                <a:lumMod val="104000"/>
               </a:schemeClr>
             </a:gs>
             <a:gs pos="100000">
               <a:schemeClr val="phClr">
-                <a:lumMod val="99000"/>
-                <a:satMod val="120000"/>
-                <a:shade val="78000"/>
+                <a:shade val="90000"/>
+                <a:lumMod val="90000"/>
               </a:schemeClr>
             </a:gs>
           </a:gsLst>
@@ -6163,26 +8839,25 @@
         </a:gradFill>
       </a:fillStyleLst>
       <a:lnStyleLst>
-        <a:ln w="6350" cap="flat" cmpd="sng" algn="ctr">
+        <a:ln w="9525" cap="rnd" cmpd="sng" algn="ctr">
+          <a:solidFill>
+            <a:schemeClr val="phClr">
+              <a:shade val="90000"/>
+            </a:schemeClr>
+          </a:solidFill>
+          <a:prstDash val="solid"/>
+        </a:ln>
+        <a:ln w="15875" cap="rnd" cmpd="sng" algn="ctr">
           <a:solidFill>
             <a:schemeClr val="phClr"/>
           </a:solidFill>
           <a:prstDash val="solid"/>
-          <a:miter lim="800000"/>
         </a:ln>
-        <a:ln w="12700" cap="flat" cmpd="sng" algn="ctr">
+        <a:ln w="25400" cap="rnd" cmpd="sng" algn="ctr">
           <a:solidFill>
             <a:schemeClr val="phClr"/>
           </a:solidFill>
           <a:prstDash val="solid"/>
-          <a:miter lim="800000"/>
-        </a:ln>
-        <a:ln w="19050" cap="flat" cmpd="sng" algn="ctr">
-          <a:solidFill>
-            <a:schemeClr val="phClr"/>
-          </a:solidFill>
-          <a:prstDash val="solid"/>
-          <a:miter lim="800000"/>
         </a:ln>
       </a:lnStyleLst>
       <a:effectStyleLst>
@@ -6190,16 +8865,33 @@
           <a:effectLst/>
         </a:effectStyle>
         <a:effectStyle>
-          <a:effectLst/>
+          <a:effectLst>
+            <a:outerShdw blurRad="63500" dist="25400" dir="5400000" rotWithShape="0">
+              <a:srgbClr val="000000">
+                <a:alpha val="60000"/>
+              </a:srgbClr>
+            </a:outerShdw>
+          </a:effectLst>
         </a:effectStyle>
         <a:effectStyle>
           <a:effectLst>
-            <a:outerShdw blurRad="57150" dist="19050" dir="5400000" algn="ctr" rotWithShape="0">
+            <a:outerShdw blurRad="76200" dist="38100" dir="5400000" rotWithShape="0">
               <a:srgbClr val="000000">
-                <a:alpha val="63000"/>
+                <a:alpha val="75000"/>
               </a:srgbClr>
             </a:outerShdw>
           </a:effectLst>
+          <a:scene3d>
+            <a:camera prst="orthographicFront">
+              <a:rot lat="0" lon="0" rev="0"/>
+            </a:camera>
+            <a:lightRig rig="threePt" dir="t">
+              <a:rot lat="0" lon="0" rev="1200000"/>
+            </a:lightRig>
+          </a:scene3d>
+          <a:sp3d>
+            <a:bevelT w="63500" h="25400" prst="hardEdge"/>
+          </a:sp3d>
         </a:effectStyle>
       </a:effectStyleLst>
       <a:bgFillStyleLst>
@@ -6207,38 +8899,22 @@
           <a:schemeClr val="phClr"/>
         </a:solidFill>
         <a:solidFill>
-          <a:schemeClr val="phClr">
-            <a:tint val="95000"/>
-            <a:satMod val="170000"/>
-          </a:schemeClr>
+          <a:schemeClr val="phClr"/>
         </a:solidFill>
-        <a:gradFill rotWithShape="1">
-          <a:gsLst>
-            <a:gs pos="0">
+        <a:blipFill rotWithShape="1">
+          <a:blip xmlns:r="http://schemas.openxmlformats.org/officeDocument/2006/relationships" r:embed="rId1">
+            <a:duotone>
               <a:schemeClr val="phClr">
-                <a:tint val="93000"/>
-                <a:satMod val="150000"/>
-                <a:shade val="98000"/>
-                <a:lumMod val="102000"/>
+                <a:shade val="80000"/>
+                <a:lumMod val="80000"/>
               </a:schemeClr>
-            </a:gs>
-            <a:gs pos="50000">
               <a:schemeClr val="phClr">
                 <a:tint val="98000"/>
-                <a:satMod val="130000"/>
-                <a:shade val="90000"/>
-                <a:lumMod val="103000"/>
               </a:schemeClr>
-            </a:gs>
-            <a:gs pos="100000">
-              <a:schemeClr val="phClr">
-                <a:shade val="63000"/>
-                <a:satMod val="120000"/>
-              </a:schemeClr>
-            </a:gs>
-          </a:gsLst>
-          <a:lin ang="5400000" scaled="0"/>
-        </a:gradFill>
+            </a:duotone>
+          </a:blip>
+          <a:stretch/>
+        </a:blipFill>
       </a:bgFillStyleLst>
     </a:fmtScheme>
   </a:themeElements>
@@ -6246,7 +8922,7 @@
   <a:extraClrSchemeLst/>
   <a:extLst>
     <a:ext uri="{05A4C25C-085E-4340-85A3-A5531E510DB2}">
-      <thm15:themeFamily xmlns:thm15="http://schemas.microsoft.com/office/thememl/2012/main" name="Office Theme" id="{62F939B6-93AF-4DB8-9C6B-D6C7DFDC589F}" vid="{4A3C46E8-61CC-4603-A589-7422A47A8E4A}"/>
+      <thm15:themeFamily xmlns:thm15="http://schemas.microsoft.com/office/thememl/2012/main" name="Slate" id="{C3F70B94-7CE9-428E-ADC1-3269CC2C3385}" vid="{3F2DE9A5-64E6-437C-A389-CC4477E817E8}"/>
     </a:ext>
   </a:extLst>
 </a:theme>

--- a/Presentation/Git Gud 2.pptx
+++ b/Presentation/Git Gud 2.pptx
@@ -12,17 +12,18 @@
     <p:sldId id="259" r:id="rId6"/>
     <p:sldId id="260" r:id="rId7"/>
     <p:sldId id="261" r:id="rId8"/>
-    <p:sldId id="262" r:id="rId9"/>
-    <p:sldId id="264" r:id="rId10"/>
-    <p:sldId id="265" r:id="rId11"/>
-    <p:sldId id="266" r:id="rId12"/>
-    <p:sldId id="267" r:id="rId13"/>
-    <p:sldId id="268" r:id="rId14"/>
-    <p:sldId id="269" r:id="rId15"/>
-    <p:sldId id="270" r:id="rId16"/>
-    <p:sldId id="271" r:id="rId17"/>
-    <p:sldId id="274" r:id="rId18"/>
-    <p:sldId id="273" r:id="rId19"/>
+    <p:sldId id="275" r:id="rId9"/>
+    <p:sldId id="262" r:id="rId10"/>
+    <p:sldId id="264" r:id="rId11"/>
+    <p:sldId id="265" r:id="rId12"/>
+    <p:sldId id="266" r:id="rId13"/>
+    <p:sldId id="267" r:id="rId14"/>
+    <p:sldId id="268" r:id="rId15"/>
+    <p:sldId id="269" r:id="rId16"/>
+    <p:sldId id="270" r:id="rId17"/>
+    <p:sldId id="271" r:id="rId18"/>
+    <p:sldId id="274" r:id="rId19"/>
+    <p:sldId id="273" r:id="rId20"/>
   </p:sldIdLst>
   <p:sldSz cx="12192000" cy="6858000"/>
   <p:notesSz cx="6858000" cy="9144000"/>
@@ -6258,7 +6259,7 @@
     </p:spTree>
     <p:extLst>
       <p:ext uri="{BB962C8B-B14F-4D97-AF65-F5344CB8AC3E}">
-        <p14:creationId xmlns:p14="http://schemas.microsoft.com/office/powerpoint/2010/main" val="2859493164"/>
+        <p14:creationId xmlns:p14="http://schemas.microsoft.com/office/powerpoint/2010/main" val="1882495817"/>
       </p:ext>
     </p:extLst>
   </p:cSld>
@@ -6307,16 +6308,12 @@
           <a:lstStyle/>
           <a:p>
             <a:r>
-              <a:rPr lang="en-US" dirty="0" err="1"/>
-              <a:t>Estructura</a:t>
+              <a:rPr lang="es-419" dirty="0"/>
+              <a:t>Conceptos clave</a:t>
             </a:r>
             <a:r>
               <a:rPr lang="en-US" dirty="0"/>
-              <a:t> de un </a:t>
-            </a:r>
-            <a:r>
-              <a:rPr lang="en-US" dirty="0" err="1"/>
-              <a:t>Repositorio</a:t>
+              <a:t>: Merge/Conflict</a:t>
             </a:r>
             <a:endParaRPr lang="es-419" dirty="0"/>
           </a:p>
@@ -6353,91 +6350,10 @@
           </a:p>
         </p:txBody>
       </p:sp>
-      <p:sp>
-        <p:nvSpPr>
-          <p:cNvPr id="4" name="TextBox 3">
-            <a:extLst>
-              <a:ext uri="{FF2B5EF4-FFF2-40B4-BE49-F238E27FC236}">
-                <a16:creationId xmlns:a16="http://schemas.microsoft.com/office/drawing/2014/main" id="{2DCECD34-2AA5-41A0-80E6-B33058206DCA}"/>
-              </a:ext>
-            </a:extLst>
-          </p:cNvPr>
-          <p:cNvSpPr txBox="1"/>
-          <p:nvPr/>
-        </p:nvSpPr>
-        <p:spPr>
-          <a:xfrm>
-            <a:off x="952901" y="2531444"/>
-            <a:ext cx="2470163" cy="1754326"/>
-          </a:xfrm>
-          <a:prstGeom prst="rect">
-            <a:avLst/>
-          </a:prstGeom>
-          <a:noFill/>
-        </p:spPr>
-        <p:txBody>
-          <a:bodyPr wrap="none" rtlCol="0">
-            <a:spAutoFit/>
-          </a:bodyPr>
-          <a:lstStyle/>
-          <a:p>
-            <a:pPr marL="285750" indent="-285750">
-              <a:buFontTx/>
-              <a:buChar char="-"/>
-            </a:pPr>
-            <a:r>
-              <a:rPr lang="en-US" dirty="0"/>
-              <a:t>Branches por </a:t>
-            </a:r>
-            <a:r>
-              <a:rPr lang="en-US" dirty="0" err="1"/>
-              <a:t>defecto</a:t>
-            </a:r>
-            <a:endParaRPr lang="en-US" dirty="0"/>
-          </a:p>
-          <a:p>
-            <a:pPr marL="285750" indent="-285750">
-              <a:buFontTx/>
-              <a:buChar char="-"/>
-            </a:pPr>
-            <a:r>
-              <a:rPr lang="en-US" dirty="0" err="1"/>
-              <a:t>Gitignore</a:t>
-            </a:r>
-            <a:endParaRPr lang="en-US" dirty="0"/>
-          </a:p>
-          <a:p>
-            <a:pPr marL="285750" indent="-285750">
-              <a:buFontTx/>
-              <a:buChar char="-"/>
-            </a:pPr>
-            <a:r>
-              <a:rPr lang="en-US" dirty="0"/>
-              <a:t>License</a:t>
-            </a:r>
-          </a:p>
-          <a:p>
-            <a:pPr marL="285750" indent="-285750">
-              <a:buFontTx/>
-              <a:buChar char="-"/>
-            </a:pPr>
-            <a:r>
-              <a:rPr lang="en-US" dirty="0"/>
-              <a:t>Readme</a:t>
-            </a:r>
-          </a:p>
-          <a:p>
-            <a:endParaRPr lang="en-US" dirty="0"/>
-          </a:p>
-          <a:p>
-            <a:endParaRPr lang="es-419" dirty="0"/>
-          </a:p>
-        </p:txBody>
-      </p:sp>
     </p:spTree>
     <p:extLst>
       <p:ext uri="{BB962C8B-B14F-4D97-AF65-F5344CB8AC3E}">
-        <p14:creationId xmlns:p14="http://schemas.microsoft.com/office/powerpoint/2010/main" val="4210234373"/>
+        <p14:creationId xmlns:p14="http://schemas.microsoft.com/office/powerpoint/2010/main" val="2859493164"/>
       </p:ext>
     </p:extLst>
   </p:cSld>
@@ -6486,12 +6402,16 @@
           <a:lstStyle/>
           <a:p>
             <a:r>
+              <a:rPr lang="en-US" dirty="0" err="1"/>
+              <a:t>Estructura</a:t>
+            </a:r>
+            <a:r>
               <a:rPr lang="en-US" dirty="0"/>
-              <a:t>Git/Github/</a:t>
+              <a:t> de un </a:t>
             </a:r>
             <a:r>
               <a:rPr lang="en-US" dirty="0" err="1"/>
-              <a:t>GitKraken</a:t>
+              <a:t>Repositorio</a:t>
             </a:r>
             <a:endParaRPr lang="es-419" dirty="0"/>
           </a:p>
@@ -6528,10 +6448,91 @@
           </a:p>
         </p:txBody>
       </p:sp>
+      <p:sp>
+        <p:nvSpPr>
+          <p:cNvPr id="4" name="TextBox 3">
+            <a:extLst>
+              <a:ext uri="{FF2B5EF4-FFF2-40B4-BE49-F238E27FC236}">
+                <a16:creationId xmlns:a16="http://schemas.microsoft.com/office/drawing/2014/main" id="{2DCECD34-2AA5-41A0-80E6-B33058206DCA}"/>
+              </a:ext>
+            </a:extLst>
+          </p:cNvPr>
+          <p:cNvSpPr txBox="1"/>
+          <p:nvPr/>
+        </p:nvSpPr>
+        <p:spPr>
+          <a:xfrm>
+            <a:off x="952901" y="2531444"/>
+            <a:ext cx="2470163" cy="1754326"/>
+          </a:xfrm>
+          <a:prstGeom prst="rect">
+            <a:avLst/>
+          </a:prstGeom>
+          <a:noFill/>
+        </p:spPr>
+        <p:txBody>
+          <a:bodyPr wrap="none" rtlCol="0">
+            <a:spAutoFit/>
+          </a:bodyPr>
+          <a:lstStyle/>
+          <a:p>
+            <a:pPr marL="285750" indent="-285750">
+              <a:buFontTx/>
+              <a:buChar char="-"/>
+            </a:pPr>
+            <a:r>
+              <a:rPr lang="en-US" dirty="0"/>
+              <a:t>Branches por </a:t>
+            </a:r>
+            <a:r>
+              <a:rPr lang="en-US" dirty="0" err="1"/>
+              <a:t>defecto</a:t>
+            </a:r>
+            <a:endParaRPr lang="en-US" dirty="0"/>
+          </a:p>
+          <a:p>
+            <a:pPr marL="285750" indent="-285750">
+              <a:buFontTx/>
+              <a:buChar char="-"/>
+            </a:pPr>
+            <a:r>
+              <a:rPr lang="en-US" dirty="0" err="1"/>
+              <a:t>Gitignore</a:t>
+            </a:r>
+            <a:endParaRPr lang="en-US" dirty="0"/>
+          </a:p>
+          <a:p>
+            <a:pPr marL="285750" indent="-285750">
+              <a:buFontTx/>
+              <a:buChar char="-"/>
+            </a:pPr>
+            <a:r>
+              <a:rPr lang="en-US" dirty="0"/>
+              <a:t>License</a:t>
+            </a:r>
+          </a:p>
+          <a:p>
+            <a:pPr marL="285750" indent="-285750">
+              <a:buFontTx/>
+              <a:buChar char="-"/>
+            </a:pPr>
+            <a:r>
+              <a:rPr lang="en-US" dirty="0"/>
+              <a:t>Readme</a:t>
+            </a:r>
+          </a:p>
+          <a:p>
+            <a:endParaRPr lang="en-US" dirty="0"/>
+          </a:p>
+          <a:p>
+            <a:endParaRPr lang="es-419" dirty="0"/>
+          </a:p>
+        </p:txBody>
+      </p:sp>
     </p:spTree>
     <p:extLst>
       <p:ext uri="{BB962C8B-B14F-4D97-AF65-F5344CB8AC3E}">
-        <p14:creationId xmlns:p14="http://schemas.microsoft.com/office/powerpoint/2010/main" val="4223982895"/>
+        <p14:creationId xmlns:p14="http://schemas.microsoft.com/office/powerpoint/2010/main" val="4210234373"/>
       </p:ext>
     </p:extLst>
   </p:cSld>
@@ -6580,12 +6581,12 @@
           <a:lstStyle/>
           <a:p>
             <a:r>
+              <a:rPr lang="en-US" dirty="0"/>
+              <a:t>Git/Github/</a:t>
+            </a:r>
+            <a:r>
               <a:rPr lang="en-US" dirty="0" err="1"/>
-              <a:t>Esquema</a:t>
-            </a:r>
-            <a:r>
-              <a:rPr lang="en-US" dirty="0"/>
-              <a:t> de Branches</a:t>
+              <a:t>GitKraken</a:t>
             </a:r>
             <a:endParaRPr lang="es-419" dirty="0"/>
           </a:p>
@@ -6625,7 +6626,7 @@
     </p:spTree>
     <p:extLst>
       <p:ext uri="{BB962C8B-B14F-4D97-AF65-F5344CB8AC3E}">
-        <p14:creationId xmlns:p14="http://schemas.microsoft.com/office/powerpoint/2010/main" val="1981387030"/>
+        <p14:creationId xmlns:p14="http://schemas.microsoft.com/office/powerpoint/2010/main" val="4223982895"/>
       </p:ext>
     </p:extLst>
   </p:cSld>
@@ -6675,15 +6676,11 @@
           <a:p>
             <a:r>
               <a:rPr lang="en-US" dirty="0" err="1"/>
-              <a:t>Comunicaci</a:t>
-            </a:r>
-            <a:r>
-              <a:rPr lang="es-419" dirty="0" err="1"/>
-              <a:t>ó</a:t>
+              <a:t>Esquema</a:t>
             </a:r>
             <a:r>
               <a:rPr lang="en-US" dirty="0"/>
-              <a:t>n</a:t>
+              <a:t> de Branches</a:t>
             </a:r>
             <a:endParaRPr lang="es-419" dirty="0"/>
           </a:p>
@@ -6723,7 +6720,7 @@
     </p:spTree>
     <p:extLst>
       <p:ext uri="{BB962C8B-B14F-4D97-AF65-F5344CB8AC3E}">
-        <p14:creationId xmlns:p14="http://schemas.microsoft.com/office/powerpoint/2010/main" val="3740971148"/>
+        <p14:creationId xmlns:p14="http://schemas.microsoft.com/office/powerpoint/2010/main" val="1981387030"/>
       </p:ext>
     </p:extLst>
   </p:cSld>
@@ -6772,8 +6769,16 @@
           <a:lstStyle/>
           <a:p>
             <a:r>
+              <a:rPr lang="en-US" dirty="0" err="1"/>
+              <a:t>Comunicaci</a:t>
+            </a:r>
+            <a:r>
+              <a:rPr lang="es-419" dirty="0" err="1"/>
+              <a:t>ó</a:t>
+            </a:r>
+            <a:r>
               <a:rPr lang="en-US" dirty="0"/>
-              <a:t>Trello/Boards</a:t>
+              <a:t>n</a:t>
             </a:r>
             <a:endParaRPr lang="es-419" dirty="0"/>
           </a:p>
@@ -6813,7 +6818,7 @@
     </p:spTree>
     <p:extLst>
       <p:ext uri="{BB962C8B-B14F-4D97-AF65-F5344CB8AC3E}">
-        <p14:creationId xmlns:p14="http://schemas.microsoft.com/office/powerpoint/2010/main" val="3387504599"/>
+        <p14:creationId xmlns:p14="http://schemas.microsoft.com/office/powerpoint/2010/main" val="3740971148"/>
       </p:ext>
     </p:extLst>
   </p:cSld>
@@ -6863,11 +6868,7 @@
           <a:p>
             <a:r>
               <a:rPr lang="en-US" dirty="0"/>
-              <a:t>Conflicts: </a:t>
-            </a:r>
-            <a:r>
-              <a:rPr lang="en-US" dirty="0" err="1"/>
-              <a:t>Prevenir</a:t>
+              <a:t>Trello/Boards</a:t>
             </a:r>
             <a:endParaRPr lang="es-419" dirty="0"/>
           </a:p>
@@ -6904,70 +6905,10 @@
           </a:p>
         </p:txBody>
       </p:sp>
-      <p:sp>
-        <p:nvSpPr>
-          <p:cNvPr id="4" name="TextBox 3">
-            <a:extLst>
-              <a:ext uri="{FF2B5EF4-FFF2-40B4-BE49-F238E27FC236}">
-                <a16:creationId xmlns:a16="http://schemas.microsoft.com/office/drawing/2014/main" id="{D38FAB16-376C-468C-A3E6-F4486C832DE7}"/>
-              </a:ext>
-            </a:extLst>
-          </p:cNvPr>
-          <p:cNvSpPr txBox="1"/>
-          <p:nvPr/>
-        </p:nvSpPr>
-        <p:spPr>
-          <a:xfrm>
-            <a:off x="838200" y="3301465"/>
-            <a:ext cx="2910284" cy="1200329"/>
-          </a:xfrm>
-          <a:prstGeom prst="rect">
-            <a:avLst/>
-          </a:prstGeom>
-          <a:noFill/>
-        </p:spPr>
-        <p:txBody>
-          <a:bodyPr wrap="none" rtlCol="0">
-            <a:spAutoFit/>
-          </a:bodyPr>
-          <a:lstStyle/>
-          <a:p>
-            <a:r>
-              <a:rPr lang="en-US" dirty="0" err="1"/>
-              <a:t>Separacion</a:t>
-            </a:r>
-            <a:r>
-              <a:rPr lang="en-US" dirty="0"/>
-              <a:t> de </a:t>
-            </a:r>
-            <a:r>
-              <a:rPr lang="en-US" dirty="0" err="1"/>
-              <a:t>código</a:t>
-            </a:r>
-            <a:endParaRPr lang="es-419" dirty="0"/>
-          </a:p>
-          <a:p>
-            <a:r>
-              <a:rPr lang="es-419" dirty="0"/>
-              <a:t>Actualizar mi Branch primero</a:t>
-            </a:r>
-          </a:p>
-          <a:p>
-            <a:r>
-              <a:rPr lang="en-US" dirty="0" err="1"/>
-              <a:t>Comunicacion</a:t>
-            </a:r>
-            <a:endParaRPr lang="en-US" dirty="0"/>
-          </a:p>
-          <a:p>
-            <a:endParaRPr lang="en-US" dirty="0"/>
-          </a:p>
-        </p:txBody>
-      </p:sp>
     </p:spTree>
     <p:extLst>
       <p:ext uri="{BB962C8B-B14F-4D97-AF65-F5344CB8AC3E}">
-        <p14:creationId xmlns:p14="http://schemas.microsoft.com/office/powerpoint/2010/main" val="718397276"/>
+        <p14:creationId xmlns:p14="http://schemas.microsoft.com/office/powerpoint/2010/main" val="3387504599"/>
       </p:ext>
     </p:extLst>
   </p:cSld>
@@ -7016,6 +6957,160 @@
           <a:lstStyle/>
           <a:p>
             <a:r>
+              <a:rPr lang="en-US" dirty="0"/>
+              <a:t>Conflicts: </a:t>
+            </a:r>
+            <a:r>
+              <a:rPr lang="en-US" dirty="0" err="1"/>
+              <a:t>Prevenir</a:t>
+            </a:r>
+            <a:endParaRPr lang="es-419" dirty="0"/>
+          </a:p>
+        </p:txBody>
+      </p:sp>
+      <p:sp>
+        <p:nvSpPr>
+          <p:cNvPr id="3" name="Content Placeholder 2">
+            <a:extLst>
+              <a:ext uri="{FF2B5EF4-FFF2-40B4-BE49-F238E27FC236}">
+                <a16:creationId xmlns:a16="http://schemas.microsoft.com/office/drawing/2014/main" id="{4C8A22F4-750C-4E9A-B539-BC08DBA1AC78}"/>
+              </a:ext>
+            </a:extLst>
+          </p:cNvPr>
+          <p:cNvSpPr>
+            <a:spLocks noGrp="1"/>
+          </p:cNvSpPr>
+          <p:nvPr>
+            <p:ph idx="1"/>
+          </p:nvPr>
+        </p:nvSpPr>
+        <p:spPr/>
+        <p:txBody>
+          <a:bodyPr/>
+          <a:lstStyle/>
+          <a:p>
+            <a:pPr marL="0" indent="0">
+              <a:buNone/>
+            </a:pPr>
+            <a:r>
+              <a:rPr lang="es-419" dirty="0"/>
+              <a:t> </a:t>
+            </a:r>
+          </a:p>
+        </p:txBody>
+      </p:sp>
+      <p:sp>
+        <p:nvSpPr>
+          <p:cNvPr id="4" name="TextBox 3">
+            <a:extLst>
+              <a:ext uri="{FF2B5EF4-FFF2-40B4-BE49-F238E27FC236}">
+                <a16:creationId xmlns:a16="http://schemas.microsoft.com/office/drawing/2014/main" id="{D38FAB16-376C-468C-A3E6-F4486C832DE7}"/>
+              </a:ext>
+            </a:extLst>
+          </p:cNvPr>
+          <p:cNvSpPr txBox="1"/>
+          <p:nvPr/>
+        </p:nvSpPr>
+        <p:spPr>
+          <a:xfrm>
+            <a:off x="838200" y="3301465"/>
+            <a:ext cx="2910284" cy="1200329"/>
+          </a:xfrm>
+          <a:prstGeom prst="rect">
+            <a:avLst/>
+          </a:prstGeom>
+          <a:noFill/>
+        </p:spPr>
+        <p:txBody>
+          <a:bodyPr wrap="none" rtlCol="0">
+            <a:spAutoFit/>
+          </a:bodyPr>
+          <a:lstStyle/>
+          <a:p>
+            <a:r>
+              <a:rPr lang="en-US" dirty="0" err="1"/>
+              <a:t>Separacion</a:t>
+            </a:r>
+            <a:r>
+              <a:rPr lang="en-US" dirty="0"/>
+              <a:t> de </a:t>
+            </a:r>
+            <a:r>
+              <a:rPr lang="en-US" dirty="0" err="1"/>
+              <a:t>código</a:t>
+            </a:r>
+            <a:endParaRPr lang="es-419" dirty="0"/>
+          </a:p>
+          <a:p>
+            <a:r>
+              <a:rPr lang="es-419" dirty="0"/>
+              <a:t>Actualizar mi Branch primero</a:t>
+            </a:r>
+          </a:p>
+          <a:p>
+            <a:r>
+              <a:rPr lang="en-US" dirty="0" err="1"/>
+              <a:t>Comunicacion</a:t>
+            </a:r>
+            <a:endParaRPr lang="en-US" dirty="0"/>
+          </a:p>
+          <a:p>
+            <a:endParaRPr lang="en-US" dirty="0"/>
+          </a:p>
+        </p:txBody>
+      </p:sp>
+    </p:spTree>
+    <p:extLst>
+      <p:ext uri="{BB962C8B-B14F-4D97-AF65-F5344CB8AC3E}">
+        <p14:creationId xmlns:p14="http://schemas.microsoft.com/office/powerpoint/2010/main" val="718397276"/>
+      </p:ext>
+    </p:extLst>
+  </p:cSld>
+  <p:clrMapOvr>
+    <a:masterClrMapping/>
+  </p:clrMapOvr>
+</p:sld>
+</file>
+
+<file path=ppt/slides/slide18.xml><?xml version="1.0" encoding="utf-8"?>
+<p:sld xmlns:a="http://schemas.openxmlformats.org/drawingml/2006/main" xmlns:r="http://schemas.openxmlformats.org/officeDocument/2006/relationships" xmlns:p="http://schemas.openxmlformats.org/presentationml/2006/main">
+  <p:cSld>
+    <p:spTree>
+      <p:nvGrpSpPr>
+        <p:cNvPr id="1" name=""/>
+        <p:cNvGrpSpPr/>
+        <p:nvPr/>
+      </p:nvGrpSpPr>
+      <p:grpSpPr>
+        <a:xfrm>
+          <a:off x="0" y="0"/>
+          <a:ext cx="0" cy="0"/>
+          <a:chOff x="0" y="0"/>
+          <a:chExt cx="0" cy="0"/>
+        </a:xfrm>
+      </p:grpSpPr>
+      <p:sp>
+        <p:nvSpPr>
+          <p:cNvPr id="2" name="Title 1">
+            <a:extLst>
+              <a:ext uri="{FF2B5EF4-FFF2-40B4-BE49-F238E27FC236}">
+                <a16:creationId xmlns:a16="http://schemas.microsoft.com/office/drawing/2014/main" id="{E94C24EB-7ECC-4ECF-9E67-D3422B6EC4F8}"/>
+              </a:ext>
+            </a:extLst>
+          </p:cNvPr>
+          <p:cNvSpPr>
+            <a:spLocks noGrp="1"/>
+          </p:cNvSpPr>
+          <p:nvPr>
+            <p:ph type="title"/>
+          </p:nvPr>
+        </p:nvSpPr>
+        <p:spPr/>
+        <p:txBody>
+          <a:bodyPr/>
+          <a:lstStyle/>
+          <a:p>
+            <a:r>
               <a:rPr lang="en-US" dirty="0" err="1"/>
               <a:t>Separar</a:t>
             </a:r>
@@ -7118,7 +7213,7 @@
 </p:sld>
 </file>
 
-<file path=ppt/slides/slide18.xml><?xml version="1.0" encoding="utf-8"?>
+<file path=ppt/slides/slide19.xml><?xml version="1.0" encoding="utf-8"?>
 <p:sld xmlns:a="http://schemas.openxmlformats.org/drawingml/2006/main" xmlns:r="http://schemas.openxmlformats.org/officeDocument/2006/relationships" xmlns:p="http://schemas.openxmlformats.org/presentationml/2006/main">
   <p:cSld>
     <p:spTree>
@@ -8001,13 +8096,29 @@
             </a:r>
             <a:r>
               <a:rPr lang="en-US" dirty="0"/>
-              <a:t>: Control de </a:t>
-            </a:r>
-            <a:r>
-              <a:rPr lang="en-US" dirty="0" err="1"/>
+              <a:t>: </a:t>
+            </a:r>
+            <a:r>
+              <a:rPr lang="en-US" dirty="0">
+                <a:solidFill>
+                  <a:srgbClr val="FFC000"/>
+                </a:solidFill>
+              </a:rPr>
+              <a:t>Control de </a:t>
+            </a:r>
+            <a:r>
+              <a:rPr lang="en-US" dirty="0" err="1">
+                <a:solidFill>
+                  <a:srgbClr val="FFC000"/>
+                </a:solidFill>
+              </a:rPr>
               <a:t>Versiones</a:t>
             </a:r>
-            <a:endParaRPr lang="es-419" dirty="0"/>
+            <a:endParaRPr lang="es-419" dirty="0">
+              <a:solidFill>
+                <a:srgbClr val="FFC000"/>
+              </a:solidFill>
+            </a:endParaRPr>
           </a:p>
         </p:txBody>
       </p:sp>
@@ -8354,9 +8465,21 @@
             </a:r>
             <a:r>
               <a:rPr lang="en-US" dirty="0"/>
-              <a:t>: Commit</a:t>
-            </a:r>
-            <a:endParaRPr lang="es-419" dirty="0"/>
+              <a:t>: </a:t>
+            </a:r>
+            <a:r>
+              <a:rPr lang="en-US" dirty="0">
+                <a:solidFill>
+                  <a:srgbClr val="FFC000"/>
+                </a:solidFill>
+              </a:rPr>
+              <a:t>Commit</a:t>
+            </a:r>
+            <a:endParaRPr lang="es-419" dirty="0">
+              <a:solidFill>
+                <a:srgbClr val="FFC000"/>
+              </a:solidFill>
+            </a:endParaRPr>
           </a:p>
         </p:txBody>
       </p:sp>
@@ -8391,6 +8514,128 @@
           </a:p>
         </p:txBody>
       </p:sp>
+      <p:sp>
+        <p:nvSpPr>
+          <p:cNvPr id="4" name="TextBox 3">
+            <a:extLst>
+              <a:ext uri="{FF2B5EF4-FFF2-40B4-BE49-F238E27FC236}">
+                <a16:creationId xmlns:a16="http://schemas.microsoft.com/office/drawing/2014/main" id="{978B135C-E710-4AAA-9156-2F7A1B4F8011}"/>
+              </a:ext>
+            </a:extLst>
+          </p:cNvPr>
+          <p:cNvSpPr txBox="1"/>
+          <p:nvPr/>
+        </p:nvSpPr>
+        <p:spPr>
+          <a:xfrm>
+            <a:off x="1636295" y="2435192"/>
+            <a:ext cx="9392315" cy="369332"/>
+          </a:xfrm>
+          <a:prstGeom prst="rect">
+            <a:avLst/>
+          </a:prstGeom>
+          <a:noFill/>
+        </p:spPr>
+        <p:txBody>
+          <a:bodyPr wrap="none" rtlCol="0">
+            <a:spAutoFit/>
+          </a:bodyPr>
+          <a:lstStyle/>
+          <a:p>
+            <a:r>
+              <a:rPr lang="en-US" dirty="0"/>
+              <a:t>Es un </a:t>
+            </a:r>
+            <a:r>
+              <a:rPr lang="en-US" dirty="0">
+                <a:solidFill>
+                  <a:srgbClr val="FFC000"/>
+                </a:solidFill>
+              </a:rPr>
+              <a:t>snapshot</a:t>
+            </a:r>
+            <a:r>
+              <a:rPr lang="en-US" dirty="0"/>
+              <a:t> (</a:t>
+            </a:r>
+            <a:r>
+              <a:rPr lang="en-US" dirty="0" err="1"/>
+              <a:t>momento</a:t>
+            </a:r>
+            <a:r>
+              <a:rPr lang="en-US" dirty="0"/>
+              <a:t>) del software, es lo que </a:t>
+            </a:r>
+            <a:r>
+              <a:rPr lang="en-US" dirty="0" err="1"/>
+              <a:t>consideramos</a:t>
+            </a:r>
+            <a:r>
+              <a:rPr lang="en-US" dirty="0"/>
+              <a:t> una </a:t>
+            </a:r>
+            <a:r>
+              <a:rPr lang="en-US" dirty="0" err="1">
+                <a:solidFill>
+                  <a:srgbClr val="FFC000"/>
+                </a:solidFill>
+              </a:rPr>
+              <a:t>versi</a:t>
+            </a:r>
+            <a:r>
+              <a:rPr lang="es-419" dirty="0" err="1">
+                <a:solidFill>
+                  <a:srgbClr val="FFC000"/>
+                </a:solidFill>
+              </a:rPr>
+              <a:t>ó</a:t>
+            </a:r>
+            <a:r>
+              <a:rPr lang="en-US" dirty="0">
+                <a:solidFill>
+                  <a:srgbClr val="FFC000"/>
+                </a:solidFill>
+              </a:rPr>
+              <a:t>n</a:t>
+            </a:r>
+            <a:r>
+              <a:rPr lang="en-US" dirty="0"/>
+              <a:t> del software</a:t>
+            </a:r>
+            <a:endParaRPr lang="es-419" dirty="0"/>
+          </a:p>
+        </p:txBody>
+      </p:sp>
+      <p:pic>
+        <p:nvPicPr>
+          <p:cNvPr id="5" name="Picture 4">
+            <a:extLst>
+              <a:ext uri="{FF2B5EF4-FFF2-40B4-BE49-F238E27FC236}">
+                <a16:creationId xmlns:a16="http://schemas.microsoft.com/office/drawing/2014/main" id="{9C9E66C7-3640-4CEC-8E15-DE21A9B1F290}"/>
+              </a:ext>
+            </a:extLst>
+          </p:cNvPr>
+          <p:cNvPicPr>
+            <a:picLocks noChangeAspect="1"/>
+          </p:cNvPicPr>
+          <p:nvPr/>
+        </p:nvPicPr>
+        <p:blipFill>
+          <a:blip r:embed="rId2"/>
+          <a:stretch>
+            <a:fillRect/>
+          </a:stretch>
+        </p:blipFill>
+        <p:spPr>
+          <a:xfrm>
+            <a:off x="2937461" y="3597848"/>
+            <a:ext cx="6306430" cy="2457793"/>
+          </a:xfrm>
+          <a:prstGeom prst="rect">
+            <a:avLst/>
+          </a:prstGeom>
+        </p:spPr>
+      </p:pic>
     </p:spTree>
     <p:extLst>
       <p:ext uri="{BB962C8B-B14F-4D97-AF65-F5344CB8AC3E}">
@@ -8448,40 +8693,324 @@
             </a:r>
             <a:r>
               <a:rPr lang="en-US" dirty="0"/>
-              <a:t>: Push/Pull</a:t>
-            </a:r>
-            <a:endParaRPr lang="es-419" dirty="0"/>
-          </a:p>
-        </p:txBody>
-      </p:sp>
-      <p:sp>
-        <p:nvSpPr>
-          <p:cNvPr id="3" name="Content Placeholder 2">
+              <a:t>: </a:t>
+            </a:r>
+            <a:r>
+              <a:rPr lang="en-US" dirty="0">
+                <a:solidFill>
+                  <a:srgbClr val="FFC000"/>
+                </a:solidFill>
+              </a:rPr>
+              <a:t>Push/Pull</a:t>
+            </a:r>
+            <a:endParaRPr lang="es-419" dirty="0">
+              <a:solidFill>
+                <a:srgbClr val="FFC000"/>
+              </a:solidFill>
+            </a:endParaRPr>
+          </a:p>
+        </p:txBody>
+      </p:sp>
+      <p:sp>
+        <p:nvSpPr>
+          <p:cNvPr id="4" name="TextBox 3">
             <a:extLst>
               <a:ext uri="{FF2B5EF4-FFF2-40B4-BE49-F238E27FC236}">
-                <a16:creationId xmlns:a16="http://schemas.microsoft.com/office/drawing/2014/main" id="{4C8A22F4-750C-4E9A-B539-BC08DBA1AC78}"/>
+                <a16:creationId xmlns:a16="http://schemas.microsoft.com/office/drawing/2014/main" id="{0D78F0FD-2D23-4CE4-A7A3-B818E4041AA7}"/>
               </a:ext>
             </a:extLst>
           </p:cNvPr>
-          <p:cNvSpPr>
-            <a:spLocks noGrp="1"/>
-          </p:cNvSpPr>
-          <p:nvPr>
-            <p:ph idx="1"/>
-          </p:nvPr>
-        </p:nvSpPr>
-        <p:spPr/>
-        <p:txBody>
-          <a:bodyPr/>
-          <a:lstStyle/>
-          <a:p>
-            <a:pPr marL="0" indent="0">
-              <a:buNone/>
-            </a:pPr>
-            <a:r>
-              <a:rPr lang="es-419" dirty="0"/>
+          <p:cNvSpPr txBox="1"/>
+          <p:nvPr/>
+        </p:nvSpPr>
+        <p:spPr>
+          <a:xfrm>
+            <a:off x="2079057" y="2223436"/>
+            <a:ext cx="7303602" cy="1107996"/>
+          </a:xfrm>
+          <a:prstGeom prst="rect">
+            <a:avLst/>
+          </a:prstGeom>
+          <a:noFill/>
+        </p:spPr>
+        <p:txBody>
+          <a:bodyPr wrap="none" rtlCol="0">
+            <a:spAutoFit/>
+          </a:bodyPr>
+          <a:lstStyle/>
+          <a:p>
+            <a:r>
+              <a:rPr lang="en-US" sz="2400" dirty="0">
+                <a:solidFill>
+                  <a:srgbClr val="FFC000"/>
+                </a:solidFill>
+              </a:rPr>
+              <a:t>Pull</a:t>
+            </a:r>
+            <a:r>
+              <a:rPr lang="en-US" dirty="0"/>
+              <a:t>: es la </a:t>
+            </a:r>
+            <a:r>
+              <a:rPr lang="en-US" dirty="0" err="1"/>
+              <a:t>accion</a:t>
+            </a:r>
+            <a:r>
+              <a:rPr lang="en-US" dirty="0"/>
+              <a:t> de </a:t>
+            </a:r>
+            <a:r>
+              <a:rPr lang="en-US" dirty="0" err="1">
+                <a:solidFill>
+                  <a:srgbClr val="FFC000"/>
+                </a:solidFill>
+              </a:rPr>
+              <a:t>traer</a:t>
+            </a:r>
+            <a:r>
+              <a:rPr lang="en-US" dirty="0"/>
               <a:t> </a:t>
             </a:r>
+            <a:r>
+              <a:rPr lang="en-US" dirty="0" err="1"/>
+              <a:t>versiones</a:t>
+            </a:r>
+            <a:r>
+              <a:rPr lang="en-US" dirty="0"/>
+              <a:t> </a:t>
+            </a:r>
+            <a:r>
+              <a:rPr lang="en-US" dirty="0" err="1"/>
+              <a:t>desde</a:t>
+            </a:r>
+            <a:r>
+              <a:rPr lang="en-US" dirty="0"/>
+              <a:t> el </a:t>
+            </a:r>
+            <a:r>
+              <a:rPr lang="en-US" dirty="0">
+                <a:solidFill>
+                  <a:srgbClr val="FFC000"/>
+                </a:solidFill>
+              </a:rPr>
+              <a:t>Remote </a:t>
+            </a:r>
+            <a:r>
+              <a:rPr lang="en-US" dirty="0" err="1"/>
+              <a:t>hacia</a:t>
+            </a:r>
+            <a:r>
+              <a:rPr lang="en-US" dirty="0"/>
+              <a:t> mi </a:t>
+            </a:r>
+            <a:r>
+              <a:rPr lang="en-US" dirty="0">
+                <a:solidFill>
+                  <a:srgbClr val="FFC000"/>
+                </a:solidFill>
+              </a:rPr>
+              <a:t>Local</a:t>
+            </a:r>
+          </a:p>
+          <a:p>
+            <a:endParaRPr lang="en-US" dirty="0">
+              <a:solidFill>
+                <a:srgbClr val="FFC000"/>
+              </a:solidFill>
+            </a:endParaRPr>
+          </a:p>
+          <a:p>
+            <a:r>
+              <a:rPr lang="en-US" sz="2400" dirty="0">
+                <a:solidFill>
+                  <a:srgbClr val="FFC000"/>
+                </a:solidFill>
+              </a:rPr>
+              <a:t>Push</a:t>
+            </a:r>
+            <a:r>
+              <a:rPr lang="en-US" dirty="0"/>
+              <a:t>: la </a:t>
+            </a:r>
+            <a:r>
+              <a:rPr lang="en-US" dirty="0" err="1"/>
+              <a:t>accion</a:t>
+            </a:r>
+            <a:r>
+              <a:rPr lang="en-US" dirty="0"/>
+              <a:t> de </a:t>
+            </a:r>
+            <a:r>
+              <a:rPr lang="en-US" dirty="0" err="1">
+                <a:solidFill>
+                  <a:srgbClr val="FFC000"/>
+                </a:solidFill>
+              </a:rPr>
+              <a:t>enviar</a:t>
+            </a:r>
+            <a:r>
+              <a:rPr lang="en-US" dirty="0"/>
+              <a:t> </a:t>
+            </a:r>
+            <a:r>
+              <a:rPr lang="en-US" dirty="0" err="1"/>
+              <a:t>versiones</a:t>
+            </a:r>
+            <a:r>
+              <a:rPr lang="en-US" dirty="0"/>
+              <a:t> </a:t>
+            </a:r>
+            <a:r>
+              <a:rPr lang="en-US" dirty="0" err="1"/>
+              <a:t>desde</a:t>
+            </a:r>
+            <a:r>
+              <a:rPr lang="en-US" dirty="0"/>
+              <a:t> el </a:t>
+            </a:r>
+            <a:r>
+              <a:rPr lang="en-US" dirty="0">
+                <a:solidFill>
+                  <a:srgbClr val="FFC000"/>
+                </a:solidFill>
+              </a:rPr>
+              <a:t>Local</a:t>
+            </a:r>
+            <a:r>
+              <a:rPr lang="en-US" dirty="0"/>
+              <a:t> </a:t>
+            </a:r>
+            <a:r>
+              <a:rPr lang="en-US" dirty="0" err="1"/>
+              <a:t>hacia</a:t>
+            </a:r>
+            <a:r>
+              <a:rPr lang="en-US" dirty="0"/>
+              <a:t> el </a:t>
+            </a:r>
+            <a:r>
+              <a:rPr lang="en-US" dirty="0">
+                <a:solidFill>
+                  <a:srgbClr val="FFC000"/>
+                </a:solidFill>
+              </a:rPr>
+              <a:t>Remote</a:t>
+            </a:r>
+            <a:endParaRPr lang="es-419" dirty="0">
+              <a:solidFill>
+                <a:srgbClr val="FFC000"/>
+              </a:solidFill>
+            </a:endParaRPr>
+          </a:p>
+        </p:txBody>
+      </p:sp>
+      <p:pic>
+        <p:nvPicPr>
+          <p:cNvPr id="7" name="Picture 6">
+            <a:extLst>
+              <a:ext uri="{FF2B5EF4-FFF2-40B4-BE49-F238E27FC236}">
+                <a16:creationId xmlns:a16="http://schemas.microsoft.com/office/drawing/2014/main" id="{18EF4626-456F-48AD-94FE-B836D840CC63}"/>
+              </a:ext>
+            </a:extLst>
+          </p:cNvPr>
+          <p:cNvPicPr>
+            <a:picLocks noChangeAspect="1"/>
+          </p:cNvPicPr>
+          <p:nvPr/>
+        </p:nvPicPr>
+        <p:blipFill>
+          <a:blip r:embed="rId2"/>
+          <a:stretch>
+            <a:fillRect/>
+          </a:stretch>
+        </p:blipFill>
+        <p:spPr>
+          <a:xfrm>
+            <a:off x="4263803" y="4851630"/>
+            <a:ext cx="2934109" cy="1486107"/>
+          </a:xfrm>
+          <a:prstGeom prst="rect">
+            <a:avLst/>
+          </a:prstGeom>
+        </p:spPr>
+      </p:pic>
+      <p:sp>
+        <p:nvSpPr>
+          <p:cNvPr id="8" name="TextBox 7">
+            <a:extLst>
+              <a:ext uri="{FF2B5EF4-FFF2-40B4-BE49-F238E27FC236}">
+                <a16:creationId xmlns:a16="http://schemas.microsoft.com/office/drawing/2014/main" id="{0E1A5F0D-6120-4640-A1A7-B4F0FF8E5E8F}"/>
+              </a:ext>
+            </a:extLst>
+          </p:cNvPr>
+          <p:cNvSpPr txBox="1"/>
+          <p:nvPr/>
+        </p:nvSpPr>
+        <p:spPr>
+          <a:xfrm>
+            <a:off x="3541796" y="4058292"/>
+            <a:ext cx="4378122" cy="369332"/>
+          </a:xfrm>
+          <a:prstGeom prst="rect">
+            <a:avLst/>
+          </a:prstGeom>
+          <a:noFill/>
+        </p:spPr>
+        <p:txBody>
+          <a:bodyPr wrap="none" rtlCol="0">
+            <a:spAutoFit/>
+          </a:bodyPr>
+          <a:lstStyle/>
+          <a:p>
+            <a:r>
+              <a:rPr lang="en-US" dirty="0" err="1"/>
+              <a:t>Siempre</a:t>
+            </a:r>
+            <a:r>
+              <a:rPr lang="en-US" dirty="0"/>
+              <a:t> </a:t>
+            </a:r>
+            <a:r>
+              <a:rPr lang="en-US" dirty="0" err="1"/>
+              <a:t>haz</a:t>
+            </a:r>
+            <a:r>
+              <a:rPr lang="en-US" dirty="0"/>
+              <a:t> </a:t>
+            </a:r>
+            <a:r>
+              <a:rPr lang="en-US" dirty="0">
+                <a:solidFill>
+                  <a:srgbClr val="FFC000"/>
+                </a:solidFill>
+              </a:rPr>
+              <a:t>pull</a:t>
+            </a:r>
+            <a:r>
+              <a:rPr lang="en-US" dirty="0"/>
+              <a:t> antes de </a:t>
+            </a:r>
+            <a:r>
+              <a:rPr lang="en-US" dirty="0" err="1"/>
+              <a:t>hacer</a:t>
+            </a:r>
+            <a:r>
+              <a:rPr lang="en-US" dirty="0"/>
+              <a:t> un </a:t>
+            </a:r>
+            <a:r>
+              <a:rPr lang="en-US" dirty="0">
+                <a:solidFill>
+                  <a:srgbClr val="FFC000"/>
+                </a:solidFill>
+              </a:rPr>
+              <a:t>push</a:t>
+            </a:r>
+            <a:endParaRPr lang="es-419" dirty="0">
+              <a:solidFill>
+                <a:srgbClr val="FFC000"/>
+              </a:solidFill>
+            </a:endParaRPr>
           </a:p>
         </p:txBody>
       </p:sp>
@@ -8501,6 +9030,25 @@
 <file path=ppt/slides/slide8.xml><?xml version="1.0" encoding="utf-8"?>
 <p:sld xmlns:a="http://schemas.openxmlformats.org/drawingml/2006/main" xmlns:r="http://schemas.openxmlformats.org/officeDocument/2006/relationships" xmlns:p="http://schemas.openxmlformats.org/presentationml/2006/main">
   <p:cSld>
+    <p:bg>
+      <p:bgPr>
+        <a:blipFill rotWithShape="1">
+          <a:blip r:embed="rId2">
+            <a:duotone>
+              <a:schemeClr val="bg2">
+                <a:shade val="80000"/>
+                <a:lumMod val="80000"/>
+              </a:schemeClr>
+              <a:schemeClr val="bg2">
+                <a:tint val="98000"/>
+              </a:schemeClr>
+            </a:duotone>
+          </a:blip>
+          <a:stretch/>
+        </a:blipFill>
+        <a:effectLst/>
+      </p:bgPr>
+    </p:bg>
     <p:spTree>
       <p:nvGrpSpPr>
         <p:cNvPr id="1" name=""/>
@@ -8515,6 +9063,49 @@
           <a:chExt cx="0" cy="0"/>
         </a:xfrm>
       </p:grpSpPr>
+      <p:pic>
+        <p:nvPicPr>
+          <p:cNvPr id="4" name="Picture 3" descr="A close up of a tree&#10;&#10;Description automatically generated">
+            <a:extLst>
+              <a:ext uri="{FF2B5EF4-FFF2-40B4-BE49-F238E27FC236}">
+                <a16:creationId xmlns:a16="http://schemas.microsoft.com/office/drawing/2014/main" id="{AEFCC674-69EB-437C-B645-4B48107ADD95}"/>
+              </a:ext>
+            </a:extLst>
+          </p:cNvPr>
+          <p:cNvPicPr>
+            <a:picLocks noChangeAspect="1"/>
+          </p:cNvPicPr>
+          <p:nvPr/>
+        </p:nvPicPr>
+        <p:blipFill rotWithShape="1">
+          <a:blip r:embed="rId3">
+            <a:duotone>
+              <a:prstClr val="black"/>
+              <a:schemeClr val="tx2">
+                <a:tint val="45000"/>
+                <a:satMod val="400000"/>
+              </a:schemeClr>
+            </a:duotone>
+            <a:alphaModFix amt="35000"/>
+            <a:extLst>
+              <a:ext uri="{28A0092B-C50C-407E-A947-70E740481C1C}">
+                <a14:useLocalDpi xmlns:a14="http://schemas.microsoft.com/office/drawing/2010/main" val="0"/>
+              </a:ext>
+            </a:extLst>
+          </a:blip>
+          <a:srcRect t="3119" b="12611"/>
+          <a:stretch/>
+        </p:blipFill>
+        <p:spPr>
+          <a:xfrm>
+            <a:off x="20" y="10"/>
+            <a:ext cx="12191980" cy="6857990"/>
+          </a:xfrm>
+          <a:prstGeom prst="rect">
+            <a:avLst/>
+          </a:prstGeom>
+        </p:spPr>
+      </p:pic>
       <p:sp>
         <p:nvSpPr>
           <p:cNvPr id="2" name="Title 1">
@@ -8531,50 +9122,21 @@
             <p:ph type="title"/>
           </p:nvPr>
         </p:nvSpPr>
-        <p:spPr/>
-        <p:txBody>
-          <a:bodyPr/>
-          <a:lstStyle/>
-          <a:p>
-            <a:r>
-              <a:rPr lang="es-419" dirty="0"/>
-              <a:t>Conceptos clave</a:t>
-            </a:r>
-            <a:r>
-              <a:rPr lang="en-US" dirty="0"/>
-              <a:t>: Branch</a:t>
-            </a:r>
-            <a:endParaRPr lang="es-419" dirty="0"/>
-          </a:p>
-        </p:txBody>
-      </p:sp>
-      <p:sp>
-        <p:nvSpPr>
-          <p:cNvPr id="3" name="Content Placeholder 2">
-            <a:extLst>
-              <a:ext uri="{FF2B5EF4-FFF2-40B4-BE49-F238E27FC236}">
-                <a16:creationId xmlns:a16="http://schemas.microsoft.com/office/drawing/2014/main" id="{4C8A22F4-750C-4E9A-B539-BC08DBA1AC78}"/>
-              </a:ext>
-            </a:extLst>
-          </p:cNvPr>
-          <p:cNvSpPr>
-            <a:spLocks noGrp="1"/>
-          </p:cNvSpPr>
-          <p:nvPr>
-            <p:ph idx="1"/>
-          </p:nvPr>
-        </p:nvSpPr>
-        <p:spPr/>
-        <p:txBody>
-          <a:bodyPr/>
-          <a:lstStyle/>
-          <a:p>
-            <a:pPr marL="0" indent="0">
-              <a:buNone/>
-            </a:pPr>
-            <a:r>
-              <a:rPr lang="es-419" dirty="0"/>
-              <a:t> </a:t>
+        <p:spPr>
+          <a:xfrm>
+            <a:off x="1370693" y="1769540"/>
+            <a:ext cx="9440034" cy="1828801"/>
+          </a:xfrm>
+        </p:spPr>
+        <p:txBody>
+          <a:bodyPr vert="horz" lIns="91440" tIns="45720" rIns="91440" bIns="45720" rtlCol="0" anchor="b">
+            <a:normAutofit/>
+          </a:bodyPr>
+          <a:lstStyle/>
+          <a:p>
+            <a:r>
+              <a:rPr lang="en-US" sz="5400"/>
+              <a:t>Conceptos clave: Branch</a:t>
             </a:r>
           </a:p>
         </p:txBody>
@@ -8582,7 +9144,7 @@
     </p:spTree>
     <p:extLst>
       <p:ext uri="{BB962C8B-B14F-4D97-AF65-F5344CB8AC3E}">
-        <p14:creationId xmlns:p14="http://schemas.microsoft.com/office/powerpoint/2010/main" val="3816666332"/>
+        <p14:creationId xmlns:p14="http://schemas.microsoft.com/office/powerpoint/2010/main" val="3169587410"/>
       </p:ext>
     </p:extLst>
   </p:cSld>
@@ -8636,47 +9198,28 @@
             </a:r>
             <a:r>
               <a:rPr lang="en-US" dirty="0"/>
-              <a:t>: Merge/Conflict</a:t>
-            </a:r>
-            <a:endParaRPr lang="es-419" dirty="0"/>
-          </a:p>
-        </p:txBody>
-      </p:sp>
-      <p:sp>
-        <p:nvSpPr>
-          <p:cNvPr id="3" name="Content Placeholder 2">
-            <a:extLst>
-              <a:ext uri="{FF2B5EF4-FFF2-40B4-BE49-F238E27FC236}">
-                <a16:creationId xmlns:a16="http://schemas.microsoft.com/office/drawing/2014/main" id="{4C8A22F4-750C-4E9A-B539-BC08DBA1AC78}"/>
-              </a:ext>
-            </a:extLst>
-          </p:cNvPr>
-          <p:cNvSpPr>
-            <a:spLocks noGrp="1"/>
-          </p:cNvSpPr>
-          <p:nvPr>
-            <p:ph idx="1"/>
-          </p:nvPr>
-        </p:nvSpPr>
-        <p:spPr/>
-        <p:txBody>
-          <a:bodyPr/>
-          <a:lstStyle/>
-          <a:p>
-            <a:pPr marL="0" indent="0">
-              <a:buNone/>
-            </a:pPr>
-            <a:r>
-              <a:rPr lang="es-419" dirty="0"/>
-              <a:t> </a:t>
-            </a:r>
+              <a:t>: </a:t>
+            </a:r>
+            <a:r>
+              <a:rPr lang="en-US" dirty="0">
+                <a:solidFill>
+                  <a:srgbClr val="FFC000"/>
+                </a:solidFill>
+              </a:rPr>
+              <a:t>Branch</a:t>
+            </a:r>
+            <a:endParaRPr lang="es-419" dirty="0">
+              <a:solidFill>
+                <a:srgbClr val="FFC000"/>
+              </a:solidFill>
+            </a:endParaRPr>
           </a:p>
         </p:txBody>
       </p:sp>
     </p:spTree>
     <p:extLst>
       <p:ext uri="{BB962C8B-B14F-4D97-AF65-F5344CB8AC3E}">
-        <p14:creationId xmlns:p14="http://schemas.microsoft.com/office/powerpoint/2010/main" val="1882495817"/>
+        <p14:creationId xmlns:p14="http://schemas.microsoft.com/office/powerpoint/2010/main" val="3816666332"/>
       </p:ext>
     </p:extLst>
   </p:cSld>

--- a/Presentation/Git Gud 2.pptx
+++ b/Presentation/Git Gud 2.pptx
@@ -14,16 +14,18 @@
     <p:sldId id="261" r:id="rId8"/>
     <p:sldId id="275" r:id="rId9"/>
     <p:sldId id="262" r:id="rId10"/>
-    <p:sldId id="264" r:id="rId11"/>
-    <p:sldId id="265" r:id="rId12"/>
-    <p:sldId id="266" r:id="rId13"/>
-    <p:sldId id="267" r:id="rId14"/>
-    <p:sldId id="268" r:id="rId15"/>
-    <p:sldId id="269" r:id="rId16"/>
-    <p:sldId id="270" r:id="rId17"/>
-    <p:sldId id="271" r:id="rId18"/>
-    <p:sldId id="274" r:id="rId19"/>
-    <p:sldId id="273" r:id="rId20"/>
+    <p:sldId id="276" r:id="rId11"/>
+    <p:sldId id="277" r:id="rId12"/>
+    <p:sldId id="264" r:id="rId13"/>
+    <p:sldId id="265" r:id="rId14"/>
+    <p:sldId id="266" r:id="rId15"/>
+    <p:sldId id="267" r:id="rId16"/>
+    <p:sldId id="268" r:id="rId17"/>
+    <p:sldId id="269" r:id="rId18"/>
+    <p:sldId id="270" r:id="rId19"/>
+    <p:sldId id="271" r:id="rId20"/>
+    <p:sldId id="274" r:id="rId21"/>
+    <p:sldId id="273" r:id="rId22"/>
   </p:sldIdLst>
   <p:sldSz cx="12192000" cy="6858000"/>
   <p:notesSz cx="6858000" cy="9144000"/>
@@ -128,6 +130,510 @@
     </p:ext>
   </p:extLst>
 </p:presentation>
+</file>
+
+<file path=ppt/ink/ink1.xml><?xml version="1.0" encoding="utf-8"?>
+<inkml:ink xmlns:inkml="http://www.w3.org/2003/InkML">
+  <inkml:definitions>
+    <inkml:context xml:id="ctx0">
+      <inkml:inkSource xml:id="inkSrc0">
+        <inkml:traceFormat>
+          <inkml:channel name="X" type="integer" min="-2.14748E9" max="2.14748E9" units="cm"/>
+          <inkml:channel name="Y" type="integer" min="-2.14748E9" max="2.14748E9" units="cm"/>
+          <inkml:channel name="F" type="integer" max="32767" units="dev"/>
+        </inkml:traceFormat>
+        <inkml:channelProperties>
+          <inkml:channelProperty channel="X" name="resolution" value="1000" units="1/cm"/>
+          <inkml:channelProperty channel="Y" name="resolution" value="1000" units="1/cm"/>
+          <inkml:channelProperty channel="F" name="resolution" value="0" units="1/dev"/>
+        </inkml:channelProperties>
+      </inkml:inkSource>
+      <inkml:timestamp xml:id="ts0" timeString="2020-10-16T16:13:45.762"/>
+    </inkml:context>
+    <inkml:brush xml:id="br0">
+      <inkml:brushProperty name="width" value="0.1" units="cm"/>
+      <inkml:brushProperty name="height" value="0.1" units="cm"/>
+      <inkml:brushProperty name="color" value="#FF0066"/>
+    </inkml:brush>
+  </inkml:definitions>
+  <inkml:trace contextRef="#ctx0" brushRef="#br0">3009 1 5369,'0'0'1897,"0"0"-293,0 0-205,0 0-52,0 0-122,0 0-124,-8 3-153,-157 47 5276,-25 0-6224,77-23 779,-251 68 837,248-59-1310,4-2 794,-63 10-1100,75-23 556,0 4 1,-20 12-557,39-12 376,-18 2-376,28-5 121,44-13-27,0-1 1,-24 4-95,7-3 99,1 2 0,0 2 1,-20 10-100,15-5 94,-70 21 199,39-14-34,2 3 1,-44 24-260,120-51 6,-5 2 10,1-1 1,0 1-1,-1-1 1,1 0-1,-1 0 1,0-1-1,-2 1-16,7-2 14,1 0 4,-27 11 165,-40 7 65,35-8-594,27-9 309,1 0 1,0 0-1,0 0 1,0 1-1,0-1 0,0 1 1,1 0-1,-1 0 1,0 0-1,-1 2 37,-43 19-197,44-20 169,0 0 0,0-1 0,-1 0 0,1 1 0,-1-1 0,0-1 0,0 1 0,-4 0 28,5-1-22,-1 1-1,0-1 1,0 1 0,1 0-1,-1 0 1,1 1-1,0-1 1,-3 3 22,-5-1-10,-5 3-12,-2 0 30,4-3-10,13-3 1,-1-1 1,1 1-1,-1 0 1,1-1 0,-1 1-1,1 0 1,0 1-1,-1-1 1,1 0-1,0 1 1,0-1 0,0 1-1,0 0 1,0 0 0,6-8-3301,27-29 334,4 1-1674,5-6-1942</inkml:trace>
+</inkml:ink>
+</file>
+
+<file path=ppt/ink/ink10.xml><?xml version="1.0" encoding="utf-8"?>
+<inkml:ink xmlns:inkml="http://www.w3.org/2003/InkML">
+  <inkml:definitions>
+    <inkml:context xml:id="ctx0">
+      <inkml:inkSource xml:id="inkSrc0">
+        <inkml:traceFormat>
+          <inkml:channel name="X" type="integer" min="-2.14748E9" max="2.14748E9" units="cm"/>
+          <inkml:channel name="Y" type="integer" min="-2.14748E9" max="2.14748E9" units="cm"/>
+          <inkml:channel name="F" type="integer" max="32767" units="dev"/>
+        </inkml:traceFormat>
+        <inkml:channelProperties>
+          <inkml:channelProperty channel="X" name="resolution" value="1000" units="1/cm"/>
+          <inkml:channelProperty channel="Y" name="resolution" value="1000" units="1/cm"/>
+          <inkml:channelProperty channel="F" name="resolution" value="0" units="1/dev"/>
+        </inkml:channelProperties>
+      </inkml:inkSource>
+      <inkml:timestamp xml:id="ts0" timeString="2020-10-16T16:14:02.642"/>
+    </inkml:context>
+    <inkml:brush xml:id="br0">
+      <inkml:brushProperty name="width" value="0.1" units="cm"/>
+      <inkml:brushProperty name="height" value="0.1" units="cm"/>
+      <inkml:brushProperty name="color" value="#66CC00"/>
+    </inkml:brush>
+  </inkml:definitions>
+  <inkml:trace contextRef="#ctx0" brushRef="#br0">21 0 7922,'0'0'2568,"0"0"-511,0 0-17,0 0-784,0 0-15,-20 173-33,20-132-304,0-7-336,0-11-144,0-11-152,0-6-184,0-6-88,0 0-640,0 0-1056,0-12-1169,0 0-2848</inkml:trace>
+</inkml:ink>
+</file>
+
+<file path=ppt/ink/ink11.xml><?xml version="1.0" encoding="utf-8"?>
+<inkml:ink xmlns:inkml="http://www.w3.org/2003/InkML">
+  <inkml:definitions>
+    <inkml:context xml:id="ctx0">
+      <inkml:inkSource xml:id="inkSrc0">
+        <inkml:traceFormat>
+          <inkml:channel name="X" type="integer" min="-2.14748E9" max="2.14748E9" units="cm"/>
+          <inkml:channel name="Y" type="integer" min="-2.14748E9" max="2.14748E9" units="cm"/>
+          <inkml:channel name="F" type="integer" max="32767" units="dev"/>
+        </inkml:traceFormat>
+        <inkml:channelProperties>
+          <inkml:channelProperty channel="X" name="resolution" value="1000" units="1/cm"/>
+          <inkml:channelProperty channel="Y" name="resolution" value="1000" units="1/cm"/>
+          <inkml:channelProperty channel="F" name="resolution" value="0" units="1/dev"/>
+        </inkml:channelProperties>
+      </inkml:inkSource>
+      <inkml:timestamp xml:id="ts0" timeString="2020-10-16T16:14:02.986"/>
+    </inkml:context>
+    <inkml:brush xml:id="br0">
+      <inkml:brushProperty name="width" value="0.1" units="cm"/>
+      <inkml:brushProperty name="height" value="0.1" units="cm"/>
+      <inkml:brushProperty name="color" value="#66CC00"/>
+    </inkml:brush>
+  </inkml:definitions>
+  <inkml:trace contextRef="#ctx0" brushRef="#br0">1 0 9498,'0'0'4329,"0"0"-3001,0 0-23,0 0-1305,0 0-121,0 0-2359,0 0-4217</inkml:trace>
+</inkml:ink>
+</file>
+
+<file path=ppt/ink/ink12.xml><?xml version="1.0" encoding="utf-8"?>
+<inkml:ink xmlns:inkml="http://www.w3.org/2003/InkML">
+  <inkml:definitions>
+    <inkml:context xml:id="ctx0">
+      <inkml:inkSource xml:id="inkSrc0">
+        <inkml:traceFormat>
+          <inkml:channel name="X" type="integer" min="-2.14748E9" max="2.14748E9" units="cm"/>
+          <inkml:channel name="Y" type="integer" min="-2.14748E9" max="2.14748E9" units="cm"/>
+          <inkml:channel name="F" type="integer" max="32767" units="dev"/>
+        </inkml:traceFormat>
+        <inkml:channelProperties>
+          <inkml:channelProperty channel="X" name="resolution" value="1000" units="1/cm"/>
+          <inkml:channelProperty channel="Y" name="resolution" value="1000" units="1/cm"/>
+          <inkml:channelProperty channel="F" name="resolution" value="0" units="1/dev"/>
+        </inkml:channelProperties>
+      </inkml:inkSource>
+      <inkml:timestamp xml:id="ts0" timeString="2020-10-16T16:14:03.731"/>
+    </inkml:context>
+    <inkml:brush xml:id="br0">
+      <inkml:brushProperty name="width" value="0.1" units="cm"/>
+      <inkml:brushProperty name="height" value="0.1" units="cm"/>
+      <inkml:brushProperty name="color" value="#66CC00"/>
+    </inkml:brush>
+  </inkml:definitions>
+  <inkml:trace contextRef="#ctx0" brushRef="#br0">0 1 7154,'0'0'2023,"0"0"-276,0 0-318,0 0-335,0 0-71,0 0-56,0 0-31,0 0 24,0 25 1363,0 49-760,3-1 0,4 1 0,10 43-1563,-16-106 80,-1-11-63,0 1 0,0-1 0,0 1 0,0-1 0,0 1 0,0-1 0,0 1 0,1-1-1,-1 1 1,0-1 0,0 1 0,0 0 0,1-1 0,-1 0 0,0 1 0,0-1 0,1 1 0,-1-1 0,0 1 0,1-1 0,-1 0 0,1 1-1,-1-1 1,1 0 0,-1 1 0,1-1 0,-1 0 0,0 1 0,1-1 0,0 0 0,-1 0 0,1 0 0,-1 0 0,1 1 0,-1-1 0,1 0 0,-1 0-1,1 0 1,-1 0 0,1 0 0,0 0 0,-1 0 0,1-1 0,-1 1 0,1 0 0,-1 0 0,1 0 0,-1-1 0,1 1-17,0 0 21,-1 0-10,16-19-13,-7 0-9,0 1 0,1 1 0,1-1-1,1 2 1,8-11 11,71-74-42,-83 91 32,1 0 0,0 1 1,1 0-1,0 1 0,0 0 0,0 1 1,1 0-1,1 1 0,-1 0 1,1 0-1,0 1 0,0 1 1,0 0-1,1 1 0,-1 0 0,1 1 1,0 0-1,1 1 10,-3 0-15,1 1 0,0 0 0,-1 0 1,1 2-1,-1-1 0,0 1 0,1 1 0,-1 0 0,0 1 0,6 2 15,-11-3 15,0 1 1,0-1-1,0 1 0,-1 0 0,0 1 0,0-1 0,0 1 1,0 0-1,-1 0 0,1 0 0,-1 1 0,-1 0 0,1 0 0,-1 0 1,0 0-1,0 0 0,-1 0 0,2 7-15,1 11 111,-1 0 1,-2 1-1,0-1 0,-2 0 0,0 1 1,-2 3-112,0 32 123,3-32-66,0-17-38,-1 0-1,1 0 0,-2 0 1,0 0-1,0-1 0,-1 1 0,0 0 1,-1 0-1,0-1 0,0 0 1,-3 4-19,5-12 30,1-2-158,-36 0-2459,35 0 2455,-1 0-1,1-1 1,-1 1 0,0 0-1,1-1 1,-1 0-1,1 1 1,-1-1 0,1 0-1,-1 0 1,1 1 0,0-1-1,-1 0 1,1 0 0,0-1-1,0 1 1,0 0-1,-1 0 1,1-1 0,1 1-1,-1 0 1,0-1 0,0 1-1,0-1 1,1 1 0,-1-2 132,-11-45-5420,11 25 606</inkml:trace>
+</inkml:ink>
+</file>
+
+<file path=ppt/ink/ink13.xml><?xml version="1.0" encoding="utf-8"?>
+<inkml:ink xmlns:inkml="http://www.w3.org/2003/InkML">
+  <inkml:definitions>
+    <inkml:context xml:id="ctx0">
+      <inkml:inkSource xml:id="inkSrc0">
+        <inkml:traceFormat>
+          <inkml:channel name="X" type="integer" min="-2.14748E9" max="2.14748E9" units="cm"/>
+          <inkml:channel name="Y" type="integer" min="-2.14748E9" max="2.14748E9" units="cm"/>
+          <inkml:channel name="F" type="integer" max="32767" units="dev"/>
+        </inkml:traceFormat>
+        <inkml:channelProperties>
+          <inkml:channelProperty channel="X" name="resolution" value="1000" units="1/cm"/>
+          <inkml:channelProperty channel="Y" name="resolution" value="1000" units="1/cm"/>
+          <inkml:channelProperty channel="F" name="resolution" value="0" units="1/dev"/>
+        </inkml:channelProperties>
+      </inkml:inkSource>
+      <inkml:timestamp xml:id="ts0" timeString="2020-10-16T16:13:45.762"/>
+    </inkml:context>
+    <inkml:brush xml:id="br0">
+      <inkml:brushProperty name="width" value="0.1" units="cm"/>
+      <inkml:brushProperty name="height" value="0.1" units="cm"/>
+      <inkml:brushProperty name="color" value="#FF0066"/>
+    </inkml:brush>
+  </inkml:definitions>
+  <inkml:trace contextRef="#ctx0" brushRef="#br0">3009 1 5369,'0'0'1897,"0"0"-293,0 0-205,0 0-52,0 0-122,0 0-124,-8 3-153,-157 47 5276,-25 0-6224,77-23 779,-251 68 837,248-59-1310,4-2 794,-63 10-1100,75-23 556,0 4 1,-20 12-557,39-12 376,-18 2-376,28-5 121,44-13-27,0-1 1,-24 4-95,7-3 99,1 2 0,0 2 1,-20 10-100,15-5 94,-70 21 199,39-14-34,2 3 1,-44 24-260,120-51 6,-5 2 10,1-1 1,0 1-1,-1-1 1,1 0-1,-1 0 1,0-1-1,-2 1-16,7-2 14,1 0 4,-27 11 165,-40 7 65,35-8-594,27-9 309,1 0 1,0 0-1,0 0 1,0 1-1,0-1 0,0 1 1,1 0-1,-1 0 1,0 0-1,-1 2 37,-43 19-197,44-20 169,0 0 0,0-1 0,-1 0 0,1 1 0,-1-1 0,0-1 0,0 1 0,-4 0 28,5-1-22,-1 1-1,0-1 1,0 1 0,1 0-1,-1 0 1,1 1-1,0-1 1,-3 3 22,-5-1-10,-5 3-12,-2 0 30,4-3-10,13-3 1,-1-1 1,1 1-1,-1 0 1,1-1 0,-1 1-1,1 0 1,0 1-1,-1-1 1,1 0-1,0 1 1,0-1 0,0 1-1,0 0 1,0 0 0,6-8-3301,27-29 334,4 1-1674,5-6-1942</inkml:trace>
+</inkml:ink>
+</file>
+
+<file path=ppt/ink/ink14.xml><?xml version="1.0" encoding="utf-8"?>
+<inkml:ink xmlns:inkml="http://www.w3.org/2003/InkML">
+  <inkml:definitions>
+    <inkml:context xml:id="ctx0">
+      <inkml:inkSource xml:id="inkSrc0">
+        <inkml:traceFormat>
+          <inkml:channel name="X" type="integer" min="-2.14748E9" max="2.14748E9" units="cm"/>
+          <inkml:channel name="Y" type="integer" min="-2.14748E9" max="2.14748E9" units="cm"/>
+          <inkml:channel name="F" type="integer" max="32767" units="dev"/>
+        </inkml:traceFormat>
+        <inkml:channelProperties>
+          <inkml:channelProperty channel="X" name="resolution" value="1000" units="1/cm"/>
+          <inkml:channelProperty channel="Y" name="resolution" value="1000" units="1/cm"/>
+          <inkml:channelProperty channel="F" name="resolution" value="0" units="1/dev"/>
+        </inkml:channelProperties>
+      </inkml:inkSource>
+      <inkml:timestamp xml:id="ts0" timeString="2020-10-16T16:14:00.935"/>
+    </inkml:context>
+    <inkml:brush xml:id="br0">
+      <inkml:brushProperty name="width" value="0.1" units="cm"/>
+      <inkml:brushProperty name="height" value="0.1" units="cm"/>
+      <inkml:brushProperty name="color" value="#66CC00"/>
+    </inkml:brush>
+  </inkml:definitions>
+  <inkml:trace contextRef="#ctx0" brushRef="#br0">3 10 4585,'0'0'1872,"0"0"-91,0 0-66,0 0-274,0 0-282,0-9 1617,-1 83-731,0-25-1380,1 0 1,2 1 0,3-1-1,2-1 1,2 1-666,9 28 629,2 8 369,3-1 1,12 24-999,-29-215 1291,-6 57-1256,2 0 0,3 0 0,2-4-35,-4 34-1,2 1 1,0 0-1,1 0 0,1 1 0,1-1 1,0 1-1,2 1 0,0 0 0,3-3 1,-9 15-9,0 0 0,1 0-1,-1 1 1,1 0 0,0 0 0,0 0-1,1 0 1,-1 1 0,1 0-1,-1 0 1,1 1 0,0-1-1,0 1 1,1 0 0,-1 1 0,5-1 9,8-1-21,0 2 0,0 0 0,0 1 0,0 0 0,2 2 21,-15-1-7,0 1 0,0-1 0,0 1 0,-1 0 0,1 1 0,0 0 0,-1-1 0,0 2 0,1-1 0,-1 1 0,-1-1 0,1 1 0,-1 1 0,1-1 0,-1 1 0,0-1 1,-1 1-1,1 1 0,-1-1 0,0 0 0,0 1 0,-1-1 0,2 6 7,5 11 16,-1 0 0,-1 1 0,-1 0 0,-2 0 0,2 17-16,-1 28 74,-3 64-74,-2-86 154,0-45-143,0-1 2,0 0-4,0 0-1,0 0 8,0 0 26,0 0-10,0-24 50,1-1-61,1 0-1,2 0 1,0 1-1,2-1 1,0 1-1,10-21-20,4-6-3,3 1 1,18-29 2,-36 70-7,0 1 1,0-1-1,1 1 0,0 0 1,0 1-1,1 0 1,0 0-1,1 0 1,2-2 6,-6 7-8,-1 0 0,0 0 1,1 0-1,-1 1 0,1 0 0,-1-1 1,1 1-1,0 0 0,0 1 1,0-1-1,-1 1 0,1-1 1,0 1-1,0 0 0,0 1 1,0-1-1,-1 1 0,1-1 1,0 1-1,0 1 0,-1-1 1,1 0-1,-1 1 0,1-1 1,-1 1-1,3 2 8,16 9-6,-2 0-1,0 1 1,0 1 0,-2 1-1,1 1 1,7 10 6,-18-18 3,0 1 0,-1 0 0,-1 1 1,1 0-1,-2 0 0,1 0 0,-1 1 0,-1-1 1,0 1-1,-1 0 0,0 0 0,-1 1 0,-1-1 1,1 3-4,0 3 39,-1 0 1,0-1-1,-1 1 1,-1 0-1,-1 0 1,-1 0-1,0 0 1,-1-1-1,-1 1 1,-1-1-1,0 0 1,-1-1-1,-7 12-39,-28 27 180,25-34-101,14-15-98,3-5-181,0-1-247,0 0-352,0-21-3161,0-56-4281,0 37 2901</inkml:trace>
+</inkml:ink>
+</file>
+
+<file path=ppt/ink/ink15.xml><?xml version="1.0" encoding="utf-8"?>
+<inkml:ink xmlns:inkml="http://www.w3.org/2003/InkML">
+  <inkml:definitions>
+    <inkml:context xml:id="ctx0">
+      <inkml:inkSource xml:id="inkSrc0">
+        <inkml:traceFormat>
+          <inkml:channel name="X" type="integer" min="-2.14748E9" max="2.14748E9" units="cm"/>
+          <inkml:channel name="Y" type="integer" min="-2.14748E9" max="2.14748E9" units="cm"/>
+          <inkml:channel name="F" type="integer" max="32767" units="dev"/>
+        </inkml:traceFormat>
+        <inkml:channelProperties>
+          <inkml:channelProperty channel="X" name="resolution" value="1000" units="1/cm"/>
+          <inkml:channelProperty channel="Y" name="resolution" value="1000" units="1/cm"/>
+          <inkml:channelProperty channel="F" name="resolution" value="0" units="1/dev"/>
+        </inkml:channelProperties>
+      </inkml:inkSource>
+      <inkml:timestamp xml:id="ts0" timeString="2020-10-16T16:14:02.022"/>
+    </inkml:context>
+    <inkml:brush xml:id="br0">
+      <inkml:brushProperty name="width" value="0.1" units="cm"/>
+      <inkml:brushProperty name="height" value="0.1" units="cm"/>
+      <inkml:brushProperty name="color" value="#66CC00"/>
+    </inkml:brush>
+  </inkml:definitions>
+  <inkml:trace contextRef="#ctx0" brushRef="#br0">70 113 5393,'0'0'2426,"0"0"-702,0 0-223,0 0-209,0 0-246,0 0-74,7-13-3,-2 2-676,-4 7-214,1 0 0,-1 0-1,1 1 1,0-1 0,0 0-1,0 1 1,1 0 0,-1-1 0,1 1-1,0 0 1,0 0 0,0 0-1,0 1 1,0-1 0,0 1 0,1-1-1,-1 1 1,1 0 0,0 1-1,2-2-78,19-4 466,0 1 0,1 2 0,-1 0 0,1 1 0,0 2 0,0 1 0,-1 0 0,8 3-466,-27-1 36,1 0 0,-1 0 1,0 0-1,1 1 1,-1 0-1,-1 0 0,1 0 1,0 1-1,-1 0 0,0 0 1,0 0-1,0 1 0,0 0 1,-1 0-1,1 0 0,-1 0 1,-1 1-1,1-1 0,-1 1 1,0 0-1,0 0 0,0 2-36,4 7 57,-1 1 0,0-1 0,-1 1 0,-1 0 0,-1 0 0,0 1 0,-1-1 0,0 10-57,-2-26 33,0 1 1,0-1 0,0 0-1,0 0 1,0 1 0,0-1-1,0 0 1,0 0-1,0 0 1,0 1 0,0-1-1,0 0 1,0 0 0,0 1-1,-1-1 1,1 0 0,0 0-1,0 0 1,0 1-1,0-1 1,-1 0 0,1 0-1,0 0 1,0 0 0,0 1-1,-1-1 1,1 0-1,0 0 1,0 0 0,0 0-1,-1 0 1,1 0 0,0 0-1,0 0 1,-1 0 0,1 0-1,0 0 1,0 0-1,-1 0-33,-15-4 658,-35-22-480,-14-6 101,37 28-166,0 1 1,-1 1 0,0 2 0,1 0 0,-20 4-114,35 0 17,-1-1 0,1 2 0,0 0 0,0 0 0,0 1 0,1 1 0,0 0 0,0 1 0,1 0 0,0 1 0,0 0 0,1 1 0,-7 7-17,14-13 2,0 0-1,1 0 0,-1 0 1,1 1-1,0-1 1,0 0-1,0 1 0,1 0 1,0-1-1,0 1 0,0 0 1,0-1-1,1 3-1,2 63 154,-1-68-143,-1 0 0,1 1 0,-1-1-1,1 0 1,0 0 0,0 0-1,0 0 1,0 0 0,0 0-1,0 0 1,0 0 0,1 0 0,-1-1-1,1 1 1,0 0 0,-1-1-1,1 0 1,0 1 0,1 0-11,2 1 6,0-1 0,0 1 0,1-1 1,-1-1-1,0 1 0,1 0 0,-1-1 0,3 0-6,16 1 15,0-1-1,-1 0 0,20-4-14,-35 3 25,11-4-97,0 0 1,0-1 0,-1 0-1,0-2 1,0 0 0,-1-1-1,13-8 72,-4 3-641,-23 12 331,1-1 0,0 0 0,-1-1-1,1 1 1,-1-1 0,0 1 0,1-1-1,-1 0 1,-1 0 0,1 0 0,0-1-1,-1 1 1,0-1 0,0 1 0,0-1-1,1-1 311,8-44-7456,-10 16-528</inkml:trace>
+</inkml:ink>
+</file>
+
+<file path=ppt/ink/ink16.xml><?xml version="1.0" encoding="utf-8"?>
+<inkml:ink xmlns:inkml="http://www.w3.org/2003/InkML">
+  <inkml:definitions>
+    <inkml:context xml:id="ctx0">
+      <inkml:inkSource xml:id="inkSrc0">
+        <inkml:traceFormat>
+          <inkml:channel name="X" type="integer" min="-2.14748E9" max="2.14748E9" units="cm"/>
+          <inkml:channel name="Y" type="integer" min="-2.14748E9" max="2.14748E9" units="cm"/>
+          <inkml:channel name="F" type="integer" max="32767" units="dev"/>
+        </inkml:traceFormat>
+        <inkml:channelProperties>
+          <inkml:channelProperty channel="X" name="resolution" value="1000" units="1/cm"/>
+          <inkml:channelProperty channel="Y" name="resolution" value="1000" units="1/cm"/>
+          <inkml:channelProperty channel="F" name="resolution" value="0" units="1/dev"/>
+        </inkml:channelProperties>
+      </inkml:inkSource>
+      <inkml:timestamp xml:id="ts0" timeString="2020-10-16T16:14:02.642"/>
+    </inkml:context>
+    <inkml:brush xml:id="br0">
+      <inkml:brushProperty name="width" value="0.1" units="cm"/>
+      <inkml:brushProperty name="height" value="0.1" units="cm"/>
+      <inkml:brushProperty name="color" value="#66CC00"/>
+    </inkml:brush>
+  </inkml:definitions>
+  <inkml:trace contextRef="#ctx0" brushRef="#br0">21 0 7922,'0'0'2568,"0"0"-511,0 0-17,0 0-784,0 0-15,-20 173-33,20-132-304,0-7-336,0-11-144,0-11-152,0-6-184,0-6-88,0 0-640,0 0-1056,0-12-1169,0 0-2848</inkml:trace>
+</inkml:ink>
+</file>
+
+<file path=ppt/ink/ink17.xml><?xml version="1.0" encoding="utf-8"?>
+<inkml:ink xmlns:inkml="http://www.w3.org/2003/InkML">
+  <inkml:definitions>
+    <inkml:context xml:id="ctx0">
+      <inkml:inkSource xml:id="inkSrc0">
+        <inkml:traceFormat>
+          <inkml:channel name="X" type="integer" min="-2.14748E9" max="2.14748E9" units="cm"/>
+          <inkml:channel name="Y" type="integer" min="-2.14748E9" max="2.14748E9" units="cm"/>
+          <inkml:channel name="F" type="integer" max="32767" units="dev"/>
+        </inkml:traceFormat>
+        <inkml:channelProperties>
+          <inkml:channelProperty channel="X" name="resolution" value="1000" units="1/cm"/>
+          <inkml:channelProperty channel="Y" name="resolution" value="1000" units="1/cm"/>
+          <inkml:channelProperty channel="F" name="resolution" value="0" units="1/dev"/>
+        </inkml:channelProperties>
+      </inkml:inkSource>
+      <inkml:timestamp xml:id="ts0" timeString="2020-10-16T16:14:02.986"/>
+    </inkml:context>
+    <inkml:brush xml:id="br0">
+      <inkml:brushProperty name="width" value="0.1" units="cm"/>
+      <inkml:brushProperty name="height" value="0.1" units="cm"/>
+      <inkml:brushProperty name="color" value="#66CC00"/>
+    </inkml:brush>
+  </inkml:definitions>
+  <inkml:trace contextRef="#ctx0" brushRef="#br0">1 0 9498,'0'0'4329,"0"0"-3001,0 0-23,0 0-1305,0 0-121,0 0-2359,0 0-4217</inkml:trace>
+</inkml:ink>
+</file>
+
+<file path=ppt/ink/ink18.xml><?xml version="1.0" encoding="utf-8"?>
+<inkml:ink xmlns:inkml="http://www.w3.org/2003/InkML">
+  <inkml:definitions>
+    <inkml:context xml:id="ctx0">
+      <inkml:inkSource xml:id="inkSrc0">
+        <inkml:traceFormat>
+          <inkml:channel name="X" type="integer" min="-2.14748E9" max="2.14748E9" units="cm"/>
+          <inkml:channel name="Y" type="integer" min="-2.14748E9" max="2.14748E9" units="cm"/>
+          <inkml:channel name="F" type="integer" max="32767" units="dev"/>
+        </inkml:traceFormat>
+        <inkml:channelProperties>
+          <inkml:channelProperty channel="X" name="resolution" value="1000" units="1/cm"/>
+          <inkml:channelProperty channel="Y" name="resolution" value="1000" units="1/cm"/>
+          <inkml:channelProperty channel="F" name="resolution" value="0" units="1/dev"/>
+        </inkml:channelProperties>
+      </inkml:inkSource>
+      <inkml:timestamp xml:id="ts0" timeString="2020-10-16T16:14:03.731"/>
+    </inkml:context>
+    <inkml:brush xml:id="br0">
+      <inkml:brushProperty name="width" value="0.1" units="cm"/>
+      <inkml:brushProperty name="height" value="0.1" units="cm"/>
+      <inkml:brushProperty name="color" value="#66CC00"/>
+    </inkml:brush>
+  </inkml:definitions>
+  <inkml:trace contextRef="#ctx0" brushRef="#br0">0 1 7154,'0'0'2023,"0"0"-276,0 0-318,0 0-335,0 0-71,0 0-56,0 0-31,0 0 24,0 25 1363,0 49-760,3-1 0,4 1 0,10 43-1563,-16-106 80,-1-11-63,0 1 0,0-1 0,0 1 0,0-1 0,0 1 0,0-1 0,0 1 0,1-1-1,-1 1 1,0-1 0,0 1 0,0 0 0,1-1 0,-1 0 0,0 1 0,0-1 0,1 1 0,-1-1 0,0 1 0,1-1 0,-1 0 0,1 1-1,-1-1 1,1 0 0,-1 1 0,1-1 0,-1 0 0,0 1 0,1-1 0,0 0 0,-1 0 0,1 0 0,-1 0 0,1 1 0,-1-1 0,1 0 0,-1 0-1,1 0 1,-1 0 0,1 0 0,0 0 0,-1 0 0,1-1 0,-1 1 0,1 0 0,-1 0 0,1 0 0,-1-1 0,1 1-17,0 0 21,-1 0-10,16-19-13,-7 0-9,0 1 0,1 1 0,1-1-1,1 2 1,8-11 11,71-74-42,-83 91 32,1 0 0,0 1 1,1 0-1,0 1 0,0 0 0,0 1 1,1 0-1,1 1 0,-1 0 1,1 0-1,0 1 0,0 1 1,0 0-1,1 1 0,-1 0 0,1 1 1,0 0-1,1 1 10,-3 0-15,1 1 0,0 0 0,-1 0 1,1 2-1,-1-1 0,0 1 0,1 1 0,-1 0 0,0 1 0,6 2 15,-11-3 15,0 1 1,0-1-1,0 1 0,-1 0 0,0 1 0,0-1 0,0 1 1,0 0-1,-1 0 0,1 0 0,-1 1 0,-1 0 0,1 0 0,-1 0 1,0 0-1,0 0 0,-1 0 0,2 7-15,1 11 111,-1 0 1,-2 1-1,0-1 0,-2 0 0,0 1 1,-2 3-112,0 32 123,3-32-66,0-17-38,-1 0-1,1 0 0,-2 0 1,0 0-1,0-1 0,-1 1 0,0 0 1,-1 0-1,0-1 0,0 0 1,-3 4-19,5-12 30,1-2-158,-36 0-2459,35 0 2455,-1 0-1,1-1 1,-1 1 0,0 0-1,1-1 1,-1 0-1,1 1 1,-1-1 0,1 0-1,-1 0 1,1 1 0,0-1-1,-1 0 1,1 0 0,0-1-1,0 1 1,0 0-1,-1 0 1,1-1 0,1 1-1,-1 0 1,0-1 0,0 1-1,0-1 1,1 1 0,-1-2 132,-11-45-5420,11 25 606</inkml:trace>
+</inkml:ink>
+</file>
+
+<file path=ppt/ink/ink2.xml><?xml version="1.0" encoding="utf-8"?>
+<inkml:ink xmlns:inkml="http://www.w3.org/2003/InkML">
+  <inkml:definitions>
+    <inkml:context xml:id="ctx0">
+      <inkml:inkSource xml:id="inkSrc0">
+        <inkml:traceFormat>
+          <inkml:channel name="X" type="integer" min="-2.14748E9" max="2.14748E9" units="cm"/>
+          <inkml:channel name="Y" type="integer" min="-2.14748E9" max="2.14748E9" units="cm"/>
+          <inkml:channel name="F" type="integer" max="32767" units="dev"/>
+        </inkml:traceFormat>
+        <inkml:channelProperties>
+          <inkml:channelProperty channel="X" name="resolution" value="1000" units="1/cm"/>
+          <inkml:channelProperty channel="Y" name="resolution" value="1000" units="1/cm"/>
+          <inkml:channelProperty channel="F" name="resolution" value="0" units="1/dev"/>
+        </inkml:channelProperties>
+      </inkml:inkSource>
+      <inkml:timestamp xml:id="ts0" timeString="2020-10-16T16:14:00.935"/>
+    </inkml:context>
+    <inkml:brush xml:id="br0">
+      <inkml:brushProperty name="width" value="0.1" units="cm"/>
+      <inkml:brushProperty name="height" value="0.1" units="cm"/>
+      <inkml:brushProperty name="color" value="#66CC00"/>
+    </inkml:brush>
+  </inkml:definitions>
+  <inkml:trace contextRef="#ctx0" brushRef="#br0">3 10 4585,'0'0'1872,"0"0"-91,0 0-66,0 0-274,0 0-282,0-9 1617,-1 83-731,0-25-1380,1 0 1,2 1 0,3-1-1,2-1 1,2 1-666,9 28 629,2 8 369,3-1 1,12 24-999,-29-215 1291,-6 57-1256,2 0 0,3 0 0,2-4-35,-4 34-1,2 1 1,0 0-1,1 0 0,1 1 0,1-1 1,0 1-1,2 1 0,0 0 0,3-3 1,-9 15-9,0 0 0,1 0-1,-1 1 1,1 0 0,0 0 0,0 0-1,1 0 1,-1 1 0,1 0-1,-1 0 1,1 1 0,0-1-1,0 1 1,1 0 0,-1 1 0,5-1 9,8-1-21,0 2 0,0 0 0,0 1 0,0 0 0,2 2 21,-15-1-7,0 1 0,0-1 0,0 1 0,-1 0 0,1 1 0,0 0 0,-1-1 0,0 2 0,1-1 0,-1 1 0,-1-1 0,1 1 0,-1 1 0,1-1 0,-1 1 0,0-1 1,-1 1-1,1 1 0,-1-1 0,0 0 0,0 1 0,-1-1 0,2 6 7,5 11 16,-1 0 0,-1 1 0,-1 0 0,-2 0 0,2 17-16,-1 28 74,-3 64-74,-2-86 154,0-45-143,0-1 2,0 0-4,0 0-1,0 0 8,0 0 26,0 0-10,0-24 50,1-1-61,1 0-1,2 0 1,0 1-1,2-1 1,0 1-1,10-21-20,4-6-3,3 1 1,18-29 2,-36 70-7,0 1 1,0-1-1,1 1 0,0 0 1,0 1-1,1 0 1,0 0-1,1 0 1,2-2 6,-6 7-8,-1 0 0,0 0 1,1 0-1,-1 1 0,1 0 0,-1-1 1,1 1-1,0 0 0,0 1 1,0-1-1,-1 1 0,1-1 1,0 1-1,0 0 0,0 1 1,0-1-1,-1 1 0,1-1 1,0 1-1,0 1 0,-1-1 1,1 0-1,-1 1 0,1-1 1,-1 1-1,3 2 8,16 9-6,-2 0-1,0 1 1,0 1 0,-2 1-1,1 1 1,7 10 6,-18-18 3,0 1 0,-1 0 0,-1 1 1,1 0-1,-2 0 0,1 0 0,-1 1 0,-1-1 1,0 1-1,-1 0 0,0 0 0,-1 1 0,-1-1 1,1 3-4,0 3 39,-1 0 1,0-1-1,-1 1 1,-1 0-1,-1 0 1,-1 0-1,0 0 1,-1-1-1,-1 1 1,-1-1-1,0 0 1,-1-1-1,-7 12-39,-28 27 180,25-34-101,14-15-98,3-5-181,0-1-247,0 0-352,0-21-3161,0-56-4281,0 37 2901</inkml:trace>
+</inkml:ink>
+</file>
+
+<file path=ppt/ink/ink3.xml><?xml version="1.0" encoding="utf-8"?>
+<inkml:ink xmlns:inkml="http://www.w3.org/2003/InkML">
+  <inkml:definitions>
+    <inkml:context xml:id="ctx0">
+      <inkml:inkSource xml:id="inkSrc0">
+        <inkml:traceFormat>
+          <inkml:channel name="X" type="integer" min="-2.14748E9" max="2.14748E9" units="cm"/>
+          <inkml:channel name="Y" type="integer" min="-2.14748E9" max="2.14748E9" units="cm"/>
+          <inkml:channel name="F" type="integer" max="32767" units="dev"/>
+        </inkml:traceFormat>
+        <inkml:channelProperties>
+          <inkml:channelProperty channel="X" name="resolution" value="1000" units="1/cm"/>
+          <inkml:channelProperty channel="Y" name="resolution" value="1000" units="1/cm"/>
+          <inkml:channelProperty channel="F" name="resolution" value="0" units="1/dev"/>
+        </inkml:channelProperties>
+      </inkml:inkSource>
+      <inkml:timestamp xml:id="ts0" timeString="2020-10-16T16:14:02.022"/>
+    </inkml:context>
+    <inkml:brush xml:id="br0">
+      <inkml:brushProperty name="width" value="0.1" units="cm"/>
+      <inkml:brushProperty name="height" value="0.1" units="cm"/>
+      <inkml:brushProperty name="color" value="#66CC00"/>
+    </inkml:brush>
+  </inkml:definitions>
+  <inkml:trace contextRef="#ctx0" brushRef="#br0">70 113 5393,'0'0'2426,"0"0"-702,0 0-223,0 0-209,0 0-246,0 0-74,7-13-3,-2 2-676,-4 7-214,1 0 0,-1 0-1,1 1 1,0-1 0,0 0-1,0 1 1,1 0 0,-1-1 0,1 1-1,0 0 1,0 0 0,0 0-1,0 1 1,0-1 0,0 1 0,1-1-1,-1 1 1,1 0 0,0 1-1,2-2-78,19-4 466,0 1 0,1 2 0,-1 0 0,1 1 0,0 2 0,0 1 0,-1 0 0,8 3-466,-27-1 36,1 0 0,-1 0 1,0 0-1,1 1 1,-1 0-1,-1 0 0,1 0 1,0 1-1,-1 0 0,0 0 1,0 0-1,0 1 0,0 0 1,-1 0-1,1 0 0,-1 0 1,-1 1-1,1-1 0,-1 1 1,0 0-1,0 0 0,0 2-36,4 7 57,-1 1 0,0-1 0,-1 1 0,-1 0 0,-1 0 0,0 1 0,-1-1 0,0 10-57,-2-26 33,0 1 1,0-1 0,0 0-1,0 0 1,0 1 0,0-1-1,0 0 1,0 0-1,0 0 1,0 1 0,0-1-1,0 0 1,0 0 0,0 1-1,-1-1 1,1 0 0,0 0-1,0 0 1,0 1-1,0-1 1,-1 0 0,1 0-1,0 0 1,0 0 0,0 1-1,-1-1 1,1 0-1,0 0 1,0 0 0,0 0-1,-1 0 1,1 0 0,0 0-1,0 0 1,-1 0 0,1 0-1,0 0 1,0 0-1,-1 0-33,-15-4 658,-35-22-480,-14-6 101,37 28-166,0 1 1,-1 1 0,0 2 0,1 0 0,-20 4-114,35 0 17,-1-1 0,1 2 0,0 0 0,0 0 0,0 1 0,1 1 0,0 0 0,0 1 0,1 0 0,0 1 0,0 0 0,1 1 0,-7 7-17,14-13 2,0 0-1,1 0 0,-1 0 1,1 1-1,0-1 1,0 0-1,0 1 0,1 0 1,0-1-1,0 1 0,0 0 1,0-1-1,1 3-1,2 63 154,-1-68-143,-1 0 0,1 1 0,-1-1-1,1 0 1,0 0 0,0 0-1,0 0 1,0 0 0,0 0-1,0 0 1,0 0 0,1 0 0,-1-1-1,1 1 1,0 0 0,-1-1-1,1 0 1,0 1 0,1 0-11,2 1 6,0-1 0,0 1 0,1-1 1,-1-1-1,0 1 0,1 0 0,-1-1 0,3 0-6,16 1 15,0-1-1,-1 0 0,20-4-14,-35 3 25,11-4-97,0 0 1,0-1 0,-1 0-1,0-2 1,0 0 0,-1-1-1,13-8 72,-4 3-641,-23 12 331,1-1 0,0 0 0,-1-1-1,1 1 1,-1-1 0,0 1 0,1-1-1,-1 0 1,-1 0 0,1 0 0,0-1-1,-1 1 1,0-1 0,0 1 0,0-1-1,1-1 311,8-44-7456,-10 16-528</inkml:trace>
+</inkml:ink>
+</file>
+
+<file path=ppt/ink/ink4.xml><?xml version="1.0" encoding="utf-8"?>
+<inkml:ink xmlns:inkml="http://www.w3.org/2003/InkML">
+  <inkml:definitions>
+    <inkml:context xml:id="ctx0">
+      <inkml:inkSource xml:id="inkSrc0">
+        <inkml:traceFormat>
+          <inkml:channel name="X" type="integer" min="-2.14748E9" max="2.14748E9" units="cm"/>
+          <inkml:channel name="Y" type="integer" min="-2.14748E9" max="2.14748E9" units="cm"/>
+          <inkml:channel name="F" type="integer" max="32767" units="dev"/>
+        </inkml:traceFormat>
+        <inkml:channelProperties>
+          <inkml:channelProperty channel="X" name="resolution" value="1000" units="1/cm"/>
+          <inkml:channelProperty channel="Y" name="resolution" value="1000" units="1/cm"/>
+          <inkml:channelProperty channel="F" name="resolution" value="0" units="1/dev"/>
+        </inkml:channelProperties>
+      </inkml:inkSource>
+      <inkml:timestamp xml:id="ts0" timeString="2020-10-16T16:14:02.642"/>
+    </inkml:context>
+    <inkml:brush xml:id="br0">
+      <inkml:brushProperty name="width" value="0.1" units="cm"/>
+      <inkml:brushProperty name="height" value="0.1" units="cm"/>
+      <inkml:brushProperty name="color" value="#66CC00"/>
+    </inkml:brush>
+  </inkml:definitions>
+  <inkml:trace contextRef="#ctx0" brushRef="#br0">21 0 7922,'0'0'2568,"0"0"-511,0 0-17,0 0-784,0 0-15,-20 173-33,20-132-304,0-7-336,0-11-144,0-11-152,0-6-184,0-6-88,0 0-640,0 0-1056,0-12-1169,0 0-2848</inkml:trace>
+</inkml:ink>
+</file>
+
+<file path=ppt/ink/ink5.xml><?xml version="1.0" encoding="utf-8"?>
+<inkml:ink xmlns:inkml="http://www.w3.org/2003/InkML">
+  <inkml:definitions>
+    <inkml:context xml:id="ctx0">
+      <inkml:inkSource xml:id="inkSrc0">
+        <inkml:traceFormat>
+          <inkml:channel name="X" type="integer" min="-2.14748E9" max="2.14748E9" units="cm"/>
+          <inkml:channel name="Y" type="integer" min="-2.14748E9" max="2.14748E9" units="cm"/>
+          <inkml:channel name="F" type="integer" max="32767" units="dev"/>
+        </inkml:traceFormat>
+        <inkml:channelProperties>
+          <inkml:channelProperty channel="X" name="resolution" value="1000" units="1/cm"/>
+          <inkml:channelProperty channel="Y" name="resolution" value="1000" units="1/cm"/>
+          <inkml:channelProperty channel="F" name="resolution" value="0" units="1/dev"/>
+        </inkml:channelProperties>
+      </inkml:inkSource>
+      <inkml:timestamp xml:id="ts0" timeString="2020-10-16T16:14:02.986"/>
+    </inkml:context>
+    <inkml:brush xml:id="br0">
+      <inkml:brushProperty name="width" value="0.1" units="cm"/>
+      <inkml:brushProperty name="height" value="0.1" units="cm"/>
+      <inkml:brushProperty name="color" value="#66CC00"/>
+    </inkml:brush>
+  </inkml:definitions>
+  <inkml:trace contextRef="#ctx0" brushRef="#br0">1 0 9498,'0'0'4329,"0"0"-3001,0 0-23,0 0-1305,0 0-121,0 0-2359,0 0-4217</inkml:trace>
+</inkml:ink>
+</file>
+
+<file path=ppt/ink/ink6.xml><?xml version="1.0" encoding="utf-8"?>
+<inkml:ink xmlns:inkml="http://www.w3.org/2003/InkML">
+  <inkml:definitions>
+    <inkml:context xml:id="ctx0">
+      <inkml:inkSource xml:id="inkSrc0">
+        <inkml:traceFormat>
+          <inkml:channel name="X" type="integer" min="-2.14748E9" max="2.14748E9" units="cm"/>
+          <inkml:channel name="Y" type="integer" min="-2.14748E9" max="2.14748E9" units="cm"/>
+          <inkml:channel name="F" type="integer" max="32767" units="dev"/>
+        </inkml:traceFormat>
+        <inkml:channelProperties>
+          <inkml:channelProperty channel="X" name="resolution" value="1000" units="1/cm"/>
+          <inkml:channelProperty channel="Y" name="resolution" value="1000" units="1/cm"/>
+          <inkml:channelProperty channel="F" name="resolution" value="0" units="1/dev"/>
+        </inkml:channelProperties>
+      </inkml:inkSource>
+      <inkml:timestamp xml:id="ts0" timeString="2020-10-16T16:14:03.731"/>
+    </inkml:context>
+    <inkml:brush xml:id="br0">
+      <inkml:brushProperty name="width" value="0.1" units="cm"/>
+      <inkml:brushProperty name="height" value="0.1" units="cm"/>
+      <inkml:brushProperty name="color" value="#66CC00"/>
+    </inkml:brush>
+  </inkml:definitions>
+  <inkml:trace contextRef="#ctx0" brushRef="#br0">0 1 7154,'0'0'2023,"0"0"-276,0 0-318,0 0-335,0 0-71,0 0-56,0 0-31,0 0 24,0 25 1363,0 49-760,3-1 0,4 1 0,10 43-1563,-16-106 80,-1-11-63,0 1 0,0-1 0,0 1 0,0-1 0,0 1 0,0-1 0,0 1 0,1-1-1,-1 1 1,0-1 0,0 1 0,0 0 0,1-1 0,-1 0 0,0 1 0,0-1 0,1 1 0,-1-1 0,0 1 0,1-1 0,-1 0 0,1 1-1,-1-1 1,1 0 0,-1 1 0,1-1 0,-1 0 0,0 1 0,1-1 0,0 0 0,-1 0 0,1 0 0,-1 0 0,1 1 0,-1-1 0,1 0 0,-1 0-1,1 0 1,-1 0 0,1 0 0,0 0 0,-1 0 0,1-1 0,-1 1 0,1 0 0,-1 0 0,1 0 0,-1-1 0,1 1-17,0 0 21,-1 0-10,16-19-13,-7 0-9,0 1 0,1 1 0,1-1-1,1 2 1,8-11 11,71-74-42,-83 91 32,1 0 0,0 1 1,1 0-1,0 1 0,0 0 0,0 1 1,1 0-1,1 1 0,-1 0 1,1 0-1,0 1 0,0 1 1,0 0-1,1 1 0,-1 0 0,1 1 1,0 0-1,1 1 10,-3 0-15,1 1 0,0 0 0,-1 0 1,1 2-1,-1-1 0,0 1 0,1 1 0,-1 0 0,0 1 0,6 2 15,-11-3 15,0 1 1,0-1-1,0 1 0,-1 0 0,0 1 0,0-1 0,0 1 1,0 0-1,-1 0 0,1 0 0,-1 1 0,-1 0 0,1 0 0,-1 0 1,0 0-1,0 0 0,-1 0 0,2 7-15,1 11 111,-1 0 1,-2 1-1,0-1 0,-2 0 0,0 1 1,-2 3-112,0 32 123,3-32-66,0-17-38,-1 0-1,1 0 0,-2 0 1,0 0-1,0-1 0,-1 1 0,0 0 1,-1 0-1,0-1 0,0 0 1,-3 4-19,5-12 30,1-2-158,-36 0-2459,35 0 2455,-1 0-1,1-1 1,-1 1 0,0 0-1,1-1 1,-1 0-1,1 1 1,-1-1 0,1 0-1,-1 0 1,1 1 0,0-1-1,-1 0 1,1 0 0,0-1-1,0 1 1,0 0-1,-1 0 1,1-1 0,1 1-1,-1 0 1,0-1 0,0 1-1,0-1 1,1 1 0,-1-2 132,-11-45-5420,11 25 606</inkml:trace>
+</inkml:ink>
+</file>
+
+<file path=ppt/ink/ink7.xml><?xml version="1.0" encoding="utf-8"?>
+<inkml:ink xmlns:inkml="http://www.w3.org/2003/InkML">
+  <inkml:definitions>
+    <inkml:context xml:id="ctx0">
+      <inkml:inkSource xml:id="inkSrc0">
+        <inkml:traceFormat>
+          <inkml:channel name="X" type="integer" min="-2.14748E9" max="2.14748E9" units="cm"/>
+          <inkml:channel name="Y" type="integer" min="-2.14748E9" max="2.14748E9" units="cm"/>
+          <inkml:channel name="F" type="integer" max="32767" units="dev"/>
+        </inkml:traceFormat>
+        <inkml:channelProperties>
+          <inkml:channelProperty channel="X" name="resolution" value="1000" units="1/cm"/>
+          <inkml:channelProperty channel="Y" name="resolution" value="1000" units="1/cm"/>
+          <inkml:channelProperty channel="F" name="resolution" value="0" units="1/dev"/>
+        </inkml:channelProperties>
+      </inkml:inkSource>
+      <inkml:timestamp xml:id="ts0" timeString="2020-10-16T16:13:45.762"/>
+    </inkml:context>
+    <inkml:brush xml:id="br0">
+      <inkml:brushProperty name="width" value="0.1" units="cm"/>
+      <inkml:brushProperty name="height" value="0.1" units="cm"/>
+      <inkml:brushProperty name="color" value="#FF0066"/>
+    </inkml:brush>
+  </inkml:definitions>
+  <inkml:trace contextRef="#ctx0" brushRef="#br0">3009 1 5369,'0'0'1897,"0"0"-293,0 0-205,0 0-52,0 0-122,0 0-124,-8 3-153,-157 47 5276,-25 0-6224,77-23 779,-251 68 837,248-59-1310,4-2 794,-63 10-1100,75-23 556,0 4 1,-20 12-557,39-12 376,-18 2-376,28-5 121,44-13-27,0-1 1,-24 4-95,7-3 99,1 2 0,0 2 1,-20 10-100,15-5 94,-70 21 199,39-14-34,2 3 1,-44 24-260,120-51 6,-5 2 10,1-1 1,0 1-1,-1-1 1,1 0-1,-1 0 1,0-1-1,-2 1-16,7-2 14,1 0 4,-27 11 165,-40 7 65,35-8-594,27-9 309,1 0 1,0 0-1,0 0 1,0 1-1,0-1 0,0 1 1,1 0-1,-1 0 1,0 0-1,-1 2 37,-43 19-197,44-20 169,0 0 0,0-1 0,-1 0 0,1 1 0,-1-1 0,0-1 0,0 1 0,-4 0 28,5-1-22,-1 1-1,0-1 1,0 1 0,1 0-1,-1 0 1,1 1-1,0-1 1,-3 3 22,-5-1-10,-5 3-12,-2 0 30,4-3-10,13-3 1,-1-1 1,1 1-1,-1 0 1,1-1 0,-1 1-1,1 0 1,0 1-1,-1-1 1,1 0-1,0 1 1,0-1 0,0 1-1,0 0 1,0 0 0,6-8-3301,27-29 334,4 1-1674,5-6-1942</inkml:trace>
+</inkml:ink>
+</file>
+
+<file path=ppt/ink/ink8.xml><?xml version="1.0" encoding="utf-8"?>
+<inkml:ink xmlns:inkml="http://www.w3.org/2003/InkML">
+  <inkml:definitions>
+    <inkml:context xml:id="ctx0">
+      <inkml:inkSource xml:id="inkSrc0">
+        <inkml:traceFormat>
+          <inkml:channel name="X" type="integer" min="-2.14748E9" max="2.14748E9" units="cm"/>
+          <inkml:channel name="Y" type="integer" min="-2.14748E9" max="2.14748E9" units="cm"/>
+          <inkml:channel name="F" type="integer" max="32767" units="dev"/>
+        </inkml:traceFormat>
+        <inkml:channelProperties>
+          <inkml:channelProperty channel="X" name="resolution" value="1000" units="1/cm"/>
+          <inkml:channelProperty channel="Y" name="resolution" value="1000" units="1/cm"/>
+          <inkml:channelProperty channel="F" name="resolution" value="0" units="1/dev"/>
+        </inkml:channelProperties>
+      </inkml:inkSource>
+      <inkml:timestamp xml:id="ts0" timeString="2020-10-16T16:14:00.935"/>
+    </inkml:context>
+    <inkml:brush xml:id="br0">
+      <inkml:brushProperty name="width" value="0.1" units="cm"/>
+      <inkml:brushProperty name="height" value="0.1" units="cm"/>
+      <inkml:brushProperty name="color" value="#66CC00"/>
+    </inkml:brush>
+  </inkml:definitions>
+  <inkml:trace contextRef="#ctx0" brushRef="#br0">3 10 4585,'0'0'1872,"0"0"-91,0 0-66,0 0-274,0 0-282,0-9 1617,-1 83-731,0-25-1380,1 0 1,2 1 0,3-1-1,2-1 1,2 1-666,9 28 629,2 8 369,3-1 1,12 24-999,-29-215 1291,-6 57-1256,2 0 0,3 0 0,2-4-35,-4 34-1,2 1 1,0 0-1,1 0 0,1 1 0,1-1 1,0 1-1,2 1 0,0 0 0,3-3 1,-9 15-9,0 0 0,1 0-1,-1 1 1,1 0 0,0 0 0,0 0-1,1 0 1,-1 1 0,1 0-1,-1 0 1,1 1 0,0-1-1,0 1 1,1 0 0,-1 1 0,5-1 9,8-1-21,0 2 0,0 0 0,0 1 0,0 0 0,2 2 21,-15-1-7,0 1 0,0-1 0,0 1 0,-1 0 0,1 1 0,0 0 0,-1-1 0,0 2 0,1-1 0,-1 1 0,-1-1 0,1 1 0,-1 1 0,1-1 0,-1 1 0,0-1 1,-1 1-1,1 1 0,-1-1 0,0 0 0,0 1 0,-1-1 0,2 6 7,5 11 16,-1 0 0,-1 1 0,-1 0 0,-2 0 0,2 17-16,-1 28 74,-3 64-74,-2-86 154,0-45-143,0-1 2,0 0-4,0 0-1,0 0 8,0 0 26,0 0-10,0-24 50,1-1-61,1 0-1,2 0 1,0 1-1,2-1 1,0 1-1,10-21-20,4-6-3,3 1 1,18-29 2,-36 70-7,0 1 1,0-1-1,1 1 0,0 0 1,0 1-1,1 0 1,0 0-1,1 0 1,2-2 6,-6 7-8,-1 0 0,0 0 1,1 0-1,-1 1 0,1 0 0,-1-1 1,1 1-1,0 0 0,0 1 1,0-1-1,-1 1 0,1-1 1,0 1-1,0 0 0,0 1 1,0-1-1,-1 1 0,1-1 1,0 1-1,0 1 0,-1-1 1,1 0-1,-1 1 0,1-1 1,-1 1-1,3 2 8,16 9-6,-2 0-1,0 1 1,0 1 0,-2 1-1,1 1 1,7 10 6,-18-18 3,0 1 0,-1 0 0,-1 1 1,1 0-1,-2 0 0,1 0 0,-1 1 0,-1-1 1,0 1-1,-1 0 0,0 0 0,-1 1 0,-1-1 1,1 3-4,0 3 39,-1 0 1,0-1-1,-1 1 1,-1 0-1,-1 0 1,-1 0-1,0 0 1,-1-1-1,-1 1 1,-1-1-1,0 0 1,-1-1-1,-7 12-39,-28 27 180,25-34-101,14-15-98,3-5-181,0-1-247,0 0-352,0-21-3161,0-56-4281,0 37 2901</inkml:trace>
+</inkml:ink>
+</file>
+
+<file path=ppt/ink/ink9.xml><?xml version="1.0" encoding="utf-8"?>
+<inkml:ink xmlns:inkml="http://www.w3.org/2003/InkML">
+  <inkml:definitions>
+    <inkml:context xml:id="ctx0">
+      <inkml:inkSource xml:id="inkSrc0">
+        <inkml:traceFormat>
+          <inkml:channel name="X" type="integer" min="-2.14748E9" max="2.14748E9" units="cm"/>
+          <inkml:channel name="Y" type="integer" min="-2.14748E9" max="2.14748E9" units="cm"/>
+          <inkml:channel name="F" type="integer" max="32767" units="dev"/>
+        </inkml:traceFormat>
+        <inkml:channelProperties>
+          <inkml:channelProperty channel="X" name="resolution" value="1000" units="1/cm"/>
+          <inkml:channelProperty channel="Y" name="resolution" value="1000" units="1/cm"/>
+          <inkml:channelProperty channel="F" name="resolution" value="0" units="1/dev"/>
+        </inkml:channelProperties>
+      </inkml:inkSource>
+      <inkml:timestamp xml:id="ts0" timeString="2020-10-16T16:14:02.022"/>
+    </inkml:context>
+    <inkml:brush xml:id="br0">
+      <inkml:brushProperty name="width" value="0.1" units="cm"/>
+      <inkml:brushProperty name="height" value="0.1" units="cm"/>
+      <inkml:brushProperty name="color" value="#66CC00"/>
+    </inkml:brush>
+  </inkml:definitions>
+  <inkml:trace contextRef="#ctx0" brushRef="#br0">70 113 5393,'0'0'2426,"0"0"-702,0 0-223,0 0-209,0 0-246,0 0-74,7-13-3,-2 2-676,-4 7-214,1 0 0,-1 0-1,1 1 1,0-1 0,0 0-1,0 1 1,1 0 0,-1-1 0,1 1-1,0 0 1,0 0 0,0 0-1,0 1 1,0-1 0,0 1 0,1-1-1,-1 1 1,1 0 0,0 1-1,2-2-78,19-4 466,0 1 0,1 2 0,-1 0 0,1 1 0,0 2 0,0 1 0,-1 0 0,8 3-466,-27-1 36,1 0 0,-1 0 1,0 0-1,1 1 1,-1 0-1,-1 0 0,1 0 1,0 1-1,-1 0 0,0 0 1,0 0-1,0 1 0,0 0 1,-1 0-1,1 0 0,-1 0 1,-1 1-1,1-1 0,-1 1 1,0 0-1,0 0 0,0 2-36,4 7 57,-1 1 0,0-1 0,-1 1 0,-1 0 0,-1 0 0,0 1 0,-1-1 0,0 10-57,-2-26 33,0 1 1,0-1 0,0 0-1,0 0 1,0 1 0,0-1-1,0 0 1,0 0-1,0 0 1,0 1 0,0-1-1,0 0 1,0 0 0,0 1-1,-1-1 1,1 0 0,0 0-1,0 0 1,0 1-1,0-1 1,-1 0 0,1 0-1,0 0 1,0 0 0,0 1-1,-1-1 1,1 0-1,0 0 1,0 0 0,0 0-1,-1 0 1,1 0 0,0 0-1,0 0 1,-1 0 0,1 0-1,0 0 1,0 0-1,-1 0-33,-15-4 658,-35-22-480,-14-6 101,37 28-166,0 1 1,-1 1 0,0 2 0,1 0 0,-20 4-114,35 0 17,-1-1 0,1 2 0,0 0 0,0 0 0,0 1 0,1 1 0,0 0 0,0 1 0,1 0 0,0 1 0,0 0 0,1 1 0,-7 7-17,14-13 2,0 0-1,1 0 0,-1 0 1,1 1-1,0-1 1,0 0-1,0 1 0,1 0 1,0-1-1,0 1 0,0 0 1,0-1-1,1 3-1,2 63 154,-1-68-143,-1 0 0,1 1 0,-1-1-1,1 0 1,0 0 0,0 0-1,0 0 1,0 0 0,0 0-1,0 0 1,0 0 0,1 0 0,-1-1-1,1 1 1,0 0 0,-1-1-1,1 0 1,0 1 0,1 0-11,2 1 6,0-1 0,0 1 0,1-1 1,-1-1-1,0 1 0,1 0 0,-1-1 0,3 0-6,16 1 15,0-1-1,-1 0 0,20-4-14,-35 3 25,11-4-97,0 0 1,0-1 0,-1 0-1,0-2 1,0 0 0,-1-1-1,13-8 72,-4 3-641,-23 12 331,1-1 0,0 0 0,-1-1-1,1 1 1,-1-1 0,0 1 0,1-1-1,-1 0 1,-1 0 0,1 0 0,0-1-1,-1 1 1,0-1 0,0 1 0,0-1-1,1-1 311,8-44-7456,-10 16-528</inkml:trace>
+</inkml:ink>
 </file>
 
 <file path=ppt/slideLayouts/slideLayout1.xml><?xml version="1.0" encoding="utf-8"?>
@@ -6219,47 +6725,577 @@
             </a:r>
             <a:r>
               <a:rPr lang="en-US" dirty="0"/>
-              <a:t>: Merge/Conflict</a:t>
-            </a:r>
-            <a:endParaRPr lang="es-419" dirty="0"/>
-          </a:p>
-        </p:txBody>
-      </p:sp>
-      <p:sp>
-        <p:nvSpPr>
-          <p:cNvPr id="3" name="Content Placeholder 2">
+              <a:t>: </a:t>
+            </a:r>
+            <a:r>
+              <a:rPr lang="en-US" dirty="0">
+                <a:solidFill>
+                  <a:srgbClr val="FFC000"/>
+                </a:solidFill>
+              </a:rPr>
+              <a:t>Branch</a:t>
+            </a:r>
+            <a:endParaRPr lang="es-419" dirty="0">
+              <a:solidFill>
+                <a:srgbClr val="FFC000"/>
+              </a:solidFill>
+            </a:endParaRPr>
+          </a:p>
+        </p:txBody>
+      </p:sp>
+      <p:sp>
+        <p:nvSpPr>
+          <p:cNvPr id="3" name="TextBox 5">
             <a:extLst>
               <a:ext uri="{FF2B5EF4-FFF2-40B4-BE49-F238E27FC236}">
-                <a16:creationId xmlns:a16="http://schemas.microsoft.com/office/drawing/2014/main" id="{4C8A22F4-750C-4E9A-B539-BC08DBA1AC78}"/>
+                <a16:creationId xmlns:a16="http://schemas.microsoft.com/office/drawing/2014/main" id="{A2403F36-6DD4-4B7D-B0D6-78464E57E76E}"/>
               </a:ext>
             </a:extLst>
           </p:cNvPr>
-          <p:cNvSpPr>
-            <a:spLocks noGrp="1"/>
-          </p:cNvSpPr>
-          <p:nvPr>
-            <p:ph idx="1"/>
-          </p:nvPr>
-        </p:nvSpPr>
-        <p:spPr/>
-        <p:txBody>
-          <a:bodyPr/>
-          <a:lstStyle/>
-          <a:p>
-            <a:pPr marL="0" indent="0">
-              <a:buNone/>
-            </a:pPr>
-            <a:r>
-              <a:rPr lang="es-419" dirty="0"/>
+          <p:cNvSpPr txBox="1"/>
+          <p:nvPr/>
+        </p:nvSpPr>
+        <p:spPr>
+          <a:xfrm>
+            <a:off x="1804887" y="2049555"/>
+            <a:ext cx="8571577" cy="369332"/>
+          </a:xfrm>
+          <a:prstGeom prst="rect">
+            <a:avLst/>
+          </a:prstGeom>
+          <a:noFill/>
+        </p:spPr>
+        <p:txBody>
+          <a:bodyPr wrap="none" rtlCol="0">
+            <a:spAutoFit/>
+          </a:bodyPr>
+          <a:lstStyle>
+            <a:defPPr>
+              <a:defRPr lang="en-US"/>
+            </a:defPPr>
+            <a:lvl1pPr marL="0" algn="l" defTabSz="457200" rtl="0" eaLnBrk="1" latinLnBrk="0" hangingPunct="1">
+              <a:defRPr sz="1800" kern="1200">
+                <a:solidFill>
+                  <a:schemeClr val="tx1"/>
+                </a:solidFill>
+                <a:latin typeface="+mn-lt"/>
+                <a:ea typeface="+mn-ea"/>
+                <a:cs typeface="+mn-cs"/>
+              </a:defRPr>
+            </a:lvl1pPr>
+            <a:lvl2pPr marL="457200" algn="l" defTabSz="457200" rtl="0" eaLnBrk="1" latinLnBrk="0" hangingPunct="1">
+              <a:defRPr sz="1800" kern="1200">
+                <a:solidFill>
+                  <a:schemeClr val="tx1"/>
+                </a:solidFill>
+                <a:latin typeface="+mn-lt"/>
+                <a:ea typeface="+mn-ea"/>
+                <a:cs typeface="+mn-cs"/>
+              </a:defRPr>
+            </a:lvl2pPr>
+            <a:lvl3pPr marL="914400" algn="l" defTabSz="457200" rtl="0" eaLnBrk="1" latinLnBrk="0" hangingPunct="1">
+              <a:defRPr sz="1800" kern="1200">
+                <a:solidFill>
+                  <a:schemeClr val="tx1"/>
+                </a:solidFill>
+                <a:latin typeface="+mn-lt"/>
+                <a:ea typeface="+mn-ea"/>
+                <a:cs typeface="+mn-cs"/>
+              </a:defRPr>
+            </a:lvl3pPr>
+            <a:lvl4pPr marL="1371600" algn="l" defTabSz="457200" rtl="0" eaLnBrk="1" latinLnBrk="0" hangingPunct="1">
+              <a:defRPr sz="1800" kern="1200">
+                <a:solidFill>
+                  <a:schemeClr val="tx1"/>
+                </a:solidFill>
+                <a:latin typeface="+mn-lt"/>
+                <a:ea typeface="+mn-ea"/>
+                <a:cs typeface="+mn-cs"/>
+              </a:defRPr>
+            </a:lvl4pPr>
+            <a:lvl5pPr marL="1828800" algn="l" defTabSz="457200" rtl="0" eaLnBrk="1" latinLnBrk="0" hangingPunct="1">
+              <a:defRPr sz="1800" kern="1200">
+                <a:solidFill>
+                  <a:schemeClr val="tx1"/>
+                </a:solidFill>
+                <a:latin typeface="+mn-lt"/>
+                <a:ea typeface="+mn-ea"/>
+                <a:cs typeface="+mn-cs"/>
+              </a:defRPr>
+            </a:lvl5pPr>
+            <a:lvl6pPr marL="2286000" algn="l" defTabSz="457200" rtl="0" eaLnBrk="1" latinLnBrk="0" hangingPunct="1">
+              <a:defRPr sz="1800" kern="1200">
+                <a:solidFill>
+                  <a:schemeClr val="tx1"/>
+                </a:solidFill>
+                <a:latin typeface="+mn-lt"/>
+                <a:ea typeface="+mn-ea"/>
+                <a:cs typeface="+mn-cs"/>
+              </a:defRPr>
+            </a:lvl6pPr>
+            <a:lvl7pPr marL="2743200" algn="l" defTabSz="457200" rtl="0" eaLnBrk="1" latinLnBrk="0" hangingPunct="1">
+              <a:defRPr sz="1800" kern="1200">
+                <a:solidFill>
+                  <a:schemeClr val="tx1"/>
+                </a:solidFill>
+                <a:latin typeface="+mn-lt"/>
+                <a:ea typeface="+mn-ea"/>
+                <a:cs typeface="+mn-cs"/>
+              </a:defRPr>
+            </a:lvl7pPr>
+            <a:lvl8pPr marL="3200400" algn="l" defTabSz="457200" rtl="0" eaLnBrk="1" latinLnBrk="0" hangingPunct="1">
+              <a:defRPr sz="1800" kern="1200">
+                <a:solidFill>
+                  <a:schemeClr val="tx1"/>
+                </a:solidFill>
+                <a:latin typeface="+mn-lt"/>
+                <a:ea typeface="+mn-ea"/>
+                <a:cs typeface="+mn-cs"/>
+              </a:defRPr>
+            </a:lvl8pPr>
+            <a:lvl9pPr marL="3657600" algn="l" defTabSz="457200" rtl="0" eaLnBrk="1" latinLnBrk="0" hangingPunct="1">
+              <a:defRPr sz="1800" kern="1200">
+                <a:solidFill>
+                  <a:schemeClr val="tx1"/>
+                </a:solidFill>
+                <a:latin typeface="+mn-lt"/>
+                <a:ea typeface="+mn-ea"/>
+                <a:cs typeface="+mn-cs"/>
+              </a:defRPr>
+            </a:lvl9pPr>
+          </a:lstStyle>
+          <a:p>
+            <a:r>
+              <a:rPr lang="en-US" dirty="0"/>
+              <a:t>El c</a:t>
+            </a:r>
+            <a:r>
+              <a:rPr lang="es-419" dirty="0" err="1"/>
+              <a:t>ó</a:t>
+            </a:r>
+            <a:r>
+              <a:rPr lang="en-US" dirty="0" err="1"/>
+              <a:t>digo</a:t>
+            </a:r>
+            <a:r>
+              <a:rPr lang="en-US" dirty="0"/>
               <a:t> </a:t>
             </a:r>
-          </a:p>
-        </p:txBody>
-      </p:sp>
+            <a:r>
+              <a:rPr lang="en-US" dirty="0" err="1"/>
+              <a:t>en</a:t>
+            </a:r>
+            <a:r>
+              <a:rPr lang="en-US" dirty="0"/>
+              <a:t> branches </a:t>
+            </a:r>
+            <a:r>
+              <a:rPr lang="en-US" dirty="0" err="1"/>
+              <a:t>distintas</a:t>
+            </a:r>
+            <a:r>
+              <a:rPr lang="en-US" dirty="0"/>
+              <a:t> es </a:t>
+            </a:r>
+            <a:r>
+              <a:rPr lang="en-US" dirty="0" err="1"/>
+              <a:t>distinto</a:t>
+            </a:r>
+            <a:r>
+              <a:rPr lang="en-US" dirty="0"/>
+              <a:t> </a:t>
+            </a:r>
+            <a:r>
+              <a:rPr lang="en-US" dirty="0" err="1"/>
+              <a:t>mientras</a:t>
+            </a:r>
+            <a:r>
+              <a:rPr lang="en-US" dirty="0"/>
+              <a:t> las branches </a:t>
+            </a:r>
+            <a:r>
+              <a:rPr lang="en-US" dirty="0" err="1"/>
+              <a:t>esten</a:t>
+            </a:r>
+            <a:r>
+              <a:rPr lang="en-US" dirty="0"/>
+              <a:t> </a:t>
+            </a:r>
+            <a:r>
+              <a:rPr lang="en-US" dirty="0" err="1"/>
+              <a:t>separadas</a:t>
+            </a:r>
+            <a:endParaRPr lang="es-419" dirty="0"/>
+          </a:p>
+        </p:txBody>
+      </p:sp>
+      <p:pic>
+        <p:nvPicPr>
+          <p:cNvPr id="5" name="Picture 4" descr="Diagram, schematic&#10;&#10;Description automatically generated">
+            <a:extLst>
+              <a:ext uri="{FF2B5EF4-FFF2-40B4-BE49-F238E27FC236}">
+                <a16:creationId xmlns:a16="http://schemas.microsoft.com/office/drawing/2014/main" id="{54645C1F-B4E5-4DF2-B194-A7E6B9FA947F}"/>
+              </a:ext>
+            </a:extLst>
+          </p:cNvPr>
+          <p:cNvPicPr>
+            <a:picLocks noChangeAspect="1"/>
+          </p:cNvPicPr>
+          <p:nvPr/>
+        </p:nvPicPr>
+        <p:blipFill>
+          <a:blip r:embed="rId2">
+            <a:extLst>
+              <a:ext uri="{28A0092B-C50C-407E-A947-70E740481C1C}">
+                <a14:useLocalDpi xmlns:a14="http://schemas.microsoft.com/office/drawing/2010/main" val="0"/>
+              </a:ext>
+            </a:extLst>
+          </a:blip>
+          <a:stretch>
+            <a:fillRect/>
+          </a:stretch>
+        </p:blipFill>
+        <p:spPr>
+          <a:xfrm>
+            <a:off x="2400514" y="2702733"/>
+            <a:ext cx="7390971" cy="3787109"/>
+          </a:xfrm>
+          <a:prstGeom prst="rect">
+            <a:avLst/>
+          </a:prstGeom>
+        </p:spPr>
+      </p:pic>
+      <mc:AlternateContent xmlns:mc="http://schemas.openxmlformats.org/markup-compatibility/2006">
+        <mc:Choice xmlns:p14="http://schemas.microsoft.com/office/powerpoint/2010/main" Requires="p14">
+          <p:contentPart p14:bwMode="auto" r:id="rId3">
+            <p14:nvContentPartPr>
+              <p14:cNvPr id="6" name="Ink 5">
+                <a:extLst>
+                  <a:ext uri="{FF2B5EF4-FFF2-40B4-BE49-F238E27FC236}">
+                    <a16:creationId xmlns:a16="http://schemas.microsoft.com/office/drawing/2014/main" id="{960E235B-FB1E-4BEB-9D27-3C9C1DCA0971}"/>
+                  </a:ext>
+                </a:extLst>
+              </p14:cNvPr>
+              <p14:cNvContentPartPr/>
+              <p14:nvPr/>
+            </p14:nvContentPartPr>
+            <p14:xfrm>
+              <a:off x="2480562" y="5010330"/>
+              <a:ext cx="1083240" cy="332280"/>
+            </p14:xfrm>
+          </p:contentPart>
+        </mc:Choice>
+        <mc:Fallback>
+          <p:pic>
+            <p:nvPicPr>
+              <p:cNvPr id="6" name="Ink 5">
+                <a:extLst>
+                  <a:ext uri="{FF2B5EF4-FFF2-40B4-BE49-F238E27FC236}">
+                    <a16:creationId xmlns:a16="http://schemas.microsoft.com/office/drawing/2014/main" id="{960E235B-FB1E-4BEB-9D27-3C9C1DCA0971}"/>
+                  </a:ext>
+                </a:extLst>
+              </p:cNvPr>
+              <p:cNvPicPr/>
+              <p:nvPr/>
+            </p:nvPicPr>
+            <p:blipFill>
+              <a:blip r:embed="rId4"/>
+              <a:stretch>
+                <a:fillRect/>
+              </a:stretch>
+            </p:blipFill>
+            <p:spPr>
+              <a:xfrm>
+                <a:off x="2462922" y="4992690"/>
+                <a:ext cx="1118880" cy="367920"/>
+              </a:xfrm>
+              <a:prstGeom prst="rect">
+                <a:avLst/>
+              </a:prstGeom>
+            </p:spPr>
+          </p:pic>
+        </mc:Fallback>
+      </mc:AlternateContent>
+      <p:grpSp>
+        <p:nvGrpSpPr>
+          <p:cNvPr id="18" name="Group 17">
+            <a:extLst>
+              <a:ext uri="{FF2B5EF4-FFF2-40B4-BE49-F238E27FC236}">
+                <a16:creationId xmlns:a16="http://schemas.microsoft.com/office/drawing/2014/main" id="{5F35DFA2-5B0E-407E-9BC0-502768FCAACC}"/>
+              </a:ext>
+            </a:extLst>
+          </p:cNvPr>
+          <p:cNvGrpSpPr/>
+          <p:nvPr/>
+        </p:nvGrpSpPr>
+        <p:grpSpPr>
+          <a:xfrm>
+            <a:off x="2536722" y="5458890"/>
+            <a:ext cx="1112400" cy="307440"/>
+            <a:chOff x="2536722" y="5458890"/>
+            <a:chExt cx="1112400" cy="307440"/>
+          </a:xfrm>
+        </p:grpSpPr>
+        <mc:AlternateContent xmlns:mc="http://schemas.openxmlformats.org/markup-compatibility/2006">
+          <mc:Choice xmlns:p14="http://schemas.microsoft.com/office/powerpoint/2010/main" Requires="p14">
+            <p:contentPart p14:bwMode="auto" r:id="rId5">
+              <p14:nvContentPartPr>
+                <p14:cNvPr id="13" name="Ink 12">
+                  <a:extLst>
+                    <a:ext uri="{FF2B5EF4-FFF2-40B4-BE49-F238E27FC236}">
+                      <a16:creationId xmlns:a16="http://schemas.microsoft.com/office/drawing/2014/main" id="{1FCB7FDE-1666-4349-848E-2BD9D7B4B21A}"/>
+                    </a:ext>
+                  </a:extLst>
+                </p14:cNvPr>
+                <p14:cNvContentPartPr/>
+                <p14:nvPr/>
+              </p14:nvContentPartPr>
+              <p14:xfrm>
+                <a:off x="2536722" y="5465730"/>
+                <a:ext cx="393480" cy="292320"/>
+              </p14:xfrm>
+            </p:contentPart>
+          </mc:Choice>
+          <mc:Fallback>
+            <p:pic>
+              <p:nvPicPr>
+                <p:cNvPr id="13" name="Ink 12">
+                  <a:extLst>
+                    <a:ext uri="{FF2B5EF4-FFF2-40B4-BE49-F238E27FC236}">
+                      <a16:creationId xmlns:a16="http://schemas.microsoft.com/office/drawing/2014/main" id="{1FCB7FDE-1666-4349-848E-2BD9D7B4B21A}"/>
+                    </a:ext>
+                  </a:extLst>
+                </p:cNvPr>
+                <p:cNvPicPr/>
+                <p:nvPr/>
+              </p:nvPicPr>
+              <p:blipFill>
+                <a:blip r:embed="rId6"/>
+                <a:stretch>
+                  <a:fillRect/>
+                </a:stretch>
+              </p:blipFill>
+              <p:spPr>
+                <a:xfrm>
+                  <a:off x="2519082" y="5448090"/>
+                  <a:ext cx="429120" cy="327960"/>
+                </a:xfrm>
+                <a:prstGeom prst="rect">
+                  <a:avLst/>
+                </a:prstGeom>
+              </p:spPr>
+            </p:pic>
+          </mc:Fallback>
+        </mc:AlternateContent>
+        <mc:AlternateContent xmlns:mc="http://schemas.openxmlformats.org/markup-compatibility/2006">
+          <mc:Choice xmlns:p14="http://schemas.microsoft.com/office/powerpoint/2010/main" Requires="p14">
+            <p:contentPart p14:bwMode="auto" r:id="rId7">
+              <p14:nvContentPartPr>
+                <p14:cNvPr id="14" name="Ink 13">
+                  <a:extLst>
+                    <a:ext uri="{FF2B5EF4-FFF2-40B4-BE49-F238E27FC236}">
+                      <a16:creationId xmlns:a16="http://schemas.microsoft.com/office/drawing/2014/main" id="{B8343A6A-5B07-4A48-9F3C-54BD2317D8B0}"/>
+                    </a:ext>
+                  </a:extLst>
+                </p14:cNvPr>
+                <p14:cNvContentPartPr/>
+                <p14:nvPr/>
+              </p14:nvContentPartPr>
+              <p14:xfrm>
+                <a:off x="2997162" y="5540970"/>
+                <a:ext cx="190440" cy="176400"/>
+              </p14:xfrm>
+            </p:contentPart>
+          </mc:Choice>
+          <mc:Fallback>
+            <p:pic>
+              <p:nvPicPr>
+                <p:cNvPr id="14" name="Ink 13">
+                  <a:extLst>
+                    <a:ext uri="{FF2B5EF4-FFF2-40B4-BE49-F238E27FC236}">
+                      <a16:creationId xmlns:a16="http://schemas.microsoft.com/office/drawing/2014/main" id="{B8343A6A-5B07-4A48-9F3C-54BD2317D8B0}"/>
+                    </a:ext>
+                  </a:extLst>
+                </p:cNvPr>
+                <p:cNvPicPr/>
+                <p:nvPr/>
+              </p:nvPicPr>
+              <p:blipFill>
+                <a:blip r:embed="rId8"/>
+                <a:stretch>
+                  <a:fillRect/>
+                </a:stretch>
+              </p:blipFill>
+              <p:spPr>
+                <a:xfrm>
+                  <a:off x="2979522" y="5523330"/>
+                  <a:ext cx="226080" cy="212040"/>
+                </a:xfrm>
+                <a:prstGeom prst="rect">
+                  <a:avLst/>
+                </a:prstGeom>
+              </p:spPr>
+            </p:pic>
+          </mc:Fallback>
+        </mc:AlternateContent>
+        <mc:AlternateContent xmlns:mc="http://schemas.openxmlformats.org/markup-compatibility/2006">
+          <mc:Choice xmlns:p14="http://schemas.microsoft.com/office/powerpoint/2010/main" Requires="p14">
+            <p:contentPart p14:bwMode="auto" r:id="rId9">
+              <p14:nvContentPartPr>
+                <p14:cNvPr id="15" name="Ink 14">
+                  <a:extLst>
+                    <a:ext uri="{FF2B5EF4-FFF2-40B4-BE49-F238E27FC236}">
+                      <a16:creationId xmlns:a16="http://schemas.microsoft.com/office/drawing/2014/main" id="{136A3443-3B6D-4F26-9161-4F40A7F31E85}"/>
+                    </a:ext>
+                  </a:extLst>
+                </p14:cNvPr>
+                <p14:cNvContentPartPr/>
+                <p14:nvPr/>
+              </p14:nvContentPartPr>
+              <p14:xfrm>
+                <a:off x="3285522" y="5596050"/>
+                <a:ext cx="7920" cy="104040"/>
+              </p14:xfrm>
+            </p:contentPart>
+          </mc:Choice>
+          <mc:Fallback>
+            <p:pic>
+              <p:nvPicPr>
+                <p:cNvPr id="15" name="Ink 14">
+                  <a:extLst>
+                    <a:ext uri="{FF2B5EF4-FFF2-40B4-BE49-F238E27FC236}">
+                      <a16:creationId xmlns:a16="http://schemas.microsoft.com/office/drawing/2014/main" id="{136A3443-3B6D-4F26-9161-4F40A7F31E85}"/>
+                    </a:ext>
+                  </a:extLst>
+                </p:cNvPr>
+                <p:cNvPicPr/>
+                <p:nvPr/>
+              </p:nvPicPr>
+              <p:blipFill>
+                <a:blip r:embed="rId10"/>
+                <a:stretch>
+                  <a:fillRect/>
+                </a:stretch>
+              </p:blipFill>
+              <p:spPr>
+                <a:xfrm>
+                  <a:off x="3267882" y="5578050"/>
+                  <a:ext cx="43560" cy="139680"/>
+                </a:xfrm>
+                <a:prstGeom prst="rect">
+                  <a:avLst/>
+                </a:prstGeom>
+              </p:spPr>
+            </p:pic>
+          </mc:Fallback>
+        </mc:AlternateContent>
+        <mc:AlternateContent xmlns:mc="http://schemas.openxmlformats.org/markup-compatibility/2006">
+          <mc:Choice xmlns:p14="http://schemas.microsoft.com/office/powerpoint/2010/main" Requires="p14">
+            <p:contentPart p14:bwMode="auto" r:id="rId11">
+              <p14:nvContentPartPr>
+                <p14:cNvPr id="16" name="Ink 15">
+                  <a:extLst>
+                    <a:ext uri="{FF2B5EF4-FFF2-40B4-BE49-F238E27FC236}">
+                      <a16:creationId xmlns:a16="http://schemas.microsoft.com/office/drawing/2014/main" id="{6DEF45CF-D74F-4EE7-A36B-BF064F0E01BF}"/>
+                    </a:ext>
+                  </a:extLst>
+                </p14:cNvPr>
+                <p14:cNvContentPartPr/>
+                <p14:nvPr/>
+              </p14:nvContentPartPr>
+              <p14:xfrm>
+                <a:off x="3295242" y="5458890"/>
+                <a:ext cx="360" cy="360"/>
+              </p14:xfrm>
+            </p:contentPart>
+          </mc:Choice>
+          <mc:Fallback>
+            <p:pic>
+              <p:nvPicPr>
+                <p:cNvPr id="16" name="Ink 15">
+                  <a:extLst>
+                    <a:ext uri="{FF2B5EF4-FFF2-40B4-BE49-F238E27FC236}">
+                      <a16:creationId xmlns:a16="http://schemas.microsoft.com/office/drawing/2014/main" id="{6DEF45CF-D74F-4EE7-A36B-BF064F0E01BF}"/>
+                    </a:ext>
+                  </a:extLst>
+                </p:cNvPr>
+                <p:cNvPicPr/>
+                <p:nvPr/>
+              </p:nvPicPr>
+              <p:blipFill>
+                <a:blip r:embed="rId12"/>
+                <a:stretch>
+                  <a:fillRect/>
+                </a:stretch>
+              </p:blipFill>
+              <p:spPr>
+                <a:xfrm>
+                  <a:off x="3277602" y="5440890"/>
+                  <a:ext cx="36000" cy="36000"/>
+                </a:xfrm>
+                <a:prstGeom prst="rect">
+                  <a:avLst/>
+                </a:prstGeom>
+              </p:spPr>
+            </p:pic>
+          </mc:Fallback>
+        </mc:AlternateContent>
+        <mc:AlternateContent xmlns:mc="http://schemas.openxmlformats.org/markup-compatibility/2006">
+          <mc:Choice xmlns:p14="http://schemas.microsoft.com/office/powerpoint/2010/main" Requires="p14">
+            <p:contentPart p14:bwMode="auto" r:id="rId13">
+              <p14:nvContentPartPr>
+                <p14:cNvPr id="17" name="Ink 16">
+                  <a:extLst>
+                    <a:ext uri="{FF2B5EF4-FFF2-40B4-BE49-F238E27FC236}">
+                      <a16:creationId xmlns:a16="http://schemas.microsoft.com/office/drawing/2014/main" id="{E05D6009-D2FC-4F04-BE26-E531DEA735DA}"/>
+                    </a:ext>
+                  </a:extLst>
+                </p14:cNvPr>
+                <p14:cNvContentPartPr/>
+                <p14:nvPr/>
+              </p14:nvContentPartPr>
+              <p14:xfrm>
+                <a:off x="3408642" y="5564730"/>
+                <a:ext cx="240480" cy="201600"/>
+              </p14:xfrm>
+            </p:contentPart>
+          </mc:Choice>
+          <mc:Fallback>
+            <p:pic>
+              <p:nvPicPr>
+                <p:cNvPr id="17" name="Ink 16">
+                  <a:extLst>
+                    <a:ext uri="{FF2B5EF4-FFF2-40B4-BE49-F238E27FC236}">
+                      <a16:creationId xmlns:a16="http://schemas.microsoft.com/office/drawing/2014/main" id="{E05D6009-D2FC-4F04-BE26-E531DEA735DA}"/>
+                    </a:ext>
+                  </a:extLst>
+                </p:cNvPr>
+                <p:cNvPicPr/>
+                <p:nvPr/>
+              </p:nvPicPr>
+              <p:blipFill>
+                <a:blip r:embed="rId14"/>
+                <a:stretch>
+                  <a:fillRect/>
+                </a:stretch>
+              </p:blipFill>
+              <p:spPr>
+                <a:xfrm>
+                  <a:off x="3390642" y="5547090"/>
+                  <a:ext cx="276120" cy="237240"/>
+                </a:xfrm>
+                <a:prstGeom prst="rect">
+                  <a:avLst/>
+                </a:prstGeom>
+              </p:spPr>
+            </p:pic>
+          </mc:Fallback>
+        </mc:AlternateContent>
+      </p:grpSp>
     </p:spTree>
     <p:extLst>
       <p:ext uri="{BB962C8B-B14F-4D97-AF65-F5344CB8AC3E}">
-        <p14:creationId xmlns:p14="http://schemas.microsoft.com/office/powerpoint/2010/main" val="1882495817"/>
+        <p14:creationId xmlns:p14="http://schemas.microsoft.com/office/powerpoint/2010/main" val="4089834529"/>
       </p:ext>
     </p:extLst>
   </p:cSld>
@@ -6313,47 +7349,605 @@
             </a:r>
             <a:r>
               <a:rPr lang="en-US" dirty="0"/>
-              <a:t>: Merge/Conflict</a:t>
-            </a:r>
-            <a:endParaRPr lang="es-419" dirty="0"/>
-          </a:p>
-        </p:txBody>
-      </p:sp>
-      <p:sp>
-        <p:nvSpPr>
-          <p:cNvPr id="3" name="Content Placeholder 2">
+              <a:t>: </a:t>
+            </a:r>
+            <a:r>
+              <a:rPr lang="en-US" dirty="0">
+                <a:solidFill>
+                  <a:srgbClr val="FFC000"/>
+                </a:solidFill>
+              </a:rPr>
+              <a:t>Branch</a:t>
+            </a:r>
+            <a:endParaRPr lang="es-419" dirty="0">
+              <a:solidFill>
+                <a:srgbClr val="FFC000"/>
+              </a:solidFill>
+            </a:endParaRPr>
+          </a:p>
+        </p:txBody>
+      </p:sp>
+      <p:sp>
+        <p:nvSpPr>
+          <p:cNvPr id="3" name="TextBox 5">
             <a:extLst>
               <a:ext uri="{FF2B5EF4-FFF2-40B4-BE49-F238E27FC236}">
-                <a16:creationId xmlns:a16="http://schemas.microsoft.com/office/drawing/2014/main" id="{4C8A22F4-750C-4E9A-B539-BC08DBA1AC78}"/>
+                <a16:creationId xmlns:a16="http://schemas.microsoft.com/office/drawing/2014/main" id="{A2403F36-6DD4-4B7D-B0D6-78464E57E76E}"/>
               </a:ext>
             </a:extLst>
           </p:cNvPr>
-          <p:cNvSpPr>
-            <a:spLocks noGrp="1"/>
-          </p:cNvSpPr>
-          <p:nvPr>
-            <p:ph idx="1"/>
-          </p:nvPr>
-        </p:nvSpPr>
-        <p:spPr/>
-        <p:txBody>
-          <a:bodyPr/>
-          <a:lstStyle/>
-          <a:p>
-            <a:pPr marL="0" indent="0">
-              <a:buNone/>
-            </a:pPr>
-            <a:r>
-              <a:rPr lang="es-419" dirty="0"/>
+          <p:cNvSpPr txBox="1"/>
+          <p:nvPr/>
+        </p:nvSpPr>
+        <p:spPr>
+          <a:xfrm>
+            <a:off x="1804887" y="2049555"/>
+            <a:ext cx="9655207" cy="369332"/>
+          </a:xfrm>
+          <a:prstGeom prst="rect">
+            <a:avLst/>
+          </a:prstGeom>
+          <a:noFill/>
+        </p:spPr>
+        <p:txBody>
+          <a:bodyPr wrap="none" rtlCol="0">
+            <a:spAutoFit/>
+          </a:bodyPr>
+          <a:lstStyle>
+            <a:defPPr>
+              <a:defRPr lang="en-US"/>
+            </a:defPPr>
+            <a:lvl1pPr marL="0" algn="l" defTabSz="457200" rtl="0" eaLnBrk="1" latinLnBrk="0" hangingPunct="1">
+              <a:defRPr sz="1800" kern="1200">
+                <a:solidFill>
+                  <a:schemeClr val="tx1"/>
+                </a:solidFill>
+                <a:latin typeface="+mn-lt"/>
+                <a:ea typeface="+mn-ea"/>
+                <a:cs typeface="+mn-cs"/>
+              </a:defRPr>
+            </a:lvl1pPr>
+            <a:lvl2pPr marL="457200" algn="l" defTabSz="457200" rtl="0" eaLnBrk="1" latinLnBrk="0" hangingPunct="1">
+              <a:defRPr sz="1800" kern="1200">
+                <a:solidFill>
+                  <a:schemeClr val="tx1"/>
+                </a:solidFill>
+                <a:latin typeface="+mn-lt"/>
+                <a:ea typeface="+mn-ea"/>
+                <a:cs typeface="+mn-cs"/>
+              </a:defRPr>
+            </a:lvl2pPr>
+            <a:lvl3pPr marL="914400" algn="l" defTabSz="457200" rtl="0" eaLnBrk="1" latinLnBrk="0" hangingPunct="1">
+              <a:defRPr sz="1800" kern="1200">
+                <a:solidFill>
+                  <a:schemeClr val="tx1"/>
+                </a:solidFill>
+                <a:latin typeface="+mn-lt"/>
+                <a:ea typeface="+mn-ea"/>
+                <a:cs typeface="+mn-cs"/>
+              </a:defRPr>
+            </a:lvl3pPr>
+            <a:lvl4pPr marL="1371600" algn="l" defTabSz="457200" rtl="0" eaLnBrk="1" latinLnBrk="0" hangingPunct="1">
+              <a:defRPr sz="1800" kern="1200">
+                <a:solidFill>
+                  <a:schemeClr val="tx1"/>
+                </a:solidFill>
+                <a:latin typeface="+mn-lt"/>
+                <a:ea typeface="+mn-ea"/>
+                <a:cs typeface="+mn-cs"/>
+              </a:defRPr>
+            </a:lvl4pPr>
+            <a:lvl5pPr marL="1828800" algn="l" defTabSz="457200" rtl="0" eaLnBrk="1" latinLnBrk="0" hangingPunct="1">
+              <a:defRPr sz="1800" kern="1200">
+                <a:solidFill>
+                  <a:schemeClr val="tx1"/>
+                </a:solidFill>
+                <a:latin typeface="+mn-lt"/>
+                <a:ea typeface="+mn-ea"/>
+                <a:cs typeface="+mn-cs"/>
+              </a:defRPr>
+            </a:lvl5pPr>
+            <a:lvl6pPr marL="2286000" algn="l" defTabSz="457200" rtl="0" eaLnBrk="1" latinLnBrk="0" hangingPunct="1">
+              <a:defRPr sz="1800" kern="1200">
+                <a:solidFill>
+                  <a:schemeClr val="tx1"/>
+                </a:solidFill>
+                <a:latin typeface="+mn-lt"/>
+                <a:ea typeface="+mn-ea"/>
+                <a:cs typeface="+mn-cs"/>
+              </a:defRPr>
+            </a:lvl6pPr>
+            <a:lvl7pPr marL="2743200" algn="l" defTabSz="457200" rtl="0" eaLnBrk="1" latinLnBrk="0" hangingPunct="1">
+              <a:defRPr sz="1800" kern="1200">
+                <a:solidFill>
+                  <a:schemeClr val="tx1"/>
+                </a:solidFill>
+                <a:latin typeface="+mn-lt"/>
+                <a:ea typeface="+mn-ea"/>
+                <a:cs typeface="+mn-cs"/>
+              </a:defRPr>
+            </a:lvl7pPr>
+            <a:lvl8pPr marL="3200400" algn="l" defTabSz="457200" rtl="0" eaLnBrk="1" latinLnBrk="0" hangingPunct="1">
+              <a:defRPr sz="1800" kern="1200">
+                <a:solidFill>
+                  <a:schemeClr val="tx1"/>
+                </a:solidFill>
+                <a:latin typeface="+mn-lt"/>
+                <a:ea typeface="+mn-ea"/>
+                <a:cs typeface="+mn-cs"/>
+              </a:defRPr>
+            </a:lvl8pPr>
+            <a:lvl9pPr marL="3657600" algn="l" defTabSz="457200" rtl="0" eaLnBrk="1" latinLnBrk="0" hangingPunct="1">
+              <a:defRPr sz="1800" kern="1200">
+                <a:solidFill>
+                  <a:schemeClr val="tx1"/>
+                </a:solidFill>
+                <a:latin typeface="+mn-lt"/>
+                <a:ea typeface="+mn-ea"/>
+                <a:cs typeface="+mn-cs"/>
+              </a:defRPr>
+            </a:lvl9pPr>
+          </a:lstStyle>
+          <a:p>
+            <a:r>
+              <a:rPr lang="en-US" dirty="0"/>
+              <a:t>El c</a:t>
+            </a:r>
+            <a:r>
+              <a:rPr lang="es-419" dirty="0" err="1"/>
+              <a:t>ó</a:t>
+            </a:r>
+            <a:r>
+              <a:rPr lang="en-US" dirty="0" err="1"/>
+              <a:t>digo</a:t>
+            </a:r>
+            <a:r>
+              <a:rPr lang="en-US" dirty="0"/>
               <a:t> </a:t>
             </a:r>
-          </a:p>
-        </p:txBody>
-      </p:sp>
+            <a:r>
+              <a:rPr lang="en-US" dirty="0" err="1"/>
+              <a:t>en</a:t>
+            </a:r>
+            <a:r>
+              <a:rPr lang="en-US" dirty="0"/>
+              <a:t> branches </a:t>
+            </a:r>
+            <a:r>
+              <a:rPr lang="en-US" dirty="0" err="1"/>
+              <a:t>distintas</a:t>
+            </a:r>
+            <a:r>
+              <a:rPr lang="en-US" dirty="0"/>
+              <a:t> </a:t>
+            </a:r>
+            <a:r>
+              <a:rPr lang="en-US" dirty="0">
+                <a:solidFill>
+                  <a:srgbClr val="FFC000"/>
+                </a:solidFill>
+              </a:rPr>
+              <a:t>no interact</a:t>
+            </a:r>
+            <a:r>
+              <a:rPr lang="es-419" dirty="0">
+                <a:solidFill>
+                  <a:srgbClr val="FFC000"/>
+                </a:solidFill>
+              </a:rPr>
+              <a:t>ú</a:t>
+            </a:r>
+            <a:r>
+              <a:rPr lang="en-US" dirty="0">
+                <a:solidFill>
+                  <a:srgbClr val="FFC000"/>
+                </a:solidFill>
+              </a:rPr>
+              <a:t>a </a:t>
+            </a:r>
+            <a:r>
+              <a:rPr lang="en-US" dirty="0"/>
+              <a:t>con </a:t>
+            </a:r>
+            <a:r>
+              <a:rPr lang="en-US" dirty="0" err="1"/>
+              <a:t>otras</a:t>
+            </a:r>
+            <a:r>
+              <a:rPr lang="en-US" dirty="0"/>
+              <a:t> branches </a:t>
+            </a:r>
+            <a:r>
+              <a:rPr lang="en-US" dirty="0" err="1"/>
+              <a:t>mientras</a:t>
+            </a:r>
+            <a:r>
+              <a:rPr lang="en-US" dirty="0"/>
+              <a:t> </a:t>
+            </a:r>
+            <a:r>
+              <a:rPr lang="en-US" dirty="0" err="1"/>
+              <a:t>estén</a:t>
+            </a:r>
+            <a:r>
+              <a:rPr lang="en-US" dirty="0"/>
+              <a:t> </a:t>
+            </a:r>
+            <a:r>
+              <a:rPr lang="en-US" dirty="0" err="1"/>
+              <a:t>separadas</a:t>
+            </a:r>
+            <a:endParaRPr lang="es-419" dirty="0"/>
+          </a:p>
+        </p:txBody>
+      </p:sp>
+      <p:pic>
+        <p:nvPicPr>
+          <p:cNvPr id="5" name="Picture 4" descr="Diagram, schematic&#10;&#10;Description automatically generated">
+            <a:extLst>
+              <a:ext uri="{FF2B5EF4-FFF2-40B4-BE49-F238E27FC236}">
+                <a16:creationId xmlns:a16="http://schemas.microsoft.com/office/drawing/2014/main" id="{54645C1F-B4E5-4DF2-B194-A7E6B9FA947F}"/>
+              </a:ext>
+            </a:extLst>
+          </p:cNvPr>
+          <p:cNvPicPr>
+            <a:picLocks noChangeAspect="1"/>
+          </p:cNvPicPr>
+          <p:nvPr/>
+        </p:nvPicPr>
+        <p:blipFill>
+          <a:blip r:embed="rId2">
+            <a:extLst>
+              <a:ext uri="{28A0092B-C50C-407E-A947-70E740481C1C}">
+                <a14:useLocalDpi xmlns:a14="http://schemas.microsoft.com/office/drawing/2010/main" val="0"/>
+              </a:ext>
+            </a:extLst>
+          </a:blip>
+          <a:stretch>
+            <a:fillRect/>
+          </a:stretch>
+        </p:blipFill>
+        <p:spPr>
+          <a:xfrm>
+            <a:off x="2400514" y="2702733"/>
+            <a:ext cx="7390971" cy="3787109"/>
+          </a:xfrm>
+          <a:prstGeom prst="rect">
+            <a:avLst/>
+          </a:prstGeom>
+        </p:spPr>
+      </p:pic>
+      <mc:AlternateContent xmlns:mc="http://schemas.openxmlformats.org/markup-compatibility/2006">
+        <mc:Choice xmlns:p14="http://schemas.microsoft.com/office/powerpoint/2010/main" Requires="p14">
+          <p:contentPart p14:bwMode="auto" r:id="rId3">
+            <p14:nvContentPartPr>
+              <p14:cNvPr id="6" name="Ink 5">
+                <a:extLst>
+                  <a:ext uri="{FF2B5EF4-FFF2-40B4-BE49-F238E27FC236}">
+                    <a16:creationId xmlns:a16="http://schemas.microsoft.com/office/drawing/2014/main" id="{960E235B-FB1E-4BEB-9D27-3C9C1DCA0971}"/>
+                  </a:ext>
+                </a:extLst>
+              </p14:cNvPr>
+              <p14:cNvContentPartPr/>
+              <p14:nvPr/>
+            </p14:nvContentPartPr>
+            <p14:xfrm>
+              <a:off x="2480562" y="5010330"/>
+              <a:ext cx="1083240" cy="332280"/>
+            </p14:xfrm>
+          </p:contentPart>
+        </mc:Choice>
+        <mc:Fallback>
+          <p:pic>
+            <p:nvPicPr>
+              <p:cNvPr id="6" name="Ink 5">
+                <a:extLst>
+                  <a:ext uri="{FF2B5EF4-FFF2-40B4-BE49-F238E27FC236}">
+                    <a16:creationId xmlns:a16="http://schemas.microsoft.com/office/drawing/2014/main" id="{960E235B-FB1E-4BEB-9D27-3C9C1DCA0971}"/>
+                  </a:ext>
+                </a:extLst>
+              </p:cNvPr>
+              <p:cNvPicPr/>
+              <p:nvPr/>
+            </p:nvPicPr>
+            <p:blipFill>
+              <a:blip r:embed="rId4"/>
+              <a:stretch>
+                <a:fillRect/>
+              </a:stretch>
+            </p:blipFill>
+            <p:spPr>
+              <a:xfrm>
+                <a:off x="2462922" y="4992690"/>
+                <a:ext cx="1118880" cy="367920"/>
+              </a:xfrm>
+              <a:prstGeom prst="rect">
+                <a:avLst/>
+              </a:prstGeom>
+            </p:spPr>
+          </p:pic>
+        </mc:Fallback>
+      </mc:AlternateContent>
+      <p:grpSp>
+        <p:nvGrpSpPr>
+          <p:cNvPr id="18" name="Group 17">
+            <a:extLst>
+              <a:ext uri="{FF2B5EF4-FFF2-40B4-BE49-F238E27FC236}">
+                <a16:creationId xmlns:a16="http://schemas.microsoft.com/office/drawing/2014/main" id="{5F35DFA2-5B0E-407E-9BC0-502768FCAACC}"/>
+              </a:ext>
+            </a:extLst>
+          </p:cNvPr>
+          <p:cNvGrpSpPr/>
+          <p:nvPr/>
+        </p:nvGrpSpPr>
+        <p:grpSpPr>
+          <a:xfrm>
+            <a:off x="2536722" y="5458890"/>
+            <a:ext cx="1112400" cy="307440"/>
+            <a:chOff x="2536722" y="5458890"/>
+            <a:chExt cx="1112400" cy="307440"/>
+          </a:xfrm>
+        </p:grpSpPr>
+        <mc:AlternateContent xmlns:mc="http://schemas.openxmlformats.org/markup-compatibility/2006">
+          <mc:Choice xmlns:p14="http://schemas.microsoft.com/office/powerpoint/2010/main" Requires="p14">
+            <p:contentPart p14:bwMode="auto" r:id="rId5">
+              <p14:nvContentPartPr>
+                <p14:cNvPr id="13" name="Ink 12">
+                  <a:extLst>
+                    <a:ext uri="{FF2B5EF4-FFF2-40B4-BE49-F238E27FC236}">
+                      <a16:creationId xmlns:a16="http://schemas.microsoft.com/office/drawing/2014/main" id="{1FCB7FDE-1666-4349-848E-2BD9D7B4B21A}"/>
+                    </a:ext>
+                  </a:extLst>
+                </p14:cNvPr>
+                <p14:cNvContentPartPr/>
+                <p14:nvPr/>
+              </p14:nvContentPartPr>
+              <p14:xfrm>
+                <a:off x="2536722" y="5465730"/>
+                <a:ext cx="393480" cy="292320"/>
+              </p14:xfrm>
+            </p:contentPart>
+          </mc:Choice>
+          <mc:Fallback>
+            <p:pic>
+              <p:nvPicPr>
+                <p:cNvPr id="13" name="Ink 12">
+                  <a:extLst>
+                    <a:ext uri="{FF2B5EF4-FFF2-40B4-BE49-F238E27FC236}">
+                      <a16:creationId xmlns:a16="http://schemas.microsoft.com/office/drawing/2014/main" id="{1FCB7FDE-1666-4349-848E-2BD9D7B4B21A}"/>
+                    </a:ext>
+                  </a:extLst>
+                </p:cNvPr>
+                <p:cNvPicPr/>
+                <p:nvPr/>
+              </p:nvPicPr>
+              <p:blipFill>
+                <a:blip r:embed="rId6"/>
+                <a:stretch>
+                  <a:fillRect/>
+                </a:stretch>
+              </p:blipFill>
+              <p:spPr>
+                <a:xfrm>
+                  <a:off x="2519082" y="5448090"/>
+                  <a:ext cx="429120" cy="327960"/>
+                </a:xfrm>
+                <a:prstGeom prst="rect">
+                  <a:avLst/>
+                </a:prstGeom>
+              </p:spPr>
+            </p:pic>
+          </mc:Fallback>
+        </mc:AlternateContent>
+        <mc:AlternateContent xmlns:mc="http://schemas.openxmlformats.org/markup-compatibility/2006">
+          <mc:Choice xmlns:p14="http://schemas.microsoft.com/office/powerpoint/2010/main" Requires="p14">
+            <p:contentPart p14:bwMode="auto" r:id="rId7">
+              <p14:nvContentPartPr>
+                <p14:cNvPr id="14" name="Ink 13">
+                  <a:extLst>
+                    <a:ext uri="{FF2B5EF4-FFF2-40B4-BE49-F238E27FC236}">
+                      <a16:creationId xmlns:a16="http://schemas.microsoft.com/office/drawing/2014/main" id="{B8343A6A-5B07-4A48-9F3C-54BD2317D8B0}"/>
+                    </a:ext>
+                  </a:extLst>
+                </p14:cNvPr>
+                <p14:cNvContentPartPr/>
+                <p14:nvPr/>
+              </p14:nvContentPartPr>
+              <p14:xfrm>
+                <a:off x="2997162" y="5540970"/>
+                <a:ext cx="190440" cy="176400"/>
+              </p14:xfrm>
+            </p:contentPart>
+          </mc:Choice>
+          <mc:Fallback>
+            <p:pic>
+              <p:nvPicPr>
+                <p:cNvPr id="14" name="Ink 13">
+                  <a:extLst>
+                    <a:ext uri="{FF2B5EF4-FFF2-40B4-BE49-F238E27FC236}">
+                      <a16:creationId xmlns:a16="http://schemas.microsoft.com/office/drawing/2014/main" id="{B8343A6A-5B07-4A48-9F3C-54BD2317D8B0}"/>
+                    </a:ext>
+                  </a:extLst>
+                </p:cNvPr>
+                <p:cNvPicPr/>
+                <p:nvPr/>
+              </p:nvPicPr>
+              <p:blipFill>
+                <a:blip r:embed="rId8"/>
+                <a:stretch>
+                  <a:fillRect/>
+                </a:stretch>
+              </p:blipFill>
+              <p:spPr>
+                <a:xfrm>
+                  <a:off x="2979522" y="5523330"/>
+                  <a:ext cx="226080" cy="212040"/>
+                </a:xfrm>
+                <a:prstGeom prst="rect">
+                  <a:avLst/>
+                </a:prstGeom>
+              </p:spPr>
+            </p:pic>
+          </mc:Fallback>
+        </mc:AlternateContent>
+        <mc:AlternateContent xmlns:mc="http://schemas.openxmlformats.org/markup-compatibility/2006">
+          <mc:Choice xmlns:p14="http://schemas.microsoft.com/office/powerpoint/2010/main" Requires="p14">
+            <p:contentPart p14:bwMode="auto" r:id="rId9">
+              <p14:nvContentPartPr>
+                <p14:cNvPr id="15" name="Ink 14">
+                  <a:extLst>
+                    <a:ext uri="{FF2B5EF4-FFF2-40B4-BE49-F238E27FC236}">
+                      <a16:creationId xmlns:a16="http://schemas.microsoft.com/office/drawing/2014/main" id="{136A3443-3B6D-4F26-9161-4F40A7F31E85}"/>
+                    </a:ext>
+                  </a:extLst>
+                </p14:cNvPr>
+                <p14:cNvContentPartPr/>
+                <p14:nvPr/>
+              </p14:nvContentPartPr>
+              <p14:xfrm>
+                <a:off x="3285522" y="5596050"/>
+                <a:ext cx="7920" cy="104040"/>
+              </p14:xfrm>
+            </p:contentPart>
+          </mc:Choice>
+          <mc:Fallback>
+            <p:pic>
+              <p:nvPicPr>
+                <p:cNvPr id="15" name="Ink 14">
+                  <a:extLst>
+                    <a:ext uri="{FF2B5EF4-FFF2-40B4-BE49-F238E27FC236}">
+                      <a16:creationId xmlns:a16="http://schemas.microsoft.com/office/drawing/2014/main" id="{136A3443-3B6D-4F26-9161-4F40A7F31E85}"/>
+                    </a:ext>
+                  </a:extLst>
+                </p:cNvPr>
+                <p:cNvPicPr/>
+                <p:nvPr/>
+              </p:nvPicPr>
+              <p:blipFill>
+                <a:blip r:embed="rId10"/>
+                <a:stretch>
+                  <a:fillRect/>
+                </a:stretch>
+              </p:blipFill>
+              <p:spPr>
+                <a:xfrm>
+                  <a:off x="3267882" y="5578050"/>
+                  <a:ext cx="43560" cy="139680"/>
+                </a:xfrm>
+                <a:prstGeom prst="rect">
+                  <a:avLst/>
+                </a:prstGeom>
+              </p:spPr>
+            </p:pic>
+          </mc:Fallback>
+        </mc:AlternateContent>
+        <mc:AlternateContent xmlns:mc="http://schemas.openxmlformats.org/markup-compatibility/2006">
+          <mc:Choice xmlns:p14="http://schemas.microsoft.com/office/powerpoint/2010/main" Requires="p14">
+            <p:contentPart p14:bwMode="auto" r:id="rId11">
+              <p14:nvContentPartPr>
+                <p14:cNvPr id="16" name="Ink 15">
+                  <a:extLst>
+                    <a:ext uri="{FF2B5EF4-FFF2-40B4-BE49-F238E27FC236}">
+                      <a16:creationId xmlns:a16="http://schemas.microsoft.com/office/drawing/2014/main" id="{6DEF45CF-D74F-4EE7-A36B-BF064F0E01BF}"/>
+                    </a:ext>
+                  </a:extLst>
+                </p14:cNvPr>
+                <p14:cNvContentPartPr/>
+                <p14:nvPr/>
+              </p14:nvContentPartPr>
+              <p14:xfrm>
+                <a:off x="3295242" y="5458890"/>
+                <a:ext cx="360" cy="360"/>
+              </p14:xfrm>
+            </p:contentPart>
+          </mc:Choice>
+          <mc:Fallback>
+            <p:pic>
+              <p:nvPicPr>
+                <p:cNvPr id="16" name="Ink 15">
+                  <a:extLst>
+                    <a:ext uri="{FF2B5EF4-FFF2-40B4-BE49-F238E27FC236}">
+                      <a16:creationId xmlns:a16="http://schemas.microsoft.com/office/drawing/2014/main" id="{6DEF45CF-D74F-4EE7-A36B-BF064F0E01BF}"/>
+                    </a:ext>
+                  </a:extLst>
+                </p:cNvPr>
+                <p:cNvPicPr/>
+                <p:nvPr/>
+              </p:nvPicPr>
+              <p:blipFill>
+                <a:blip r:embed="rId12"/>
+                <a:stretch>
+                  <a:fillRect/>
+                </a:stretch>
+              </p:blipFill>
+              <p:spPr>
+                <a:xfrm>
+                  <a:off x="3277602" y="5440890"/>
+                  <a:ext cx="36000" cy="36000"/>
+                </a:xfrm>
+                <a:prstGeom prst="rect">
+                  <a:avLst/>
+                </a:prstGeom>
+              </p:spPr>
+            </p:pic>
+          </mc:Fallback>
+        </mc:AlternateContent>
+        <mc:AlternateContent xmlns:mc="http://schemas.openxmlformats.org/markup-compatibility/2006">
+          <mc:Choice xmlns:p14="http://schemas.microsoft.com/office/powerpoint/2010/main" Requires="p14">
+            <p:contentPart p14:bwMode="auto" r:id="rId13">
+              <p14:nvContentPartPr>
+                <p14:cNvPr id="17" name="Ink 16">
+                  <a:extLst>
+                    <a:ext uri="{FF2B5EF4-FFF2-40B4-BE49-F238E27FC236}">
+                      <a16:creationId xmlns:a16="http://schemas.microsoft.com/office/drawing/2014/main" id="{E05D6009-D2FC-4F04-BE26-E531DEA735DA}"/>
+                    </a:ext>
+                  </a:extLst>
+                </p14:cNvPr>
+                <p14:cNvContentPartPr/>
+                <p14:nvPr/>
+              </p14:nvContentPartPr>
+              <p14:xfrm>
+                <a:off x="3408642" y="5564730"/>
+                <a:ext cx="240480" cy="201600"/>
+              </p14:xfrm>
+            </p:contentPart>
+          </mc:Choice>
+          <mc:Fallback>
+            <p:pic>
+              <p:nvPicPr>
+                <p:cNvPr id="17" name="Ink 16">
+                  <a:extLst>
+                    <a:ext uri="{FF2B5EF4-FFF2-40B4-BE49-F238E27FC236}">
+                      <a16:creationId xmlns:a16="http://schemas.microsoft.com/office/drawing/2014/main" id="{E05D6009-D2FC-4F04-BE26-E531DEA735DA}"/>
+                    </a:ext>
+                  </a:extLst>
+                </p:cNvPr>
+                <p:cNvPicPr/>
+                <p:nvPr/>
+              </p:nvPicPr>
+              <p:blipFill>
+                <a:blip r:embed="rId14"/>
+                <a:stretch>
+                  <a:fillRect/>
+                </a:stretch>
+              </p:blipFill>
+              <p:spPr>
+                <a:xfrm>
+                  <a:off x="3390642" y="5547090"/>
+                  <a:ext cx="276120" cy="237240"/>
+                </a:xfrm>
+                <a:prstGeom prst="rect">
+                  <a:avLst/>
+                </a:prstGeom>
+              </p:spPr>
+            </p:pic>
+          </mc:Fallback>
+        </mc:AlternateContent>
+      </p:grpSp>
     </p:spTree>
     <p:extLst>
       <p:ext uri="{BB962C8B-B14F-4D97-AF65-F5344CB8AC3E}">
-        <p14:creationId xmlns:p14="http://schemas.microsoft.com/office/powerpoint/2010/main" val="2859493164"/>
+        <p14:creationId xmlns:p14="http://schemas.microsoft.com/office/powerpoint/2010/main" val="1248744835"/>
       </p:ext>
     </p:extLst>
   </p:cSld>
@@ -6402,16 +7996,12 @@
           <a:lstStyle/>
           <a:p>
             <a:r>
-              <a:rPr lang="en-US" dirty="0" err="1"/>
-              <a:t>Estructura</a:t>
+              <a:rPr lang="es-419" dirty="0"/>
+              <a:t>Conceptos clave</a:t>
             </a:r>
             <a:r>
               <a:rPr lang="en-US" dirty="0"/>
-              <a:t> de un </a:t>
-            </a:r>
-            <a:r>
-              <a:rPr lang="en-US" dirty="0" err="1"/>
-              <a:t>Repositorio</a:t>
+              <a:t>: Merge/Conflict</a:t>
             </a:r>
             <a:endParaRPr lang="es-419" dirty="0"/>
           </a:p>
@@ -6448,91 +8038,10 @@
           </a:p>
         </p:txBody>
       </p:sp>
-      <p:sp>
-        <p:nvSpPr>
-          <p:cNvPr id="4" name="TextBox 3">
-            <a:extLst>
-              <a:ext uri="{FF2B5EF4-FFF2-40B4-BE49-F238E27FC236}">
-                <a16:creationId xmlns:a16="http://schemas.microsoft.com/office/drawing/2014/main" id="{2DCECD34-2AA5-41A0-80E6-B33058206DCA}"/>
-              </a:ext>
-            </a:extLst>
-          </p:cNvPr>
-          <p:cNvSpPr txBox="1"/>
-          <p:nvPr/>
-        </p:nvSpPr>
-        <p:spPr>
-          <a:xfrm>
-            <a:off x="952901" y="2531444"/>
-            <a:ext cx="2470163" cy="1754326"/>
-          </a:xfrm>
-          <a:prstGeom prst="rect">
-            <a:avLst/>
-          </a:prstGeom>
-          <a:noFill/>
-        </p:spPr>
-        <p:txBody>
-          <a:bodyPr wrap="none" rtlCol="0">
-            <a:spAutoFit/>
-          </a:bodyPr>
-          <a:lstStyle/>
-          <a:p>
-            <a:pPr marL="285750" indent="-285750">
-              <a:buFontTx/>
-              <a:buChar char="-"/>
-            </a:pPr>
-            <a:r>
-              <a:rPr lang="en-US" dirty="0"/>
-              <a:t>Branches por </a:t>
-            </a:r>
-            <a:r>
-              <a:rPr lang="en-US" dirty="0" err="1"/>
-              <a:t>defecto</a:t>
-            </a:r>
-            <a:endParaRPr lang="en-US" dirty="0"/>
-          </a:p>
-          <a:p>
-            <a:pPr marL="285750" indent="-285750">
-              <a:buFontTx/>
-              <a:buChar char="-"/>
-            </a:pPr>
-            <a:r>
-              <a:rPr lang="en-US" dirty="0" err="1"/>
-              <a:t>Gitignore</a:t>
-            </a:r>
-            <a:endParaRPr lang="en-US" dirty="0"/>
-          </a:p>
-          <a:p>
-            <a:pPr marL="285750" indent="-285750">
-              <a:buFontTx/>
-              <a:buChar char="-"/>
-            </a:pPr>
-            <a:r>
-              <a:rPr lang="en-US" dirty="0"/>
-              <a:t>License</a:t>
-            </a:r>
-          </a:p>
-          <a:p>
-            <a:pPr marL="285750" indent="-285750">
-              <a:buFontTx/>
-              <a:buChar char="-"/>
-            </a:pPr>
-            <a:r>
-              <a:rPr lang="en-US" dirty="0"/>
-              <a:t>Readme</a:t>
-            </a:r>
-          </a:p>
-          <a:p>
-            <a:endParaRPr lang="en-US" dirty="0"/>
-          </a:p>
-          <a:p>
-            <a:endParaRPr lang="es-419" dirty="0"/>
-          </a:p>
-        </p:txBody>
-      </p:sp>
     </p:spTree>
     <p:extLst>
       <p:ext uri="{BB962C8B-B14F-4D97-AF65-F5344CB8AC3E}">
-        <p14:creationId xmlns:p14="http://schemas.microsoft.com/office/powerpoint/2010/main" val="4210234373"/>
+        <p14:creationId xmlns:p14="http://schemas.microsoft.com/office/powerpoint/2010/main" val="1882495817"/>
       </p:ext>
     </p:extLst>
   </p:cSld>
@@ -6581,12 +8090,12 @@
           <a:lstStyle/>
           <a:p>
             <a:r>
+              <a:rPr lang="es-419" dirty="0"/>
+              <a:t>Conceptos clave</a:t>
+            </a:r>
+            <a:r>
               <a:rPr lang="en-US" dirty="0"/>
-              <a:t>Git/Github/</a:t>
-            </a:r>
-            <a:r>
-              <a:rPr lang="en-US" dirty="0" err="1"/>
-              <a:t>GitKraken</a:t>
+              <a:t>: Merge/Conflict</a:t>
             </a:r>
             <a:endParaRPr lang="es-419" dirty="0"/>
           </a:p>
@@ -6626,7 +8135,7 @@
     </p:spTree>
     <p:extLst>
       <p:ext uri="{BB962C8B-B14F-4D97-AF65-F5344CB8AC3E}">
-        <p14:creationId xmlns:p14="http://schemas.microsoft.com/office/powerpoint/2010/main" val="4223982895"/>
+        <p14:creationId xmlns:p14="http://schemas.microsoft.com/office/powerpoint/2010/main" val="2859493164"/>
       </p:ext>
     </p:extLst>
   </p:cSld>
@@ -6676,11 +8185,15 @@
           <a:p>
             <a:r>
               <a:rPr lang="en-US" dirty="0" err="1"/>
-              <a:t>Esquema</a:t>
+              <a:t>Estructura</a:t>
             </a:r>
             <a:r>
               <a:rPr lang="en-US" dirty="0"/>
-              <a:t> de Branches</a:t>
+              <a:t> de un </a:t>
+            </a:r>
+            <a:r>
+              <a:rPr lang="en-US" dirty="0" err="1"/>
+              <a:t>Repositorio</a:t>
             </a:r>
             <a:endParaRPr lang="es-419" dirty="0"/>
           </a:p>
@@ -6717,10 +8230,91 @@
           </a:p>
         </p:txBody>
       </p:sp>
+      <p:sp>
+        <p:nvSpPr>
+          <p:cNvPr id="4" name="TextBox 3">
+            <a:extLst>
+              <a:ext uri="{FF2B5EF4-FFF2-40B4-BE49-F238E27FC236}">
+                <a16:creationId xmlns:a16="http://schemas.microsoft.com/office/drawing/2014/main" id="{2DCECD34-2AA5-41A0-80E6-B33058206DCA}"/>
+              </a:ext>
+            </a:extLst>
+          </p:cNvPr>
+          <p:cNvSpPr txBox="1"/>
+          <p:nvPr/>
+        </p:nvSpPr>
+        <p:spPr>
+          <a:xfrm>
+            <a:off x="952901" y="2531444"/>
+            <a:ext cx="2470163" cy="1754326"/>
+          </a:xfrm>
+          <a:prstGeom prst="rect">
+            <a:avLst/>
+          </a:prstGeom>
+          <a:noFill/>
+        </p:spPr>
+        <p:txBody>
+          <a:bodyPr wrap="none" rtlCol="0">
+            <a:spAutoFit/>
+          </a:bodyPr>
+          <a:lstStyle/>
+          <a:p>
+            <a:pPr marL="285750" indent="-285750">
+              <a:buFontTx/>
+              <a:buChar char="-"/>
+            </a:pPr>
+            <a:r>
+              <a:rPr lang="en-US" dirty="0"/>
+              <a:t>Branches por </a:t>
+            </a:r>
+            <a:r>
+              <a:rPr lang="en-US" dirty="0" err="1"/>
+              <a:t>defecto</a:t>
+            </a:r>
+            <a:endParaRPr lang="en-US" dirty="0"/>
+          </a:p>
+          <a:p>
+            <a:pPr marL="285750" indent="-285750">
+              <a:buFontTx/>
+              <a:buChar char="-"/>
+            </a:pPr>
+            <a:r>
+              <a:rPr lang="en-US" dirty="0" err="1"/>
+              <a:t>Gitignore</a:t>
+            </a:r>
+            <a:endParaRPr lang="en-US" dirty="0"/>
+          </a:p>
+          <a:p>
+            <a:pPr marL="285750" indent="-285750">
+              <a:buFontTx/>
+              <a:buChar char="-"/>
+            </a:pPr>
+            <a:r>
+              <a:rPr lang="en-US" dirty="0"/>
+              <a:t>License</a:t>
+            </a:r>
+          </a:p>
+          <a:p>
+            <a:pPr marL="285750" indent="-285750">
+              <a:buFontTx/>
+              <a:buChar char="-"/>
+            </a:pPr>
+            <a:r>
+              <a:rPr lang="en-US" dirty="0"/>
+              <a:t>Readme</a:t>
+            </a:r>
+          </a:p>
+          <a:p>
+            <a:endParaRPr lang="en-US" dirty="0"/>
+          </a:p>
+          <a:p>
+            <a:endParaRPr lang="es-419" dirty="0"/>
+          </a:p>
+        </p:txBody>
+      </p:sp>
     </p:spTree>
     <p:extLst>
       <p:ext uri="{BB962C8B-B14F-4D97-AF65-F5344CB8AC3E}">
-        <p14:creationId xmlns:p14="http://schemas.microsoft.com/office/powerpoint/2010/main" val="1981387030"/>
+        <p14:creationId xmlns:p14="http://schemas.microsoft.com/office/powerpoint/2010/main" val="4210234373"/>
       </p:ext>
     </p:extLst>
   </p:cSld>
@@ -6769,16 +8363,12 @@
           <a:lstStyle/>
           <a:p>
             <a:r>
+              <a:rPr lang="en-US" dirty="0"/>
+              <a:t>Git/Github/</a:t>
+            </a:r>
+            <a:r>
               <a:rPr lang="en-US" dirty="0" err="1"/>
-              <a:t>Comunicaci</a:t>
-            </a:r>
-            <a:r>
-              <a:rPr lang="es-419" dirty="0" err="1"/>
-              <a:t>ó</a:t>
-            </a:r>
-            <a:r>
-              <a:rPr lang="en-US" dirty="0"/>
-              <a:t>n</a:t>
+              <a:t>GitKraken</a:t>
             </a:r>
             <a:endParaRPr lang="es-419" dirty="0"/>
           </a:p>
@@ -6818,7 +8408,7 @@
     </p:spTree>
     <p:extLst>
       <p:ext uri="{BB962C8B-B14F-4D97-AF65-F5344CB8AC3E}">
-        <p14:creationId xmlns:p14="http://schemas.microsoft.com/office/powerpoint/2010/main" val="3740971148"/>
+        <p14:creationId xmlns:p14="http://schemas.microsoft.com/office/powerpoint/2010/main" val="4223982895"/>
       </p:ext>
     </p:extLst>
   </p:cSld>
@@ -6867,8 +8457,12 @@
           <a:lstStyle/>
           <a:p>
             <a:r>
+              <a:rPr lang="en-US" dirty="0" err="1"/>
+              <a:t>Esquema</a:t>
+            </a:r>
+            <a:r>
               <a:rPr lang="en-US" dirty="0"/>
-              <a:t>Trello/Boards</a:t>
+              <a:t> de Branches</a:t>
             </a:r>
             <a:endParaRPr lang="es-419" dirty="0"/>
           </a:p>
@@ -6908,7 +8502,7 @@
     </p:spTree>
     <p:extLst>
       <p:ext uri="{BB962C8B-B14F-4D97-AF65-F5344CB8AC3E}">
-        <p14:creationId xmlns:p14="http://schemas.microsoft.com/office/powerpoint/2010/main" val="3387504599"/>
+        <p14:creationId xmlns:p14="http://schemas.microsoft.com/office/powerpoint/2010/main" val="1981387030"/>
       </p:ext>
     </p:extLst>
   </p:cSld>
@@ -6957,12 +8551,16 @@
           <a:lstStyle/>
           <a:p>
             <a:r>
+              <a:rPr lang="en-US" dirty="0" err="1"/>
+              <a:t>Comunicaci</a:t>
+            </a:r>
+            <a:r>
+              <a:rPr lang="es-419" dirty="0" err="1"/>
+              <a:t>ó</a:t>
+            </a:r>
+            <a:r>
               <a:rPr lang="en-US" dirty="0"/>
-              <a:t>Conflicts: </a:t>
-            </a:r>
-            <a:r>
-              <a:rPr lang="en-US" dirty="0" err="1"/>
-              <a:t>Prevenir</a:t>
+              <a:t>n</a:t>
             </a:r>
             <a:endParaRPr lang="es-419" dirty="0"/>
           </a:p>
@@ -6999,70 +8597,10 @@
           </a:p>
         </p:txBody>
       </p:sp>
-      <p:sp>
-        <p:nvSpPr>
-          <p:cNvPr id="4" name="TextBox 3">
-            <a:extLst>
-              <a:ext uri="{FF2B5EF4-FFF2-40B4-BE49-F238E27FC236}">
-                <a16:creationId xmlns:a16="http://schemas.microsoft.com/office/drawing/2014/main" id="{D38FAB16-376C-468C-A3E6-F4486C832DE7}"/>
-              </a:ext>
-            </a:extLst>
-          </p:cNvPr>
-          <p:cNvSpPr txBox="1"/>
-          <p:nvPr/>
-        </p:nvSpPr>
-        <p:spPr>
-          <a:xfrm>
-            <a:off x="838200" y="3301465"/>
-            <a:ext cx="2910284" cy="1200329"/>
-          </a:xfrm>
-          <a:prstGeom prst="rect">
-            <a:avLst/>
-          </a:prstGeom>
-          <a:noFill/>
-        </p:spPr>
-        <p:txBody>
-          <a:bodyPr wrap="none" rtlCol="0">
-            <a:spAutoFit/>
-          </a:bodyPr>
-          <a:lstStyle/>
-          <a:p>
-            <a:r>
-              <a:rPr lang="en-US" dirty="0" err="1"/>
-              <a:t>Separacion</a:t>
-            </a:r>
-            <a:r>
-              <a:rPr lang="en-US" dirty="0"/>
-              <a:t> de </a:t>
-            </a:r>
-            <a:r>
-              <a:rPr lang="en-US" dirty="0" err="1"/>
-              <a:t>código</a:t>
-            </a:r>
-            <a:endParaRPr lang="es-419" dirty="0"/>
-          </a:p>
-          <a:p>
-            <a:r>
-              <a:rPr lang="es-419" dirty="0"/>
-              <a:t>Actualizar mi Branch primero</a:t>
-            </a:r>
-          </a:p>
-          <a:p>
-            <a:r>
-              <a:rPr lang="en-US" dirty="0" err="1"/>
-              <a:t>Comunicacion</a:t>
-            </a:r>
-            <a:endParaRPr lang="en-US" dirty="0"/>
-          </a:p>
-          <a:p>
-            <a:endParaRPr lang="en-US" dirty="0"/>
-          </a:p>
-        </p:txBody>
-      </p:sp>
     </p:spTree>
     <p:extLst>
       <p:ext uri="{BB962C8B-B14F-4D97-AF65-F5344CB8AC3E}">
-        <p14:creationId xmlns:p14="http://schemas.microsoft.com/office/powerpoint/2010/main" val="718397276"/>
+        <p14:creationId xmlns:p14="http://schemas.microsoft.com/office/powerpoint/2010/main" val="3740971148"/>
       </p:ext>
     </p:extLst>
   </p:cSld>
@@ -7111,16 +8649,8 @@
           <a:lstStyle/>
           <a:p>
             <a:r>
-              <a:rPr lang="en-US" dirty="0" err="1"/>
-              <a:t>Separar</a:t>
-            </a:r>
-            <a:r>
               <a:rPr lang="en-US" dirty="0"/>
-              <a:t> </a:t>
-            </a:r>
-            <a:r>
-              <a:rPr lang="en-US" dirty="0" err="1"/>
-              <a:t>codigo</a:t>
+              <a:t>Trello/Boards</a:t>
             </a:r>
             <a:endParaRPr lang="es-419" dirty="0"/>
           </a:p>
@@ -7128,82 +8658,39 @@
       </p:sp>
       <p:sp>
         <p:nvSpPr>
-          <p:cNvPr id="4" name="TextBox 3">
+          <p:cNvPr id="3" name="Content Placeholder 2">
             <a:extLst>
               <a:ext uri="{FF2B5EF4-FFF2-40B4-BE49-F238E27FC236}">
-                <a16:creationId xmlns:a16="http://schemas.microsoft.com/office/drawing/2014/main" id="{D38FAB16-376C-468C-A3E6-F4486C832DE7}"/>
+                <a16:creationId xmlns:a16="http://schemas.microsoft.com/office/drawing/2014/main" id="{4C8A22F4-750C-4E9A-B539-BC08DBA1AC78}"/>
               </a:ext>
             </a:extLst>
           </p:cNvPr>
-          <p:cNvSpPr txBox="1"/>
-          <p:nvPr/>
-        </p:nvSpPr>
-        <p:spPr>
-          <a:xfrm>
-            <a:off x="838200" y="3301465"/>
-            <a:ext cx="3591240" cy="1200329"/>
-          </a:xfrm>
-          <a:prstGeom prst="rect">
-            <a:avLst/>
-          </a:prstGeom>
-          <a:noFill/>
-        </p:spPr>
-        <p:txBody>
-          <a:bodyPr wrap="none" rtlCol="0">
-            <a:spAutoFit/>
-          </a:bodyPr>
+          <p:cNvSpPr>
+            <a:spLocks noGrp="1"/>
+          </p:cNvSpPr>
+          <p:nvPr>
+            <p:ph idx="1"/>
+          </p:nvPr>
+        </p:nvSpPr>
+        <p:spPr/>
+        <p:txBody>
+          <a:bodyPr/>
           <a:lstStyle/>
           <a:p>
-            <a:r>
-              <a:rPr lang="en-US" dirty="0" err="1"/>
-              <a:t>Principios</a:t>
-            </a:r>
-            <a:r>
-              <a:rPr lang="en-US" dirty="0"/>
-              <a:t> de </a:t>
-            </a:r>
-            <a:r>
-              <a:rPr lang="en-US" dirty="0" err="1"/>
-              <a:t>responsabilidad</a:t>
-            </a:r>
-            <a:r>
-              <a:rPr lang="en-US" dirty="0"/>
-              <a:t> simple</a:t>
-            </a:r>
-          </a:p>
-          <a:p>
-            <a:r>
-              <a:rPr lang="en-US" dirty="0"/>
-              <a:t>Interfaces</a:t>
-            </a:r>
-          </a:p>
-          <a:p>
-            <a:r>
-              <a:rPr lang="en-US" dirty="0" err="1"/>
-              <a:t>Caja</a:t>
-            </a:r>
-            <a:r>
-              <a:rPr lang="en-US" dirty="0"/>
+            <a:pPr marL="0" indent="0">
+              <a:buNone/>
+            </a:pPr>
+            <a:r>
+              <a:rPr lang="es-419" dirty="0"/>
               <a:t> </a:t>
             </a:r>
-            <a:r>
-              <a:rPr lang="en-US" dirty="0" err="1"/>
-              <a:t>negra</a:t>
-            </a:r>
-            <a:r>
-              <a:rPr lang="en-US" dirty="0"/>
-              <a:t>/ley de Demeter</a:t>
-            </a:r>
-          </a:p>
-          <a:p>
-            <a:endParaRPr lang="en-US" dirty="0"/>
           </a:p>
         </p:txBody>
       </p:sp>
     </p:spTree>
     <p:extLst>
       <p:ext uri="{BB962C8B-B14F-4D97-AF65-F5344CB8AC3E}">
-        <p14:creationId xmlns:p14="http://schemas.microsoft.com/office/powerpoint/2010/main" val="1768428990"/>
+        <p14:creationId xmlns:p14="http://schemas.microsoft.com/office/powerpoint/2010/main" val="3387504599"/>
       </p:ext>
     </p:extLst>
   </p:cSld>
@@ -7257,11 +8744,7 @@
             </a:r>
             <a:r>
               <a:rPr lang="en-US" dirty="0" err="1"/>
-              <a:t>Lamentar</a:t>
-            </a:r>
-            <a:r>
-              <a:rPr lang="en-US" dirty="0"/>
-              <a:t> (resolver merge)</a:t>
+              <a:t>Prevenir</a:t>
             </a:r>
             <a:endParaRPr lang="es-419" dirty="0"/>
           </a:p>
@@ -7298,10 +8781,70 @@
           </a:p>
         </p:txBody>
       </p:sp>
+      <p:sp>
+        <p:nvSpPr>
+          <p:cNvPr id="4" name="TextBox 3">
+            <a:extLst>
+              <a:ext uri="{FF2B5EF4-FFF2-40B4-BE49-F238E27FC236}">
+                <a16:creationId xmlns:a16="http://schemas.microsoft.com/office/drawing/2014/main" id="{D38FAB16-376C-468C-A3E6-F4486C832DE7}"/>
+              </a:ext>
+            </a:extLst>
+          </p:cNvPr>
+          <p:cNvSpPr txBox="1"/>
+          <p:nvPr/>
+        </p:nvSpPr>
+        <p:spPr>
+          <a:xfrm>
+            <a:off x="838200" y="3301465"/>
+            <a:ext cx="2910284" cy="1200329"/>
+          </a:xfrm>
+          <a:prstGeom prst="rect">
+            <a:avLst/>
+          </a:prstGeom>
+          <a:noFill/>
+        </p:spPr>
+        <p:txBody>
+          <a:bodyPr wrap="none" rtlCol="0">
+            <a:spAutoFit/>
+          </a:bodyPr>
+          <a:lstStyle/>
+          <a:p>
+            <a:r>
+              <a:rPr lang="en-US" dirty="0" err="1"/>
+              <a:t>Separacion</a:t>
+            </a:r>
+            <a:r>
+              <a:rPr lang="en-US" dirty="0"/>
+              <a:t> de </a:t>
+            </a:r>
+            <a:r>
+              <a:rPr lang="en-US" dirty="0" err="1"/>
+              <a:t>código</a:t>
+            </a:r>
+            <a:endParaRPr lang="es-419" dirty="0"/>
+          </a:p>
+          <a:p>
+            <a:r>
+              <a:rPr lang="es-419" dirty="0"/>
+              <a:t>Actualizar mi Branch primero</a:t>
+            </a:r>
+          </a:p>
+          <a:p>
+            <a:r>
+              <a:rPr lang="en-US" dirty="0" err="1"/>
+              <a:t>Comunicacion</a:t>
+            </a:r>
+            <a:endParaRPr lang="en-US" dirty="0"/>
+          </a:p>
+          <a:p>
+            <a:endParaRPr lang="en-US" dirty="0"/>
+          </a:p>
+        </p:txBody>
+      </p:sp>
     </p:spTree>
     <p:extLst>
       <p:ext uri="{BB962C8B-B14F-4D97-AF65-F5344CB8AC3E}">
-        <p14:creationId xmlns:p14="http://schemas.microsoft.com/office/powerpoint/2010/main" val="3331826155"/>
+        <p14:creationId xmlns:p14="http://schemas.microsoft.com/office/powerpoint/2010/main" val="718397276"/>
       </p:ext>
     </p:extLst>
   </p:cSld>
@@ -7539,6 +9082,245 @@
     <p:extLst>
       <p:ext uri="{BB962C8B-B14F-4D97-AF65-F5344CB8AC3E}">
         <p14:creationId xmlns:p14="http://schemas.microsoft.com/office/powerpoint/2010/main" val="2936865913"/>
+      </p:ext>
+    </p:extLst>
+  </p:cSld>
+  <p:clrMapOvr>
+    <a:masterClrMapping/>
+  </p:clrMapOvr>
+</p:sld>
+</file>
+
+<file path=ppt/slides/slide20.xml><?xml version="1.0" encoding="utf-8"?>
+<p:sld xmlns:a="http://schemas.openxmlformats.org/drawingml/2006/main" xmlns:r="http://schemas.openxmlformats.org/officeDocument/2006/relationships" xmlns:p="http://schemas.openxmlformats.org/presentationml/2006/main">
+  <p:cSld>
+    <p:spTree>
+      <p:nvGrpSpPr>
+        <p:cNvPr id="1" name=""/>
+        <p:cNvGrpSpPr/>
+        <p:nvPr/>
+      </p:nvGrpSpPr>
+      <p:grpSpPr>
+        <a:xfrm>
+          <a:off x="0" y="0"/>
+          <a:ext cx="0" cy="0"/>
+          <a:chOff x="0" y="0"/>
+          <a:chExt cx="0" cy="0"/>
+        </a:xfrm>
+      </p:grpSpPr>
+      <p:sp>
+        <p:nvSpPr>
+          <p:cNvPr id="2" name="Title 1">
+            <a:extLst>
+              <a:ext uri="{FF2B5EF4-FFF2-40B4-BE49-F238E27FC236}">
+                <a16:creationId xmlns:a16="http://schemas.microsoft.com/office/drawing/2014/main" id="{E94C24EB-7ECC-4ECF-9E67-D3422B6EC4F8}"/>
+              </a:ext>
+            </a:extLst>
+          </p:cNvPr>
+          <p:cNvSpPr>
+            <a:spLocks noGrp="1"/>
+          </p:cNvSpPr>
+          <p:nvPr>
+            <p:ph type="title"/>
+          </p:nvPr>
+        </p:nvSpPr>
+        <p:spPr/>
+        <p:txBody>
+          <a:bodyPr/>
+          <a:lstStyle/>
+          <a:p>
+            <a:r>
+              <a:rPr lang="en-US" dirty="0" err="1"/>
+              <a:t>Separar</a:t>
+            </a:r>
+            <a:r>
+              <a:rPr lang="en-US" dirty="0"/>
+              <a:t> </a:t>
+            </a:r>
+            <a:r>
+              <a:rPr lang="en-US" dirty="0" err="1"/>
+              <a:t>codigo</a:t>
+            </a:r>
+            <a:endParaRPr lang="es-419" dirty="0"/>
+          </a:p>
+        </p:txBody>
+      </p:sp>
+      <p:sp>
+        <p:nvSpPr>
+          <p:cNvPr id="4" name="TextBox 3">
+            <a:extLst>
+              <a:ext uri="{FF2B5EF4-FFF2-40B4-BE49-F238E27FC236}">
+                <a16:creationId xmlns:a16="http://schemas.microsoft.com/office/drawing/2014/main" id="{D38FAB16-376C-468C-A3E6-F4486C832DE7}"/>
+              </a:ext>
+            </a:extLst>
+          </p:cNvPr>
+          <p:cNvSpPr txBox="1"/>
+          <p:nvPr/>
+        </p:nvSpPr>
+        <p:spPr>
+          <a:xfrm>
+            <a:off x="838200" y="3301465"/>
+            <a:ext cx="3591240" cy="1200329"/>
+          </a:xfrm>
+          <a:prstGeom prst="rect">
+            <a:avLst/>
+          </a:prstGeom>
+          <a:noFill/>
+        </p:spPr>
+        <p:txBody>
+          <a:bodyPr wrap="none" rtlCol="0">
+            <a:spAutoFit/>
+          </a:bodyPr>
+          <a:lstStyle/>
+          <a:p>
+            <a:r>
+              <a:rPr lang="en-US" dirty="0" err="1"/>
+              <a:t>Principios</a:t>
+            </a:r>
+            <a:r>
+              <a:rPr lang="en-US" dirty="0"/>
+              <a:t> de </a:t>
+            </a:r>
+            <a:r>
+              <a:rPr lang="en-US" dirty="0" err="1"/>
+              <a:t>responsabilidad</a:t>
+            </a:r>
+            <a:r>
+              <a:rPr lang="en-US" dirty="0"/>
+              <a:t> simple</a:t>
+            </a:r>
+          </a:p>
+          <a:p>
+            <a:r>
+              <a:rPr lang="en-US" dirty="0"/>
+              <a:t>Interfaces</a:t>
+            </a:r>
+          </a:p>
+          <a:p>
+            <a:r>
+              <a:rPr lang="en-US" dirty="0" err="1"/>
+              <a:t>Caja</a:t>
+            </a:r>
+            <a:r>
+              <a:rPr lang="en-US" dirty="0"/>
+              <a:t> </a:t>
+            </a:r>
+            <a:r>
+              <a:rPr lang="en-US" dirty="0" err="1"/>
+              <a:t>negra</a:t>
+            </a:r>
+            <a:r>
+              <a:rPr lang="en-US" dirty="0"/>
+              <a:t>/ley de Demeter</a:t>
+            </a:r>
+          </a:p>
+          <a:p>
+            <a:endParaRPr lang="en-US" dirty="0"/>
+          </a:p>
+        </p:txBody>
+      </p:sp>
+    </p:spTree>
+    <p:extLst>
+      <p:ext uri="{BB962C8B-B14F-4D97-AF65-F5344CB8AC3E}">
+        <p14:creationId xmlns:p14="http://schemas.microsoft.com/office/powerpoint/2010/main" val="1768428990"/>
+      </p:ext>
+    </p:extLst>
+  </p:cSld>
+  <p:clrMapOvr>
+    <a:masterClrMapping/>
+  </p:clrMapOvr>
+</p:sld>
+</file>
+
+<file path=ppt/slides/slide21.xml><?xml version="1.0" encoding="utf-8"?>
+<p:sld xmlns:a="http://schemas.openxmlformats.org/drawingml/2006/main" xmlns:r="http://schemas.openxmlformats.org/officeDocument/2006/relationships" xmlns:p="http://schemas.openxmlformats.org/presentationml/2006/main">
+  <p:cSld>
+    <p:spTree>
+      <p:nvGrpSpPr>
+        <p:cNvPr id="1" name=""/>
+        <p:cNvGrpSpPr/>
+        <p:nvPr/>
+      </p:nvGrpSpPr>
+      <p:grpSpPr>
+        <a:xfrm>
+          <a:off x="0" y="0"/>
+          <a:ext cx="0" cy="0"/>
+          <a:chOff x="0" y="0"/>
+          <a:chExt cx="0" cy="0"/>
+        </a:xfrm>
+      </p:grpSpPr>
+      <p:sp>
+        <p:nvSpPr>
+          <p:cNvPr id="2" name="Title 1">
+            <a:extLst>
+              <a:ext uri="{FF2B5EF4-FFF2-40B4-BE49-F238E27FC236}">
+                <a16:creationId xmlns:a16="http://schemas.microsoft.com/office/drawing/2014/main" id="{E94C24EB-7ECC-4ECF-9E67-D3422B6EC4F8}"/>
+              </a:ext>
+            </a:extLst>
+          </p:cNvPr>
+          <p:cNvSpPr>
+            <a:spLocks noGrp="1"/>
+          </p:cNvSpPr>
+          <p:nvPr>
+            <p:ph type="title"/>
+          </p:nvPr>
+        </p:nvSpPr>
+        <p:spPr/>
+        <p:txBody>
+          <a:bodyPr/>
+          <a:lstStyle/>
+          <a:p>
+            <a:r>
+              <a:rPr lang="en-US" dirty="0"/>
+              <a:t>Conflicts: </a:t>
+            </a:r>
+            <a:r>
+              <a:rPr lang="en-US" dirty="0" err="1"/>
+              <a:t>Lamentar</a:t>
+            </a:r>
+            <a:r>
+              <a:rPr lang="en-US" dirty="0"/>
+              <a:t> (resolver merge)</a:t>
+            </a:r>
+            <a:endParaRPr lang="es-419" dirty="0"/>
+          </a:p>
+        </p:txBody>
+      </p:sp>
+      <p:sp>
+        <p:nvSpPr>
+          <p:cNvPr id="3" name="Content Placeholder 2">
+            <a:extLst>
+              <a:ext uri="{FF2B5EF4-FFF2-40B4-BE49-F238E27FC236}">
+                <a16:creationId xmlns:a16="http://schemas.microsoft.com/office/drawing/2014/main" id="{4C8A22F4-750C-4E9A-B539-BC08DBA1AC78}"/>
+              </a:ext>
+            </a:extLst>
+          </p:cNvPr>
+          <p:cNvSpPr>
+            <a:spLocks noGrp="1"/>
+          </p:cNvSpPr>
+          <p:nvPr>
+            <p:ph idx="1"/>
+          </p:nvPr>
+        </p:nvSpPr>
+        <p:spPr/>
+        <p:txBody>
+          <a:bodyPr/>
+          <a:lstStyle/>
+          <a:p>
+            <a:pPr marL="0" indent="0">
+              <a:buNone/>
+            </a:pPr>
+            <a:r>
+              <a:rPr lang="es-419" dirty="0"/>
+              <a:t> </a:t>
+            </a:r>
+          </a:p>
+        </p:txBody>
+      </p:sp>
+    </p:spTree>
+    <p:extLst>
+      <p:ext uri="{BB962C8B-B14F-4D97-AF65-F5344CB8AC3E}">
+        <p14:creationId xmlns:p14="http://schemas.microsoft.com/office/powerpoint/2010/main" val="3331826155"/>
       </p:ext>
     </p:extLst>
   </p:cSld>
@@ -9216,6 +10998,547 @@
           </a:p>
         </p:txBody>
       </p:sp>
+      <p:sp>
+        <p:nvSpPr>
+          <p:cNvPr id="3" name="TextBox 5">
+            <a:extLst>
+              <a:ext uri="{FF2B5EF4-FFF2-40B4-BE49-F238E27FC236}">
+                <a16:creationId xmlns:a16="http://schemas.microsoft.com/office/drawing/2014/main" id="{A2403F36-6DD4-4B7D-B0D6-78464E57E76E}"/>
+              </a:ext>
+            </a:extLst>
+          </p:cNvPr>
+          <p:cNvSpPr txBox="1"/>
+          <p:nvPr/>
+        </p:nvSpPr>
+        <p:spPr>
+          <a:xfrm>
+            <a:off x="2683333" y="2079677"/>
+            <a:ext cx="6814686" cy="369332"/>
+          </a:xfrm>
+          <a:prstGeom prst="rect">
+            <a:avLst/>
+          </a:prstGeom>
+          <a:noFill/>
+        </p:spPr>
+        <p:txBody>
+          <a:bodyPr wrap="none" rtlCol="0">
+            <a:spAutoFit/>
+          </a:bodyPr>
+          <a:lstStyle>
+            <a:defPPr>
+              <a:defRPr lang="en-US"/>
+            </a:defPPr>
+            <a:lvl1pPr marL="0" algn="l" defTabSz="457200" rtl="0" eaLnBrk="1" latinLnBrk="0" hangingPunct="1">
+              <a:defRPr sz="1800" kern="1200">
+                <a:solidFill>
+                  <a:schemeClr val="tx1"/>
+                </a:solidFill>
+                <a:latin typeface="+mn-lt"/>
+                <a:ea typeface="+mn-ea"/>
+                <a:cs typeface="+mn-cs"/>
+              </a:defRPr>
+            </a:lvl1pPr>
+            <a:lvl2pPr marL="457200" algn="l" defTabSz="457200" rtl="0" eaLnBrk="1" latinLnBrk="0" hangingPunct="1">
+              <a:defRPr sz="1800" kern="1200">
+                <a:solidFill>
+                  <a:schemeClr val="tx1"/>
+                </a:solidFill>
+                <a:latin typeface="+mn-lt"/>
+                <a:ea typeface="+mn-ea"/>
+                <a:cs typeface="+mn-cs"/>
+              </a:defRPr>
+            </a:lvl2pPr>
+            <a:lvl3pPr marL="914400" algn="l" defTabSz="457200" rtl="0" eaLnBrk="1" latinLnBrk="0" hangingPunct="1">
+              <a:defRPr sz="1800" kern="1200">
+                <a:solidFill>
+                  <a:schemeClr val="tx1"/>
+                </a:solidFill>
+                <a:latin typeface="+mn-lt"/>
+                <a:ea typeface="+mn-ea"/>
+                <a:cs typeface="+mn-cs"/>
+              </a:defRPr>
+            </a:lvl3pPr>
+            <a:lvl4pPr marL="1371600" algn="l" defTabSz="457200" rtl="0" eaLnBrk="1" latinLnBrk="0" hangingPunct="1">
+              <a:defRPr sz="1800" kern="1200">
+                <a:solidFill>
+                  <a:schemeClr val="tx1"/>
+                </a:solidFill>
+                <a:latin typeface="+mn-lt"/>
+                <a:ea typeface="+mn-ea"/>
+                <a:cs typeface="+mn-cs"/>
+              </a:defRPr>
+            </a:lvl4pPr>
+            <a:lvl5pPr marL="1828800" algn="l" defTabSz="457200" rtl="0" eaLnBrk="1" latinLnBrk="0" hangingPunct="1">
+              <a:defRPr sz="1800" kern="1200">
+                <a:solidFill>
+                  <a:schemeClr val="tx1"/>
+                </a:solidFill>
+                <a:latin typeface="+mn-lt"/>
+                <a:ea typeface="+mn-ea"/>
+                <a:cs typeface="+mn-cs"/>
+              </a:defRPr>
+            </a:lvl5pPr>
+            <a:lvl6pPr marL="2286000" algn="l" defTabSz="457200" rtl="0" eaLnBrk="1" latinLnBrk="0" hangingPunct="1">
+              <a:defRPr sz="1800" kern="1200">
+                <a:solidFill>
+                  <a:schemeClr val="tx1"/>
+                </a:solidFill>
+                <a:latin typeface="+mn-lt"/>
+                <a:ea typeface="+mn-ea"/>
+                <a:cs typeface="+mn-cs"/>
+              </a:defRPr>
+            </a:lvl6pPr>
+            <a:lvl7pPr marL="2743200" algn="l" defTabSz="457200" rtl="0" eaLnBrk="1" latinLnBrk="0" hangingPunct="1">
+              <a:defRPr sz="1800" kern="1200">
+                <a:solidFill>
+                  <a:schemeClr val="tx1"/>
+                </a:solidFill>
+                <a:latin typeface="+mn-lt"/>
+                <a:ea typeface="+mn-ea"/>
+                <a:cs typeface="+mn-cs"/>
+              </a:defRPr>
+            </a:lvl7pPr>
+            <a:lvl8pPr marL="3200400" algn="l" defTabSz="457200" rtl="0" eaLnBrk="1" latinLnBrk="0" hangingPunct="1">
+              <a:defRPr sz="1800" kern="1200">
+                <a:solidFill>
+                  <a:schemeClr val="tx1"/>
+                </a:solidFill>
+                <a:latin typeface="+mn-lt"/>
+                <a:ea typeface="+mn-ea"/>
+                <a:cs typeface="+mn-cs"/>
+              </a:defRPr>
+            </a:lvl8pPr>
+            <a:lvl9pPr marL="3657600" algn="l" defTabSz="457200" rtl="0" eaLnBrk="1" latinLnBrk="0" hangingPunct="1">
+              <a:defRPr sz="1800" kern="1200">
+                <a:solidFill>
+                  <a:schemeClr val="tx1"/>
+                </a:solidFill>
+                <a:latin typeface="+mn-lt"/>
+                <a:ea typeface="+mn-ea"/>
+                <a:cs typeface="+mn-cs"/>
+              </a:defRPr>
+            </a:lvl9pPr>
+          </a:lstStyle>
+          <a:p>
+            <a:r>
+              <a:rPr lang="en-US" dirty="0"/>
+              <a:t>Es una </a:t>
+            </a:r>
+            <a:r>
+              <a:rPr lang="en-US" dirty="0" err="1"/>
+              <a:t>separación</a:t>
+            </a:r>
+            <a:r>
+              <a:rPr lang="en-US" dirty="0"/>
+              <a:t> </a:t>
+            </a:r>
+            <a:r>
+              <a:rPr lang="en-US" dirty="0" err="1"/>
+              <a:t>en</a:t>
+            </a:r>
+            <a:r>
+              <a:rPr lang="en-US" dirty="0"/>
+              <a:t> </a:t>
+            </a:r>
+            <a:r>
+              <a:rPr lang="en-US" dirty="0" err="1">
+                <a:solidFill>
+                  <a:srgbClr val="FFC000"/>
+                </a:solidFill>
+              </a:rPr>
+              <a:t>paralelo</a:t>
+            </a:r>
+            <a:r>
+              <a:rPr lang="en-US" dirty="0"/>
+              <a:t> de las </a:t>
+            </a:r>
+            <a:r>
+              <a:rPr lang="en-US" dirty="0" err="1"/>
+              <a:t>versiones</a:t>
+            </a:r>
+            <a:r>
+              <a:rPr lang="en-US" dirty="0"/>
+              <a:t> </a:t>
+            </a:r>
+            <a:r>
+              <a:rPr lang="en-US" dirty="0" err="1"/>
+              <a:t>en</a:t>
+            </a:r>
+            <a:r>
+              <a:rPr lang="en-US" dirty="0"/>
+              <a:t> un </a:t>
+            </a:r>
+            <a:r>
+              <a:rPr lang="en-US" dirty="0" err="1"/>
+              <a:t>repositorio</a:t>
+            </a:r>
+            <a:endParaRPr lang="es-419" dirty="0"/>
+          </a:p>
+        </p:txBody>
+      </p:sp>
+      <p:pic>
+        <p:nvPicPr>
+          <p:cNvPr id="5" name="Picture 4" descr="Diagram, schematic&#10;&#10;Description automatically generated">
+            <a:extLst>
+              <a:ext uri="{FF2B5EF4-FFF2-40B4-BE49-F238E27FC236}">
+                <a16:creationId xmlns:a16="http://schemas.microsoft.com/office/drawing/2014/main" id="{54645C1F-B4E5-4DF2-B194-A7E6B9FA947F}"/>
+              </a:ext>
+            </a:extLst>
+          </p:cNvPr>
+          <p:cNvPicPr>
+            <a:picLocks noChangeAspect="1"/>
+          </p:cNvPicPr>
+          <p:nvPr/>
+        </p:nvPicPr>
+        <p:blipFill>
+          <a:blip r:embed="rId2">
+            <a:extLst>
+              <a:ext uri="{28A0092B-C50C-407E-A947-70E740481C1C}">
+                <a14:useLocalDpi xmlns:a14="http://schemas.microsoft.com/office/drawing/2010/main" val="0"/>
+              </a:ext>
+            </a:extLst>
+          </a:blip>
+          <a:stretch>
+            <a:fillRect/>
+          </a:stretch>
+        </p:blipFill>
+        <p:spPr>
+          <a:xfrm>
+            <a:off x="2400514" y="2702733"/>
+            <a:ext cx="7390971" cy="3787109"/>
+          </a:xfrm>
+          <a:prstGeom prst="rect">
+            <a:avLst/>
+          </a:prstGeom>
+        </p:spPr>
+      </p:pic>
+      <mc:AlternateContent xmlns:mc="http://schemas.openxmlformats.org/markup-compatibility/2006">
+        <mc:Choice xmlns:p14="http://schemas.microsoft.com/office/powerpoint/2010/main" Requires="p14">
+          <p:contentPart p14:bwMode="auto" r:id="rId3">
+            <p14:nvContentPartPr>
+              <p14:cNvPr id="6" name="Ink 5">
+                <a:extLst>
+                  <a:ext uri="{FF2B5EF4-FFF2-40B4-BE49-F238E27FC236}">
+                    <a16:creationId xmlns:a16="http://schemas.microsoft.com/office/drawing/2014/main" id="{960E235B-FB1E-4BEB-9D27-3C9C1DCA0971}"/>
+                  </a:ext>
+                </a:extLst>
+              </p14:cNvPr>
+              <p14:cNvContentPartPr/>
+              <p14:nvPr/>
+            </p14:nvContentPartPr>
+            <p14:xfrm>
+              <a:off x="2480562" y="5010330"/>
+              <a:ext cx="1083240" cy="332280"/>
+            </p14:xfrm>
+          </p:contentPart>
+        </mc:Choice>
+        <mc:Fallback>
+          <p:pic>
+            <p:nvPicPr>
+              <p:cNvPr id="6" name="Ink 5">
+                <a:extLst>
+                  <a:ext uri="{FF2B5EF4-FFF2-40B4-BE49-F238E27FC236}">
+                    <a16:creationId xmlns:a16="http://schemas.microsoft.com/office/drawing/2014/main" id="{960E235B-FB1E-4BEB-9D27-3C9C1DCA0971}"/>
+                  </a:ext>
+                </a:extLst>
+              </p:cNvPr>
+              <p:cNvPicPr/>
+              <p:nvPr/>
+            </p:nvPicPr>
+            <p:blipFill>
+              <a:blip r:embed="rId4"/>
+              <a:stretch>
+                <a:fillRect/>
+              </a:stretch>
+            </p:blipFill>
+            <p:spPr>
+              <a:xfrm>
+                <a:off x="2462922" y="4992690"/>
+                <a:ext cx="1118880" cy="367920"/>
+              </a:xfrm>
+              <a:prstGeom prst="rect">
+                <a:avLst/>
+              </a:prstGeom>
+            </p:spPr>
+          </p:pic>
+        </mc:Fallback>
+      </mc:AlternateContent>
+      <p:grpSp>
+        <p:nvGrpSpPr>
+          <p:cNvPr id="18" name="Group 17">
+            <a:extLst>
+              <a:ext uri="{FF2B5EF4-FFF2-40B4-BE49-F238E27FC236}">
+                <a16:creationId xmlns:a16="http://schemas.microsoft.com/office/drawing/2014/main" id="{5F35DFA2-5B0E-407E-9BC0-502768FCAACC}"/>
+              </a:ext>
+            </a:extLst>
+          </p:cNvPr>
+          <p:cNvGrpSpPr/>
+          <p:nvPr/>
+        </p:nvGrpSpPr>
+        <p:grpSpPr>
+          <a:xfrm>
+            <a:off x="2536722" y="5458890"/>
+            <a:ext cx="1112400" cy="307440"/>
+            <a:chOff x="2536722" y="5458890"/>
+            <a:chExt cx="1112400" cy="307440"/>
+          </a:xfrm>
+        </p:grpSpPr>
+        <mc:AlternateContent xmlns:mc="http://schemas.openxmlformats.org/markup-compatibility/2006">
+          <mc:Choice xmlns:p14="http://schemas.microsoft.com/office/powerpoint/2010/main" Requires="p14">
+            <p:contentPart p14:bwMode="auto" r:id="rId5">
+              <p14:nvContentPartPr>
+                <p14:cNvPr id="13" name="Ink 12">
+                  <a:extLst>
+                    <a:ext uri="{FF2B5EF4-FFF2-40B4-BE49-F238E27FC236}">
+                      <a16:creationId xmlns:a16="http://schemas.microsoft.com/office/drawing/2014/main" id="{1FCB7FDE-1666-4349-848E-2BD9D7B4B21A}"/>
+                    </a:ext>
+                  </a:extLst>
+                </p14:cNvPr>
+                <p14:cNvContentPartPr/>
+                <p14:nvPr/>
+              </p14:nvContentPartPr>
+              <p14:xfrm>
+                <a:off x="2536722" y="5465730"/>
+                <a:ext cx="393480" cy="292320"/>
+              </p14:xfrm>
+            </p:contentPart>
+          </mc:Choice>
+          <mc:Fallback>
+            <p:pic>
+              <p:nvPicPr>
+                <p:cNvPr id="13" name="Ink 12">
+                  <a:extLst>
+                    <a:ext uri="{FF2B5EF4-FFF2-40B4-BE49-F238E27FC236}">
+                      <a16:creationId xmlns:a16="http://schemas.microsoft.com/office/drawing/2014/main" id="{1FCB7FDE-1666-4349-848E-2BD9D7B4B21A}"/>
+                    </a:ext>
+                  </a:extLst>
+                </p:cNvPr>
+                <p:cNvPicPr/>
+                <p:nvPr/>
+              </p:nvPicPr>
+              <p:blipFill>
+                <a:blip r:embed="rId6"/>
+                <a:stretch>
+                  <a:fillRect/>
+                </a:stretch>
+              </p:blipFill>
+              <p:spPr>
+                <a:xfrm>
+                  <a:off x="2519082" y="5448090"/>
+                  <a:ext cx="429120" cy="327960"/>
+                </a:xfrm>
+                <a:prstGeom prst="rect">
+                  <a:avLst/>
+                </a:prstGeom>
+              </p:spPr>
+            </p:pic>
+          </mc:Fallback>
+        </mc:AlternateContent>
+        <mc:AlternateContent xmlns:mc="http://schemas.openxmlformats.org/markup-compatibility/2006">
+          <mc:Choice xmlns:p14="http://schemas.microsoft.com/office/powerpoint/2010/main" Requires="p14">
+            <p:contentPart p14:bwMode="auto" r:id="rId7">
+              <p14:nvContentPartPr>
+                <p14:cNvPr id="14" name="Ink 13">
+                  <a:extLst>
+                    <a:ext uri="{FF2B5EF4-FFF2-40B4-BE49-F238E27FC236}">
+                      <a16:creationId xmlns:a16="http://schemas.microsoft.com/office/drawing/2014/main" id="{B8343A6A-5B07-4A48-9F3C-54BD2317D8B0}"/>
+                    </a:ext>
+                  </a:extLst>
+                </p14:cNvPr>
+                <p14:cNvContentPartPr/>
+                <p14:nvPr/>
+              </p14:nvContentPartPr>
+              <p14:xfrm>
+                <a:off x="2997162" y="5540970"/>
+                <a:ext cx="190440" cy="176400"/>
+              </p14:xfrm>
+            </p:contentPart>
+          </mc:Choice>
+          <mc:Fallback>
+            <p:pic>
+              <p:nvPicPr>
+                <p:cNvPr id="14" name="Ink 13">
+                  <a:extLst>
+                    <a:ext uri="{FF2B5EF4-FFF2-40B4-BE49-F238E27FC236}">
+                      <a16:creationId xmlns:a16="http://schemas.microsoft.com/office/drawing/2014/main" id="{B8343A6A-5B07-4A48-9F3C-54BD2317D8B0}"/>
+                    </a:ext>
+                  </a:extLst>
+                </p:cNvPr>
+                <p:cNvPicPr/>
+                <p:nvPr/>
+              </p:nvPicPr>
+              <p:blipFill>
+                <a:blip r:embed="rId8"/>
+                <a:stretch>
+                  <a:fillRect/>
+                </a:stretch>
+              </p:blipFill>
+              <p:spPr>
+                <a:xfrm>
+                  <a:off x="2979522" y="5523330"/>
+                  <a:ext cx="226080" cy="212040"/>
+                </a:xfrm>
+                <a:prstGeom prst="rect">
+                  <a:avLst/>
+                </a:prstGeom>
+              </p:spPr>
+            </p:pic>
+          </mc:Fallback>
+        </mc:AlternateContent>
+        <mc:AlternateContent xmlns:mc="http://schemas.openxmlformats.org/markup-compatibility/2006">
+          <mc:Choice xmlns:p14="http://schemas.microsoft.com/office/powerpoint/2010/main" Requires="p14">
+            <p:contentPart p14:bwMode="auto" r:id="rId9">
+              <p14:nvContentPartPr>
+                <p14:cNvPr id="15" name="Ink 14">
+                  <a:extLst>
+                    <a:ext uri="{FF2B5EF4-FFF2-40B4-BE49-F238E27FC236}">
+                      <a16:creationId xmlns:a16="http://schemas.microsoft.com/office/drawing/2014/main" id="{136A3443-3B6D-4F26-9161-4F40A7F31E85}"/>
+                    </a:ext>
+                  </a:extLst>
+                </p14:cNvPr>
+                <p14:cNvContentPartPr/>
+                <p14:nvPr/>
+              </p14:nvContentPartPr>
+              <p14:xfrm>
+                <a:off x="3285522" y="5596050"/>
+                <a:ext cx="7920" cy="104040"/>
+              </p14:xfrm>
+            </p:contentPart>
+          </mc:Choice>
+          <mc:Fallback>
+            <p:pic>
+              <p:nvPicPr>
+                <p:cNvPr id="15" name="Ink 14">
+                  <a:extLst>
+                    <a:ext uri="{FF2B5EF4-FFF2-40B4-BE49-F238E27FC236}">
+                      <a16:creationId xmlns:a16="http://schemas.microsoft.com/office/drawing/2014/main" id="{136A3443-3B6D-4F26-9161-4F40A7F31E85}"/>
+                    </a:ext>
+                  </a:extLst>
+                </p:cNvPr>
+                <p:cNvPicPr/>
+                <p:nvPr/>
+              </p:nvPicPr>
+              <p:blipFill>
+                <a:blip r:embed="rId10"/>
+                <a:stretch>
+                  <a:fillRect/>
+                </a:stretch>
+              </p:blipFill>
+              <p:spPr>
+                <a:xfrm>
+                  <a:off x="3267882" y="5578050"/>
+                  <a:ext cx="43560" cy="139680"/>
+                </a:xfrm>
+                <a:prstGeom prst="rect">
+                  <a:avLst/>
+                </a:prstGeom>
+              </p:spPr>
+            </p:pic>
+          </mc:Fallback>
+        </mc:AlternateContent>
+        <mc:AlternateContent xmlns:mc="http://schemas.openxmlformats.org/markup-compatibility/2006">
+          <mc:Choice xmlns:p14="http://schemas.microsoft.com/office/powerpoint/2010/main" Requires="p14">
+            <p:contentPart p14:bwMode="auto" r:id="rId11">
+              <p14:nvContentPartPr>
+                <p14:cNvPr id="16" name="Ink 15">
+                  <a:extLst>
+                    <a:ext uri="{FF2B5EF4-FFF2-40B4-BE49-F238E27FC236}">
+                      <a16:creationId xmlns:a16="http://schemas.microsoft.com/office/drawing/2014/main" id="{6DEF45CF-D74F-4EE7-A36B-BF064F0E01BF}"/>
+                    </a:ext>
+                  </a:extLst>
+                </p14:cNvPr>
+                <p14:cNvContentPartPr/>
+                <p14:nvPr/>
+              </p14:nvContentPartPr>
+              <p14:xfrm>
+                <a:off x="3295242" y="5458890"/>
+                <a:ext cx="360" cy="360"/>
+              </p14:xfrm>
+            </p:contentPart>
+          </mc:Choice>
+          <mc:Fallback>
+            <p:pic>
+              <p:nvPicPr>
+                <p:cNvPr id="16" name="Ink 15">
+                  <a:extLst>
+                    <a:ext uri="{FF2B5EF4-FFF2-40B4-BE49-F238E27FC236}">
+                      <a16:creationId xmlns:a16="http://schemas.microsoft.com/office/drawing/2014/main" id="{6DEF45CF-D74F-4EE7-A36B-BF064F0E01BF}"/>
+                    </a:ext>
+                  </a:extLst>
+                </p:cNvPr>
+                <p:cNvPicPr/>
+                <p:nvPr/>
+              </p:nvPicPr>
+              <p:blipFill>
+                <a:blip r:embed="rId12"/>
+                <a:stretch>
+                  <a:fillRect/>
+                </a:stretch>
+              </p:blipFill>
+              <p:spPr>
+                <a:xfrm>
+                  <a:off x="3277602" y="5440890"/>
+                  <a:ext cx="36000" cy="36000"/>
+                </a:xfrm>
+                <a:prstGeom prst="rect">
+                  <a:avLst/>
+                </a:prstGeom>
+              </p:spPr>
+            </p:pic>
+          </mc:Fallback>
+        </mc:AlternateContent>
+        <mc:AlternateContent xmlns:mc="http://schemas.openxmlformats.org/markup-compatibility/2006">
+          <mc:Choice xmlns:p14="http://schemas.microsoft.com/office/powerpoint/2010/main" Requires="p14">
+            <p:contentPart p14:bwMode="auto" r:id="rId13">
+              <p14:nvContentPartPr>
+                <p14:cNvPr id="17" name="Ink 16">
+                  <a:extLst>
+                    <a:ext uri="{FF2B5EF4-FFF2-40B4-BE49-F238E27FC236}">
+                      <a16:creationId xmlns:a16="http://schemas.microsoft.com/office/drawing/2014/main" id="{E05D6009-D2FC-4F04-BE26-E531DEA735DA}"/>
+                    </a:ext>
+                  </a:extLst>
+                </p14:cNvPr>
+                <p14:cNvContentPartPr/>
+                <p14:nvPr/>
+              </p14:nvContentPartPr>
+              <p14:xfrm>
+                <a:off x="3408642" y="5564730"/>
+                <a:ext cx="240480" cy="201600"/>
+              </p14:xfrm>
+            </p:contentPart>
+          </mc:Choice>
+          <mc:Fallback>
+            <p:pic>
+              <p:nvPicPr>
+                <p:cNvPr id="17" name="Ink 16">
+                  <a:extLst>
+                    <a:ext uri="{FF2B5EF4-FFF2-40B4-BE49-F238E27FC236}">
+                      <a16:creationId xmlns:a16="http://schemas.microsoft.com/office/drawing/2014/main" id="{E05D6009-D2FC-4F04-BE26-E531DEA735DA}"/>
+                    </a:ext>
+                  </a:extLst>
+                </p:cNvPr>
+                <p:cNvPicPr/>
+                <p:nvPr/>
+              </p:nvPicPr>
+              <p:blipFill>
+                <a:blip r:embed="rId14"/>
+                <a:stretch>
+                  <a:fillRect/>
+                </a:stretch>
+              </p:blipFill>
+              <p:spPr>
+                <a:xfrm>
+                  <a:off x="3390642" y="5547090"/>
+                  <a:ext cx="276120" cy="237240"/>
+                </a:xfrm>
+                <a:prstGeom prst="rect">
+                  <a:avLst/>
+                </a:prstGeom>
+              </p:spPr>
+            </p:pic>
+          </mc:Fallback>
+        </mc:AlternateContent>
+      </p:grpSp>
     </p:spTree>
     <p:extLst>
       <p:ext uri="{BB962C8B-B14F-4D97-AF65-F5344CB8AC3E}">

--- a/Presentation/Git Gud 2.pptx
+++ b/Presentation/Git Gud 2.pptx
@@ -176,6 +176,146 @@
           <inkml:channelProperty channel="F" name="resolution" value="0" units="1/dev"/>
         </inkml:channelProperties>
       </inkml:inkSource>
+      <inkml:timestamp xml:id="ts0" timeString="2020-10-16T16:33:35.959"/>
+    </inkml:context>
+    <inkml:brush xml:id="br0">
+      <inkml:brushProperty name="width" value="0.1" units="cm"/>
+      <inkml:brushProperty name="height" value="0.1" units="cm"/>
+      <inkml:brushProperty name="color" value="#F6630D"/>
+    </inkml:brush>
+  </inkml:definitions>
+  <inkml:trace contextRef="#ctx0" brushRef="#br0">1 1578 7482,'0'0'2129,"0"0"-451,0 0-227,0 0 116,0 0-53,0 0-286,0-1-931,0-1 1,0 1-1,0-1 1,1 1-1,-1-1 0,1 1 1,-1-1-1,1 1 1,-1-1-1,1 1 0,0 0 1,-1-1-1,2 0-297,4-2 227,0 0 1,0-1-1,-1 0 0,0 1 0,0-2 1,2-2-228,14-14 227,312-337 1682,-250 264-1703,24-25 91,460-488 1116,-476 518-1229,150-135 786,-236 224-1384,14 1-13448,-17 0 11459,-1 0-4834</inkml:trace>
+</inkml:ink>
+</file>
+
+<file path=ppt/ink/ink11.xml><?xml version="1.0" encoding="utf-8"?>
+<inkml:ink xmlns:inkml="http://www.w3.org/2003/InkML">
+  <inkml:definitions>
+    <inkml:context xml:id="ctx0">
+      <inkml:inkSource xml:id="inkSrc0">
+        <inkml:traceFormat>
+          <inkml:channel name="X" type="integer" min="-2.14748E9" max="2.14748E9" units="cm"/>
+          <inkml:channel name="Y" type="integer" min="-2.14748E9" max="2.14748E9" units="cm"/>
+          <inkml:channel name="F" type="integer" max="32767" units="dev"/>
+        </inkml:traceFormat>
+        <inkml:channelProperties>
+          <inkml:channelProperty channel="X" name="resolution" value="1000" units="1/cm"/>
+          <inkml:channelProperty channel="Y" name="resolution" value="1000" units="1/cm"/>
+          <inkml:channelProperty channel="F" name="resolution" value="0" units="1/dev"/>
+        </inkml:channelProperties>
+      </inkml:inkSource>
+      <inkml:timestamp xml:id="ts0" timeString="2020-10-16T16:33:36.694"/>
+    </inkml:context>
+    <inkml:brush xml:id="br0">
+      <inkml:brushProperty name="width" value="0.1" units="cm"/>
+      <inkml:brushProperty name="height" value="0.1" units="cm"/>
+      <inkml:brushProperty name="color" value="#F6630D"/>
+    </inkml:brush>
+  </inkml:definitions>
+  <inkml:trace contextRef="#ctx0" brushRef="#br0">5 122 5353,'0'0'2881,"0"0"-734,0 0-389,0 0-29,0 0-266,0 0-252,0-1-972,-1 0 0,1 0 0,-1 0 0,1 0 0,-1 0 1,1 0-1,0 0 0,0 0 0,-1-1 0,1 1 0,0 0 0,0 0 0,0 0 0,0 0 0,0 0 0,0 0 0,0 0 0,1 0 0,-1 0 0,0-1-239,8-3 165,1 0 0,-1 1 0,1 0-1,0 0 1,0 1 0,0 0 0,6 0-165,18-7 303,9-2 75,0 2 1,24-2-379,-14 2 196,0 3-7,1 3 1,0 2-1,37 3-189,-19 0 230,-68-2-205,1 1 1,0 0-1,-1 1 1,1-1 0,0 1-1,-1-1 1,1 1-1,-1 0 1,1 1-1,-1-1 1,0 0 0,1 1-1,-1 0 1,0 0-1,0 0 1,0 0 0,0 0-1,-1 1 1,1-1-1,0 1 1,0 0-26,0 3 77,0 0 1,0 0-1,0 0 0,-1 0 1,1 0-1,-1 1 0,-1-1 1,0 1-1,1-1 1,-2 1-1,1 3-77,2 48 797,-4 35-797,0-22 299,-3-16 24,-3 0 0,-2 0 0,-2-1 0,-3-1 0,-3 5-323,-10 39 460,26-90-408,-1 0-1,0 1 1,-1-1-1,0-1 1,0 1 0,-2 3-52,4-5 1,1-4-76,0-1-167,0 0-343,0 0-465,0 0-516,0-45-8415,0 19 4665</inkml:trace>
+</inkml:ink>
+</file>
+
+<file path=ppt/ink/ink12.xml><?xml version="1.0" encoding="utf-8"?>
+<inkml:ink xmlns:inkml="http://www.w3.org/2003/InkML">
+  <inkml:definitions>
+    <inkml:context xml:id="ctx0">
+      <inkml:inkSource xml:id="inkSrc0">
+        <inkml:traceFormat>
+          <inkml:channel name="X" type="integer" min="-2.14748E9" max="2.14748E9" units="cm"/>
+          <inkml:channel name="Y" type="integer" min="-2.14748E9" max="2.14748E9" units="cm"/>
+          <inkml:channel name="F" type="integer" max="32767" units="dev"/>
+        </inkml:traceFormat>
+        <inkml:channelProperties>
+          <inkml:channelProperty channel="X" name="resolution" value="1000" units="1/cm"/>
+          <inkml:channelProperty channel="Y" name="resolution" value="1000" units="1/cm"/>
+          <inkml:channelProperty channel="F" name="resolution" value="0" units="1/dev"/>
+        </inkml:channelProperties>
+      </inkml:inkSource>
+      <inkml:timestamp xml:id="ts0" timeString="2020-10-16T16:13:45.762"/>
+    </inkml:context>
+    <inkml:brush xml:id="br0">
+      <inkml:brushProperty name="width" value="0.1" units="cm"/>
+      <inkml:brushProperty name="height" value="0.1" units="cm"/>
+      <inkml:brushProperty name="color" value="#FF0066"/>
+    </inkml:brush>
+  </inkml:definitions>
+  <inkml:trace contextRef="#ctx0" brushRef="#br0">3009 1 5369,'0'0'1897,"0"0"-293,0 0-205,0 0-52,0 0-122,0 0-124,-8 3-153,-157 47 5276,-25 0-6224,77-23 779,-251 68 837,248-59-1310,4-2 794,-63 10-1100,75-23 556,0 4 1,-20 12-557,39-12 376,-18 2-376,28-5 121,44-13-27,0-1 1,-24 4-95,7-3 99,1 2 0,0 2 1,-20 10-100,15-5 94,-70 21 199,39-14-34,2 3 1,-44 24-260,120-51 6,-5 2 10,1-1 1,0 1-1,-1-1 1,1 0-1,-1 0 1,0-1-1,-2 1-16,7-2 14,1 0 4,-27 11 165,-40 7 65,35-8-594,27-9 309,1 0 1,0 0-1,0 0 1,0 1-1,0-1 0,0 1 1,1 0-1,-1 0 1,0 0-1,-1 2 37,-43 19-197,44-20 169,0 0 0,0-1 0,-1 0 0,1 1 0,-1-1 0,0-1 0,0 1 0,-4 0 28,5-1-22,-1 1-1,0-1 1,0 1 0,1 0-1,-1 0 1,1 1-1,0-1 1,-3 3 22,-5-1-10,-5 3-12,-2 0 30,4-3-10,13-3 1,-1-1 1,1 1-1,-1 0 1,1-1 0,-1 1-1,1 0 1,0 1-1,-1-1 1,1 0-1,0 1 1,0-1 0,0 1-1,0 0 1,0 0 0,6-8-3301,27-29 334,4 1-1674,5-6-1942</inkml:trace>
+</inkml:ink>
+</file>
+
+<file path=ppt/ink/ink13.xml><?xml version="1.0" encoding="utf-8"?>
+<inkml:ink xmlns:inkml="http://www.w3.org/2003/InkML">
+  <inkml:definitions>
+    <inkml:context xml:id="ctx0">
+      <inkml:inkSource xml:id="inkSrc0">
+        <inkml:traceFormat>
+          <inkml:channel name="X" type="integer" min="-2.14748E9" max="2.14748E9" units="cm"/>
+          <inkml:channel name="Y" type="integer" min="-2.14748E9" max="2.14748E9" units="cm"/>
+          <inkml:channel name="F" type="integer" max="32767" units="dev"/>
+        </inkml:traceFormat>
+        <inkml:channelProperties>
+          <inkml:channelProperty channel="X" name="resolution" value="1000" units="1/cm"/>
+          <inkml:channelProperty channel="Y" name="resolution" value="1000" units="1/cm"/>
+          <inkml:channelProperty channel="F" name="resolution" value="0" units="1/dev"/>
+        </inkml:channelProperties>
+      </inkml:inkSource>
+      <inkml:timestamp xml:id="ts0" timeString="2020-10-16T16:14:00.935"/>
+    </inkml:context>
+    <inkml:brush xml:id="br0">
+      <inkml:brushProperty name="width" value="0.1" units="cm"/>
+      <inkml:brushProperty name="height" value="0.1" units="cm"/>
+      <inkml:brushProperty name="color" value="#66CC00"/>
+    </inkml:brush>
+  </inkml:definitions>
+  <inkml:trace contextRef="#ctx0" brushRef="#br0">3 10 4585,'0'0'1872,"0"0"-91,0 0-66,0 0-274,0 0-282,0-9 1617,-1 83-731,0-25-1380,1 0 1,2 1 0,3-1-1,2-1 1,2 1-666,9 28 629,2 8 369,3-1 1,12 24-999,-29-215 1291,-6 57-1256,2 0 0,3 0 0,2-4-35,-4 34-1,2 1 1,0 0-1,1 0 0,1 1 0,1-1 1,0 1-1,2 1 0,0 0 0,3-3 1,-9 15-9,0 0 0,1 0-1,-1 1 1,1 0 0,0 0 0,0 0-1,1 0 1,-1 1 0,1 0-1,-1 0 1,1 1 0,0-1-1,0 1 1,1 0 0,-1 1 0,5-1 9,8-1-21,0 2 0,0 0 0,0 1 0,0 0 0,2 2 21,-15-1-7,0 1 0,0-1 0,0 1 0,-1 0 0,1 1 0,0 0 0,-1-1 0,0 2 0,1-1 0,-1 1 0,-1-1 0,1 1 0,-1 1 0,1-1 0,-1 1 0,0-1 1,-1 1-1,1 1 0,-1-1 0,0 0 0,0 1 0,-1-1 0,2 6 7,5 11 16,-1 0 0,-1 1 0,-1 0 0,-2 0 0,2 17-16,-1 28 74,-3 64-74,-2-86 154,0-45-143,0-1 2,0 0-4,0 0-1,0 0 8,0 0 26,0 0-10,0-24 50,1-1-61,1 0-1,2 0 1,0 1-1,2-1 1,0 1-1,10-21-20,4-6-3,3 1 1,18-29 2,-36 70-7,0 1 1,0-1-1,1 1 0,0 0 1,0 1-1,1 0 1,0 0-1,1 0 1,2-2 6,-6 7-8,-1 0 0,0 0 1,1 0-1,-1 1 0,1 0 0,-1-1 1,1 1-1,0 0 0,0 1 1,0-1-1,-1 1 0,1-1 1,0 1-1,0 0 0,0 1 1,0-1-1,-1 1 0,1-1 1,0 1-1,0 1 0,-1-1 1,1 0-1,-1 1 0,1-1 1,-1 1-1,3 2 8,16 9-6,-2 0-1,0 1 1,0 1 0,-2 1-1,1 1 1,7 10 6,-18-18 3,0 1 0,-1 0 0,-1 1 1,1 0-1,-2 0 0,1 0 0,-1 1 0,-1-1 1,0 1-1,-1 0 0,0 0 0,-1 1 0,-1-1 1,1 3-4,0 3 39,-1 0 1,0-1-1,-1 1 1,-1 0-1,-1 0 1,-1 0-1,0 0 1,-1-1-1,-1 1 1,-1-1-1,0 0 1,-1-1-1,-7 12-39,-28 27 180,25-34-101,14-15-98,3-5-181,0-1-247,0 0-352,0-21-3161,0-56-4281,0 37 2901</inkml:trace>
+</inkml:ink>
+</file>
+
+<file path=ppt/ink/ink14.xml><?xml version="1.0" encoding="utf-8"?>
+<inkml:ink xmlns:inkml="http://www.w3.org/2003/InkML">
+  <inkml:definitions>
+    <inkml:context xml:id="ctx0">
+      <inkml:inkSource xml:id="inkSrc0">
+        <inkml:traceFormat>
+          <inkml:channel name="X" type="integer" min="-2.14748E9" max="2.14748E9" units="cm"/>
+          <inkml:channel name="Y" type="integer" min="-2.14748E9" max="2.14748E9" units="cm"/>
+          <inkml:channel name="F" type="integer" max="32767" units="dev"/>
+        </inkml:traceFormat>
+        <inkml:channelProperties>
+          <inkml:channelProperty channel="X" name="resolution" value="1000" units="1/cm"/>
+          <inkml:channelProperty channel="Y" name="resolution" value="1000" units="1/cm"/>
+          <inkml:channelProperty channel="F" name="resolution" value="0" units="1/dev"/>
+        </inkml:channelProperties>
+      </inkml:inkSource>
+      <inkml:timestamp xml:id="ts0" timeString="2020-10-16T16:14:02.022"/>
+    </inkml:context>
+    <inkml:brush xml:id="br0">
+      <inkml:brushProperty name="width" value="0.1" units="cm"/>
+      <inkml:brushProperty name="height" value="0.1" units="cm"/>
+      <inkml:brushProperty name="color" value="#66CC00"/>
+    </inkml:brush>
+  </inkml:definitions>
+  <inkml:trace contextRef="#ctx0" brushRef="#br0">70 113 5393,'0'0'2426,"0"0"-702,0 0-223,0 0-209,0 0-246,0 0-74,7-13-3,-2 2-676,-4 7-214,1 0 0,-1 0-1,1 1 1,0-1 0,0 0-1,0 1 1,1 0 0,-1-1 0,1 1-1,0 0 1,0 0 0,0 0-1,0 1 1,0-1 0,0 1 0,1-1-1,-1 1 1,1 0 0,0 1-1,2-2-78,19-4 466,0 1 0,1 2 0,-1 0 0,1 1 0,0 2 0,0 1 0,-1 0 0,8 3-466,-27-1 36,1 0 0,-1 0 1,0 0-1,1 1 1,-1 0-1,-1 0 0,1 0 1,0 1-1,-1 0 0,0 0 1,0 0-1,0 1 0,0 0 1,-1 0-1,1 0 0,-1 0 1,-1 1-1,1-1 0,-1 1 1,0 0-1,0 0 0,0 2-36,4 7 57,-1 1 0,0-1 0,-1 1 0,-1 0 0,-1 0 0,0 1 0,-1-1 0,0 10-57,-2-26 33,0 1 1,0-1 0,0 0-1,0 0 1,0 1 0,0-1-1,0 0 1,0 0-1,0 0 1,0 1 0,0-1-1,0 0 1,0 0 0,0 1-1,-1-1 1,1 0 0,0 0-1,0 0 1,0 1-1,0-1 1,-1 0 0,1 0-1,0 0 1,0 0 0,0 1-1,-1-1 1,1 0-1,0 0 1,0 0 0,0 0-1,-1 0 1,1 0 0,0 0-1,0 0 1,-1 0 0,1 0-1,0 0 1,0 0-1,-1 0-33,-15-4 658,-35-22-480,-14-6 101,37 28-166,0 1 1,-1 1 0,0 2 0,1 0 0,-20 4-114,35 0 17,-1-1 0,1 2 0,0 0 0,0 0 0,0 1 0,1 1 0,0 0 0,0 1 0,1 0 0,0 1 0,0 0 0,1 1 0,-7 7-17,14-13 2,0 0-1,1 0 0,-1 0 1,1 1-1,0-1 1,0 0-1,0 1 0,1 0 1,0-1-1,0 1 0,0 0 1,0-1-1,1 3-1,2 63 154,-1-68-143,-1 0 0,1 1 0,-1-1-1,1 0 1,0 0 0,0 0-1,0 0 1,0 0 0,0 0-1,0 0 1,0 0 0,1 0 0,-1-1-1,1 1 1,0 0 0,-1-1-1,1 0 1,0 1 0,1 0-11,2 1 6,0-1 0,0 1 0,1-1 1,-1-1-1,0 1 0,1 0 0,-1-1 0,3 0-6,16 1 15,0-1-1,-1 0 0,20-4-14,-35 3 25,11-4-97,0 0 1,0-1 0,-1 0-1,0-2 1,0 0 0,-1-1-1,13-8 72,-4 3-641,-23 12 331,1-1 0,0 0 0,-1-1-1,1 1 1,-1-1 0,0 1 0,1-1-1,-1 0 1,-1 0 0,1 0 0,0-1-1,-1 1 1,0-1 0,0 1 0,0-1-1,1-1 311,8-44-7456,-10 16-528</inkml:trace>
+</inkml:ink>
+</file>
+
+<file path=ppt/ink/ink15.xml><?xml version="1.0" encoding="utf-8"?>
+<inkml:ink xmlns:inkml="http://www.w3.org/2003/InkML">
+  <inkml:definitions>
+    <inkml:context xml:id="ctx0">
+      <inkml:inkSource xml:id="inkSrc0">
+        <inkml:traceFormat>
+          <inkml:channel name="X" type="integer" min="-2.14748E9" max="2.14748E9" units="cm"/>
+          <inkml:channel name="Y" type="integer" min="-2.14748E9" max="2.14748E9" units="cm"/>
+          <inkml:channel name="F" type="integer" max="32767" units="dev"/>
+        </inkml:traceFormat>
+        <inkml:channelProperties>
+          <inkml:channelProperty channel="X" name="resolution" value="1000" units="1/cm"/>
+          <inkml:channelProperty channel="Y" name="resolution" value="1000" units="1/cm"/>
+          <inkml:channelProperty channel="F" name="resolution" value="0" units="1/dev"/>
+        </inkml:channelProperties>
+      </inkml:inkSource>
       <inkml:timestamp xml:id="ts0" timeString="2020-10-16T16:14:02.642"/>
     </inkml:context>
     <inkml:brush xml:id="br0">
@@ -188,7 +328,7 @@
 </inkml:ink>
 </file>
 
-<file path=ppt/ink/ink11.xml><?xml version="1.0" encoding="utf-8"?>
+<file path=ppt/ink/ink16.xml><?xml version="1.0" encoding="utf-8"?>
 <inkml:ink xmlns:inkml="http://www.w3.org/2003/InkML">
   <inkml:definitions>
     <inkml:context xml:id="ctx0">
@@ -216,7 +356,7 @@
 </inkml:ink>
 </file>
 
-<file path=ppt/ink/ink12.xml><?xml version="1.0" encoding="utf-8"?>
+<file path=ppt/ink/ink17.xml><?xml version="1.0" encoding="utf-8"?>
 <inkml:ink xmlns:inkml="http://www.w3.org/2003/InkML">
   <inkml:definitions>
     <inkml:context xml:id="ctx0">
@@ -244,7 +384,7 @@
 </inkml:ink>
 </file>
 
-<file path=ppt/ink/ink13.xml><?xml version="1.0" encoding="utf-8"?>
+<file path=ppt/ink/ink18.xml><?xml version="1.0" encoding="utf-8"?>
 <inkml:ink xmlns:inkml="http://www.w3.org/2003/InkML">
   <inkml:definitions>
     <inkml:context xml:id="ctx0">
@@ -272,7 +412,7 @@
 </inkml:ink>
 </file>
 
-<file path=ppt/ink/ink14.xml><?xml version="1.0" encoding="utf-8"?>
+<file path=ppt/ink/ink19.xml><?xml version="1.0" encoding="utf-8"?>
 <inkml:ink xmlns:inkml="http://www.w3.org/2003/InkML">
   <inkml:definitions>
     <inkml:context xml:id="ctx0">
@@ -297,118 +437,6 @@
     </inkml:brush>
   </inkml:definitions>
   <inkml:trace contextRef="#ctx0" brushRef="#br0">3 10 4585,'0'0'1872,"0"0"-91,0 0-66,0 0-274,0 0-282,0-9 1617,-1 83-731,0-25-1380,1 0 1,2 1 0,3-1-1,2-1 1,2 1-666,9 28 629,2 8 369,3-1 1,12 24-999,-29-215 1291,-6 57-1256,2 0 0,3 0 0,2-4-35,-4 34-1,2 1 1,0 0-1,1 0 0,1 1 0,1-1 1,0 1-1,2 1 0,0 0 0,3-3 1,-9 15-9,0 0 0,1 0-1,-1 1 1,1 0 0,0 0 0,0 0-1,1 0 1,-1 1 0,1 0-1,-1 0 1,1 1 0,0-1-1,0 1 1,1 0 0,-1 1 0,5-1 9,8-1-21,0 2 0,0 0 0,0 1 0,0 0 0,2 2 21,-15-1-7,0 1 0,0-1 0,0 1 0,-1 0 0,1 1 0,0 0 0,-1-1 0,0 2 0,1-1 0,-1 1 0,-1-1 0,1 1 0,-1 1 0,1-1 0,-1 1 0,0-1 1,-1 1-1,1 1 0,-1-1 0,0 0 0,0 1 0,-1-1 0,2 6 7,5 11 16,-1 0 0,-1 1 0,-1 0 0,-2 0 0,2 17-16,-1 28 74,-3 64-74,-2-86 154,0-45-143,0-1 2,0 0-4,0 0-1,0 0 8,0 0 26,0 0-10,0-24 50,1-1-61,1 0-1,2 0 1,0 1-1,2-1 1,0 1-1,10-21-20,4-6-3,3 1 1,18-29 2,-36 70-7,0 1 1,0-1-1,1 1 0,0 0 1,0 1-1,1 0 1,0 0-1,1 0 1,2-2 6,-6 7-8,-1 0 0,0 0 1,1 0-1,-1 1 0,1 0 0,-1-1 1,1 1-1,0 0 0,0 1 1,0-1-1,-1 1 0,1-1 1,0 1-1,0 0 0,0 1 1,0-1-1,-1 1 0,1-1 1,0 1-1,0 1 0,-1-1 1,1 0-1,-1 1 0,1-1 1,-1 1-1,3 2 8,16 9-6,-2 0-1,0 1 1,0 1 0,-2 1-1,1 1 1,7 10 6,-18-18 3,0 1 0,-1 0 0,-1 1 1,1 0-1,-2 0 0,1 0 0,-1 1 0,-1-1 1,0 1-1,-1 0 0,0 0 0,-1 1 0,-1-1 1,1 3-4,0 3 39,-1 0 1,0-1-1,-1 1 1,-1 0-1,-1 0 1,-1 0-1,0 0 1,-1-1-1,-1 1 1,-1-1-1,0 0 1,-1-1-1,-7 12-39,-28 27 180,25-34-101,14-15-98,3-5-181,0-1-247,0 0-352,0-21-3161,0-56-4281,0 37 2901</inkml:trace>
-</inkml:ink>
-</file>
-
-<file path=ppt/ink/ink15.xml><?xml version="1.0" encoding="utf-8"?>
-<inkml:ink xmlns:inkml="http://www.w3.org/2003/InkML">
-  <inkml:definitions>
-    <inkml:context xml:id="ctx0">
-      <inkml:inkSource xml:id="inkSrc0">
-        <inkml:traceFormat>
-          <inkml:channel name="X" type="integer" min="-2.14748E9" max="2.14748E9" units="cm"/>
-          <inkml:channel name="Y" type="integer" min="-2.14748E9" max="2.14748E9" units="cm"/>
-          <inkml:channel name="F" type="integer" max="32767" units="dev"/>
-        </inkml:traceFormat>
-        <inkml:channelProperties>
-          <inkml:channelProperty channel="X" name="resolution" value="1000" units="1/cm"/>
-          <inkml:channelProperty channel="Y" name="resolution" value="1000" units="1/cm"/>
-          <inkml:channelProperty channel="F" name="resolution" value="0" units="1/dev"/>
-        </inkml:channelProperties>
-      </inkml:inkSource>
-      <inkml:timestamp xml:id="ts0" timeString="2020-10-16T16:14:02.022"/>
-    </inkml:context>
-    <inkml:brush xml:id="br0">
-      <inkml:brushProperty name="width" value="0.1" units="cm"/>
-      <inkml:brushProperty name="height" value="0.1" units="cm"/>
-      <inkml:brushProperty name="color" value="#66CC00"/>
-    </inkml:brush>
-  </inkml:definitions>
-  <inkml:trace contextRef="#ctx0" brushRef="#br0">70 113 5393,'0'0'2426,"0"0"-702,0 0-223,0 0-209,0 0-246,0 0-74,7-13-3,-2 2-676,-4 7-214,1 0 0,-1 0-1,1 1 1,0-1 0,0 0-1,0 1 1,1 0 0,-1-1 0,1 1-1,0 0 1,0 0 0,0 0-1,0 1 1,0-1 0,0 1 0,1-1-1,-1 1 1,1 0 0,0 1-1,2-2-78,19-4 466,0 1 0,1 2 0,-1 0 0,1 1 0,0 2 0,0 1 0,-1 0 0,8 3-466,-27-1 36,1 0 0,-1 0 1,0 0-1,1 1 1,-1 0-1,-1 0 0,1 0 1,0 1-1,-1 0 0,0 0 1,0 0-1,0 1 0,0 0 1,-1 0-1,1 0 0,-1 0 1,-1 1-1,1-1 0,-1 1 1,0 0-1,0 0 0,0 2-36,4 7 57,-1 1 0,0-1 0,-1 1 0,-1 0 0,-1 0 0,0 1 0,-1-1 0,0 10-57,-2-26 33,0 1 1,0-1 0,0 0-1,0 0 1,0 1 0,0-1-1,0 0 1,0 0-1,0 0 1,0 1 0,0-1-1,0 0 1,0 0 0,0 1-1,-1-1 1,1 0 0,0 0-1,0 0 1,0 1-1,0-1 1,-1 0 0,1 0-1,0 0 1,0 0 0,0 1-1,-1-1 1,1 0-1,0 0 1,0 0 0,0 0-1,-1 0 1,1 0 0,0 0-1,0 0 1,-1 0 0,1 0-1,0 0 1,0 0-1,-1 0-33,-15-4 658,-35-22-480,-14-6 101,37 28-166,0 1 1,-1 1 0,0 2 0,1 0 0,-20 4-114,35 0 17,-1-1 0,1 2 0,0 0 0,0 0 0,0 1 0,1 1 0,0 0 0,0 1 0,1 0 0,0 1 0,0 0 0,1 1 0,-7 7-17,14-13 2,0 0-1,1 0 0,-1 0 1,1 1-1,0-1 1,0 0-1,0 1 0,1 0 1,0-1-1,0 1 0,0 0 1,0-1-1,1 3-1,2 63 154,-1-68-143,-1 0 0,1 1 0,-1-1-1,1 0 1,0 0 0,0 0-1,0 0 1,0 0 0,0 0-1,0 0 1,0 0 0,1 0 0,-1-1-1,1 1 1,0 0 0,-1-1-1,1 0 1,0 1 0,1 0-11,2 1 6,0-1 0,0 1 0,1-1 1,-1-1-1,0 1 0,1 0 0,-1-1 0,3 0-6,16 1 15,0-1-1,-1 0 0,20-4-14,-35 3 25,11-4-97,0 0 1,0-1 0,-1 0-1,0-2 1,0 0 0,-1-1-1,13-8 72,-4 3-641,-23 12 331,1-1 0,0 0 0,-1-1-1,1 1 1,-1-1 0,0 1 0,1-1-1,-1 0 1,-1 0 0,1 0 0,0-1-1,-1 1 1,0-1 0,0 1 0,0-1-1,1-1 311,8-44-7456,-10 16-528</inkml:trace>
-</inkml:ink>
-</file>
-
-<file path=ppt/ink/ink16.xml><?xml version="1.0" encoding="utf-8"?>
-<inkml:ink xmlns:inkml="http://www.w3.org/2003/InkML">
-  <inkml:definitions>
-    <inkml:context xml:id="ctx0">
-      <inkml:inkSource xml:id="inkSrc0">
-        <inkml:traceFormat>
-          <inkml:channel name="X" type="integer" min="-2.14748E9" max="2.14748E9" units="cm"/>
-          <inkml:channel name="Y" type="integer" min="-2.14748E9" max="2.14748E9" units="cm"/>
-          <inkml:channel name="F" type="integer" max="32767" units="dev"/>
-        </inkml:traceFormat>
-        <inkml:channelProperties>
-          <inkml:channelProperty channel="X" name="resolution" value="1000" units="1/cm"/>
-          <inkml:channelProperty channel="Y" name="resolution" value="1000" units="1/cm"/>
-          <inkml:channelProperty channel="F" name="resolution" value="0" units="1/dev"/>
-        </inkml:channelProperties>
-      </inkml:inkSource>
-      <inkml:timestamp xml:id="ts0" timeString="2020-10-16T16:14:02.642"/>
-    </inkml:context>
-    <inkml:brush xml:id="br0">
-      <inkml:brushProperty name="width" value="0.1" units="cm"/>
-      <inkml:brushProperty name="height" value="0.1" units="cm"/>
-      <inkml:brushProperty name="color" value="#66CC00"/>
-    </inkml:brush>
-  </inkml:definitions>
-  <inkml:trace contextRef="#ctx0" brushRef="#br0">21 0 7922,'0'0'2568,"0"0"-511,0 0-17,0 0-784,0 0-15,-20 173-33,20-132-304,0-7-336,0-11-144,0-11-152,0-6-184,0-6-88,0 0-640,0 0-1056,0-12-1169,0 0-2848</inkml:trace>
-</inkml:ink>
-</file>
-
-<file path=ppt/ink/ink17.xml><?xml version="1.0" encoding="utf-8"?>
-<inkml:ink xmlns:inkml="http://www.w3.org/2003/InkML">
-  <inkml:definitions>
-    <inkml:context xml:id="ctx0">
-      <inkml:inkSource xml:id="inkSrc0">
-        <inkml:traceFormat>
-          <inkml:channel name="X" type="integer" min="-2.14748E9" max="2.14748E9" units="cm"/>
-          <inkml:channel name="Y" type="integer" min="-2.14748E9" max="2.14748E9" units="cm"/>
-          <inkml:channel name="F" type="integer" max="32767" units="dev"/>
-        </inkml:traceFormat>
-        <inkml:channelProperties>
-          <inkml:channelProperty channel="X" name="resolution" value="1000" units="1/cm"/>
-          <inkml:channelProperty channel="Y" name="resolution" value="1000" units="1/cm"/>
-          <inkml:channelProperty channel="F" name="resolution" value="0" units="1/dev"/>
-        </inkml:channelProperties>
-      </inkml:inkSource>
-      <inkml:timestamp xml:id="ts0" timeString="2020-10-16T16:14:02.986"/>
-    </inkml:context>
-    <inkml:brush xml:id="br0">
-      <inkml:brushProperty name="width" value="0.1" units="cm"/>
-      <inkml:brushProperty name="height" value="0.1" units="cm"/>
-      <inkml:brushProperty name="color" value="#66CC00"/>
-    </inkml:brush>
-  </inkml:definitions>
-  <inkml:trace contextRef="#ctx0" brushRef="#br0">1 0 9498,'0'0'4329,"0"0"-3001,0 0-23,0 0-1305,0 0-121,0 0-2359,0 0-4217</inkml:trace>
-</inkml:ink>
-</file>
-
-<file path=ppt/ink/ink18.xml><?xml version="1.0" encoding="utf-8"?>
-<inkml:ink xmlns:inkml="http://www.w3.org/2003/InkML">
-  <inkml:definitions>
-    <inkml:context xml:id="ctx0">
-      <inkml:inkSource xml:id="inkSrc0">
-        <inkml:traceFormat>
-          <inkml:channel name="X" type="integer" min="-2.14748E9" max="2.14748E9" units="cm"/>
-          <inkml:channel name="Y" type="integer" min="-2.14748E9" max="2.14748E9" units="cm"/>
-          <inkml:channel name="F" type="integer" max="32767" units="dev"/>
-        </inkml:traceFormat>
-        <inkml:channelProperties>
-          <inkml:channelProperty channel="X" name="resolution" value="1000" units="1/cm"/>
-          <inkml:channelProperty channel="Y" name="resolution" value="1000" units="1/cm"/>
-          <inkml:channelProperty channel="F" name="resolution" value="0" units="1/dev"/>
-        </inkml:channelProperties>
-      </inkml:inkSource>
-      <inkml:timestamp xml:id="ts0" timeString="2020-10-16T16:14:03.731"/>
-    </inkml:context>
-    <inkml:brush xml:id="br0">
-      <inkml:brushProperty name="width" value="0.1" units="cm"/>
-      <inkml:brushProperty name="height" value="0.1" units="cm"/>
-      <inkml:brushProperty name="color" value="#66CC00"/>
-    </inkml:brush>
-  </inkml:definitions>
-  <inkml:trace contextRef="#ctx0" brushRef="#br0">0 1 7154,'0'0'2023,"0"0"-276,0 0-318,0 0-335,0 0-71,0 0-56,0 0-31,0 0 24,0 25 1363,0 49-760,3-1 0,4 1 0,10 43-1563,-16-106 80,-1-11-63,0 1 0,0-1 0,0 1 0,0-1 0,0 1 0,0-1 0,0 1 0,1-1-1,-1 1 1,0-1 0,0 1 0,0 0 0,1-1 0,-1 0 0,0 1 0,0-1 0,1 1 0,-1-1 0,0 1 0,1-1 0,-1 0 0,1 1-1,-1-1 1,1 0 0,-1 1 0,1-1 0,-1 0 0,0 1 0,1-1 0,0 0 0,-1 0 0,1 0 0,-1 0 0,1 1 0,-1-1 0,1 0 0,-1 0-1,1 0 1,-1 0 0,1 0 0,0 0 0,-1 0 0,1-1 0,-1 1 0,1 0 0,-1 0 0,1 0 0,-1-1 0,1 1-17,0 0 21,-1 0-10,16-19-13,-7 0-9,0 1 0,1 1 0,1-1-1,1 2 1,8-11 11,71-74-42,-83 91 32,1 0 0,0 1 1,1 0-1,0 1 0,0 0 0,0 1 1,1 0-1,1 1 0,-1 0 1,1 0-1,0 1 0,0 1 1,0 0-1,1 1 0,-1 0 0,1 1 1,0 0-1,1 1 10,-3 0-15,1 1 0,0 0 0,-1 0 1,1 2-1,-1-1 0,0 1 0,1 1 0,-1 0 0,0 1 0,6 2 15,-11-3 15,0 1 1,0-1-1,0 1 0,-1 0 0,0 1 0,0-1 0,0 1 1,0 0-1,-1 0 0,1 0 0,-1 1 0,-1 0 0,1 0 0,-1 0 1,0 0-1,0 0 0,-1 0 0,2 7-15,1 11 111,-1 0 1,-2 1-1,0-1 0,-2 0 0,0 1 1,-2 3-112,0 32 123,3-32-66,0-17-38,-1 0-1,1 0 0,-2 0 1,0 0-1,0-1 0,-1 1 0,0 0 1,-1 0-1,0-1 0,0 0 1,-3 4-19,5-12 30,1-2-158,-36 0-2459,35 0 2455,-1 0-1,1-1 1,-1 1 0,0 0-1,1-1 1,-1 0-1,1 1 1,-1-1 0,1 0-1,-1 0 1,1 1 0,0-1-1,-1 0 1,1 0 0,0-1-1,0 1 1,0 0-1,-1 0 1,1-1 0,1 1-1,-1 0 1,0-1 0,0 1-1,0-1 1,1 1 0,-1-2 132,-11-45-5420,11 25 606</inkml:trace>
 </inkml:ink>
 </file>
 
@@ -437,6 +465,118 @@
     </inkml:brush>
   </inkml:definitions>
   <inkml:trace contextRef="#ctx0" brushRef="#br0">3 10 4585,'0'0'1872,"0"0"-91,0 0-66,0 0-274,0 0-282,0-9 1617,-1 83-731,0-25-1380,1 0 1,2 1 0,3-1-1,2-1 1,2 1-666,9 28 629,2 8 369,3-1 1,12 24-999,-29-215 1291,-6 57-1256,2 0 0,3 0 0,2-4-35,-4 34-1,2 1 1,0 0-1,1 0 0,1 1 0,1-1 1,0 1-1,2 1 0,0 0 0,3-3 1,-9 15-9,0 0 0,1 0-1,-1 1 1,1 0 0,0 0 0,0 0-1,1 0 1,-1 1 0,1 0-1,-1 0 1,1 1 0,0-1-1,0 1 1,1 0 0,-1 1 0,5-1 9,8-1-21,0 2 0,0 0 0,0 1 0,0 0 0,2 2 21,-15-1-7,0 1 0,0-1 0,0 1 0,-1 0 0,1 1 0,0 0 0,-1-1 0,0 2 0,1-1 0,-1 1 0,-1-1 0,1 1 0,-1 1 0,1-1 0,-1 1 0,0-1 1,-1 1-1,1 1 0,-1-1 0,0 0 0,0 1 0,-1-1 0,2 6 7,5 11 16,-1 0 0,-1 1 0,-1 0 0,-2 0 0,2 17-16,-1 28 74,-3 64-74,-2-86 154,0-45-143,0-1 2,0 0-4,0 0-1,0 0 8,0 0 26,0 0-10,0-24 50,1-1-61,1 0-1,2 0 1,0 1-1,2-1 1,0 1-1,10-21-20,4-6-3,3 1 1,18-29 2,-36 70-7,0 1 1,0-1-1,1 1 0,0 0 1,0 1-1,1 0 1,0 0-1,1 0 1,2-2 6,-6 7-8,-1 0 0,0 0 1,1 0-1,-1 1 0,1 0 0,-1-1 1,1 1-1,0 0 0,0 1 1,0-1-1,-1 1 0,1-1 1,0 1-1,0 0 0,0 1 1,0-1-1,-1 1 0,1-1 1,0 1-1,0 1 0,-1-1 1,1 0-1,-1 1 0,1-1 1,-1 1-1,3 2 8,16 9-6,-2 0-1,0 1 1,0 1 0,-2 1-1,1 1 1,7 10 6,-18-18 3,0 1 0,-1 0 0,-1 1 1,1 0-1,-2 0 0,1 0 0,-1 1 0,-1-1 1,0 1-1,-1 0 0,0 0 0,-1 1 0,-1-1 1,1 3-4,0 3 39,-1 0 1,0-1-1,-1 1 1,-1 0-1,-1 0 1,-1 0-1,0 0 1,-1-1-1,-1 1 1,-1-1-1,0 0 1,-1-1-1,-7 12-39,-28 27 180,25-34-101,14-15-98,3-5-181,0-1-247,0 0-352,0-21-3161,0-56-4281,0 37 2901</inkml:trace>
+</inkml:ink>
+</file>
+
+<file path=ppt/ink/ink20.xml><?xml version="1.0" encoding="utf-8"?>
+<inkml:ink xmlns:inkml="http://www.w3.org/2003/InkML">
+  <inkml:definitions>
+    <inkml:context xml:id="ctx0">
+      <inkml:inkSource xml:id="inkSrc0">
+        <inkml:traceFormat>
+          <inkml:channel name="X" type="integer" min="-2.14748E9" max="2.14748E9" units="cm"/>
+          <inkml:channel name="Y" type="integer" min="-2.14748E9" max="2.14748E9" units="cm"/>
+          <inkml:channel name="F" type="integer" max="32767" units="dev"/>
+        </inkml:traceFormat>
+        <inkml:channelProperties>
+          <inkml:channelProperty channel="X" name="resolution" value="1000" units="1/cm"/>
+          <inkml:channelProperty channel="Y" name="resolution" value="1000" units="1/cm"/>
+          <inkml:channelProperty channel="F" name="resolution" value="0" units="1/dev"/>
+        </inkml:channelProperties>
+      </inkml:inkSource>
+      <inkml:timestamp xml:id="ts0" timeString="2020-10-16T16:14:02.022"/>
+    </inkml:context>
+    <inkml:brush xml:id="br0">
+      <inkml:brushProperty name="width" value="0.1" units="cm"/>
+      <inkml:brushProperty name="height" value="0.1" units="cm"/>
+      <inkml:brushProperty name="color" value="#66CC00"/>
+    </inkml:brush>
+  </inkml:definitions>
+  <inkml:trace contextRef="#ctx0" brushRef="#br0">70 113 5393,'0'0'2426,"0"0"-702,0 0-223,0 0-209,0 0-246,0 0-74,7-13-3,-2 2-676,-4 7-214,1 0 0,-1 0-1,1 1 1,0-1 0,0 0-1,0 1 1,1 0 0,-1-1 0,1 1-1,0 0 1,0 0 0,0 0-1,0 1 1,0-1 0,0 1 0,1-1-1,-1 1 1,1 0 0,0 1-1,2-2-78,19-4 466,0 1 0,1 2 0,-1 0 0,1 1 0,0 2 0,0 1 0,-1 0 0,8 3-466,-27-1 36,1 0 0,-1 0 1,0 0-1,1 1 1,-1 0-1,-1 0 0,1 0 1,0 1-1,-1 0 0,0 0 1,0 0-1,0 1 0,0 0 1,-1 0-1,1 0 0,-1 0 1,-1 1-1,1-1 0,-1 1 1,0 0-1,0 0 0,0 2-36,4 7 57,-1 1 0,0-1 0,-1 1 0,-1 0 0,-1 0 0,0 1 0,-1-1 0,0 10-57,-2-26 33,0 1 1,0-1 0,0 0-1,0 0 1,0 1 0,0-1-1,0 0 1,0 0-1,0 0 1,0 1 0,0-1-1,0 0 1,0 0 0,0 1-1,-1-1 1,1 0 0,0 0-1,0 0 1,0 1-1,0-1 1,-1 0 0,1 0-1,0 0 1,0 0 0,0 1-1,-1-1 1,1 0-1,0 0 1,0 0 0,0 0-1,-1 0 1,1 0 0,0 0-1,0 0 1,-1 0 0,1 0-1,0 0 1,0 0-1,-1 0-33,-15-4 658,-35-22-480,-14-6 101,37 28-166,0 1 1,-1 1 0,0 2 0,1 0 0,-20 4-114,35 0 17,-1-1 0,1 2 0,0 0 0,0 0 0,0 1 0,1 1 0,0 0 0,0 1 0,1 0 0,0 1 0,0 0 0,1 1 0,-7 7-17,14-13 2,0 0-1,1 0 0,-1 0 1,1 1-1,0-1 1,0 0-1,0 1 0,1 0 1,0-1-1,0 1 0,0 0 1,0-1-1,1 3-1,2 63 154,-1-68-143,-1 0 0,1 1 0,-1-1-1,1 0 1,0 0 0,0 0-1,0 0 1,0 0 0,0 0-1,0 0 1,0 0 0,1 0 0,-1-1-1,1 1 1,0 0 0,-1-1-1,1 0 1,0 1 0,1 0-11,2 1 6,0-1 0,0 1 0,1-1 1,-1-1-1,0 1 0,1 0 0,-1-1 0,3 0-6,16 1 15,0-1-1,-1 0 0,20-4-14,-35 3 25,11-4-97,0 0 1,0-1 0,-1 0-1,0-2 1,0 0 0,-1-1-1,13-8 72,-4 3-641,-23 12 331,1-1 0,0 0 0,-1-1-1,1 1 1,-1-1 0,0 1 0,1-1-1,-1 0 1,-1 0 0,1 0 0,0-1-1,-1 1 1,0-1 0,0 1 0,0-1-1,1-1 311,8-44-7456,-10 16-528</inkml:trace>
+</inkml:ink>
+</file>
+
+<file path=ppt/ink/ink21.xml><?xml version="1.0" encoding="utf-8"?>
+<inkml:ink xmlns:inkml="http://www.w3.org/2003/InkML">
+  <inkml:definitions>
+    <inkml:context xml:id="ctx0">
+      <inkml:inkSource xml:id="inkSrc0">
+        <inkml:traceFormat>
+          <inkml:channel name="X" type="integer" min="-2.14748E9" max="2.14748E9" units="cm"/>
+          <inkml:channel name="Y" type="integer" min="-2.14748E9" max="2.14748E9" units="cm"/>
+          <inkml:channel name="F" type="integer" max="32767" units="dev"/>
+        </inkml:traceFormat>
+        <inkml:channelProperties>
+          <inkml:channelProperty channel="X" name="resolution" value="1000" units="1/cm"/>
+          <inkml:channelProperty channel="Y" name="resolution" value="1000" units="1/cm"/>
+          <inkml:channelProperty channel="F" name="resolution" value="0" units="1/dev"/>
+        </inkml:channelProperties>
+      </inkml:inkSource>
+      <inkml:timestamp xml:id="ts0" timeString="2020-10-16T16:14:02.642"/>
+    </inkml:context>
+    <inkml:brush xml:id="br0">
+      <inkml:brushProperty name="width" value="0.1" units="cm"/>
+      <inkml:brushProperty name="height" value="0.1" units="cm"/>
+      <inkml:brushProperty name="color" value="#66CC00"/>
+    </inkml:brush>
+  </inkml:definitions>
+  <inkml:trace contextRef="#ctx0" brushRef="#br0">21 0 7922,'0'0'2568,"0"0"-511,0 0-17,0 0-784,0 0-15,-20 173-33,20-132-304,0-7-336,0-11-144,0-11-152,0-6-184,0-6-88,0 0-640,0 0-1056,0-12-1169,0 0-2848</inkml:trace>
+</inkml:ink>
+</file>
+
+<file path=ppt/ink/ink22.xml><?xml version="1.0" encoding="utf-8"?>
+<inkml:ink xmlns:inkml="http://www.w3.org/2003/InkML">
+  <inkml:definitions>
+    <inkml:context xml:id="ctx0">
+      <inkml:inkSource xml:id="inkSrc0">
+        <inkml:traceFormat>
+          <inkml:channel name="X" type="integer" min="-2.14748E9" max="2.14748E9" units="cm"/>
+          <inkml:channel name="Y" type="integer" min="-2.14748E9" max="2.14748E9" units="cm"/>
+          <inkml:channel name="F" type="integer" max="32767" units="dev"/>
+        </inkml:traceFormat>
+        <inkml:channelProperties>
+          <inkml:channelProperty channel="X" name="resolution" value="1000" units="1/cm"/>
+          <inkml:channelProperty channel="Y" name="resolution" value="1000" units="1/cm"/>
+          <inkml:channelProperty channel="F" name="resolution" value="0" units="1/dev"/>
+        </inkml:channelProperties>
+      </inkml:inkSource>
+      <inkml:timestamp xml:id="ts0" timeString="2020-10-16T16:14:02.986"/>
+    </inkml:context>
+    <inkml:brush xml:id="br0">
+      <inkml:brushProperty name="width" value="0.1" units="cm"/>
+      <inkml:brushProperty name="height" value="0.1" units="cm"/>
+      <inkml:brushProperty name="color" value="#66CC00"/>
+    </inkml:brush>
+  </inkml:definitions>
+  <inkml:trace contextRef="#ctx0" brushRef="#br0">1 0 9498,'0'0'4329,"0"0"-3001,0 0-23,0 0-1305,0 0-121,0 0-2359,0 0-4217</inkml:trace>
+</inkml:ink>
+</file>
+
+<file path=ppt/ink/ink23.xml><?xml version="1.0" encoding="utf-8"?>
+<inkml:ink xmlns:inkml="http://www.w3.org/2003/InkML">
+  <inkml:definitions>
+    <inkml:context xml:id="ctx0">
+      <inkml:inkSource xml:id="inkSrc0">
+        <inkml:traceFormat>
+          <inkml:channel name="X" type="integer" min="-2.14748E9" max="2.14748E9" units="cm"/>
+          <inkml:channel name="Y" type="integer" min="-2.14748E9" max="2.14748E9" units="cm"/>
+          <inkml:channel name="F" type="integer" max="32767" units="dev"/>
+        </inkml:traceFormat>
+        <inkml:channelProperties>
+          <inkml:channelProperty channel="X" name="resolution" value="1000" units="1/cm"/>
+          <inkml:channelProperty channel="Y" name="resolution" value="1000" units="1/cm"/>
+          <inkml:channelProperty channel="F" name="resolution" value="0" units="1/dev"/>
+        </inkml:channelProperties>
+      </inkml:inkSource>
+      <inkml:timestamp xml:id="ts0" timeString="2020-10-16T16:14:03.731"/>
+    </inkml:context>
+    <inkml:brush xml:id="br0">
+      <inkml:brushProperty name="width" value="0.1" units="cm"/>
+      <inkml:brushProperty name="height" value="0.1" units="cm"/>
+      <inkml:brushProperty name="color" value="#66CC00"/>
+    </inkml:brush>
+  </inkml:definitions>
+  <inkml:trace contextRef="#ctx0" brushRef="#br0">0 1 7154,'0'0'2023,"0"0"-276,0 0-318,0 0-335,0 0-71,0 0-56,0 0-31,0 0 24,0 25 1363,0 49-760,3-1 0,4 1 0,10 43-1563,-16-106 80,-1-11-63,0 1 0,0-1 0,0 1 0,0-1 0,0 1 0,0-1 0,0 1 0,1-1-1,-1 1 1,0-1 0,0 1 0,0 0 0,1-1 0,-1 0 0,0 1 0,0-1 0,1 1 0,-1-1 0,0 1 0,1-1 0,-1 0 0,1 1-1,-1-1 1,1 0 0,-1 1 0,1-1 0,-1 0 0,0 1 0,1-1 0,0 0 0,-1 0 0,1 0 0,-1 0 0,1 1 0,-1-1 0,1 0 0,-1 0-1,1 0 1,-1 0 0,1 0 0,0 0 0,-1 0 0,1-1 0,-1 1 0,1 0 0,-1 0 0,1 0 0,-1-1 0,1 1-17,0 0 21,-1 0-10,16-19-13,-7 0-9,0 1 0,1 1 0,1-1-1,1 2 1,8-11 11,71-74-42,-83 91 32,1 0 0,0 1 1,1 0-1,0 1 0,0 0 0,0 1 1,1 0-1,1 1 0,-1 0 1,1 0-1,0 1 0,0 1 1,0 0-1,1 1 0,-1 0 0,1 1 1,0 0-1,1 1 10,-3 0-15,1 1 0,0 0 0,-1 0 1,1 2-1,-1-1 0,0 1 0,1 1 0,-1 0 0,0 1 0,6 2 15,-11-3 15,0 1 1,0-1-1,0 1 0,-1 0 0,0 1 0,0-1 0,0 1 1,0 0-1,-1 0 0,1 0 0,-1 1 0,-1 0 0,1 0 0,-1 0 1,0 0-1,0 0 0,-1 0 0,2 7-15,1 11 111,-1 0 1,-2 1-1,0-1 0,-2 0 0,0 1 1,-2 3-112,0 32 123,3-32-66,0-17-38,-1 0-1,1 0 0,-2 0 1,0 0-1,0-1 0,-1 1 0,0 0 1,-1 0-1,0-1 0,0 0 1,-3 4-19,5-12 30,1-2-158,-36 0-2459,35 0 2455,-1 0-1,1-1 1,-1 1 0,0 0-1,1-1 1,-1 0-1,1 1 1,-1-1 0,1 0-1,-1 0 1,1 1 0,0-1-1,-1 0 1,1 0 0,0-1-1,0 1 1,0 0-1,-1 0 1,1-1 0,1 1-1,-1 0 1,0-1 0,0 1-1,0-1 1,1 1 0,-1-2 132,-11-45-5420,11 25 606</inkml:trace>
 </inkml:ink>
 </file>
 
@@ -568,15 +708,15 @@
           <inkml:channelProperty channel="F" name="resolution" value="0" units="1/dev"/>
         </inkml:channelProperties>
       </inkml:inkSource>
-      <inkml:timestamp xml:id="ts0" timeString="2020-10-16T16:13:45.762"/>
+      <inkml:timestamp xml:id="ts0" timeString="2020-10-16T16:33:21.236"/>
     </inkml:context>
     <inkml:brush xml:id="br0">
       <inkml:brushProperty name="width" value="0.1" units="cm"/>
       <inkml:brushProperty name="height" value="0.1" units="cm"/>
-      <inkml:brushProperty name="color" value="#FF0066"/>
+      <inkml:brushProperty name="color" value="#33CCFF"/>
     </inkml:brush>
   </inkml:definitions>
-  <inkml:trace contextRef="#ctx0" brushRef="#br0">3009 1 5369,'0'0'1897,"0"0"-293,0 0-205,0 0-52,0 0-122,0 0-124,-8 3-153,-157 47 5276,-25 0-6224,77-23 779,-251 68 837,248-59-1310,4-2 794,-63 10-1100,75-23 556,0 4 1,-20 12-557,39-12 376,-18 2-376,28-5 121,44-13-27,0-1 1,-24 4-95,7-3 99,1 2 0,0 2 1,-20 10-100,15-5 94,-70 21 199,39-14-34,2 3 1,-44 24-260,120-51 6,-5 2 10,1-1 1,0 1-1,-1-1 1,1 0-1,-1 0 1,0-1-1,-2 1-16,7-2 14,1 0 4,-27 11 165,-40 7 65,35-8-594,27-9 309,1 0 1,0 0-1,0 0 1,0 1-1,0-1 0,0 1 1,1 0-1,-1 0 1,0 0-1,-1 2 37,-43 19-197,44-20 169,0 0 0,0-1 0,-1 0 0,1 1 0,-1-1 0,0-1 0,0 1 0,-4 0 28,5-1-22,-1 1-1,0-1 1,0 1 0,1 0-1,-1 0 1,1 1-1,0-1 1,-3 3 22,-5-1-10,-5 3-12,-2 0 30,4-3-10,13-3 1,-1-1 1,1 1-1,-1 0 1,1-1 0,-1 1-1,1 0 1,0 1-1,-1-1 1,1 0-1,0 1 1,0-1 0,0 1-1,0 0 1,0 0 0,6-8-3301,27-29 334,4 1-1674,5-6-1942</inkml:trace>
+  <inkml:trace contextRef="#ctx0" brushRef="#br0">0 1 9090,'0'0'2474,"0"0"-965,0 0-119,0 0 78,0 0-321,0 0-70,33 29 160,-21-19-1100,93 84 2172,37 46-2309,13 23 1188,401 452 1350,-525-577-2411,6 8 114,1-1 0,2-3 0,15 11-241,-49-48-1050,-1-1-3657,-17-2-611,-6-2-1083</inkml:trace>
 </inkml:ink>
 </file>
 
@@ -596,15 +736,15 @@
           <inkml:channelProperty channel="F" name="resolution" value="0" units="1/dev"/>
         </inkml:channelProperties>
       </inkml:inkSource>
-      <inkml:timestamp xml:id="ts0" timeString="2020-10-16T16:14:00.935"/>
+      <inkml:timestamp xml:id="ts0" timeString="2020-10-16T16:33:21.928"/>
     </inkml:context>
     <inkml:brush xml:id="br0">
       <inkml:brushProperty name="width" value="0.1" units="cm"/>
       <inkml:brushProperty name="height" value="0.1" units="cm"/>
-      <inkml:brushProperty name="color" value="#66CC00"/>
+      <inkml:brushProperty name="color" value="#33CCFF"/>
     </inkml:brush>
   </inkml:definitions>
-  <inkml:trace contextRef="#ctx0" brushRef="#br0">3 10 4585,'0'0'1872,"0"0"-91,0 0-66,0 0-274,0 0-282,0-9 1617,-1 83-731,0-25-1380,1 0 1,2 1 0,3-1-1,2-1 1,2 1-666,9 28 629,2 8 369,3-1 1,12 24-999,-29-215 1291,-6 57-1256,2 0 0,3 0 0,2-4-35,-4 34-1,2 1 1,0 0-1,1 0 0,1 1 0,1-1 1,0 1-1,2 1 0,0 0 0,3-3 1,-9 15-9,0 0 0,1 0-1,-1 1 1,1 0 0,0 0 0,0 0-1,1 0 1,-1 1 0,1 0-1,-1 0 1,1 1 0,0-1-1,0 1 1,1 0 0,-1 1 0,5-1 9,8-1-21,0 2 0,0 0 0,0 1 0,0 0 0,2 2 21,-15-1-7,0 1 0,0-1 0,0 1 0,-1 0 0,1 1 0,0 0 0,-1-1 0,0 2 0,1-1 0,-1 1 0,-1-1 0,1 1 0,-1 1 0,1-1 0,-1 1 0,0-1 1,-1 1-1,1 1 0,-1-1 0,0 0 0,0 1 0,-1-1 0,2 6 7,5 11 16,-1 0 0,-1 1 0,-1 0 0,-2 0 0,2 17-16,-1 28 74,-3 64-74,-2-86 154,0-45-143,0-1 2,0 0-4,0 0-1,0 0 8,0 0 26,0 0-10,0-24 50,1-1-61,1 0-1,2 0 1,0 1-1,2-1 1,0 1-1,10-21-20,4-6-3,3 1 1,18-29 2,-36 70-7,0 1 1,0-1-1,1 1 0,0 0 1,0 1-1,1 0 1,0 0-1,1 0 1,2-2 6,-6 7-8,-1 0 0,0 0 1,1 0-1,-1 1 0,1 0 0,-1-1 1,1 1-1,0 0 0,0 1 1,0-1-1,-1 1 0,1-1 1,0 1-1,0 0 0,0 1 1,0-1-1,-1 1 0,1-1 1,0 1-1,0 1 0,-1-1 1,1 0-1,-1 1 0,1-1 1,-1 1-1,3 2 8,16 9-6,-2 0-1,0 1 1,0 1 0,-2 1-1,1 1 1,7 10 6,-18-18 3,0 1 0,-1 0 0,-1 1 1,1 0-1,-2 0 0,1 0 0,-1 1 0,-1-1 1,0 1-1,-1 0 0,0 0 0,-1 1 0,-1-1 1,1 3-4,0 3 39,-1 0 1,0-1-1,-1 1 1,-1 0-1,-1 0 1,-1 0-1,0 0 1,-1-1-1,-1 1 1,-1-1-1,0 0 1,-1-1-1,-7 12-39,-28 27 180,25-34-101,14-15-98,3-5-181,0-1-247,0 0-352,0-21-3161,0-56-4281,0 37 2901</inkml:trace>
+  <inkml:trace contextRef="#ctx0" brushRef="#br0">0 400 8586,'0'0'2271,"0"0"-384,0 0-161,0 0-378,0 0-276,0 0-80,22 10 223,375 174 3226,-382-176-4237,1-1 0,0-1 0,0-1 1,0 0-1,0-1 0,1 0 0,0-1 0,4-1-204,-20-2 173,-1 0-46,0 0 22,0 0-1,0 0-28,0 0-40,0 0-49,0 0 14,0-3-18,19-564 250,-19 522-421,0 44-96,0 0-611,0-1-1,0 1 1,0 0-1,-1 0 1,1-1-1,0 1 1,-1 0-1,1-1 1,-1 1 0,1 0-1,-1 0 1,1 0-1,-1 0 1,0-1-1,0 0 852,-11 1-6503</inkml:trace>
 </inkml:ink>
 </file>
 
@@ -624,15 +764,15 @@
           <inkml:channelProperty channel="F" name="resolution" value="0" units="1/dev"/>
         </inkml:channelProperties>
       </inkml:inkSource>
-      <inkml:timestamp xml:id="ts0" timeString="2020-10-16T16:14:02.022"/>
+      <inkml:timestamp xml:id="ts0" timeString="2020-10-16T16:33:31.702"/>
     </inkml:context>
     <inkml:brush xml:id="br0">
       <inkml:brushProperty name="width" value="0.1" units="cm"/>
       <inkml:brushProperty name="height" value="0.1" units="cm"/>
-      <inkml:brushProperty name="color" value="#66CC00"/>
+      <inkml:brushProperty name="color" value="#F6630D"/>
     </inkml:brush>
   </inkml:definitions>
-  <inkml:trace contextRef="#ctx0" brushRef="#br0">70 113 5393,'0'0'2426,"0"0"-702,0 0-223,0 0-209,0 0-246,0 0-74,7-13-3,-2 2-676,-4 7-214,1 0 0,-1 0-1,1 1 1,0-1 0,0 0-1,0 1 1,1 0 0,-1-1 0,1 1-1,0 0 1,0 0 0,0 0-1,0 1 1,0-1 0,0 1 0,1-1-1,-1 1 1,1 0 0,0 1-1,2-2-78,19-4 466,0 1 0,1 2 0,-1 0 0,1 1 0,0 2 0,0 1 0,-1 0 0,8 3-466,-27-1 36,1 0 0,-1 0 1,0 0-1,1 1 1,-1 0-1,-1 0 0,1 0 1,0 1-1,-1 0 0,0 0 1,0 0-1,0 1 0,0 0 1,-1 0-1,1 0 0,-1 0 1,-1 1-1,1-1 0,-1 1 1,0 0-1,0 0 0,0 2-36,4 7 57,-1 1 0,0-1 0,-1 1 0,-1 0 0,-1 0 0,0 1 0,-1-1 0,0 10-57,-2-26 33,0 1 1,0-1 0,0 0-1,0 0 1,0 1 0,0-1-1,0 0 1,0 0-1,0 0 1,0 1 0,0-1-1,0 0 1,0 0 0,0 1-1,-1-1 1,1 0 0,0 0-1,0 0 1,0 1-1,0-1 1,-1 0 0,1 0-1,0 0 1,0 0 0,0 1-1,-1-1 1,1 0-1,0 0 1,0 0 0,0 0-1,-1 0 1,1 0 0,0 0-1,0 0 1,-1 0 0,1 0-1,0 0 1,0 0-1,-1 0-33,-15-4 658,-35-22-480,-14-6 101,37 28-166,0 1 1,-1 1 0,0 2 0,1 0 0,-20 4-114,35 0 17,-1-1 0,1 2 0,0 0 0,0 0 0,0 1 0,1 1 0,0 0 0,0 1 0,1 0 0,0 1 0,0 0 0,1 1 0,-7 7-17,14-13 2,0 0-1,1 0 0,-1 0 1,1 1-1,0-1 1,0 0-1,0 1 0,1 0 1,0-1-1,0 1 0,0 0 1,0-1-1,1 3-1,2 63 154,-1-68-143,-1 0 0,1 1 0,-1-1-1,1 0 1,0 0 0,0 0-1,0 0 1,0 0 0,0 0-1,0 0 1,0 0 0,1 0 0,-1-1-1,1 1 1,0 0 0,-1-1-1,1 0 1,0 1 0,1 0-11,2 1 6,0-1 0,0 1 0,1-1 1,-1-1-1,0 1 0,1 0 0,-1-1 0,3 0-6,16 1 15,0-1-1,-1 0 0,20-4-14,-35 3 25,11-4-97,0 0 1,0-1 0,-1 0-1,0-2 1,0 0 0,-1-1-1,13-8 72,-4 3-641,-23 12 331,1-1 0,0 0 0,-1-1-1,1 1 1,-1-1 0,0 1 0,1-1-1,-1 0 1,-1 0 0,1 0 0,0-1-1,-1 1 1,0-1 0,0 1 0,0-1-1,1-1 311,8-44-7456,-10 16-528</inkml:trace>
+  <inkml:trace contextRef="#ctx0" brushRef="#br0">0 1 9090,'0'0'2168,"0"0"-2032,0 0-136,0 0-1448,0 0-2729</inkml:trace>
 </inkml:ink>
 </file>
 
@@ -6965,8 +7105,8 @@
           </a:prstGeom>
         </p:spPr>
       </p:pic>
-      <mc:AlternateContent xmlns:mc="http://schemas.openxmlformats.org/markup-compatibility/2006">
-        <mc:Choice xmlns:p14="http://schemas.microsoft.com/office/powerpoint/2010/main" Requires="p14">
+      <mc:AlternateContent xmlns:mc="http://schemas.openxmlformats.org/markup-compatibility/2006" xmlns:p14="http://schemas.microsoft.com/office/powerpoint/2010/main">
+        <mc:Choice Requires="p14">
           <p:contentPart p14:bwMode="auto" r:id="rId3">
             <p14:nvContentPartPr>
               <p14:cNvPr id="6" name="Ink 5">
@@ -6985,7 +7125,7 @@
             </p14:xfrm>
           </p:contentPart>
         </mc:Choice>
-        <mc:Fallback>
+        <mc:Fallback xmlns="">
           <p:pic>
             <p:nvPicPr>
               <p:cNvPr id="6" name="Ink 5">
@@ -7036,8 +7176,8 @@
             <a:chExt cx="1112400" cy="307440"/>
           </a:xfrm>
         </p:grpSpPr>
-        <mc:AlternateContent xmlns:mc="http://schemas.openxmlformats.org/markup-compatibility/2006">
-          <mc:Choice xmlns:p14="http://schemas.microsoft.com/office/powerpoint/2010/main" Requires="p14">
+        <mc:AlternateContent xmlns:mc="http://schemas.openxmlformats.org/markup-compatibility/2006" xmlns:p14="http://schemas.microsoft.com/office/powerpoint/2010/main">
+          <mc:Choice Requires="p14">
             <p:contentPart p14:bwMode="auto" r:id="rId5">
               <p14:nvContentPartPr>
                 <p14:cNvPr id="13" name="Ink 12">
@@ -7056,7 +7196,7 @@
               </p14:xfrm>
             </p:contentPart>
           </mc:Choice>
-          <mc:Fallback>
+          <mc:Fallback xmlns="">
             <p:pic>
               <p:nvPicPr>
                 <p:cNvPr id="13" name="Ink 12">
@@ -7087,8 +7227,8 @@
             </p:pic>
           </mc:Fallback>
         </mc:AlternateContent>
-        <mc:AlternateContent xmlns:mc="http://schemas.openxmlformats.org/markup-compatibility/2006">
-          <mc:Choice xmlns:p14="http://schemas.microsoft.com/office/powerpoint/2010/main" Requires="p14">
+        <mc:AlternateContent xmlns:mc="http://schemas.openxmlformats.org/markup-compatibility/2006" xmlns:p14="http://schemas.microsoft.com/office/powerpoint/2010/main">
+          <mc:Choice Requires="p14">
             <p:contentPart p14:bwMode="auto" r:id="rId7">
               <p14:nvContentPartPr>
                 <p14:cNvPr id="14" name="Ink 13">
@@ -7107,7 +7247,7 @@
               </p14:xfrm>
             </p:contentPart>
           </mc:Choice>
-          <mc:Fallback>
+          <mc:Fallback xmlns="">
             <p:pic>
               <p:nvPicPr>
                 <p:cNvPr id="14" name="Ink 13">
@@ -7138,8 +7278,8 @@
             </p:pic>
           </mc:Fallback>
         </mc:AlternateContent>
-        <mc:AlternateContent xmlns:mc="http://schemas.openxmlformats.org/markup-compatibility/2006">
-          <mc:Choice xmlns:p14="http://schemas.microsoft.com/office/powerpoint/2010/main" Requires="p14">
+        <mc:AlternateContent xmlns:mc="http://schemas.openxmlformats.org/markup-compatibility/2006" xmlns:p14="http://schemas.microsoft.com/office/powerpoint/2010/main">
+          <mc:Choice Requires="p14">
             <p:contentPart p14:bwMode="auto" r:id="rId9">
               <p14:nvContentPartPr>
                 <p14:cNvPr id="15" name="Ink 14">
@@ -7158,7 +7298,7 @@
               </p14:xfrm>
             </p:contentPart>
           </mc:Choice>
-          <mc:Fallback>
+          <mc:Fallback xmlns="">
             <p:pic>
               <p:nvPicPr>
                 <p:cNvPr id="15" name="Ink 14">
@@ -7189,8 +7329,8 @@
             </p:pic>
           </mc:Fallback>
         </mc:AlternateContent>
-        <mc:AlternateContent xmlns:mc="http://schemas.openxmlformats.org/markup-compatibility/2006">
-          <mc:Choice xmlns:p14="http://schemas.microsoft.com/office/powerpoint/2010/main" Requires="p14">
+        <mc:AlternateContent xmlns:mc="http://schemas.openxmlformats.org/markup-compatibility/2006" xmlns:p14="http://schemas.microsoft.com/office/powerpoint/2010/main">
+          <mc:Choice Requires="p14">
             <p:contentPart p14:bwMode="auto" r:id="rId11">
               <p14:nvContentPartPr>
                 <p14:cNvPr id="16" name="Ink 15">
@@ -7209,7 +7349,7 @@
               </p14:xfrm>
             </p:contentPart>
           </mc:Choice>
-          <mc:Fallback>
+          <mc:Fallback xmlns="">
             <p:pic>
               <p:nvPicPr>
                 <p:cNvPr id="16" name="Ink 15">
@@ -7240,8 +7380,8 @@
             </p:pic>
           </mc:Fallback>
         </mc:AlternateContent>
-        <mc:AlternateContent xmlns:mc="http://schemas.openxmlformats.org/markup-compatibility/2006">
-          <mc:Choice xmlns:p14="http://schemas.microsoft.com/office/powerpoint/2010/main" Requires="p14">
+        <mc:AlternateContent xmlns:mc="http://schemas.openxmlformats.org/markup-compatibility/2006" xmlns:p14="http://schemas.microsoft.com/office/powerpoint/2010/main">
+          <mc:Choice Requires="p14">
             <p:contentPart p14:bwMode="auto" r:id="rId13">
               <p14:nvContentPartPr>
                 <p14:cNvPr id="17" name="Ink 16">
@@ -7260,7 +7400,7 @@
               </p14:xfrm>
             </p:contentPart>
           </mc:Choice>
-          <mc:Fallback>
+          <mc:Fallback xmlns="">
             <p:pic>
               <p:nvPicPr>
                 <p:cNvPr id="17" name="Ink 16">
@@ -7617,8 +7757,8 @@
           </a:prstGeom>
         </p:spPr>
       </p:pic>
-      <mc:AlternateContent xmlns:mc="http://schemas.openxmlformats.org/markup-compatibility/2006">
-        <mc:Choice xmlns:p14="http://schemas.microsoft.com/office/powerpoint/2010/main" Requires="p14">
+      <mc:AlternateContent xmlns:mc="http://schemas.openxmlformats.org/markup-compatibility/2006" xmlns:p14="http://schemas.microsoft.com/office/powerpoint/2010/main">
+        <mc:Choice Requires="p14">
           <p:contentPart p14:bwMode="auto" r:id="rId3">
             <p14:nvContentPartPr>
               <p14:cNvPr id="6" name="Ink 5">
@@ -7637,7 +7777,7 @@
             </p14:xfrm>
           </p:contentPart>
         </mc:Choice>
-        <mc:Fallback>
+        <mc:Fallback xmlns="">
           <p:pic>
             <p:nvPicPr>
               <p:cNvPr id="6" name="Ink 5">
@@ -7688,8 +7828,8 @@
             <a:chExt cx="1112400" cy="307440"/>
           </a:xfrm>
         </p:grpSpPr>
-        <mc:AlternateContent xmlns:mc="http://schemas.openxmlformats.org/markup-compatibility/2006">
-          <mc:Choice xmlns:p14="http://schemas.microsoft.com/office/powerpoint/2010/main" Requires="p14">
+        <mc:AlternateContent xmlns:mc="http://schemas.openxmlformats.org/markup-compatibility/2006" xmlns:p14="http://schemas.microsoft.com/office/powerpoint/2010/main">
+          <mc:Choice Requires="p14">
             <p:contentPart p14:bwMode="auto" r:id="rId5">
               <p14:nvContentPartPr>
                 <p14:cNvPr id="13" name="Ink 12">
@@ -7708,7 +7848,7 @@
               </p14:xfrm>
             </p:contentPart>
           </mc:Choice>
-          <mc:Fallback>
+          <mc:Fallback xmlns="">
             <p:pic>
               <p:nvPicPr>
                 <p:cNvPr id="13" name="Ink 12">
@@ -7739,8 +7879,8 @@
             </p:pic>
           </mc:Fallback>
         </mc:AlternateContent>
-        <mc:AlternateContent xmlns:mc="http://schemas.openxmlformats.org/markup-compatibility/2006">
-          <mc:Choice xmlns:p14="http://schemas.microsoft.com/office/powerpoint/2010/main" Requires="p14">
+        <mc:AlternateContent xmlns:mc="http://schemas.openxmlformats.org/markup-compatibility/2006" xmlns:p14="http://schemas.microsoft.com/office/powerpoint/2010/main">
+          <mc:Choice Requires="p14">
             <p:contentPart p14:bwMode="auto" r:id="rId7">
               <p14:nvContentPartPr>
                 <p14:cNvPr id="14" name="Ink 13">
@@ -7759,7 +7899,7 @@
               </p14:xfrm>
             </p:contentPart>
           </mc:Choice>
-          <mc:Fallback>
+          <mc:Fallback xmlns="">
             <p:pic>
               <p:nvPicPr>
                 <p:cNvPr id="14" name="Ink 13">
@@ -7790,8 +7930,8 @@
             </p:pic>
           </mc:Fallback>
         </mc:AlternateContent>
-        <mc:AlternateContent xmlns:mc="http://schemas.openxmlformats.org/markup-compatibility/2006">
-          <mc:Choice xmlns:p14="http://schemas.microsoft.com/office/powerpoint/2010/main" Requires="p14">
+        <mc:AlternateContent xmlns:mc="http://schemas.openxmlformats.org/markup-compatibility/2006" xmlns:p14="http://schemas.microsoft.com/office/powerpoint/2010/main">
+          <mc:Choice Requires="p14">
             <p:contentPart p14:bwMode="auto" r:id="rId9">
               <p14:nvContentPartPr>
                 <p14:cNvPr id="15" name="Ink 14">
@@ -7810,7 +7950,7 @@
               </p14:xfrm>
             </p:contentPart>
           </mc:Choice>
-          <mc:Fallback>
+          <mc:Fallback xmlns="">
             <p:pic>
               <p:nvPicPr>
                 <p:cNvPr id="15" name="Ink 14">
@@ -7841,8 +7981,8 @@
             </p:pic>
           </mc:Fallback>
         </mc:AlternateContent>
-        <mc:AlternateContent xmlns:mc="http://schemas.openxmlformats.org/markup-compatibility/2006">
-          <mc:Choice xmlns:p14="http://schemas.microsoft.com/office/powerpoint/2010/main" Requires="p14">
+        <mc:AlternateContent xmlns:mc="http://schemas.openxmlformats.org/markup-compatibility/2006" xmlns:p14="http://schemas.microsoft.com/office/powerpoint/2010/main">
+          <mc:Choice Requires="p14">
             <p:contentPart p14:bwMode="auto" r:id="rId11">
               <p14:nvContentPartPr>
                 <p14:cNvPr id="16" name="Ink 15">
@@ -7861,7 +8001,7 @@
               </p14:xfrm>
             </p:contentPart>
           </mc:Choice>
-          <mc:Fallback>
+          <mc:Fallback xmlns="">
             <p:pic>
               <p:nvPicPr>
                 <p:cNvPr id="16" name="Ink 15">
@@ -7892,8 +8032,8 @@
             </p:pic>
           </mc:Fallback>
         </mc:AlternateContent>
-        <mc:AlternateContent xmlns:mc="http://schemas.openxmlformats.org/markup-compatibility/2006">
-          <mc:Choice xmlns:p14="http://schemas.microsoft.com/office/powerpoint/2010/main" Requires="p14">
+        <mc:AlternateContent xmlns:mc="http://schemas.openxmlformats.org/markup-compatibility/2006" xmlns:p14="http://schemas.microsoft.com/office/powerpoint/2010/main">
+          <mc:Choice Requires="p14">
             <p:contentPart p14:bwMode="auto" r:id="rId13">
               <p14:nvContentPartPr>
                 <p14:cNvPr id="17" name="Ink 16">
@@ -7912,7 +8052,7 @@
               </p14:xfrm>
             </p:contentPart>
           </mc:Choice>
-          <mc:Fallback>
+          <mc:Fallback xmlns="">
             <p:pic>
               <p:nvPicPr>
                 <p:cNvPr id="17" name="Ink 16">
@@ -8001,9 +8141,21 @@
             </a:r>
             <a:r>
               <a:rPr lang="en-US" dirty="0"/>
-              <a:t>: Merge/Conflict</a:t>
-            </a:r>
-            <a:endParaRPr lang="es-419" dirty="0"/>
+              <a:t>: </a:t>
+            </a:r>
+            <a:r>
+              <a:rPr lang="en-US" dirty="0">
+                <a:solidFill>
+                  <a:srgbClr val="FFC000"/>
+                </a:solidFill>
+              </a:rPr>
+              <a:t>Merge</a:t>
+            </a:r>
+            <a:endParaRPr lang="es-419" dirty="0">
+              <a:solidFill>
+                <a:srgbClr val="FFC000"/>
+              </a:solidFill>
+            </a:endParaRPr>
           </a:p>
         </p:txBody>
       </p:sp>
@@ -8033,8 +8185,143 @@
             </a:pPr>
             <a:r>
               <a:rPr lang="es-419" dirty="0"/>
-              <a:t> </a:t>
-            </a:r>
+              <a:t> Es la reunión de dos </a:t>
+            </a:r>
+            <a:r>
+              <a:rPr lang="es-419" dirty="0" err="1"/>
+              <a:t>branches</a:t>
+            </a:r>
+            <a:r>
+              <a:rPr lang="es-419" dirty="0"/>
+              <a:t>, similar a la operación de conjuntos </a:t>
+            </a:r>
+            <a:r>
+              <a:rPr lang="es-419" dirty="0" err="1"/>
+              <a:t>Join</a:t>
+            </a:r>
+            <a:r>
+              <a:rPr lang="es-419" dirty="0"/>
+              <a:t>/Unión</a:t>
+            </a:r>
+          </a:p>
+          <a:p>
+            <a:pPr marL="0" indent="0">
+              <a:buNone/>
+            </a:pPr>
+            <a:endParaRPr lang="es-419" dirty="0"/>
+          </a:p>
+          <a:p>
+            <a:pPr indent="-342900">
+              <a:buFontTx/>
+              <a:buChar char="-"/>
+            </a:pPr>
+            <a:r>
+              <a:rPr lang="es-419" dirty="0"/>
+              <a:t>Se combinan o agregan carpetas y sus archivos distintos</a:t>
+            </a:r>
+          </a:p>
+          <a:p>
+            <a:pPr indent="-342900">
+              <a:buFontTx/>
+              <a:buChar char="-"/>
+            </a:pPr>
+            <a:r>
+              <a:rPr lang="es-419" dirty="0"/>
+              <a:t>Si existen 2 archivos iguales hay 3 casos</a:t>
+            </a:r>
+          </a:p>
+          <a:p>
+            <a:pPr lvl="1" indent="-342900">
+              <a:buFontTx/>
+              <a:buChar char="-"/>
+            </a:pPr>
+            <a:r>
+              <a:rPr lang="es-419" dirty="0"/>
+              <a:t>Se </a:t>
+            </a:r>
+            <a:r>
+              <a:rPr lang="es-419" dirty="0">
+                <a:solidFill>
+                  <a:srgbClr val="FFC000"/>
+                </a:solidFill>
+              </a:rPr>
+              <a:t>conserva el mas reciente </a:t>
+            </a:r>
+            <a:r>
+              <a:rPr lang="es-419" dirty="0"/>
+              <a:t>si solo 1 Branch realizo cambios</a:t>
+            </a:r>
+          </a:p>
+          <a:p>
+            <a:pPr lvl="1" indent="-342900">
+              <a:buFontTx/>
+              <a:buChar char="-"/>
+            </a:pPr>
+            <a:r>
+              <a:rPr lang="es-419" dirty="0"/>
+              <a:t>Se </a:t>
+            </a:r>
+            <a:r>
+              <a:rPr lang="es-419" dirty="0">
+                <a:solidFill>
+                  <a:srgbClr val="FFC000"/>
+                </a:solidFill>
+              </a:rPr>
+              <a:t>combinan</a:t>
+            </a:r>
+            <a:r>
+              <a:rPr lang="es-419" dirty="0"/>
+              <a:t> los cambios a nivel de </a:t>
+            </a:r>
+            <a:r>
+              <a:rPr lang="es-419" dirty="0" err="1"/>
+              <a:t>Lineas</a:t>
+            </a:r>
+            <a:r>
+              <a:rPr lang="es-419" dirty="0"/>
+              <a:t> si hay cambios en ambos </a:t>
+            </a:r>
+            <a:r>
+              <a:rPr lang="es-419" dirty="0">
+                <a:solidFill>
+                  <a:srgbClr val="FFC000"/>
+                </a:solidFill>
+              </a:rPr>
+              <a:t>sin conflictos</a:t>
+            </a:r>
+          </a:p>
+          <a:p>
+            <a:pPr lvl="1" indent="-342900">
+              <a:buFontTx/>
+              <a:buChar char="-"/>
+            </a:pPr>
+            <a:r>
+              <a:rPr lang="es-419" dirty="0" err="1">
+                <a:solidFill>
+                  <a:srgbClr val="FFC000"/>
+                </a:solidFill>
+              </a:rPr>
+              <a:t>Merge-conflict</a:t>
+            </a:r>
+            <a:r>
+              <a:rPr lang="es-419" dirty="0"/>
+              <a:t>, se debe resolver con una herramienta de </a:t>
+            </a:r>
+            <a:r>
+              <a:rPr lang="es-419" dirty="0" err="1"/>
+              <a:t>merging</a:t>
+            </a:r>
+            <a:r>
+              <a:rPr lang="es-419" dirty="0"/>
+              <a:t> manualmente</a:t>
+            </a:r>
+          </a:p>
+          <a:p>
+            <a:pPr indent="-342900">
+              <a:buFontTx/>
+              <a:buChar char="-"/>
+            </a:pPr>
+            <a:endParaRPr lang="es-419" dirty="0"/>
           </a:p>
         </p:txBody>
       </p:sp>
@@ -8095,9 +8382,21 @@
             </a:r>
             <a:r>
               <a:rPr lang="en-US" dirty="0"/>
-              <a:t>: Merge/Conflict</a:t>
-            </a:r>
-            <a:endParaRPr lang="es-419" dirty="0"/>
+              <a:t>: </a:t>
+            </a:r>
+            <a:r>
+              <a:rPr lang="en-US" dirty="0">
+                <a:solidFill>
+                  <a:srgbClr val="FFC000"/>
+                </a:solidFill>
+              </a:rPr>
+              <a:t>Merge/Conflict</a:t>
+            </a:r>
+            <a:endParaRPr lang="es-419" dirty="0">
+              <a:solidFill>
+                <a:srgbClr val="FFC000"/>
+              </a:solidFill>
+            </a:endParaRPr>
           </a:p>
         </p:txBody>
       </p:sp>
@@ -8127,7 +8426,7 @@
             </a:pPr>
             <a:r>
               <a:rPr lang="es-419" dirty="0"/>
-              <a:t> </a:t>
+              <a:t> Cuando 2 archivos tienen contenidos que </a:t>
             </a:r>
           </a:p>
         </p:txBody>
@@ -11212,8 +11511,8 @@
           </a:prstGeom>
         </p:spPr>
       </p:pic>
-      <mc:AlternateContent xmlns:mc="http://schemas.openxmlformats.org/markup-compatibility/2006">
-        <mc:Choice xmlns:p14="http://schemas.microsoft.com/office/powerpoint/2010/main" Requires="p14">
+      <mc:AlternateContent xmlns:mc="http://schemas.openxmlformats.org/markup-compatibility/2006" xmlns:p14="http://schemas.microsoft.com/office/powerpoint/2010/main">
+        <mc:Choice Requires="p14">
           <p:contentPart p14:bwMode="auto" r:id="rId3">
             <p14:nvContentPartPr>
               <p14:cNvPr id="6" name="Ink 5">
@@ -11232,7 +11531,7 @@
             </p14:xfrm>
           </p:contentPart>
         </mc:Choice>
-        <mc:Fallback>
+        <mc:Fallback xmlns="">
           <p:pic>
             <p:nvPicPr>
               <p:cNvPr id="6" name="Ink 5">
@@ -11283,8 +11582,8 @@
             <a:chExt cx="1112400" cy="307440"/>
           </a:xfrm>
         </p:grpSpPr>
-        <mc:AlternateContent xmlns:mc="http://schemas.openxmlformats.org/markup-compatibility/2006">
-          <mc:Choice xmlns:p14="http://schemas.microsoft.com/office/powerpoint/2010/main" Requires="p14">
+        <mc:AlternateContent xmlns:mc="http://schemas.openxmlformats.org/markup-compatibility/2006" xmlns:p14="http://schemas.microsoft.com/office/powerpoint/2010/main">
+          <mc:Choice Requires="p14">
             <p:contentPart p14:bwMode="auto" r:id="rId5">
               <p14:nvContentPartPr>
                 <p14:cNvPr id="13" name="Ink 12">
@@ -11303,7 +11602,7 @@
               </p14:xfrm>
             </p:contentPart>
           </mc:Choice>
-          <mc:Fallback>
+          <mc:Fallback xmlns="">
             <p:pic>
               <p:nvPicPr>
                 <p:cNvPr id="13" name="Ink 12">
@@ -11334,8 +11633,8 @@
             </p:pic>
           </mc:Fallback>
         </mc:AlternateContent>
-        <mc:AlternateContent xmlns:mc="http://schemas.openxmlformats.org/markup-compatibility/2006">
-          <mc:Choice xmlns:p14="http://schemas.microsoft.com/office/powerpoint/2010/main" Requires="p14">
+        <mc:AlternateContent xmlns:mc="http://schemas.openxmlformats.org/markup-compatibility/2006" xmlns:p14="http://schemas.microsoft.com/office/powerpoint/2010/main">
+          <mc:Choice Requires="p14">
             <p:contentPart p14:bwMode="auto" r:id="rId7">
               <p14:nvContentPartPr>
                 <p14:cNvPr id="14" name="Ink 13">
@@ -11354,7 +11653,7 @@
               </p14:xfrm>
             </p:contentPart>
           </mc:Choice>
-          <mc:Fallback>
+          <mc:Fallback xmlns="">
             <p:pic>
               <p:nvPicPr>
                 <p:cNvPr id="14" name="Ink 13">
@@ -11385,8 +11684,8 @@
             </p:pic>
           </mc:Fallback>
         </mc:AlternateContent>
-        <mc:AlternateContent xmlns:mc="http://schemas.openxmlformats.org/markup-compatibility/2006">
-          <mc:Choice xmlns:p14="http://schemas.microsoft.com/office/powerpoint/2010/main" Requires="p14">
+        <mc:AlternateContent xmlns:mc="http://schemas.openxmlformats.org/markup-compatibility/2006" xmlns:p14="http://schemas.microsoft.com/office/powerpoint/2010/main">
+          <mc:Choice Requires="p14">
             <p:contentPart p14:bwMode="auto" r:id="rId9">
               <p14:nvContentPartPr>
                 <p14:cNvPr id="15" name="Ink 14">
@@ -11405,7 +11704,7 @@
               </p14:xfrm>
             </p:contentPart>
           </mc:Choice>
-          <mc:Fallback>
+          <mc:Fallback xmlns="">
             <p:pic>
               <p:nvPicPr>
                 <p:cNvPr id="15" name="Ink 14">
@@ -11436,8 +11735,8 @@
             </p:pic>
           </mc:Fallback>
         </mc:AlternateContent>
-        <mc:AlternateContent xmlns:mc="http://schemas.openxmlformats.org/markup-compatibility/2006">
-          <mc:Choice xmlns:p14="http://schemas.microsoft.com/office/powerpoint/2010/main" Requires="p14">
+        <mc:AlternateContent xmlns:mc="http://schemas.openxmlformats.org/markup-compatibility/2006" xmlns:p14="http://schemas.microsoft.com/office/powerpoint/2010/main">
+          <mc:Choice Requires="p14">
             <p:contentPart p14:bwMode="auto" r:id="rId11">
               <p14:nvContentPartPr>
                 <p14:cNvPr id="16" name="Ink 15">
@@ -11456,7 +11755,7 @@
               </p14:xfrm>
             </p:contentPart>
           </mc:Choice>
-          <mc:Fallback>
+          <mc:Fallback xmlns="">
             <p:pic>
               <p:nvPicPr>
                 <p:cNvPr id="16" name="Ink 15">
@@ -11487,8 +11786,8 @@
             </p:pic>
           </mc:Fallback>
         </mc:AlternateContent>
-        <mc:AlternateContent xmlns:mc="http://schemas.openxmlformats.org/markup-compatibility/2006">
-          <mc:Choice xmlns:p14="http://schemas.microsoft.com/office/powerpoint/2010/main" Requires="p14">
+        <mc:AlternateContent xmlns:mc="http://schemas.openxmlformats.org/markup-compatibility/2006" xmlns:p14="http://schemas.microsoft.com/office/powerpoint/2010/main">
+          <mc:Choice Requires="p14">
             <p:contentPart p14:bwMode="auto" r:id="rId13">
               <p14:nvContentPartPr>
                 <p14:cNvPr id="17" name="Ink 16">
@@ -11507,7 +11806,7 @@
               </p14:xfrm>
             </p:contentPart>
           </mc:Choice>
-          <mc:Fallback>
+          <mc:Fallback xmlns="">
             <p:pic>
               <p:nvPicPr>
                 <p:cNvPr id="17" name="Ink 16">
@@ -11530,6 +11829,303 @@
                 <a:xfrm>
                   <a:off x="3390642" y="5547090"/>
                   <a:ext cx="276120" cy="237240"/>
+                </a:xfrm>
+                <a:prstGeom prst="rect">
+                  <a:avLst/>
+                </a:prstGeom>
+              </p:spPr>
+            </p:pic>
+          </mc:Fallback>
+        </mc:AlternateContent>
+      </p:grpSp>
+      <p:grpSp>
+        <p:nvGrpSpPr>
+          <p:cNvPr id="23" name="Group 22">
+            <a:extLst>
+              <a:ext uri="{FF2B5EF4-FFF2-40B4-BE49-F238E27FC236}">
+                <a16:creationId xmlns:a16="http://schemas.microsoft.com/office/drawing/2014/main" id="{D6AC767B-05E4-41DB-BDA4-F2470E26DD39}"/>
+              </a:ext>
+            </a:extLst>
+          </p:cNvPr>
+          <p:cNvGrpSpPr/>
+          <p:nvPr/>
+        </p:nvGrpSpPr>
+        <p:grpSpPr>
+          <a:xfrm>
+            <a:off x="3267095" y="3608072"/>
+            <a:ext cx="514440" cy="580320"/>
+            <a:chOff x="3267095" y="3608072"/>
+            <a:chExt cx="514440" cy="580320"/>
+          </a:xfrm>
+        </p:grpSpPr>
+        <mc:AlternateContent xmlns:mc="http://schemas.openxmlformats.org/markup-compatibility/2006">
+          <mc:Choice xmlns:p14="http://schemas.microsoft.com/office/powerpoint/2010/main" Requires="p14">
+            <p:contentPart p14:bwMode="auto" r:id="rId15">
+              <p14:nvContentPartPr>
+                <p14:cNvPr id="21" name="Ink 20">
+                  <a:extLst>
+                    <a:ext uri="{FF2B5EF4-FFF2-40B4-BE49-F238E27FC236}">
+                      <a16:creationId xmlns:a16="http://schemas.microsoft.com/office/drawing/2014/main" id="{B94F1057-CB96-4D7B-8A80-9444A3D46C92}"/>
+                    </a:ext>
+                  </a:extLst>
+                </p14:cNvPr>
+                <p14:cNvContentPartPr/>
+                <p14:nvPr/>
+              </p14:nvContentPartPr>
+              <p14:xfrm>
+                <a:off x="3267095" y="3608072"/>
+                <a:ext cx="437760" cy="463320"/>
+              </p14:xfrm>
+            </p:contentPart>
+          </mc:Choice>
+          <mc:Fallback>
+            <p:pic>
+              <p:nvPicPr>
+                <p:cNvPr id="21" name="Ink 20">
+                  <a:extLst>
+                    <a:ext uri="{FF2B5EF4-FFF2-40B4-BE49-F238E27FC236}">
+                      <a16:creationId xmlns:a16="http://schemas.microsoft.com/office/drawing/2014/main" id="{B94F1057-CB96-4D7B-8A80-9444A3D46C92}"/>
+                    </a:ext>
+                  </a:extLst>
+                </p:cNvPr>
+                <p:cNvPicPr/>
+                <p:nvPr/>
+              </p:nvPicPr>
+              <p:blipFill>
+                <a:blip r:embed="rId16"/>
+                <a:stretch>
+                  <a:fillRect/>
+                </a:stretch>
+              </p:blipFill>
+              <p:spPr>
+                <a:xfrm>
+                  <a:off x="3249095" y="3590432"/>
+                  <a:ext cx="473400" cy="498960"/>
+                </a:xfrm>
+                <a:prstGeom prst="rect">
+                  <a:avLst/>
+                </a:prstGeom>
+              </p:spPr>
+            </p:pic>
+          </mc:Fallback>
+        </mc:AlternateContent>
+        <mc:AlternateContent xmlns:mc="http://schemas.openxmlformats.org/markup-compatibility/2006">
+          <mc:Choice xmlns:p14="http://schemas.microsoft.com/office/powerpoint/2010/main" Requires="p14">
+            <p:contentPart p14:bwMode="auto" r:id="rId17">
+              <p14:nvContentPartPr>
+                <p14:cNvPr id="22" name="Ink 21">
+                  <a:extLst>
+                    <a:ext uri="{FF2B5EF4-FFF2-40B4-BE49-F238E27FC236}">
+                      <a16:creationId xmlns:a16="http://schemas.microsoft.com/office/drawing/2014/main" id="{016979E3-6AC4-4557-AD48-B451760F500A}"/>
+                    </a:ext>
+                  </a:extLst>
+                </p14:cNvPr>
+                <p14:cNvContentPartPr/>
+                <p14:nvPr/>
+              </p14:nvContentPartPr>
+              <p14:xfrm>
+                <a:off x="3569135" y="3958352"/>
+                <a:ext cx="212400" cy="230040"/>
+              </p14:xfrm>
+            </p:contentPart>
+          </mc:Choice>
+          <mc:Fallback>
+            <p:pic>
+              <p:nvPicPr>
+                <p:cNvPr id="22" name="Ink 21">
+                  <a:extLst>
+                    <a:ext uri="{FF2B5EF4-FFF2-40B4-BE49-F238E27FC236}">
+                      <a16:creationId xmlns:a16="http://schemas.microsoft.com/office/drawing/2014/main" id="{016979E3-6AC4-4557-AD48-B451760F500A}"/>
+                    </a:ext>
+                  </a:extLst>
+                </p:cNvPr>
+                <p:cNvPicPr/>
+                <p:nvPr/>
+              </p:nvPicPr>
+              <p:blipFill>
+                <a:blip r:embed="rId18"/>
+                <a:stretch>
+                  <a:fillRect/>
+                </a:stretch>
+              </p:blipFill>
+              <p:spPr>
+                <a:xfrm>
+                  <a:off x="3551135" y="3940352"/>
+                  <a:ext cx="248040" cy="265680"/>
+                </a:xfrm>
+                <a:prstGeom prst="rect">
+                  <a:avLst/>
+                </a:prstGeom>
+              </p:spPr>
+            </p:pic>
+          </mc:Fallback>
+        </mc:AlternateContent>
+      </p:grpSp>
+      <mc:AlternateContent xmlns:mc="http://schemas.openxmlformats.org/markup-compatibility/2006">
+        <mc:Choice xmlns:p14="http://schemas.microsoft.com/office/powerpoint/2010/main" Requires="p14">
+          <p:contentPart p14:bwMode="auto" r:id="rId19">
+            <p14:nvContentPartPr>
+              <p14:cNvPr id="24" name="Ink 23">
+                <a:extLst>
+                  <a:ext uri="{FF2B5EF4-FFF2-40B4-BE49-F238E27FC236}">
+                    <a16:creationId xmlns:a16="http://schemas.microsoft.com/office/drawing/2014/main" id="{F1F2F581-BDDB-40C0-B090-F31359A8A2E7}"/>
+                  </a:ext>
+                </a:extLst>
+              </p14:cNvPr>
+              <p14:cNvContentPartPr/>
+              <p14:nvPr/>
+            </p14:nvContentPartPr>
+            <p14:xfrm>
+              <a:off x="2017895" y="1054232"/>
+              <a:ext cx="360" cy="360"/>
+            </p14:xfrm>
+          </p:contentPart>
+        </mc:Choice>
+        <mc:Fallback>
+          <p:pic>
+            <p:nvPicPr>
+              <p:cNvPr id="24" name="Ink 23">
+                <a:extLst>
+                  <a:ext uri="{FF2B5EF4-FFF2-40B4-BE49-F238E27FC236}">
+                    <a16:creationId xmlns:a16="http://schemas.microsoft.com/office/drawing/2014/main" id="{F1F2F581-BDDB-40C0-B090-F31359A8A2E7}"/>
+                  </a:ext>
+                </a:extLst>
+              </p:cNvPr>
+              <p:cNvPicPr/>
+              <p:nvPr/>
+            </p:nvPicPr>
+            <p:blipFill>
+              <a:blip r:embed="rId20"/>
+              <a:stretch>
+                <a:fillRect/>
+              </a:stretch>
+            </p:blipFill>
+            <p:spPr>
+              <a:xfrm>
+                <a:off x="1999895" y="1036592"/>
+                <a:ext cx="36000" cy="36000"/>
+              </a:xfrm>
+              <a:prstGeom prst="rect">
+                <a:avLst/>
+              </a:prstGeom>
+            </p:spPr>
+          </p:pic>
+        </mc:Fallback>
+      </mc:AlternateContent>
+      <p:grpSp>
+        <p:nvGrpSpPr>
+          <p:cNvPr id="27" name="Group 26">
+            <a:extLst>
+              <a:ext uri="{FF2B5EF4-FFF2-40B4-BE49-F238E27FC236}">
+                <a16:creationId xmlns:a16="http://schemas.microsoft.com/office/drawing/2014/main" id="{39BEB1F0-2FD7-4395-97F5-931AB00EF5EF}"/>
+              </a:ext>
+            </a:extLst>
+          </p:cNvPr>
+          <p:cNvGrpSpPr/>
+          <p:nvPr/>
+        </p:nvGrpSpPr>
+        <p:grpSpPr>
+          <a:xfrm>
+            <a:off x="5922095" y="4947632"/>
+            <a:ext cx="706320" cy="748080"/>
+            <a:chOff x="5922095" y="4947632"/>
+            <a:chExt cx="706320" cy="748080"/>
+          </a:xfrm>
+        </p:grpSpPr>
+        <mc:AlternateContent xmlns:mc="http://schemas.openxmlformats.org/markup-compatibility/2006">
+          <mc:Choice xmlns:p14="http://schemas.microsoft.com/office/powerpoint/2010/main" Requires="p14">
+            <p:contentPart p14:bwMode="auto" r:id="rId21">
+              <p14:nvContentPartPr>
+                <p14:cNvPr id="25" name="Ink 24">
+                  <a:extLst>
+                    <a:ext uri="{FF2B5EF4-FFF2-40B4-BE49-F238E27FC236}">
+                      <a16:creationId xmlns:a16="http://schemas.microsoft.com/office/drawing/2014/main" id="{39E09EA2-C2DF-4E13-B394-C8AA906456AA}"/>
+                    </a:ext>
+                  </a:extLst>
+                </p14:cNvPr>
+                <p14:cNvContentPartPr/>
+                <p14:nvPr/>
+              </p14:nvContentPartPr>
+              <p14:xfrm>
+                <a:off x="5922095" y="5127272"/>
+                <a:ext cx="546480" cy="568440"/>
+              </p14:xfrm>
+            </p:contentPart>
+          </mc:Choice>
+          <mc:Fallback>
+            <p:pic>
+              <p:nvPicPr>
+                <p:cNvPr id="25" name="Ink 24">
+                  <a:extLst>
+                    <a:ext uri="{FF2B5EF4-FFF2-40B4-BE49-F238E27FC236}">
+                      <a16:creationId xmlns:a16="http://schemas.microsoft.com/office/drawing/2014/main" id="{39E09EA2-C2DF-4E13-B394-C8AA906456AA}"/>
+                    </a:ext>
+                  </a:extLst>
+                </p:cNvPr>
+                <p:cNvPicPr/>
+                <p:nvPr/>
+              </p:nvPicPr>
+              <p:blipFill>
+                <a:blip r:embed="rId22"/>
+                <a:stretch>
+                  <a:fillRect/>
+                </a:stretch>
+              </p:blipFill>
+              <p:spPr>
+                <a:xfrm>
+                  <a:off x="5904455" y="5109632"/>
+                  <a:ext cx="582120" cy="604080"/>
+                </a:xfrm>
+                <a:prstGeom prst="rect">
+                  <a:avLst/>
+                </a:prstGeom>
+              </p:spPr>
+            </p:pic>
+          </mc:Fallback>
+        </mc:AlternateContent>
+        <mc:AlternateContent xmlns:mc="http://schemas.openxmlformats.org/markup-compatibility/2006">
+          <mc:Choice xmlns:p14="http://schemas.microsoft.com/office/powerpoint/2010/main" Requires="p14">
+            <p:contentPart p14:bwMode="auto" r:id="rId23">
+              <p14:nvContentPartPr>
+                <p14:cNvPr id="26" name="Ink 25">
+                  <a:extLst>
+                    <a:ext uri="{FF2B5EF4-FFF2-40B4-BE49-F238E27FC236}">
+                      <a16:creationId xmlns:a16="http://schemas.microsoft.com/office/drawing/2014/main" id="{37D4B687-2AED-42DB-AEE6-7384F35A342D}"/>
+                    </a:ext>
+                  </a:extLst>
+                </p14:cNvPr>
+                <p14:cNvContentPartPr/>
+                <p14:nvPr/>
+              </p14:nvContentPartPr>
+              <p14:xfrm>
+                <a:off x="6365255" y="4947632"/>
+                <a:ext cx="263160" cy="294840"/>
+              </p14:xfrm>
+            </p:contentPart>
+          </mc:Choice>
+          <mc:Fallback>
+            <p:pic>
+              <p:nvPicPr>
+                <p:cNvPr id="26" name="Ink 25">
+                  <a:extLst>
+                    <a:ext uri="{FF2B5EF4-FFF2-40B4-BE49-F238E27FC236}">
+                      <a16:creationId xmlns:a16="http://schemas.microsoft.com/office/drawing/2014/main" id="{37D4B687-2AED-42DB-AEE6-7384F35A342D}"/>
+                    </a:ext>
+                  </a:extLst>
+                </p:cNvPr>
+                <p:cNvPicPr/>
+                <p:nvPr/>
+              </p:nvPicPr>
+              <p:blipFill>
+                <a:blip r:embed="rId24"/>
+                <a:stretch>
+                  <a:fillRect/>
+                </a:stretch>
+              </p:blipFill>
+              <p:spPr>
+                <a:xfrm>
+                  <a:off x="6347615" y="4929992"/>
+                  <a:ext cx="298800" cy="330480"/>
                 </a:xfrm>
                 <a:prstGeom prst="rect">
                   <a:avLst/>
